--- a/wiki/Apresentação/Apresentação Final.pptx
+++ b/wiki/Apresentação/Apresentação Final.pptx
@@ -9,13 +9,18 @@
     <p:sldId id="257" r:id="rId3"/>
     <p:sldId id="259" r:id="rId4"/>
     <p:sldId id="260" r:id="rId5"/>
-    <p:sldId id="261" r:id="rId6"/>
+    <p:sldId id="270" r:id="rId6"/>
     <p:sldId id="262" r:id="rId7"/>
-    <p:sldId id="266" r:id="rId8"/>
-    <p:sldId id="264" r:id="rId9"/>
-    <p:sldId id="263" r:id="rId10"/>
-    <p:sldId id="265" r:id="rId11"/>
-    <p:sldId id="267" r:id="rId12"/>
+    <p:sldId id="271" r:id="rId8"/>
+    <p:sldId id="261" r:id="rId9"/>
+    <p:sldId id="266" r:id="rId10"/>
+    <p:sldId id="272" r:id="rId11"/>
+    <p:sldId id="269" r:id="rId12"/>
+    <p:sldId id="264" r:id="rId13"/>
+    <p:sldId id="263" r:id="rId14"/>
+    <p:sldId id="268" r:id="rId15"/>
+    <p:sldId id="265" r:id="rId16"/>
+    <p:sldId id="267" r:id="rId17"/>
   </p:sldIdLst>
   <p:sldSz cx="9144000" cy="6858000" type="screen4x3"/>
   <p:notesSz cx="6858000" cy="9144000"/>
@@ -398,7 +403,7 @@
             <a:fld id="{07B8A2C3-923E-4FB9-A25E-7291EC26C5E5}" type="datetimeFigureOut">
               <a:rPr lang="pt-BR" smtClean="0"/>
               <a:pPr/>
-              <a:t>28/11/2010</a:t>
+              <a:t>4/12/2010</a:t>
             </a:fld>
             <a:endParaRPr lang="pt-BR"/>
           </a:p>
@@ -793,7 +798,7 @@
             <a:fld id="{07B8A2C3-923E-4FB9-A25E-7291EC26C5E5}" type="datetimeFigureOut">
               <a:rPr lang="pt-BR" smtClean="0"/>
               <a:pPr/>
-              <a:t>28/11/2010</a:t>
+              <a:t>4/12/2010</a:t>
             </a:fld>
             <a:endParaRPr lang="pt-BR"/>
           </a:p>
@@ -1328,7 +1333,7 @@
             <a:fld id="{07B8A2C3-923E-4FB9-A25E-7291EC26C5E5}" type="datetimeFigureOut">
               <a:rPr lang="pt-BR" smtClean="0"/>
               <a:pPr/>
-              <a:t>28/11/2010</a:t>
+              <a:t>4/12/2010</a:t>
             </a:fld>
             <a:endParaRPr lang="pt-BR"/>
           </a:p>
@@ -1462,7 +1467,7 @@
             <a:fld id="{07B8A2C3-923E-4FB9-A25E-7291EC26C5E5}" type="datetimeFigureOut">
               <a:rPr lang="pt-BR" smtClean="0"/>
               <a:pPr/>
-              <a:t>28/11/2010</a:t>
+              <a:t>4/12/2010</a:t>
             </a:fld>
             <a:endParaRPr lang="pt-BR"/>
           </a:p>
@@ -2007,7 +2012,7 @@
             <a:fld id="{07B8A2C3-923E-4FB9-A25E-7291EC26C5E5}" type="datetimeFigureOut">
               <a:rPr lang="pt-BR" smtClean="0"/>
               <a:pPr/>
-              <a:t>28/11/2010</a:t>
+              <a:t>4/12/2010</a:t>
             </a:fld>
             <a:endParaRPr lang="pt-BR"/>
           </a:p>
@@ -2304,7 +2309,7 @@
             <a:fld id="{07B8A2C3-923E-4FB9-A25E-7291EC26C5E5}" type="datetimeFigureOut">
               <a:rPr lang="pt-BR" smtClean="0"/>
               <a:pPr/>
-              <a:t>28/11/2010</a:t>
+              <a:t>4/12/2010</a:t>
             </a:fld>
             <a:endParaRPr lang="pt-BR"/>
           </a:p>
@@ -2965,7 +2970,7 @@
             <a:fld id="{07B8A2C3-923E-4FB9-A25E-7291EC26C5E5}" type="datetimeFigureOut">
               <a:rPr lang="pt-BR" smtClean="0"/>
               <a:pPr/>
-              <a:t>28/11/2010</a:t>
+              <a:t>4/12/2010</a:t>
             </a:fld>
             <a:endParaRPr lang="pt-BR"/>
           </a:p>
@@ -3403,7 +3408,7 @@
             <a:fld id="{07B8A2C3-923E-4FB9-A25E-7291EC26C5E5}" type="datetimeFigureOut">
               <a:rPr lang="pt-BR" smtClean="0"/>
               <a:pPr/>
-              <a:t>28/11/2010</a:t>
+              <a:t>4/12/2010</a:t>
             </a:fld>
             <a:endParaRPr lang="pt-BR"/>
           </a:p>
@@ -3718,7 +3723,7 @@
             <a:fld id="{07B8A2C3-923E-4FB9-A25E-7291EC26C5E5}" type="datetimeFigureOut">
               <a:rPr lang="pt-BR" smtClean="0"/>
               <a:pPr/>
-              <a:t>28/11/2010</a:t>
+              <a:t>4/12/2010</a:t>
             </a:fld>
             <a:endParaRPr lang="pt-BR"/>
           </a:p>
@@ -4453,7 +4458,7 @@
             <a:fld id="{07B8A2C3-923E-4FB9-A25E-7291EC26C5E5}" type="datetimeFigureOut">
               <a:rPr lang="pt-BR" smtClean="0"/>
               <a:pPr/>
-              <a:t>28/11/2010</a:t>
+              <a:t>4/12/2010</a:t>
             </a:fld>
             <a:endParaRPr lang="pt-BR"/>
           </a:p>
@@ -5119,7 +5124,7 @@
             <a:fld id="{07B8A2C3-923E-4FB9-A25E-7291EC26C5E5}" type="datetimeFigureOut">
               <a:rPr lang="pt-BR" smtClean="0"/>
               <a:pPr/>
-              <a:t>28/11/2010</a:t>
+              <a:t>4/12/2010</a:t>
             </a:fld>
             <a:endParaRPr lang="pt-BR"/>
           </a:p>
@@ -5393,7 +5398,7 @@
             <a:fld id="{07B8A2C3-923E-4FB9-A25E-7291EC26C5E5}" type="datetimeFigureOut">
               <a:rPr lang="pt-BR" smtClean="0"/>
               <a:pPr/>
-              <a:t>28/11/2010</a:t>
+              <a:t>4/12/2010</a:t>
             </a:fld>
             <a:endParaRPr lang="pt-BR"/>
           </a:p>
@@ -6239,64 +6244,804 @@
       </p:grpSpPr>
       <p:sp>
         <p:nvSpPr>
-          <p:cNvPr id="9" name="CaixaDeTexto 8"/>
-          <p:cNvSpPr txBox="1"/>
+          <p:cNvPr id="2" name="Título 1"/>
+          <p:cNvSpPr>
+            <a:spLocks noGrp="1"/>
+          </p:cNvSpPr>
+          <p:nvPr>
+            <p:ph type="title"/>
+          </p:nvPr>
+        </p:nvSpPr>
+        <p:spPr/>
+        <p:txBody>
+          <a:bodyPr/>
+          <a:lstStyle/>
+          <a:p>
+            <a:r>
+              <a:rPr lang="pt-BR" dirty="0" smtClean="0"/>
+              <a:t>Custo Aproximado</a:t>
+            </a:r>
+            <a:endParaRPr lang="pt-BR" dirty="0"/>
+          </a:p>
+        </p:txBody>
+      </p:sp>
+      <p:graphicFrame>
+        <p:nvGraphicFramePr>
+          <p:cNvPr id="3" name="Tabela 2"/>
+          <p:cNvGraphicFramePr>
+            <a:graphicFrameLocks noGrp="1"/>
+          </p:cNvGraphicFramePr>
           <p:nvPr/>
-        </p:nvSpPr>
-        <p:spPr>
-          <a:xfrm>
-            <a:off x="611560" y="2132856"/>
-            <a:ext cx="237566" cy="369332"/>
-          </a:xfrm>
-          <a:prstGeom prst="rect">
-            <a:avLst/>
-          </a:prstGeom>
-          <a:noFill/>
-        </p:spPr>
-        <p:txBody>
-          <a:bodyPr wrap="none" rtlCol="0">
-            <a:spAutoFit/>
-          </a:bodyPr>
-          <a:lstStyle/>
-          <a:p>
-            <a:r>
-              <a:rPr lang="pt-BR" dirty="0" smtClean="0"/>
-              <a:t> </a:t>
-            </a:r>
-            <a:endParaRPr lang="pt-BR" dirty="0"/>
-          </a:p>
-        </p:txBody>
-      </p:sp>
-      <p:sp>
-        <p:nvSpPr>
-          <p:cNvPr id="10" name="CaixaDeTexto 9"/>
-          <p:cNvSpPr txBox="1"/>
-          <p:nvPr/>
-        </p:nvSpPr>
-        <p:spPr>
-          <a:xfrm>
-            <a:off x="539552" y="3131676"/>
-            <a:ext cx="7992888" cy="523220"/>
-          </a:xfrm>
-          <a:prstGeom prst="rect">
-            <a:avLst/>
-          </a:prstGeom>
-          <a:noFill/>
-        </p:spPr>
-        <p:txBody>
-          <a:bodyPr wrap="square" rtlCol="0">
-            <a:spAutoFit/>
-          </a:bodyPr>
-          <a:lstStyle/>
-          <a:p>
-            <a:pPr algn="ctr"/>
-            <a:r>
-              <a:rPr lang="pt-BR" sz="2800" b="1" dirty="0" smtClean="0"/>
-              <a:t>Dúvidas ?</a:t>
-            </a:r>
-          </a:p>
-        </p:txBody>
-      </p:sp>
+        </p:nvGraphicFramePr>
+        <p:xfrm>
+          <a:off x="1714480" y="2143116"/>
+          <a:ext cx="5286412" cy="2214576"/>
+        </p:xfrm>
+        <a:graphic>
+          <a:graphicData uri="http://schemas.openxmlformats.org/drawingml/2006/table">
+            <a:tbl>
+              <a:tblPr/>
+              <a:tblGrid>
+                <a:gridCol w="3643338"/>
+                <a:gridCol w="1643074"/>
+              </a:tblGrid>
+              <a:tr h="369096">
+                <a:tc>
+                  <a:txBody>
+                    <a:bodyPr/>
+                    <a:lstStyle/>
+                    <a:p>
+                      <a:pPr algn="ctr" fontAlgn="b"/>
+                      <a:r>
+                        <a:rPr lang="pt-BR" sz="1800" b="1" i="0" u="none" strike="noStrike" dirty="0" smtClean="0">
+                          <a:solidFill>
+                            <a:srgbClr val="FFFFFF"/>
+                          </a:solidFill>
+                          <a:latin typeface="+mn-lt"/>
+                        </a:rPr>
+                        <a:t>Equipamentos</a:t>
+                      </a:r>
+                      <a:endParaRPr lang="pt-BR" sz="1800" b="1" i="0" u="none" strike="noStrike" dirty="0">
+                        <a:solidFill>
+                          <a:srgbClr val="FFFFFF"/>
+                        </a:solidFill>
+                        <a:latin typeface="+mn-lt"/>
+                      </a:endParaRPr>
+                    </a:p>
+                  </a:txBody>
+                  <a:tcPr marL="9525" marR="9525" marT="9525" marB="0" anchor="b">
+                    <a:lnL w="6350" cap="flat" cmpd="sng" algn="ctr">
+                      <a:solidFill>
+                        <a:srgbClr val="000000"/>
+                      </a:solidFill>
+                      <a:prstDash val="solid"/>
+                      <a:round/>
+                      <a:headEnd type="none" w="med" len="med"/>
+                      <a:tailEnd type="none" w="med" len="med"/>
+                    </a:lnL>
+                    <a:lnR w="6350" cap="flat" cmpd="sng" algn="ctr">
+                      <a:solidFill>
+                        <a:srgbClr val="000000"/>
+                      </a:solidFill>
+                      <a:prstDash val="solid"/>
+                      <a:round/>
+                      <a:headEnd type="none" w="med" len="med"/>
+                      <a:tailEnd type="none" w="med" len="med"/>
+                    </a:lnR>
+                    <a:lnT w="6350" cap="flat" cmpd="sng" algn="ctr">
+                      <a:solidFill>
+                        <a:srgbClr val="000000"/>
+                      </a:solidFill>
+                      <a:prstDash val="solid"/>
+                      <a:round/>
+                      <a:headEnd type="none" w="med" len="med"/>
+                      <a:tailEnd type="none" w="med" len="med"/>
+                    </a:lnT>
+                    <a:lnB w="6350" cap="flat" cmpd="sng" algn="ctr">
+                      <a:solidFill>
+                        <a:srgbClr val="000000"/>
+                      </a:solidFill>
+                      <a:prstDash val="solid"/>
+                      <a:round/>
+                      <a:headEnd type="none" w="med" len="med"/>
+                      <a:tailEnd type="none" w="med" len="med"/>
+                    </a:lnB>
+                    <a:solidFill>
+                      <a:srgbClr val="C0504D"/>
+                    </a:solidFill>
+                  </a:tcPr>
+                </a:tc>
+                <a:tc>
+                  <a:txBody>
+                    <a:bodyPr/>
+                    <a:lstStyle/>
+                    <a:p>
+                      <a:pPr algn="ctr" fontAlgn="b"/>
+                      <a:r>
+                        <a:rPr lang="pt-BR" sz="1800" b="1" i="0" u="none" strike="noStrike">
+                          <a:solidFill>
+                            <a:srgbClr val="FFFFFF"/>
+                          </a:solidFill>
+                          <a:latin typeface="+mn-lt"/>
+                        </a:rPr>
+                        <a:t>Custo (R$)</a:t>
+                      </a:r>
+                    </a:p>
+                  </a:txBody>
+                  <a:tcPr marL="9525" marR="9525" marT="9525" marB="0" anchor="b">
+                    <a:lnL w="6350" cap="flat" cmpd="sng" algn="ctr">
+                      <a:solidFill>
+                        <a:srgbClr val="000000"/>
+                      </a:solidFill>
+                      <a:prstDash val="solid"/>
+                      <a:round/>
+                      <a:headEnd type="none" w="med" len="med"/>
+                      <a:tailEnd type="none" w="med" len="med"/>
+                    </a:lnL>
+                    <a:lnR w="6350" cap="flat" cmpd="sng" algn="ctr">
+                      <a:solidFill>
+                        <a:srgbClr val="000000"/>
+                      </a:solidFill>
+                      <a:prstDash val="solid"/>
+                      <a:round/>
+                      <a:headEnd type="none" w="med" len="med"/>
+                      <a:tailEnd type="none" w="med" len="med"/>
+                    </a:lnR>
+                    <a:lnT w="6350" cap="flat" cmpd="sng" algn="ctr">
+                      <a:solidFill>
+                        <a:srgbClr val="000000"/>
+                      </a:solidFill>
+                      <a:prstDash val="solid"/>
+                      <a:round/>
+                      <a:headEnd type="none" w="med" len="med"/>
+                      <a:tailEnd type="none" w="med" len="med"/>
+                    </a:lnT>
+                    <a:lnB w="6350" cap="flat" cmpd="sng" algn="ctr">
+                      <a:solidFill>
+                        <a:srgbClr val="000000"/>
+                      </a:solidFill>
+                      <a:prstDash val="solid"/>
+                      <a:round/>
+                      <a:headEnd type="none" w="med" len="med"/>
+                      <a:tailEnd type="none" w="med" len="med"/>
+                    </a:lnB>
+                    <a:solidFill>
+                      <a:srgbClr val="C0504D"/>
+                    </a:solidFill>
+                  </a:tcPr>
+                </a:tc>
+              </a:tr>
+              <a:tr h="369096">
+                <a:tc>
+                  <a:txBody>
+                    <a:bodyPr/>
+                    <a:lstStyle/>
+                    <a:p>
+                      <a:pPr algn="ctr" fontAlgn="b"/>
+                      <a:r>
+                        <a:rPr lang="pt-BR" sz="1800" b="0" i="0" u="none" strike="noStrike" dirty="0">
+                          <a:solidFill>
+                            <a:srgbClr val="000000"/>
+                          </a:solidFill>
+                          <a:latin typeface="+mn-lt"/>
+                        </a:rPr>
+                        <a:t>Servidor Banco de Dados</a:t>
+                      </a:r>
+                    </a:p>
+                  </a:txBody>
+                  <a:tcPr marL="9525" marR="9525" marT="9525" marB="0" anchor="b">
+                    <a:lnL w="6350" cap="flat" cmpd="sng" algn="ctr">
+                      <a:solidFill>
+                        <a:srgbClr val="000000"/>
+                      </a:solidFill>
+                      <a:prstDash val="solid"/>
+                      <a:round/>
+                      <a:headEnd type="none" w="med" len="med"/>
+                      <a:tailEnd type="none" w="med" len="med"/>
+                    </a:lnL>
+                    <a:lnR w="6350" cap="flat" cmpd="sng" algn="ctr">
+                      <a:solidFill>
+                        <a:srgbClr val="000000"/>
+                      </a:solidFill>
+                      <a:prstDash val="solid"/>
+                      <a:round/>
+                      <a:headEnd type="none" w="med" len="med"/>
+                      <a:tailEnd type="none" w="med" len="med"/>
+                    </a:lnR>
+                    <a:lnT w="6350" cap="flat" cmpd="sng" algn="ctr">
+                      <a:solidFill>
+                        <a:srgbClr val="000000"/>
+                      </a:solidFill>
+                      <a:prstDash val="solid"/>
+                      <a:round/>
+                      <a:headEnd type="none" w="med" len="med"/>
+                      <a:tailEnd type="none" w="med" len="med"/>
+                    </a:lnT>
+                    <a:lnB w="6350" cap="flat" cmpd="sng" algn="ctr">
+                      <a:solidFill>
+                        <a:srgbClr val="000000"/>
+                      </a:solidFill>
+                      <a:prstDash val="solid"/>
+                      <a:round/>
+                      <a:headEnd type="none" w="med" len="med"/>
+                      <a:tailEnd type="none" w="med" len="med"/>
+                    </a:lnB>
+                    <a:solidFill>
+                      <a:srgbClr val="F2DDDC"/>
+                    </a:solidFill>
+                  </a:tcPr>
+                </a:tc>
+                <a:tc>
+                  <a:txBody>
+                    <a:bodyPr/>
+                    <a:lstStyle/>
+                    <a:p>
+                      <a:pPr algn="ctr" fontAlgn="b"/>
+                      <a:r>
+                        <a:rPr lang="pt-BR" sz="1800" b="0" i="0" u="none" strike="noStrike" dirty="0" smtClean="0">
+                          <a:solidFill>
+                            <a:srgbClr val="000000"/>
+                          </a:solidFill>
+                          <a:latin typeface="+mn-lt"/>
+                        </a:rPr>
+                        <a:t>5000,00</a:t>
+                      </a:r>
+                      <a:endParaRPr lang="pt-BR" sz="1800" b="0" i="0" u="none" strike="noStrike" dirty="0">
+                        <a:solidFill>
+                          <a:srgbClr val="000000"/>
+                        </a:solidFill>
+                        <a:latin typeface="+mn-lt"/>
+                      </a:endParaRPr>
+                    </a:p>
+                  </a:txBody>
+                  <a:tcPr marL="9525" marR="9525" marT="9525" marB="0" anchor="b">
+                    <a:lnL w="6350" cap="flat" cmpd="sng" algn="ctr">
+                      <a:solidFill>
+                        <a:srgbClr val="000000"/>
+                      </a:solidFill>
+                      <a:prstDash val="solid"/>
+                      <a:round/>
+                      <a:headEnd type="none" w="med" len="med"/>
+                      <a:tailEnd type="none" w="med" len="med"/>
+                    </a:lnL>
+                    <a:lnR w="6350" cap="flat" cmpd="sng" algn="ctr">
+                      <a:solidFill>
+                        <a:srgbClr val="000000"/>
+                      </a:solidFill>
+                      <a:prstDash val="solid"/>
+                      <a:round/>
+                      <a:headEnd type="none" w="med" len="med"/>
+                      <a:tailEnd type="none" w="med" len="med"/>
+                    </a:lnR>
+                    <a:lnT w="6350" cap="flat" cmpd="sng" algn="ctr">
+                      <a:solidFill>
+                        <a:srgbClr val="000000"/>
+                      </a:solidFill>
+                      <a:prstDash val="solid"/>
+                      <a:round/>
+                      <a:headEnd type="none" w="med" len="med"/>
+                      <a:tailEnd type="none" w="med" len="med"/>
+                    </a:lnT>
+                    <a:lnB w="6350" cap="flat" cmpd="sng" algn="ctr">
+                      <a:solidFill>
+                        <a:srgbClr val="000000"/>
+                      </a:solidFill>
+                      <a:prstDash val="solid"/>
+                      <a:round/>
+                      <a:headEnd type="none" w="med" len="med"/>
+                      <a:tailEnd type="none" w="med" len="med"/>
+                    </a:lnB>
+                    <a:solidFill>
+                      <a:srgbClr val="F2DDDC"/>
+                    </a:solidFill>
+                  </a:tcPr>
+                </a:tc>
+              </a:tr>
+              <a:tr h="369096">
+                <a:tc>
+                  <a:txBody>
+                    <a:bodyPr/>
+                    <a:lstStyle/>
+                    <a:p>
+                      <a:pPr algn="ctr" fontAlgn="b"/>
+                      <a:r>
+                        <a:rPr lang="pt-BR" sz="1800" b="0" i="0" u="none" strike="noStrike" dirty="0">
+                          <a:solidFill>
+                            <a:srgbClr val="000000"/>
+                          </a:solidFill>
+                          <a:latin typeface="+mn-lt"/>
+                        </a:rPr>
+                        <a:t>Servidor Web</a:t>
+                      </a:r>
+                    </a:p>
+                  </a:txBody>
+                  <a:tcPr marL="9525" marR="9525" marT="9525" marB="0" anchor="b">
+                    <a:lnL w="6350" cap="flat" cmpd="sng" algn="ctr">
+                      <a:solidFill>
+                        <a:srgbClr val="000000"/>
+                      </a:solidFill>
+                      <a:prstDash val="solid"/>
+                      <a:round/>
+                      <a:headEnd type="none" w="med" len="med"/>
+                      <a:tailEnd type="none" w="med" len="med"/>
+                    </a:lnL>
+                    <a:lnR w="6350" cap="flat" cmpd="sng" algn="ctr">
+                      <a:solidFill>
+                        <a:srgbClr val="000000"/>
+                      </a:solidFill>
+                      <a:prstDash val="solid"/>
+                      <a:round/>
+                      <a:headEnd type="none" w="med" len="med"/>
+                      <a:tailEnd type="none" w="med" len="med"/>
+                    </a:lnR>
+                    <a:lnT w="6350" cap="flat" cmpd="sng" algn="ctr">
+                      <a:solidFill>
+                        <a:srgbClr val="000000"/>
+                      </a:solidFill>
+                      <a:prstDash val="solid"/>
+                      <a:round/>
+                      <a:headEnd type="none" w="med" len="med"/>
+                      <a:tailEnd type="none" w="med" len="med"/>
+                    </a:lnT>
+                    <a:lnB w="6350" cap="flat" cmpd="sng" algn="ctr">
+                      <a:solidFill>
+                        <a:srgbClr val="000000"/>
+                      </a:solidFill>
+                      <a:prstDash val="solid"/>
+                      <a:round/>
+                      <a:headEnd type="none" w="med" len="med"/>
+                      <a:tailEnd type="none" w="med" len="med"/>
+                    </a:lnB>
+                  </a:tcPr>
+                </a:tc>
+                <a:tc>
+                  <a:txBody>
+                    <a:bodyPr/>
+                    <a:lstStyle/>
+                    <a:p>
+                      <a:pPr algn="ctr" fontAlgn="b"/>
+                      <a:r>
+                        <a:rPr lang="pt-BR" sz="1800" b="0" i="0" u="none" strike="noStrike" dirty="0" smtClean="0">
+                          <a:solidFill>
+                            <a:srgbClr val="000000"/>
+                          </a:solidFill>
+                          <a:latin typeface="+mn-lt"/>
+                        </a:rPr>
+                        <a:t>5000,00</a:t>
+                      </a:r>
+                      <a:endParaRPr lang="pt-BR" sz="1800" b="0" i="0" u="none" strike="noStrike" dirty="0">
+                        <a:solidFill>
+                          <a:srgbClr val="000000"/>
+                        </a:solidFill>
+                        <a:latin typeface="+mn-lt"/>
+                      </a:endParaRPr>
+                    </a:p>
+                  </a:txBody>
+                  <a:tcPr marL="9525" marR="9525" marT="9525" marB="0" anchor="b">
+                    <a:lnL w="6350" cap="flat" cmpd="sng" algn="ctr">
+                      <a:solidFill>
+                        <a:srgbClr val="000000"/>
+                      </a:solidFill>
+                      <a:prstDash val="solid"/>
+                      <a:round/>
+                      <a:headEnd type="none" w="med" len="med"/>
+                      <a:tailEnd type="none" w="med" len="med"/>
+                    </a:lnL>
+                    <a:lnR w="6350" cap="flat" cmpd="sng" algn="ctr">
+                      <a:solidFill>
+                        <a:srgbClr val="000000"/>
+                      </a:solidFill>
+                      <a:prstDash val="solid"/>
+                      <a:round/>
+                      <a:headEnd type="none" w="med" len="med"/>
+                      <a:tailEnd type="none" w="med" len="med"/>
+                    </a:lnR>
+                    <a:lnT w="6350" cap="flat" cmpd="sng" algn="ctr">
+                      <a:solidFill>
+                        <a:srgbClr val="000000"/>
+                      </a:solidFill>
+                      <a:prstDash val="solid"/>
+                      <a:round/>
+                      <a:headEnd type="none" w="med" len="med"/>
+                      <a:tailEnd type="none" w="med" len="med"/>
+                    </a:lnT>
+                    <a:lnB w="6350" cap="flat" cmpd="sng" algn="ctr">
+                      <a:solidFill>
+                        <a:srgbClr val="000000"/>
+                      </a:solidFill>
+                      <a:prstDash val="solid"/>
+                      <a:round/>
+                      <a:headEnd type="none" w="med" len="med"/>
+                      <a:tailEnd type="none" w="med" len="med"/>
+                    </a:lnB>
+                  </a:tcPr>
+                </a:tc>
+              </a:tr>
+              <a:tr h="369096">
+                <a:tc>
+                  <a:txBody>
+                    <a:bodyPr/>
+                    <a:lstStyle/>
+                    <a:p>
+                      <a:pPr algn="ctr" fontAlgn="b"/>
+                      <a:r>
+                        <a:rPr lang="pt-BR" sz="1800" b="0" i="0" u="none" strike="noStrike" dirty="0">
+                          <a:solidFill>
+                            <a:srgbClr val="000000"/>
+                          </a:solidFill>
+                          <a:latin typeface="+mn-lt"/>
+                        </a:rPr>
+                        <a:t>Terminal</a:t>
+                      </a:r>
+                    </a:p>
+                  </a:txBody>
+                  <a:tcPr marL="9525" marR="9525" marT="9525" marB="0" anchor="b">
+                    <a:lnL w="6350" cap="flat" cmpd="sng" algn="ctr">
+                      <a:solidFill>
+                        <a:srgbClr val="000000"/>
+                      </a:solidFill>
+                      <a:prstDash val="solid"/>
+                      <a:round/>
+                      <a:headEnd type="none" w="med" len="med"/>
+                      <a:tailEnd type="none" w="med" len="med"/>
+                    </a:lnL>
+                    <a:lnR w="6350" cap="flat" cmpd="sng" algn="ctr">
+                      <a:solidFill>
+                        <a:srgbClr val="000000"/>
+                      </a:solidFill>
+                      <a:prstDash val="solid"/>
+                      <a:round/>
+                      <a:headEnd type="none" w="med" len="med"/>
+                      <a:tailEnd type="none" w="med" len="med"/>
+                    </a:lnR>
+                    <a:lnT w="6350" cap="flat" cmpd="sng" algn="ctr">
+                      <a:solidFill>
+                        <a:srgbClr val="000000"/>
+                      </a:solidFill>
+                      <a:prstDash val="solid"/>
+                      <a:round/>
+                      <a:headEnd type="none" w="med" len="med"/>
+                      <a:tailEnd type="none" w="med" len="med"/>
+                    </a:lnT>
+                    <a:lnB w="6350" cap="flat" cmpd="sng" algn="ctr">
+                      <a:solidFill>
+                        <a:srgbClr val="000000"/>
+                      </a:solidFill>
+                      <a:prstDash val="solid"/>
+                      <a:round/>
+                      <a:headEnd type="none" w="med" len="med"/>
+                      <a:tailEnd type="none" w="med" len="med"/>
+                    </a:lnB>
+                    <a:solidFill>
+                      <a:srgbClr val="F2DDDC"/>
+                    </a:solidFill>
+                  </a:tcPr>
+                </a:tc>
+                <a:tc>
+                  <a:txBody>
+                    <a:bodyPr/>
+                    <a:lstStyle/>
+                    <a:p>
+                      <a:pPr algn="ctr" fontAlgn="b"/>
+                      <a:r>
+                        <a:rPr lang="pt-BR" sz="1800" b="0" i="0" u="none" strike="noStrike" dirty="0" smtClean="0">
+                          <a:solidFill>
+                            <a:srgbClr val="000000"/>
+                          </a:solidFill>
+                          <a:latin typeface="+mn-lt"/>
+                        </a:rPr>
+                        <a:t>3500,00</a:t>
+                      </a:r>
+                      <a:endParaRPr lang="pt-BR" sz="1800" b="0" i="0" u="none" strike="noStrike" dirty="0">
+                        <a:solidFill>
+                          <a:srgbClr val="000000"/>
+                        </a:solidFill>
+                        <a:latin typeface="+mn-lt"/>
+                      </a:endParaRPr>
+                    </a:p>
+                  </a:txBody>
+                  <a:tcPr marL="9525" marR="9525" marT="9525" marB="0" anchor="b">
+                    <a:lnL w="6350" cap="flat" cmpd="sng" algn="ctr">
+                      <a:solidFill>
+                        <a:srgbClr val="000000"/>
+                      </a:solidFill>
+                      <a:prstDash val="solid"/>
+                      <a:round/>
+                      <a:headEnd type="none" w="med" len="med"/>
+                      <a:tailEnd type="none" w="med" len="med"/>
+                    </a:lnL>
+                    <a:lnR w="6350" cap="flat" cmpd="sng" algn="ctr">
+                      <a:solidFill>
+                        <a:srgbClr val="000000"/>
+                      </a:solidFill>
+                      <a:prstDash val="solid"/>
+                      <a:round/>
+                      <a:headEnd type="none" w="med" len="med"/>
+                      <a:tailEnd type="none" w="med" len="med"/>
+                    </a:lnR>
+                    <a:lnT w="6350" cap="flat" cmpd="sng" algn="ctr">
+                      <a:solidFill>
+                        <a:srgbClr val="000000"/>
+                      </a:solidFill>
+                      <a:prstDash val="solid"/>
+                      <a:round/>
+                      <a:headEnd type="none" w="med" len="med"/>
+                      <a:tailEnd type="none" w="med" len="med"/>
+                    </a:lnT>
+                    <a:lnB w="6350" cap="flat" cmpd="sng" algn="ctr">
+                      <a:solidFill>
+                        <a:srgbClr val="000000"/>
+                      </a:solidFill>
+                      <a:prstDash val="solid"/>
+                      <a:round/>
+                      <a:headEnd type="none" w="med" len="med"/>
+                      <a:tailEnd type="none" w="med" len="med"/>
+                    </a:lnB>
+                    <a:solidFill>
+                      <a:srgbClr val="F2DDDC"/>
+                    </a:solidFill>
+                  </a:tcPr>
+                </a:tc>
+              </a:tr>
+              <a:tr h="369096">
+                <a:tc>
+                  <a:txBody>
+                    <a:bodyPr/>
+                    <a:lstStyle/>
+                    <a:p>
+                      <a:pPr algn="ctr" fontAlgn="b"/>
+                      <a:r>
+                        <a:rPr lang="pt-BR" sz="1800" b="0" i="0" u="none" strike="noStrike" dirty="0">
+                          <a:solidFill>
+                            <a:srgbClr val="000000"/>
+                          </a:solidFill>
+                          <a:latin typeface="+mn-lt"/>
+                        </a:rPr>
+                        <a:t>Leitor de Código de Barra</a:t>
+                      </a:r>
+                    </a:p>
+                  </a:txBody>
+                  <a:tcPr marL="9525" marR="9525" marT="9525" marB="0" anchor="b">
+                    <a:lnL w="6350" cap="flat" cmpd="sng" algn="ctr">
+                      <a:solidFill>
+                        <a:srgbClr val="000000"/>
+                      </a:solidFill>
+                      <a:prstDash val="solid"/>
+                      <a:round/>
+                      <a:headEnd type="none" w="med" len="med"/>
+                      <a:tailEnd type="none" w="med" len="med"/>
+                    </a:lnL>
+                    <a:lnR w="6350" cap="flat" cmpd="sng" algn="ctr">
+                      <a:solidFill>
+                        <a:srgbClr val="000000"/>
+                      </a:solidFill>
+                      <a:prstDash val="solid"/>
+                      <a:round/>
+                      <a:headEnd type="none" w="med" len="med"/>
+                      <a:tailEnd type="none" w="med" len="med"/>
+                    </a:lnR>
+                    <a:lnT w="6350" cap="flat" cmpd="sng" algn="ctr">
+                      <a:solidFill>
+                        <a:srgbClr val="000000"/>
+                      </a:solidFill>
+                      <a:prstDash val="solid"/>
+                      <a:round/>
+                      <a:headEnd type="none" w="med" len="med"/>
+                      <a:tailEnd type="none" w="med" len="med"/>
+                    </a:lnT>
+                    <a:lnB w="6350" cap="flat" cmpd="sng" algn="ctr">
+                      <a:solidFill>
+                        <a:srgbClr val="000000"/>
+                      </a:solidFill>
+                      <a:prstDash val="solid"/>
+                      <a:round/>
+                      <a:headEnd type="none" w="med" len="med"/>
+                      <a:tailEnd type="none" w="med" len="med"/>
+                    </a:lnB>
+                  </a:tcPr>
+                </a:tc>
+                <a:tc>
+                  <a:txBody>
+                    <a:bodyPr/>
+                    <a:lstStyle/>
+                    <a:p>
+                      <a:pPr algn="ctr" fontAlgn="b"/>
+                      <a:r>
+                        <a:rPr lang="pt-BR" sz="1800" b="0" i="0" u="none" strike="noStrike" dirty="0" smtClean="0">
+                          <a:solidFill>
+                            <a:srgbClr val="000000"/>
+                          </a:solidFill>
+                          <a:latin typeface="+mn-lt"/>
+                        </a:rPr>
+                        <a:t>100,00</a:t>
+                      </a:r>
+                      <a:endParaRPr lang="pt-BR" sz="1800" b="0" i="0" u="none" strike="noStrike" dirty="0">
+                        <a:solidFill>
+                          <a:srgbClr val="000000"/>
+                        </a:solidFill>
+                        <a:latin typeface="+mn-lt"/>
+                      </a:endParaRPr>
+                    </a:p>
+                  </a:txBody>
+                  <a:tcPr marL="9525" marR="9525" marT="9525" marB="0" anchor="b">
+                    <a:lnL w="6350" cap="flat" cmpd="sng" algn="ctr">
+                      <a:solidFill>
+                        <a:srgbClr val="000000"/>
+                      </a:solidFill>
+                      <a:prstDash val="solid"/>
+                      <a:round/>
+                      <a:headEnd type="none" w="med" len="med"/>
+                      <a:tailEnd type="none" w="med" len="med"/>
+                    </a:lnL>
+                    <a:lnR w="6350" cap="flat" cmpd="sng" algn="ctr">
+                      <a:solidFill>
+                        <a:srgbClr val="000000"/>
+                      </a:solidFill>
+                      <a:prstDash val="solid"/>
+                      <a:round/>
+                      <a:headEnd type="none" w="med" len="med"/>
+                      <a:tailEnd type="none" w="med" len="med"/>
+                    </a:lnR>
+                    <a:lnT w="6350" cap="flat" cmpd="sng" algn="ctr">
+                      <a:solidFill>
+                        <a:srgbClr val="000000"/>
+                      </a:solidFill>
+                      <a:prstDash val="solid"/>
+                      <a:round/>
+                      <a:headEnd type="none" w="med" len="med"/>
+                      <a:tailEnd type="none" w="med" len="med"/>
+                    </a:lnT>
+                    <a:lnB w="6350" cap="flat" cmpd="sng" algn="ctr">
+                      <a:solidFill>
+                        <a:srgbClr val="000000"/>
+                      </a:solidFill>
+                      <a:prstDash val="solid"/>
+                      <a:round/>
+                      <a:headEnd type="none" w="med" len="med"/>
+                      <a:tailEnd type="none" w="med" len="med"/>
+                    </a:lnB>
+                  </a:tcPr>
+                </a:tc>
+              </a:tr>
+              <a:tr h="369096">
+                <a:tc>
+                  <a:txBody>
+                    <a:bodyPr/>
+                    <a:lstStyle/>
+                    <a:p>
+                      <a:pPr algn="ctr" fontAlgn="b"/>
+                      <a:r>
+                        <a:rPr lang="pt-BR" sz="1800" b="0" i="0" u="none" strike="noStrike" dirty="0">
+                          <a:solidFill>
+                            <a:srgbClr val="000000"/>
+                          </a:solidFill>
+                          <a:latin typeface="+mn-lt"/>
+                        </a:rPr>
+                        <a:t>Custo por </a:t>
+                      </a:r>
+                      <a:r>
+                        <a:rPr lang="pt-BR" sz="1800" b="0" i="0" u="none" strike="noStrike" dirty="0" err="1">
+                          <a:solidFill>
+                            <a:srgbClr val="000000"/>
+                          </a:solidFill>
+                          <a:latin typeface="+mn-lt"/>
+                        </a:rPr>
+                        <a:t>Sms</a:t>
+                      </a:r>
+                      <a:endParaRPr lang="pt-BR" sz="1800" b="0" i="0" u="none" strike="noStrike" dirty="0">
+                        <a:solidFill>
+                          <a:srgbClr val="000000"/>
+                        </a:solidFill>
+                        <a:latin typeface="+mn-lt"/>
+                      </a:endParaRPr>
+                    </a:p>
+                  </a:txBody>
+                  <a:tcPr marL="9525" marR="9525" marT="9525" marB="0" anchor="b">
+                    <a:lnL w="6350" cap="flat" cmpd="sng" algn="ctr">
+                      <a:solidFill>
+                        <a:srgbClr val="000000"/>
+                      </a:solidFill>
+                      <a:prstDash val="solid"/>
+                      <a:round/>
+                      <a:headEnd type="none" w="med" len="med"/>
+                      <a:tailEnd type="none" w="med" len="med"/>
+                    </a:lnL>
+                    <a:lnR w="6350" cap="flat" cmpd="sng" algn="ctr">
+                      <a:solidFill>
+                        <a:srgbClr val="000000"/>
+                      </a:solidFill>
+                      <a:prstDash val="solid"/>
+                      <a:round/>
+                      <a:headEnd type="none" w="med" len="med"/>
+                      <a:tailEnd type="none" w="med" len="med"/>
+                    </a:lnR>
+                    <a:lnT w="6350" cap="flat" cmpd="sng" algn="ctr">
+                      <a:solidFill>
+                        <a:srgbClr val="000000"/>
+                      </a:solidFill>
+                      <a:prstDash val="solid"/>
+                      <a:round/>
+                      <a:headEnd type="none" w="med" len="med"/>
+                      <a:tailEnd type="none" w="med" len="med"/>
+                    </a:lnT>
+                    <a:lnB w="6350" cap="flat" cmpd="sng" algn="ctr">
+                      <a:solidFill>
+                        <a:srgbClr val="000000"/>
+                      </a:solidFill>
+                      <a:prstDash val="solid"/>
+                      <a:round/>
+                      <a:headEnd type="none" w="med" len="med"/>
+                      <a:tailEnd type="none" w="med" len="med"/>
+                    </a:lnB>
+                    <a:solidFill>
+                      <a:srgbClr val="F2DDDC"/>
+                    </a:solidFill>
+                  </a:tcPr>
+                </a:tc>
+                <a:tc>
+                  <a:txBody>
+                    <a:bodyPr/>
+                    <a:lstStyle/>
+                    <a:p>
+                      <a:pPr algn="ctr" fontAlgn="b"/>
+                      <a:r>
+                        <a:rPr lang="pt-BR" sz="1800" b="0" i="0" u="none" strike="noStrike" dirty="0">
+                          <a:solidFill>
+                            <a:srgbClr val="000000"/>
+                          </a:solidFill>
+                          <a:latin typeface="+mn-lt"/>
+                        </a:rPr>
+                        <a:t>0,21</a:t>
+                      </a:r>
+                    </a:p>
+                  </a:txBody>
+                  <a:tcPr marL="9525" marR="9525" marT="9525" marB="0" anchor="b">
+                    <a:lnL w="6350" cap="flat" cmpd="sng" algn="ctr">
+                      <a:solidFill>
+                        <a:srgbClr val="000000"/>
+                      </a:solidFill>
+                      <a:prstDash val="solid"/>
+                      <a:round/>
+                      <a:headEnd type="none" w="med" len="med"/>
+                      <a:tailEnd type="none" w="med" len="med"/>
+                    </a:lnL>
+                    <a:lnR w="6350" cap="flat" cmpd="sng" algn="ctr">
+                      <a:solidFill>
+                        <a:srgbClr val="000000"/>
+                      </a:solidFill>
+                      <a:prstDash val="solid"/>
+                      <a:round/>
+                      <a:headEnd type="none" w="med" len="med"/>
+                      <a:tailEnd type="none" w="med" len="med"/>
+                    </a:lnR>
+                    <a:lnT w="6350" cap="flat" cmpd="sng" algn="ctr">
+                      <a:solidFill>
+                        <a:srgbClr val="000000"/>
+                      </a:solidFill>
+                      <a:prstDash val="solid"/>
+                      <a:round/>
+                      <a:headEnd type="none" w="med" len="med"/>
+                      <a:tailEnd type="none" w="med" len="med"/>
+                    </a:lnT>
+                    <a:lnB w="6350" cap="flat" cmpd="sng" algn="ctr">
+                      <a:solidFill>
+                        <a:srgbClr val="000000"/>
+                      </a:solidFill>
+                      <a:prstDash val="solid"/>
+                      <a:round/>
+                      <a:headEnd type="none" w="med" len="med"/>
+                      <a:tailEnd type="none" w="med" len="med"/>
+                    </a:lnB>
+                    <a:solidFill>
+                      <a:srgbClr val="F2DDDC"/>
+                    </a:solidFill>
+                  </a:tcPr>
+                </a:tc>
+              </a:tr>
+            </a:tbl>
+          </a:graphicData>
+        </a:graphic>
+      </p:graphicFrame>
     </p:spTree>
   </p:cSld>
   <p:clrMapOvr>
@@ -6346,7 +7091,7 @@
           <a:p>
             <a:r>
               <a:rPr lang="pt-BR" dirty="0" smtClean="0"/>
-              <a:t>Fim</a:t>
+              <a:t>Principais Fórmulas</a:t>
             </a:r>
             <a:endParaRPr lang="pt-BR" dirty="0"/>
           </a:p>
@@ -6360,8 +7105,8 @@
         </p:nvSpPr>
         <p:spPr>
           <a:xfrm>
-            <a:off x="3131840" y="2852936"/>
-            <a:ext cx="3240360" cy="523220"/>
+            <a:off x="357158" y="1785926"/>
+            <a:ext cx="8429684" cy="3600986"/>
           </a:xfrm>
           <a:prstGeom prst="rect">
             <a:avLst/>
@@ -6375,10 +7120,2600 @@
           <a:lstStyle/>
           <a:p>
             <a:r>
+              <a:rPr lang="pt-BR" sz="2400" dirty="0" smtClean="0"/>
+              <a:t>Quantidade Máxima </a:t>
+            </a:r>
+            <a:r>
+              <a:rPr lang="pt-BR" sz="2400" dirty="0" smtClean="0"/>
+              <a:t>de </a:t>
+            </a:r>
+            <a:r>
+              <a:rPr lang="pt-BR" sz="2400" dirty="0" smtClean="0"/>
+              <a:t>Pessoas na Fila Física</a:t>
+            </a:r>
+            <a:r>
+              <a:rPr lang="pt-BR" sz="2400" dirty="0" smtClean="0"/>
+              <a:t>: </a:t>
+            </a:r>
+            <a:endParaRPr lang="pt-BR" sz="2400" dirty="0" smtClean="0"/>
+          </a:p>
+          <a:p>
+            <a:endParaRPr lang="pt-BR" dirty="0" smtClean="0"/>
+          </a:p>
+          <a:p>
+            <a:r>
+              <a:rPr lang="pt-BR" dirty="0" err="1" smtClean="0"/>
+              <a:t>Qp</a:t>
+            </a:r>
+            <a:r>
+              <a:rPr lang="pt-BR" dirty="0" smtClean="0"/>
+              <a:t> = (</a:t>
+            </a:r>
+            <a:r>
+              <a:rPr lang="pt-BR" dirty="0" err="1" smtClean="0"/>
+              <a:t>TempoDeMensagem</a:t>
+            </a:r>
+            <a:r>
+              <a:rPr lang="pt-BR" dirty="0" smtClean="0"/>
+              <a:t> / </a:t>
+            </a:r>
+            <a:r>
+              <a:rPr lang="pt-BR" dirty="0" err="1" smtClean="0"/>
+              <a:t>TempoExecuçãoBrinquedo</a:t>
+            </a:r>
+            <a:r>
+              <a:rPr lang="pt-BR" dirty="0" smtClean="0"/>
+              <a:t>) * </a:t>
+            </a:r>
+            <a:r>
+              <a:rPr lang="pt-BR" dirty="0" err="1" smtClean="0"/>
+              <a:t>QntPessoasPorBrinquedo</a:t>
+            </a:r>
+            <a:endParaRPr lang="pt-BR" dirty="0" smtClean="0"/>
+          </a:p>
+          <a:p>
+            <a:endParaRPr lang="pt-BR" dirty="0" smtClean="0"/>
+          </a:p>
+          <a:p>
+            <a:endParaRPr lang="pt-BR" dirty="0" smtClean="0"/>
+          </a:p>
+          <a:p>
+            <a:endParaRPr lang="pt-BR" dirty="0" smtClean="0"/>
+          </a:p>
+          <a:p>
+            <a:endParaRPr lang="pt-BR" dirty="0" smtClean="0"/>
+          </a:p>
+          <a:p>
+            <a:r>
+              <a:rPr lang="pt-BR" sz="2400" dirty="0" smtClean="0"/>
+              <a:t>Estimativa do Tempo Total </a:t>
+            </a:r>
+            <a:r>
+              <a:rPr lang="pt-BR" sz="2400" dirty="0" smtClean="0"/>
+              <a:t>de </a:t>
+            </a:r>
+            <a:r>
+              <a:rPr lang="pt-BR" sz="2400" dirty="0" smtClean="0"/>
+              <a:t>Fila:</a:t>
+            </a:r>
+          </a:p>
+          <a:p>
+            <a:endParaRPr lang="pt-BR" dirty="0" smtClean="0"/>
+          </a:p>
+          <a:p>
+            <a:r>
+              <a:rPr lang="pt-BR" dirty="0" err="1" smtClean="0"/>
+              <a:t>Ttf</a:t>
+            </a:r>
+            <a:r>
+              <a:rPr lang="pt-BR" dirty="0" smtClean="0"/>
+              <a:t> = </a:t>
+            </a:r>
+            <a:r>
+              <a:rPr lang="pt-BR" dirty="0" err="1" smtClean="0"/>
+              <a:t>TempoExecuçãoBrinquedo</a:t>
+            </a:r>
+            <a:r>
+              <a:rPr lang="pt-BR" dirty="0" smtClean="0"/>
+              <a:t> * (</a:t>
+            </a:r>
+            <a:r>
+              <a:rPr lang="pt-BR" dirty="0" err="1" smtClean="0"/>
+              <a:t>QntPessoasCadastradasNaFila</a:t>
+            </a:r>
+            <a:r>
+              <a:rPr lang="pt-BR" dirty="0" smtClean="0"/>
+              <a:t>/ </a:t>
+            </a:r>
+            <a:r>
+              <a:rPr lang="pt-BR" dirty="0" err="1" smtClean="0"/>
+              <a:t>QntPessoasPorBrinquedo</a:t>
+            </a:r>
+            <a:r>
+              <a:rPr lang="pt-BR" dirty="0" smtClean="0"/>
+              <a:t>)</a:t>
+            </a:r>
+            <a:endParaRPr lang="pt-BR" dirty="0"/>
+          </a:p>
+        </p:txBody>
+      </p:sp>
+    </p:spTree>
+  </p:cSld>
+  <p:clrMapOvr>
+    <a:masterClrMapping/>
+  </p:clrMapOvr>
+  <p:timing>
+    <p:tnLst>
+      <p:par>
+        <p:cTn id="1" dur="indefinite" restart="never" nodeType="tmRoot"/>
+      </p:par>
+    </p:tnLst>
+  </p:timing>
+</p:sld>
+</file>
+
+<file path=ppt/slides/slide12.xml><?xml version="1.0" encoding="utf-8"?>
+<p:sld xmlns:a="http://schemas.openxmlformats.org/drawingml/2006/main" xmlns:r="http://schemas.openxmlformats.org/officeDocument/2006/relationships" xmlns:p="http://schemas.openxmlformats.org/presentationml/2006/main">
+  <p:cSld>
+    <p:spTree>
+      <p:nvGrpSpPr>
+        <p:cNvPr id="1" name=""/>
+        <p:cNvGrpSpPr/>
+        <p:nvPr/>
+      </p:nvGrpSpPr>
+      <p:grpSpPr>
+        <a:xfrm>
+          <a:off x="0" y="0"/>
+          <a:ext cx="0" cy="0"/>
+          <a:chOff x="0" y="0"/>
+          <a:chExt cx="0" cy="0"/>
+        </a:xfrm>
+      </p:grpSpPr>
+      <p:sp>
+        <p:nvSpPr>
+          <p:cNvPr id="8" name="Título 7"/>
+          <p:cNvSpPr>
+            <a:spLocks noGrp="1"/>
+          </p:cNvSpPr>
+          <p:nvPr>
+            <p:ph type="title"/>
+          </p:nvPr>
+        </p:nvSpPr>
+        <p:spPr/>
+        <p:txBody>
+          <a:bodyPr/>
+          <a:lstStyle/>
+          <a:p>
+            <a:r>
+              <a:rPr lang="pt-BR" dirty="0" smtClean="0"/>
+              <a:t>Objetivos alcançados</a:t>
+            </a:r>
+            <a:endParaRPr lang="pt-BR" dirty="0"/>
+          </a:p>
+        </p:txBody>
+      </p:sp>
+      <p:sp>
+        <p:nvSpPr>
+          <p:cNvPr id="9" name="CaixaDeTexto 8"/>
+          <p:cNvSpPr txBox="1"/>
+          <p:nvPr/>
+        </p:nvSpPr>
+        <p:spPr>
+          <a:xfrm>
+            <a:off x="611560" y="2132856"/>
+            <a:ext cx="237566" cy="369332"/>
+          </a:xfrm>
+          <a:prstGeom prst="rect">
+            <a:avLst/>
+          </a:prstGeom>
+          <a:noFill/>
+        </p:spPr>
+        <p:txBody>
+          <a:bodyPr wrap="none" rtlCol="0">
+            <a:spAutoFit/>
+          </a:bodyPr>
+          <a:lstStyle/>
+          <a:p>
+            <a:r>
+              <a:rPr lang="pt-BR" dirty="0" smtClean="0"/>
+              <a:t> </a:t>
+            </a:r>
+            <a:endParaRPr lang="pt-BR" dirty="0"/>
+          </a:p>
+        </p:txBody>
+      </p:sp>
+      <p:sp>
+        <p:nvSpPr>
+          <p:cNvPr id="10" name="CaixaDeTexto 9"/>
+          <p:cNvSpPr txBox="1"/>
+          <p:nvPr/>
+        </p:nvSpPr>
+        <p:spPr>
+          <a:xfrm>
+            <a:off x="539552" y="1556792"/>
+            <a:ext cx="7488832" cy="1477328"/>
+          </a:xfrm>
+          <a:prstGeom prst="rect">
+            <a:avLst/>
+          </a:prstGeom>
+          <a:noFill/>
+        </p:spPr>
+        <p:txBody>
+          <a:bodyPr wrap="square" rtlCol="0">
+            <a:spAutoFit/>
+          </a:bodyPr>
+          <a:lstStyle/>
+          <a:p>
+            <a:pPr>
+              <a:buFont typeface="Arial" pitchFamily="34" charset="0"/>
+              <a:buChar char="•"/>
+            </a:pPr>
+            <a:r>
+              <a:rPr lang="pt-BR" dirty="0" smtClean="0"/>
+              <a:t>Com análise dos resultados do trabalho o objetivo foi alcançado.</a:t>
+            </a:r>
+          </a:p>
+          <a:p>
+            <a:pPr>
+              <a:buFont typeface="Arial" pitchFamily="34" charset="0"/>
+              <a:buChar char="•"/>
+            </a:pPr>
+            <a:endParaRPr lang="pt-BR" dirty="0"/>
+          </a:p>
+          <a:p>
+            <a:pPr>
+              <a:buFont typeface="Arial" pitchFamily="34" charset="0"/>
+              <a:buChar char="•"/>
+            </a:pPr>
+            <a:r>
+              <a:rPr lang="pt-BR" dirty="0" smtClean="0"/>
+              <a:t>É possível otimizar o tempo que o cliente fica parado em  uma fila.</a:t>
+            </a:r>
+          </a:p>
+          <a:p>
+            <a:pPr>
+              <a:buFont typeface="Arial" pitchFamily="34" charset="0"/>
+              <a:buChar char="•"/>
+            </a:pPr>
+            <a:endParaRPr lang="pt-BR" dirty="0" smtClean="0"/>
+          </a:p>
+          <a:p>
+            <a:pPr>
+              <a:buFont typeface="Arial" pitchFamily="34" charset="0"/>
+              <a:buChar char="•"/>
+            </a:pPr>
+            <a:r>
+              <a:rPr lang="pt-BR" dirty="0" smtClean="0"/>
+              <a:t>O sistema é de fácil utilização.</a:t>
+            </a:r>
+            <a:endParaRPr lang="pt-BR" dirty="0"/>
+          </a:p>
+        </p:txBody>
+      </p:sp>
+      <p:graphicFrame>
+        <p:nvGraphicFramePr>
+          <p:cNvPr id="6" name="Tabela 5"/>
+          <p:cNvGraphicFramePr>
+            <a:graphicFrameLocks noGrp="1"/>
+          </p:cNvGraphicFramePr>
+          <p:nvPr/>
+        </p:nvGraphicFramePr>
+        <p:xfrm>
+          <a:off x="467544" y="3429000"/>
+          <a:ext cx="8173347" cy="2666642"/>
+        </p:xfrm>
+        <a:graphic>
+          <a:graphicData uri="http://schemas.openxmlformats.org/drawingml/2006/table">
+            <a:tbl>
+              <a:tblPr/>
+              <a:tblGrid>
+                <a:gridCol w="956612"/>
+                <a:gridCol w="896433"/>
+                <a:gridCol w="771700"/>
+                <a:gridCol w="1175636"/>
+                <a:gridCol w="803853"/>
+                <a:gridCol w="1670237"/>
+                <a:gridCol w="1898876"/>
+              </a:tblGrid>
+              <a:tr h="658751">
+                <a:tc>
+                  <a:txBody>
+                    <a:bodyPr/>
+                    <a:lstStyle/>
+                    <a:p>
+                      <a:pPr algn="ctr" fontAlgn="b"/>
+                      <a:r>
+                        <a:rPr lang="pt-BR" sz="1200" b="1" i="0" u="none" strike="noStrike" dirty="0">
+                          <a:solidFill>
+                            <a:srgbClr val="FFFFFF"/>
+                          </a:solidFill>
+                          <a:latin typeface="+mn-lt"/>
+                        </a:rPr>
+                        <a:t>Brinquedo</a:t>
+                      </a:r>
+                    </a:p>
+                  </a:txBody>
+                  <a:tcPr marL="4895" marR="4895" marT="4895" marB="0" anchor="ctr">
+                    <a:lnL w="6350" cap="flat" cmpd="sng" algn="ctr">
+                      <a:solidFill>
+                        <a:srgbClr val="000000"/>
+                      </a:solidFill>
+                      <a:prstDash val="solid"/>
+                      <a:round/>
+                      <a:headEnd type="none" w="med" len="med"/>
+                      <a:tailEnd type="none" w="med" len="med"/>
+                    </a:lnL>
+                    <a:lnR w="6350" cap="flat" cmpd="sng" algn="ctr">
+                      <a:solidFill>
+                        <a:srgbClr val="000000"/>
+                      </a:solidFill>
+                      <a:prstDash val="solid"/>
+                      <a:round/>
+                      <a:headEnd type="none" w="med" len="med"/>
+                      <a:tailEnd type="none" w="med" len="med"/>
+                    </a:lnR>
+                    <a:lnT w="6350" cap="flat" cmpd="sng" algn="ctr">
+                      <a:solidFill>
+                        <a:srgbClr val="000000"/>
+                      </a:solidFill>
+                      <a:prstDash val="solid"/>
+                      <a:round/>
+                      <a:headEnd type="none" w="med" len="med"/>
+                      <a:tailEnd type="none" w="med" len="med"/>
+                    </a:lnT>
+                    <a:lnB w="6350" cap="flat" cmpd="sng" algn="ctr">
+                      <a:solidFill>
+                        <a:srgbClr val="000000"/>
+                      </a:solidFill>
+                      <a:prstDash val="solid"/>
+                      <a:round/>
+                      <a:headEnd type="none" w="med" len="med"/>
+                      <a:tailEnd type="none" w="med" len="med"/>
+                    </a:lnB>
+                    <a:solidFill>
+                      <a:srgbClr val="C0504D"/>
+                    </a:solidFill>
+                  </a:tcPr>
+                </a:tc>
+                <a:tc>
+                  <a:txBody>
+                    <a:bodyPr/>
+                    <a:lstStyle/>
+                    <a:p>
+                      <a:pPr algn="ctr" fontAlgn="b"/>
+                      <a:r>
+                        <a:rPr lang="pt-BR" sz="1200" b="1" i="0" u="none" strike="noStrike" dirty="0">
+                          <a:solidFill>
+                            <a:srgbClr val="FFFFFF"/>
+                          </a:solidFill>
+                          <a:latin typeface="+mn-lt"/>
+                        </a:rPr>
+                        <a:t>Parque</a:t>
+                      </a:r>
+                    </a:p>
+                  </a:txBody>
+                  <a:tcPr marL="4895" marR="4895" marT="4895" marB="0" anchor="ctr">
+                    <a:lnL w="6350" cap="flat" cmpd="sng" algn="ctr">
+                      <a:solidFill>
+                        <a:srgbClr val="000000"/>
+                      </a:solidFill>
+                      <a:prstDash val="solid"/>
+                      <a:round/>
+                      <a:headEnd type="none" w="med" len="med"/>
+                      <a:tailEnd type="none" w="med" len="med"/>
+                    </a:lnL>
+                    <a:lnR w="6350" cap="flat" cmpd="sng" algn="ctr">
+                      <a:solidFill>
+                        <a:srgbClr val="000000"/>
+                      </a:solidFill>
+                      <a:prstDash val="solid"/>
+                      <a:round/>
+                      <a:headEnd type="none" w="med" len="med"/>
+                      <a:tailEnd type="none" w="med" len="med"/>
+                    </a:lnR>
+                    <a:lnT w="6350" cap="flat" cmpd="sng" algn="ctr">
+                      <a:solidFill>
+                        <a:srgbClr val="000000"/>
+                      </a:solidFill>
+                      <a:prstDash val="solid"/>
+                      <a:round/>
+                      <a:headEnd type="none" w="med" len="med"/>
+                      <a:tailEnd type="none" w="med" len="med"/>
+                    </a:lnT>
+                    <a:lnB w="6350" cap="flat" cmpd="sng" algn="ctr">
+                      <a:solidFill>
+                        <a:srgbClr val="000000"/>
+                      </a:solidFill>
+                      <a:prstDash val="solid"/>
+                      <a:round/>
+                      <a:headEnd type="none" w="med" len="med"/>
+                      <a:tailEnd type="none" w="med" len="med"/>
+                    </a:lnB>
+                    <a:solidFill>
+                      <a:srgbClr val="C0504D"/>
+                    </a:solidFill>
+                  </a:tcPr>
+                </a:tc>
+                <a:tc>
+                  <a:txBody>
+                    <a:bodyPr/>
+                    <a:lstStyle/>
+                    <a:p>
+                      <a:pPr algn="ctr" fontAlgn="b"/>
+                      <a:r>
+                        <a:rPr lang="pt-BR" sz="1200" b="1" i="0" u="none" strike="noStrike" dirty="0">
+                          <a:solidFill>
+                            <a:srgbClr val="FFFFFF"/>
+                          </a:solidFill>
+                          <a:latin typeface="+mn-lt"/>
+                        </a:rPr>
+                        <a:t>Pessoas por vez</a:t>
+                      </a:r>
+                    </a:p>
+                  </a:txBody>
+                  <a:tcPr marL="4895" marR="4895" marT="4895" marB="0" anchor="ctr">
+                    <a:lnL w="6350" cap="flat" cmpd="sng" algn="ctr">
+                      <a:solidFill>
+                        <a:srgbClr val="000000"/>
+                      </a:solidFill>
+                      <a:prstDash val="solid"/>
+                      <a:round/>
+                      <a:headEnd type="none" w="med" len="med"/>
+                      <a:tailEnd type="none" w="med" len="med"/>
+                    </a:lnL>
+                    <a:lnR w="6350" cap="flat" cmpd="sng" algn="ctr">
+                      <a:solidFill>
+                        <a:srgbClr val="000000"/>
+                      </a:solidFill>
+                      <a:prstDash val="solid"/>
+                      <a:round/>
+                      <a:headEnd type="none" w="med" len="med"/>
+                      <a:tailEnd type="none" w="med" len="med"/>
+                    </a:lnR>
+                    <a:lnT w="6350" cap="flat" cmpd="sng" algn="ctr">
+                      <a:solidFill>
+                        <a:srgbClr val="000000"/>
+                      </a:solidFill>
+                      <a:prstDash val="solid"/>
+                      <a:round/>
+                      <a:headEnd type="none" w="med" len="med"/>
+                      <a:tailEnd type="none" w="med" len="med"/>
+                    </a:lnT>
+                    <a:lnB w="6350" cap="flat" cmpd="sng" algn="ctr">
+                      <a:solidFill>
+                        <a:srgbClr val="000000"/>
+                      </a:solidFill>
+                      <a:prstDash val="solid"/>
+                      <a:round/>
+                      <a:headEnd type="none" w="med" len="med"/>
+                      <a:tailEnd type="none" w="med" len="med"/>
+                    </a:lnB>
+                    <a:solidFill>
+                      <a:srgbClr val="C0504D"/>
+                    </a:solidFill>
+                  </a:tcPr>
+                </a:tc>
+                <a:tc>
+                  <a:txBody>
+                    <a:bodyPr/>
+                    <a:lstStyle/>
+                    <a:p>
+                      <a:pPr algn="ctr" fontAlgn="b"/>
+                      <a:r>
+                        <a:rPr lang="pt-BR" sz="1200" b="1" i="0" u="none" strike="noStrike">
+                          <a:solidFill>
+                            <a:srgbClr val="FFFFFF"/>
+                          </a:solidFill>
+                          <a:latin typeface="+mn-lt"/>
+                        </a:rPr>
+                        <a:t>Tempo Total de Execução</a:t>
+                      </a:r>
+                    </a:p>
+                  </a:txBody>
+                  <a:tcPr marL="4895" marR="4895" marT="4895" marB="0" anchor="ctr">
+                    <a:lnL w="6350" cap="flat" cmpd="sng" algn="ctr">
+                      <a:solidFill>
+                        <a:srgbClr val="000000"/>
+                      </a:solidFill>
+                      <a:prstDash val="solid"/>
+                      <a:round/>
+                      <a:headEnd type="none" w="med" len="med"/>
+                      <a:tailEnd type="none" w="med" len="med"/>
+                    </a:lnL>
+                    <a:lnR w="6350" cap="flat" cmpd="sng" algn="ctr">
+                      <a:solidFill>
+                        <a:srgbClr val="000000"/>
+                      </a:solidFill>
+                      <a:prstDash val="solid"/>
+                      <a:round/>
+                      <a:headEnd type="none" w="med" len="med"/>
+                      <a:tailEnd type="none" w="med" len="med"/>
+                    </a:lnR>
+                    <a:lnT w="6350" cap="flat" cmpd="sng" algn="ctr">
+                      <a:solidFill>
+                        <a:srgbClr val="000000"/>
+                      </a:solidFill>
+                      <a:prstDash val="solid"/>
+                      <a:round/>
+                      <a:headEnd type="none" w="med" len="med"/>
+                      <a:tailEnd type="none" w="med" len="med"/>
+                    </a:lnT>
+                    <a:lnB w="6350" cap="flat" cmpd="sng" algn="ctr">
+                      <a:solidFill>
+                        <a:srgbClr val="000000"/>
+                      </a:solidFill>
+                      <a:prstDash val="solid"/>
+                      <a:round/>
+                      <a:headEnd type="none" w="med" len="med"/>
+                      <a:tailEnd type="none" w="med" len="med"/>
+                    </a:lnB>
+                    <a:solidFill>
+                      <a:srgbClr val="C0504D"/>
+                    </a:solidFill>
+                  </a:tcPr>
+                </a:tc>
+                <a:tc>
+                  <a:txBody>
+                    <a:bodyPr/>
+                    <a:lstStyle/>
+                    <a:p>
+                      <a:pPr algn="ctr" fontAlgn="b"/>
+                      <a:r>
+                        <a:rPr lang="pt-BR" sz="1200" b="1" i="0" u="none" strike="noStrike">
+                          <a:solidFill>
+                            <a:srgbClr val="FFFFFF"/>
+                          </a:solidFill>
+                          <a:latin typeface="+mn-lt"/>
+                        </a:rPr>
+                        <a:t>Tamanho da Fila</a:t>
+                      </a:r>
+                    </a:p>
+                  </a:txBody>
+                  <a:tcPr marL="4895" marR="4895" marT="4895" marB="0" anchor="ctr">
+                    <a:lnL w="6350" cap="flat" cmpd="sng" algn="ctr">
+                      <a:solidFill>
+                        <a:srgbClr val="000000"/>
+                      </a:solidFill>
+                      <a:prstDash val="solid"/>
+                      <a:round/>
+                      <a:headEnd type="none" w="med" len="med"/>
+                      <a:tailEnd type="none" w="med" len="med"/>
+                    </a:lnL>
+                    <a:lnR w="6350" cap="flat" cmpd="sng" algn="ctr">
+                      <a:solidFill>
+                        <a:srgbClr val="000000"/>
+                      </a:solidFill>
+                      <a:prstDash val="solid"/>
+                      <a:round/>
+                      <a:headEnd type="none" w="med" len="med"/>
+                      <a:tailEnd type="none" w="med" len="med"/>
+                    </a:lnR>
+                    <a:lnT w="6350" cap="flat" cmpd="sng" algn="ctr">
+                      <a:solidFill>
+                        <a:srgbClr val="000000"/>
+                      </a:solidFill>
+                      <a:prstDash val="solid"/>
+                      <a:round/>
+                      <a:headEnd type="none" w="med" len="med"/>
+                      <a:tailEnd type="none" w="med" len="med"/>
+                    </a:lnT>
+                    <a:lnB w="6350" cap="flat" cmpd="sng" algn="ctr">
+                      <a:solidFill>
+                        <a:srgbClr val="000000"/>
+                      </a:solidFill>
+                      <a:prstDash val="solid"/>
+                      <a:round/>
+                      <a:headEnd type="none" w="med" len="med"/>
+                      <a:tailEnd type="none" w="med" len="med"/>
+                    </a:lnB>
+                    <a:solidFill>
+                      <a:srgbClr val="C0504D"/>
+                    </a:solidFill>
+                  </a:tcPr>
+                </a:tc>
+                <a:tc>
+                  <a:txBody>
+                    <a:bodyPr/>
+                    <a:lstStyle/>
+                    <a:p>
+                      <a:pPr algn="ctr" fontAlgn="b"/>
+                      <a:r>
+                        <a:rPr lang="pt-BR" sz="1200" b="1" i="0" u="none" strike="noStrike">
+                          <a:solidFill>
+                            <a:srgbClr val="FFFFFF"/>
+                          </a:solidFill>
+                          <a:latin typeface="+mn-lt"/>
+                        </a:rPr>
+                        <a:t>Tempo parado na Fila sem PROJETO F1</a:t>
+                      </a:r>
+                    </a:p>
+                  </a:txBody>
+                  <a:tcPr marL="4895" marR="4895" marT="4895" marB="0" anchor="ctr">
+                    <a:lnL w="6350" cap="flat" cmpd="sng" algn="ctr">
+                      <a:solidFill>
+                        <a:srgbClr val="000000"/>
+                      </a:solidFill>
+                      <a:prstDash val="solid"/>
+                      <a:round/>
+                      <a:headEnd type="none" w="med" len="med"/>
+                      <a:tailEnd type="none" w="med" len="med"/>
+                    </a:lnL>
+                    <a:lnR w="6350" cap="flat" cmpd="sng" algn="ctr">
+                      <a:solidFill>
+                        <a:srgbClr val="000000"/>
+                      </a:solidFill>
+                      <a:prstDash val="solid"/>
+                      <a:round/>
+                      <a:headEnd type="none" w="med" len="med"/>
+                      <a:tailEnd type="none" w="med" len="med"/>
+                    </a:lnR>
+                    <a:lnT w="6350" cap="flat" cmpd="sng" algn="ctr">
+                      <a:solidFill>
+                        <a:srgbClr val="000000"/>
+                      </a:solidFill>
+                      <a:prstDash val="solid"/>
+                      <a:round/>
+                      <a:headEnd type="none" w="med" len="med"/>
+                      <a:tailEnd type="none" w="med" len="med"/>
+                    </a:lnT>
+                    <a:lnB w="6350" cap="flat" cmpd="sng" algn="ctr">
+                      <a:solidFill>
+                        <a:srgbClr val="000000"/>
+                      </a:solidFill>
+                      <a:prstDash val="solid"/>
+                      <a:round/>
+                      <a:headEnd type="none" w="med" len="med"/>
+                      <a:tailEnd type="none" w="med" len="med"/>
+                    </a:lnB>
+                    <a:solidFill>
+                      <a:srgbClr val="C0504D"/>
+                    </a:solidFill>
+                  </a:tcPr>
+                </a:tc>
+                <a:tc>
+                  <a:txBody>
+                    <a:bodyPr/>
+                    <a:lstStyle/>
+                    <a:p>
+                      <a:pPr algn="ctr" fontAlgn="b"/>
+                      <a:r>
+                        <a:rPr lang="pt-BR" sz="1200" b="1" i="0" u="none" strike="noStrike">
+                          <a:solidFill>
+                            <a:srgbClr val="FFFFFF"/>
+                          </a:solidFill>
+                          <a:latin typeface="+mn-lt"/>
+                        </a:rPr>
+                        <a:t>Tempo parado na Fila com PROJETO F1</a:t>
+                      </a:r>
+                    </a:p>
+                  </a:txBody>
+                  <a:tcPr marL="4895" marR="4895" marT="4895" marB="0" anchor="ctr">
+                    <a:lnL w="6350" cap="flat" cmpd="sng" algn="ctr">
+                      <a:solidFill>
+                        <a:srgbClr val="000000"/>
+                      </a:solidFill>
+                      <a:prstDash val="solid"/>
+                      <a:round/>
+                      <a:headEnd type="none" w="med" len="med"/>
+                      <a:tailEnd type="none" w="med" len="med"/>
+                    </a:lnL>
+                    <a:lnR w="6350" cap="flat" cmpd="sng" algn="ctr">
+                      <a:solidFill>
+                        <a:srgbClr val="000000"/>
+                      </a:solidFill>
+                      <a:prstDash val="solid"/>
+                      <a:round/>
+                      <a:headEnd type="none" w="med" len="med"/>
+                      <a:tailEnd type="none" w="med" len="med"/>
+                    </a:lnR>
+                    <a:lnT w="6350" cap="flat" cmpd="sng" algn="ctr">
+                      <a:solidFill>
+                        <a:srgbClr val="000000"/>
+                      </a:solidFill>
+                      <a:prstDash val="solid"/>
+                      <a:round/>
+                      <a:headEnd type="none" w="med" len="med"/>
+                      <a:tailEnd type="none" w="med" len="med"/>
+                    </a:lnT>
+                    <a:lnB w="6350" cap="flat" cmpd="sng" algn="ctr">
+                      <a:solidFill>
+                        <a:srgbClr val="000000"/>
+                      </a:solidFill>
+                      <a:prstDash val="solid"/>
+                      <a:round/>
+                      <a:headEnd type="none" w="med" len="med"/>
+                      <a:tailEnd type="none" w="med" len="med"/>
+                    </a:lnB>
+                    <a:solidFill>
+                      <a:srgbClr val="C0504D"/>
+                    </a:solidFill>
+                  </a:tcPr>
+                </a:tc>
+              </a:tr>
+              <a:tr h="690391">
+                <a:tc>
+                  <a:txBody>
+                    <a:bodyPr/>
+                    <a:lstStyle/>
+                    <a:p>
+                      <a:pPr algn="ctr" fontAlgn="b"/>
+                      <a:r>
+                        <a:rPr lang="pt-BR" sz="1200" b="1" i="0" u="none" strike="noStrike" dirty="0" err="1">
+                          <a:solidFill>
+                            <a:srgbClr val="000000"/>
+                          </a:solidFill>
+                          <a:latin typeface="+mn-lt"/>
+                        </a:rPr>
+                        <a:t>Looping</a:t>
+                      </a:r>
+                      <a:r>
+                        <a:rPr lang="pt-BR" sz="1200" b="1" i="0" u="none" strike="noStrike" dirty="0">
+                          <a:solidFill>
+                            <a:srgbClr val="000000"/>
+                          </a:solidFill>
+                          <a:latin typeface="+mn-lt"/>
+                        </a:rPr>
+                        <a:t> Star</a:t>
+                      </a:r>
+                    </a:p>
+                  </a:txBody>
+                  <a:tcPr marL="4895" marR="4895" marT="4895" marB="0" anchor="ctr">
+                    <a:lnL w="6350" cap="flat" cmpd="sng" algn="ctr">
+                      <a:solidFill>
+                        <a:srgbClr val="000000"/>
+                      </a:solidFill>
+                      <a:prstDash val="solid"/>
+                      <a:round/>
+                      <a:headEnd type="none" w="med" len="med"/>
+                      <a:tailEnd type="none" w="med" len="med"/>
+                    </a:lnL>
+                    <a:lnR w="6350" cap="flat" cmpd="sng" algn="ctr">
+                      <a:solidFill>
+                        <a:srgbClr val="000000"/>
+                      </a:solidFill>
+                      <a:prstDash val="solid"/>
+                      <a:round/>
+                      <a:headEnd type="none" w="med" len="med"/>
+                      <a:tailEnd type="none" w="med" len="med"/>
+                    </a:lnR>
+                    <a:lnT w="6350" cap="flat" cmpd="sng" algn="ctr">
+                      <a:solidFill>
+                        <a:srgbClr val="000000"/>
+                      </a:solidFill>
+                      <a:prstDash val="solid"/>
+                      <a:round/>
+                      <a:headEnd type="none" w="med" len="med"/>
+                      <a:tailEnd type="none" w="med" len="med"/>
+                    </a:lnT>
+                    <a:lnB w="6350" cap="flat" cmpd="sng" algn="ctr">
+                      <a:solidFill>
+                        <a:srgbClr val="000000"/>
+                      </a:solidFill>
+                      <a:prstDash val="solid"/>
+                      <a:round/>
+                      <a:headEnd type="none" w="med" len="med"/>
+                      <a:tailEnd type="none" w="med" len="med"/>
+                    </a:lnB>
+                    <a:solidFill>
+                      <a:srgbClr val="F2DDDC"/>
+                    </a:solidFill>
+                  </a:tcPr>
+                </a:tc>
+                <a:tc>
+                  <a:txBody>
+                    <a:bodyPr/>
+                    <a:lstStyle/>
+                    <a:p>
+                      <a:pPr algn="ctr" fontAlgn="b"/>
+                      <a:r>
+                        <a:rPr lang="pt-BR" sz="1200" b="0" i="0" u="none" strike="noStrike" dirty="0" err="1">
+                          <a:solidFill>
+                            <a:srgbClr val="000000"/>
+                          </a:solidFill>
+                          <a:latin typeface="+mn-lt"/>
+                        </a:rPr>
+                        <a:t>Playcenter</a:t>
+                      </a:r>
+                      <a:endParaRPr lang="pt-BR" sz="1200" b="0" i="0" u="none" strike="noStrike" dirty="0">
+                        <a:solidFill>
+                          <a:srgbClr val="000000"/>
+                        </a:solidFill>
+                        <a:latin typeface="+mn-lt"/>
+                      </a:endParaRPr>
+                    </a:p>
+                  </a:txBody>
+                  <a:tcPr marL="4895" marR="4895" marT="4895" marB="0" anchor="ctr">
+                    <a:lnL w="6350" cap="flat" cmpd="sng" algn="ctr">
+                      <a:solidFill>
+                        <a:srgbClr val="000000"/>
+                      </a:solidFill>
+                      <a:prstDash val="solid"/>
+                      <a:round/>
+                      <a:headEnd type="none" w="med" len="med"/>
+                      <a:tailEnd type="none" w="med" len="med"/>
+                    </a:lnL>
+                    <a:lnR w="6350" cap="flat" cmpd="sng" algn="ctr">
+                      <a:solidFill>
+                        <a:srgbClr val="000000"/>
+                      </a:solidFill>
+                      <a:prstDash val="solid"/>
+                      <a:round/>
+                      <a:headEnd type="none" w="med" len="med"/>
+                      <a:tailEnd type="none" w="med" len="med"/>
+                    </a:lnR>
+                    <a:lnT w="6350" cap="flat" cmpd="sng" algn="ctr">
+                      <a:solidFill>
+                        <a:srgbClr val="000000"/>
+                      </a:solidFill>
+                      <a:prstDash val="solid"/>
+                      <a:round/>
+                      <a:headEnd type="none" w="med" len="med"/>
+                      <a:tailEnd type="none" w="med" len="med"/>
+                    </a:lnT>
+                    <a:lnB w="6350" cap="flat" cmpd="sng" algn="ctr">
+                      <a:solidFill>
+                        <a:srgbClr val="000000"/>
+                      </a:solidFill>
+                      <a:prstDash val="solid"/>
+                      <a:round/>
+                      <a:headEnd type="none" w="med" len="med"/>
+                      <a:tailEnd type="none" w="med" len="med"/>
+                    </a:lnB>
+                    <a:solidFill>
+                      <a:srgbClr val="F2DDDC"/>
+                    </a:solidFill>
+                  </a:tcPr>
+                </a:tc>
+                <a:tc>
+                  <a:txBody>
+                    <a:bodyPr/>
+                    <a:lstStyle/>
+                    <a:p>
+                      <a:pPr algn="ctr" fontAlgn="b"/>
+                      <a:r>
+                        <a:rPr lang="pt-BR" sz="1200" b="0" i="0" u="none" strike="noStrike" dirty="0">
+                          <a:solidFill>
+                            <a:srgbClr val="000000"/>
+                          </a:solidFill>
+                          <a:latin typeface="+mn-lt"/>
+                        </a:rPr>
+                        <a:t>56</a:t>
+                      </a:r>
+                    </a:p>
+                  </a:txBody>
+                  <a:tcPr marL="4895" marR="4895" marT="4895" marB="0" anchor="ctr">
+                    <a:lnL w="6350" cap="flat" cmpd="sng" algn="ctr">
+                      <a:solidFill>
+                        <a:srgbClr val="000000"/>
+                      </a:solidFill>
+                      <a:prstDash val="solid"/>
+                      <a:round/>
+                      <a:headEnd type="none" w="med" len="med"/>
+                      <a:tailEnd type="none" w="med" len="med"/>
+                    </a:lnL>
+                    <a:lnR w="6350" cap="flat" cmpd="sng" algn="ctr">
+                      <a:solidFill>
+                        <a:srgbClr val="000000"/>
+                      </a:solidFill>
+                      <a:prstDash val="solid"/>
+                      <a:round/>
+                      <a:headEnd type="none" w="med" len="med"/>
+                      <a:tailEnd type="none" w="med" len="med"/>
+                    </a:lnR>
+                    <a:lnT w="6350" cap="flat" cmpd="sng" algn="ctr">
+                      <a:solidFill>
+                        <a:srgbClr val="000000"/>
+                      </a:solidFill>
+                      <a:prstDash val="solid"/>
+                      <a:round/>
+                      <a:headEnd type="none" w="med" len="med"/>
+                      <a:tailEnd type="none" w="med" len="med"/>
+                    </a:lnT>
+                    <a:lnB w="6350" cap="flat" cmpd="sng" algn="ctr">
+                      <a:solidFill>
+                        <a:srgbClr val="000000"/>
+                      </a:solidFill>
+                      <a:prstDash val="solid"/>
+                      <a:round/>
+                      <a:headEnd type="none" w="med" len="med"/>
+                      <a:tailEnd type="none" w="med" len="med"/>
+                    </a:lnB>
+                    <a:solidFill>
+                      <a:srgbClr val="F2DDDC"/>
+                    </a:solidFill>
+                  </a:tcPr>
+                </a:tc>
+                <a:tc>
+                  <a:txBody>
+                    <a:bodyPr/>
+                    <a:lstStyle/>
+                    <a:p>
+                      <a:pPr algn="ctr" fontAlgn="b"/>
+                      <a:r>
+                        <a:rPr lang="pt-BR" sz="1200" b="0" i="0" u="none" strike="noStrike" dirty="0">
+                          <a:solidFill>
+                            <a:srgbClr val="000000"/>
+                          </a:solidFill>
+                          <a:latin typeface="+mn-lt"/>
+                        </a:rPr>
+                        <a:t>6:30 Minutos</a:t>
+                      </a:r>
+                    </a:p>
+                  </a:txBody>
+                  <a:tcPr marL="4895" marR="4895" marT="4895" marB="0" anchor="ctr">
+                    <a:lnL w="6350" cap="flat" cmpd="sng" algn="ctr">
+                      <a:solidFill>
+                        <a:srgbClr val="000000"/>
+                      </a:solidFill>
+                      <a:prstDash val="solid"/>
+                      <a:round/>
+                      <a:headEnd type="none" w="med" len="med"/>
+                      <a:tailEnd type="none" w="med" len="med"/>
+                    </a:lnL>
+                    <a:lnR w="6350" cap="flat" cmpd="sng" algn="ctr">
+                      <a:solidFill>
+                        <a:srgbClr val="000000"/>
+                      </a:solidFill>
+                      <a:prstDash val="solid"/>
+                      <a:round/>
+                      <a:headEnd type="none" w="med" len="med"/>
+                      <a:tailEnd type="none" w="med" len="med"/>
+                    </a:lnR>
+                    <a:lnT w="6350" cap="flat" cmpd="sng" algn="ctr">
+                      <a:solidFill>
+                        <a:srgbClr val="000000"/>
+                      </a:solidFill>
+                      <a:prstDash val="solid"/>
+                      <a:round/>
+                      <a:headEnd type="none" w="med" len="med"/>
+                      <a:tailEnd type="none" w="med" len="med"/>
+                    </a:lnT>
+                    <a:lnB w="6350" cap="flat" cmpd="sng" algn="ctr">
+                      <a:solidFill>
+                        <a:srgbClr val="000000"/>
+                      </a:solidFill>
+                      <a:prstDash val="solid"/>
+                      <a:round/>
+                      <a:headEnd type="none" w="med" len="med"/>
+                      <a:tailEnd type="none" w="med" len="med"/>
+                    </a:lnB>
+                    <a:solidFill>
+                      <a:srgbClr val="F2DDDC"/>
+                    </a:solidFill>
+                  </a:tcPr>
+                </a:tc>
+                <a:tc>
+                  <a:txBody>
+                    <a:bodyPr/>
+                    <a:lstStyle/>
+                    <a:p>
+                      <a:pPr algn="ctr" fontAlgn="b"/>
+                      <a:r>
+                        <a:rPr lang="pt-BR" sz="1200" b="0" i="0" u="none" strike="noStrike" dirty="0">
+                          <a:solidFill>
+                            <a:srgbClr val="000000"/>
+                          </a:solidFill>
+                          <a:latin typeface="+mn-lt"/>
+                        </a:rPr>
+                        <a:t>344 pessoas</a:t>
+                      </a:r>
+                    </a:p>
+                  </a:txBody>
+                  <a:tcPr marL="4895" marR="4895" marT="4895" marB="0" anchor="ctr">
+                    <a:lnL w="6350" cap="flat" cmpd="sng" algn="ctr">
+                      <a:solidFill>
+                        <a:srgbClr val="000000"/>
+                      </a:solidFill>
+                      <a:prstDash val="solid"/>
+                      <a:round/>
+                      <a:headEnd type="none" w="med" len="med"/>
+                      <a:tailEnd type="none" w="med" len="med"/>
+                    </a:lnL>
+                    <a:lnR w="6350" cap="flat" cmpd="sng" algn="ctr">
+                      <a:solidFill>
+                        <a:srgbClr val="000000"/>
+                      </a:solidFill>
+                      <a:prstDash val="solid"/>
+                      <a:round/>
+                      <a:headEnd type="none" w="med" len="med"/>
+                      <a:tailEnd type="none" w="med" len="med"/>
+                    </a:lnR>
+                    <a:lnT w="6350" cap="flat" cmpd="sng" algn="ctr">
+                      <a:solidFill>
+                        <a:srgbClr val="000000"/>
+                      </a:solidFill>
+                      <a:prstDash val="solid"/>
+                      <a:round/>
+                      <a:headEnd type="none" w="med" len="med"/>
+                      <a:tailEnd type="none" w="med" len="med"/>
+                    </a:lnT>
+                    <a:lnB w="6350" cap="flat" cmpd="sng" algn="ctr">
+                      <a:solidFill>
+                        <a:srgbClr val="000000"/>
+                      </a:solidFill>
+                      <a:prstDash val="solid"/>
+                      <a:round/>
+                      <a:headEnd type="none" w="med" len="med"/>
+                      <a:tailEnd type="none" w="med" len="med"/>
+                    </a:lnB>
+                    <a:solidFill>
+                      <a:srgbClr val="F2DDDC"/>
+                    </a:solidFill>
+                  </a:tcPr>
+                </a:tc>
+                <a:tc>
+                  <a:txBody>
+                    <a:bodyPr/>
+                    <a:lstStyle/>
+                    <a:p>
+                      <a:pPr algn="ctr" fontAlgn="b"/>
+                      <a:r>
+                        <a:rPr lang="pt-BR" sz="1200" b="0" i="0" u="none" strike="noStrike" dirty="0">
+                          <a:solidFill>
+                            <a:srgbClr val="000000"/>
+                          </a:solidFill>
+                          <a:latin typeface="+mn-lt"/>
+                        </a:rPr>
+                        <a:t>40 Minutos</a:t>
+                      </a:r>
+                    </a:p>
+                  </a:txBody>
+                  <a:tcPr marL="4895" marR="4895" marT="4895" marB="0" anchor="ctr">
+                    <a:lnL w="6350" cap="flat" cmpd="sng" algn="ctr">
+                      <a:solidFill>
+                        <a:srgbClr val="000000"/>
+                      </a:solidFill>
+                      <a:prstDash val="solid"/>
+                      <a:round/>
+                      <a:headEnd type="none" w="med" len="med"/>
+                      <a:tailEnd type="none" w="med" len="med"/>
+                    </a:lnL>
+                    <a:lnR w="6350" cap="flat" cmpd="sng" algn="ctr">
+                      <a:solidFill>
+                        <a:srgbClr val="000000"/>
+                      </a:solidFill>
+                      <a:prstDash val="solid"/>
+                      <a:round/>
+                      <a:headEnd type="none" w="med" len="med"/>
+                      <a:tailEnd type="none" w="med" len="med"/>
+                    </a:lnR>
+                    <a:lnT w="6350" cap="flat" cmpd="sng" algn="ctr">
+                      <a:solidFill>
+                        <a:srgbClr val="000000"/>
+                      </a:solidFill>
+                      <a:prstDash val="solid"/>
+                      <a:round/>
+                      <a:headEnd type="none" w="med" len="med"/>
+                      <a:tailEnd type="none" w="med" len="med"/>
+                    </a:lnT>
+                    <a:lnB w="6350" cap="flat" cmpd="sng" algn="ctr">
+                      <a:solidFill>
+                        <a:srgbClr val="000000"/>
+                      </a:solidFill>
+                      <a:prstDash val="solid"/>
+                      <a:round/>
+                      <a:headEnd type="none" w="med" len="med"/>
+                      <a:tailEnd type="none" w="med" len="med"/>
+                    </a:lnB>
+                    <a:solidFill>
+                      <a:srgbClr val="F2DDDC"/>
+                    </a:solidFill>
+                  </a:tcPr>
+                </a:tc>
+                <a:tc>
+                  <a:txBody>
+                    <a:bodyPr/>
+                    <a:lstStyle/>
+                    <a:p>
+                      <a:pPr algn="ctr" fontAlgn="b"/>
+                      <a:r>
+                        <a:rPr lang="pt-BR" sz="1200" b="0" i="0" u="none" strike="noStrike">
+                          <a:solidFill>
+                            <a:srgbClr val="000000"/>
+                          </a:solidFill>
+                          <a:latin typeface="+mn-lt"/>
+                        </a:rPr>
+                        <a:t>20 minutos</a:t>
+                      </a:r>
+                    </a:p>
+                  </a:txBody>
+                  <a:tcPr marL="4895" marR="4895" marT="4895" marB="0" anchor="ctr">
+                    <a:lnL w="6350" cap="flat" cmpd="sng" algn="ctr">
+                      <a:solidFill>
+                        <a:srgbClr val="000000"/>
+                      </a:solidFill>
+                      <a:prstDash val="solid"/>
+                      <a:round/>
+                      <a:headEnd type="none" w="med" len="med"/>
+                      <a:tailEnd type="none" w="med" len="med"/>
+                    </a:lnL>
+                    <a:lnR w="6350" cap="flat" cmpd="sng" algn="ctr">
+                      <a:solidFill>
+                        <a:srgbClr val="000000"/>
+                      </a:solidFill>
+                      <a:prstDash val="solid"/>
+                      <a:round/>
+                      <a:headEnd type="none" w="med" len="med"/>
+                      <a:tailEnd type="none" w="med" len="med"/>
+                    </a:lnR>
+                    <a:lnT w="6350" cap="flat" cmpd="sng" algn="ctr">
+                      <a:solidFill>
+                        <a:srgbClr val="000000"/>
+                      </a:solidFill>
+                      <a:prstDash val="solid"/>
+                      <a:round/>
+                      <a:headEnd type="none" w="med" len="med"/>
+                      <a:tailEnd type="none" w="med" len="med"/>
+                    </a:lnT>
+                    <a:lnB w="6350" cap="flat" cmpd="sng" algn="ctr">
+                      <a:solidFill>
+                        <a:srgbClr val="000000"/>
+                      </a:solidFill>
+                      <a:prstDash val="solid"/>
+                      <a:round/>
+                      <a:headEnd type="none" w="med" len="med"/>
+                      <a:tailEnd type="none" w="med" len="med"/>
+                    </a:lnB>
+                    <a:solidFill>
+                      <a:srgbClr val="F2DDDC"/>
+                    </a:solidFill>
+                  </a:tcPr>
+                </a:tc>
+              </a:tr>
+              <a:tr h="658750">
+                <a:tc>
+                  <a:txBody>
+                    <a:bodyPr/>
+                    <a:lstStyle/>
+                    <a:p>
+                      <a:pPr algn="ctr" fontAlgn="b"/>
+                      <a:r>
+                        <a:rPr lang="pt-BR" sz="1200" b="1" i="0" u="none" strike="noStrike">
+                          <a:solidFill>
+                            <a:srgbClr val="000000"/>
+                          </a:solidFill>
+                          <a:latin typeface="+mn-lt"/>
+                        </a:rPr>
+                        <a:t>Montezum</a:t>
+                      </a:r>
+                    </a:p>
+                  </a:txBody>
+                  <a:tcPr marL="4895" marR="4895" marT="4895" marB="0" anchor="ctr">
+                    <a:lnL w="6350" cap="flat" cmpd="sng" algn="ctr">
+                      <a:solidFill>
+                        <a:srgbClr val="000000"/>
+                      </a:solidFill>
+                      <a:prstDash val="solid"/>
+                      <a:round/>
+                      <a:headEnd type="none" w="med" len="med"/>
+                      <a:tailEnd type="none" w="med" len="med"/>
+                    </a:lnL>
+                    <a:lnR w="6350" cap="flat" cmpd="sng" algn="ctr">
+                      <a:solidFill>
+                        <a:srgbClr val="000000"/>
+                      </a:solidFill>
+                      <a:prstDash val="solid"/>
+                      <a:round/>
+                      <a:headEnd type="none" w="med" len="med"/>
+                      <a:tailEnd type="none" w="med" len="med"/>
+                    </a:lnR>
+                    <a:lnT w="6350" cap="flat" cmpd="sng" algn="ctr">
+                      <a:solidFill>
+                        <a:srgbClr val="000000"/>
+                      </a:solidFill>
+                      <a:prstDash val="solid"/>
+                      <a:round/>
+                      <a:headEnd type="none" w="med" len="med"/>
+                      <a:tailEnd type="none" w="med" len="med"/>
+                    </a:lnT>
+                    <a:lnB w="6350" cap="flat" cmpd="sng" algn="ctr">
+                      <a:solidFill>
+                        <a:srgbClr val="000000"/>
+                      </a:solidFill>
+                      <a:prstDash val="solid"/>
+                      <a:round/>
+                      <a:headEnd type="none" w="med" len="med"/>
+                      <a:tailEnd type="none" w="med" len="med"/>
+                    </a:lnB>
+                  </a:tcPr>
+                </a:tc>
+                <a:tc>
+                  <a:txBody>
+                    <a:bodyPr/>
+                    <a:lstStyle/>
+                    <a:p>
+                      <a:pPr algn="ctr" fontAlgn="b"/>
+                      <a:r>
+                        <a:rPr lang="pt-BR" sz="1200" b="0" i="0" u="none" strike="noStrike">
+                          <a:solidFill>
+                            <a:srgbClr val="000000"/>
+                          </a:solidFill>
+                          <a:latin typeface="+mn-lt"/>
+                        </a:rPr>
+                        <a:t>Hopi Hari</a:t>
+                      </a:r>
+                    </a:p>
+                  </a:txBody>
+                  <a:tcPr marL="4895" marR="4895" marT="4895" marB="0" anchor="ctr">
+                    <a:lnL w="6350" cap="flat" cmpd="sng" algn="ctr">
+                      <a:solidFill>
+                        <a:srgbClr val="000000"/>
+                      </a:solidFill>
+                      <a:prstDash val="solid"/>
+                      <a:round/>
+                      <a:headEnd type="none" w="med" len="med"/>
+                      <a:tailEnd type="none" w="med" len="med"/>
+                    </a:lnL>
+                    <a:lnR w="6350" cap="flat" cmpd="sng" algn="ctr">
+                      <a:solidFill>
+                        <a:srgbClr val="000000"/>
+                      </a:solidFill>
+                      <a:prstDash val="solid"/>
+                      <a:round/>
+                      <a:headEnd type="none" w="med" len="med"/>
+                      <a:tailEnd type="none" w="med" len="med"/>
+                    </a:lnR>
+                    <a:lnT w="6350" cap="flat" cmpd="sng" algn="ctr">
+                      <a:solidFill>
+                        <a:srgbClr val="000000"/>
+                      </a:solidFill>
+                      <a:prstDash val="solid"/>
+                      <a:round/>
+                      <a:headEnd type="none" w="med" len="med"/>
+                      <a:tailEnd type="none" w="med" len="med"/>
+                    </a:lnT>
+                    <a:lnB w="6350" cap="flat" cmpd="sng" algn="ctr">
+                      <a:solidFill>
+                        <a:srgbClr val="000000"/>
+                      </a:solidFill>
+                      <a:prstDash val="solid"/>
+                      <a:round/>
+                      <a:headEnd type="none" w="med" len="med"/>
+                      <a:tailEnd type="none" w="med" len="med"/>
+                    </a:lnB>
+                  </a:tcPr>
+                </a:tc>
+                <a:tc>
+                  <a:txBody>
+                    <a:bodyPr/>
+                    <a:lstStyle/>
+                    <a:p>
+                      <a:pPr algn="ctr" fontAlgn="b"/>
+                      <a:r>
+                        <a:rPr lang="pt-BR" sz="1200" b="0" i="0" u="none" strike="noStrike">
+                          <a:solidFill>
+                            <a:srgbClr val="000000"/>
+                          </a:solidFill>
+                          <a:latin typeface="+mn-lt"/>
+                        </a:rPr>
+                        <a:t>60</a:t>
+                      </a:r>
+                    </a:p>
+                  </a:txBody>
+                  <a:tcPr marL="4895" marR="4895" marT="4895" marB="0" anchor="ctr">
+                    <a:lnL w="6350" cap="flat" cmpd="sng" algn="ctr">
+                      <a:solidFill>
+                        <a:srgbClr val="000000"/>
+                      </a:solidFill>
+                      <a:prstDash val="solid"/>
+                      <a:round/>
+                      <a:headEnd type="none" w="med" len="med"/>
+                      <a:tailEnd type="none" w="med" len="med"/>
+                    </a:lnL>
+                    <a:lnR w="6350" cap="flat" cmpd="sng" algn="ctr">
+                      <a:solidFill>
+                        <a:srgbClr val="000000"/>
+                      </a:solidFill>
+                      <a:prstDash val="solid"/>
+                      <a:round/>
+                      <a:headEnd type="none" w="med" len="med"/>
+                      <a:tailEnd type="none" w="med" len="med"/>
+                    </a:lnR>
+                    <a:lnT w="6350" cap="flat" cmpd="sng" algn="ctr">
+                      <a:solidFill>
+                        <a:srgbClr val="000000"/>
+                      </a:solidFill>
+                      <a:prstDash val="solid"/>
+                      <a:round/>
+                      <a:headEnd type="none" w="med" len="med"/>
+                      <a:tailEnd type="none" w="med" len="med"/>
+                    </a:lnT>
+                    <a:lnB w="6350" cap="flat" cmpd="sng" algn="ctr">
+                      <a:solidFill>
+                        <a:srgbClr val="000000"/>
+                      </a:solidFill>
+                      <a:prstDash val="solid"/>
+                      <a:round/>
+                      <a:headEnd type="none" w="med" len="med"/>
+                      <a:tailEnd type="none" w="med" len="med"/>
+                    </a:lnB>
+                  </a:tcPr>
+                </a:tc>
+                <a:tc>
+                  <a:txBody>
+                    <a:bodyPr/>
+                    <a:lstStyle/>
+                    <a:p>
+                      <a:pPr algn="ctr" fontAlgn="b"/>
+                      <a:r>
+                        <a:rPr lang="pt-BR" sz="1200" b="0" i="0" u="none" strike="noStrike" dirty="0">
+                          <a:solidFill>
+                            <a:srgbClr val="000000"/>
+                          </a:solidFill>
+                          <a:latin typeface="+mn-lt"/>
+                        </a:rPr>
+                        <a:t>7 Minutos</a:t>
+                      </a:r>
+                    </a:p>
+                  </a:txBody>
+                  <a:tcPr marL="4895" marR="4895" marT="4895" marB="0" anchor="ctr">
+                    <a:lnL w="6350" cap="flat" cmpd="sng" algn="ctr">
+                      <a:solidFill>
+                        <a:srgbClr val="000000"/>
+                      </a:solidFill>
+                      <a:prstDash val="solid"/>
+                      <a:round/>
+                      <a:headEnd type="none" w="med" len="med"/>
+                      <a:tailEnd type="none" w="med" len="med"/>
+                    </a:lnL>
+                    <a:lnR w="6350" cap="flat" cmpd="sng" algn="ctr">
+                      <a:solidFill>
+                        <a:srgbClr val="000000"/>
+                      </a:solidFill>
+                      <a:prstDash val="solid"/>
+                      <a:round/>
+                      <a:headEnd type="none" w="med" len="med"/>
+                      <a:tailEnd type="none" w="med" len="med"/>
+                    </a:lnR>
+                    <a:lnT w="6350" cap="flat" cmpd="sng" algn="ctr">
+                      <a:solidFill>
+                        <a:srgbClr val="000000"/>
+                      </a:solidFill>
+                      <a:prstDash val="solid"/>
+                      <a:round/>
+                      <a:headEnd type="none" w="med" len="med"/>
+                      <a:tailEnd type="none" w="med" len="med"/>
+                    </a:lnT>
+                    <a:lnB w="6350" cap="flat" cmpd="sng" algn="ctr">
+                      <a:solidFill>
+                        <a:srgbClr val="000000"/>
+                      </a:solidFill>
+                      <a:prstDash val="solid"/>
+                      <a:round/>
+                      <a:headEnd type="none" w="med" len="med"/>
+                      <a:tailEnd type="none" w="med" len="med"/>
+                    </a:lnB>
+                  </a:tcPr>
+                </a:tc>
+                <a:tc>
+                  <a:txBody>
+                    <a:bodyPr/>
+                    <a:lstStyle/>
+                    <a:p>
+                      <a:pPr algn="ctr" fontAlgn="b"/>
+                      <a:r>
+                        <a:rPr lang="pt-BR" sz="1200" b="0" i="0" u="none" strike="noStrike" dirty="0">
+                          <a:solidFill>
+                            <a:srgbClr val="000000"/>
+                          </a:solidFill>
+                          <a:latin typeface="+mn-lt"/>
+                        </a:rPr>
+                        <a:t>1028 pessoas</a:t>
+                      </a:r>
+                    </a:p>
+                  </a:txBody>
+                  <a:tcPr marL="4895" marR="4895" marT="4895" marB="0" anchor="ctr">
+                    <a:lnL w="6350" cap="flat" cmpd="sng" algn="ctr">
+                      <a:solidFill>
+                        <a:srgbClr val="000000"/>
+                      </a:solidFill>
+                      <a:prstDash val="solid"/>
+                      <a:round/>
+                      <a:headEnd type="none" w="med" len="med"/>
+                      <a:tailEnd type="none" w="med" len="med"/>
+                    </a:lnL>
+                    <a:lnR w="6350" cap="flat" cmpd="sng" algn="ctr">
+                      <a:solidFill>
+                        <a:srgbClr val="000000"/>
+                      </a:solidFill>
+                      <a:prstDash val="solid"/>
+                      <a:round/>
+                      <a:headEnd type="none" w="med" len="med"/>
+                      <a:tailEnd type="none" w="med" len="med"/>
+                    </a:lnR>
+                    <a:lnT w="6350" cap="flat" cmpd="sng" algn="ctr">
+                      <a:solidFill>
+                        <a:srgbClr val="000000"/>
+                      </a:solidFill>
+                      <a:prstDash val="solid"/>
+                      <a:round/>
+                      <a:headEnd type="none" w="med" len="med"/>
+                      <a:tailEnd type="none" w="med" len="med"/>
+                    </a:lnT>
+                    <a:lnB w="6350" cap="flat" cmpd="sng" algn="ctr">
+                      <a:solidFill>
+                        <a:srgbClr val="000000"/>
+                      </a:solidFill>
+                      <a:prstDash val="solid"/>
+                      <a:round/>
+                      <a:headEnd type="none" w="med" len="med"/>
+                      <a:tailEnd type="none" w="med" len="med"/>
+                    </a:lnB>
+                  </a:tcPr>
+                </a:tc>
+                <a:tc>
+                  <a:txBody>
+                    <a:bodyPr/>
+                    <a:lstStyle/>
+                    <a:p>
+                      <a:pPr algn="ctr" fontAlgn="b"/>
+                      <a:r>
+                        <a:rPr lang="pt-BR" sz="1200" b="0" i="0" u="none" strike="noStrike" dirty="0">
+                          <a:solidFill>
+                            <a:srgbClr val="000000"/>
+                          </a:solidFill>
+                          <a:latin typeface="+mn-lt"/>
+                        </a:rPr>
+                        <a:t>2 Horas</a:t>
+                      </a:r>
+                    </a:p>
+                  </a:txBody>
+                  <a:tcPr marL="4895" marR="4895" marT="4895" marB="0" anchor="ctr">
+                    <a:lnL w="6350" cap="flat" cmpd="sng" algn="ctr">
+                      <a:solidFill>
+                        <a:srgbClr val="000000"/>
+                      </a:solidFill>
+                      <a:prstDash val="solid"/>
+                      <a:round/>
+                      <a:headEnd type="none" w="med" len="med"/>
+                      <a:tailEnd type="none" w="med" len="med"/>
+                    </a:lnL>
+                    <a:lnR w="6350" cap="flat" cmpd="sng" algn="ctr">
+                      <a:solidFill>
+                        <a:srgbClr val="000000"/>
+                      </a:solidFill>
+                      <a:prstDash val="solid"/>
+                      <a:round/>
+                      <a:headEnd type="none" w="med" len="med"/>
+                      <a:tailEnd type="none" w="med" len="med"/>
+                    </a:lnR>
+                    <a:lnT w="6350" cap="flat" cmpd="sng" algn="ctr">
+                      <a:solidFill>
+                        <a:srgbClr val="000000"/>
+                      </a:solidFill>
+                      <a:prstDash val="solid"/>
+                      <a:round/>
+                      <a:headEnd type="none" w="med" len="med"/>
+                      <a:tailEnd type="none" w="med" len="med"/>
+                    </a:lnT>
+                    <a:lnB w="6350" cap="flat" cmpd="sng" algn="ctr">
+                      <a:solidFill>
+                        <a:srgbClr val="000000"/>
+                      </a:solidFill>
+                      <a:prstDash val="solid"/>
+                      <a:round/>
+                      <a:headEnd type="none" w="med" len="med"/>
+                      <a:tailEnd type="none" w="med" len="med"/>
+                    </a:lnB>
+                  </a:tcPr>
+                </a:tc>
+                <a:tc>
+                  <a:txBody>
+                    <a:bodyPr/>
+                    <a:lstStyle/>
+                    <a:p>
+                      <a:pPr algn="ctr" fontAlgn="b"/>
+                      <a:r>
+                        <a:rPr lang="pt-BR" sz="1200" b="0" i="0" u="none" strike="noStrike" dirty="0">
+                          <a:solidFill>
+                            <a:srgbClr val="000000"/>
+                          </a:solidFill>
+                          <a:latin typeface="+mn-lt"/>
+                        </a:rPr>
+                        <a:t>20 minutos</a:t>
+                      </a:r>
+                    </a:p>
+                  </a:txBody>
+                  <a:tcPr marL="4895" marR="4895" marT="4895" marB="0" anchor="ctr">
+                    <a:lnL w="6350" cap="flat" cmpd="sng" algn="ctr">
+                      <a:solidFill>
+                        <a:srgbClr val="000000"/>
+                      </a:solidFill>
+                      <a:prstDash val="solid"/>
+                      <a:round/>
+                      <a:headEnd type="none" w="med" len="med"/>
+                      <a:tailEnd type="none" w="med" len="med"/>
+                    </a:lnL>
+                    <a:lnR w="6350" cap="flat" cmpd="sng" algn="ctr">
+                      <a:solidFill>
+                        <a:srgbClr val="000000"/>
+                      </a:solidFill>
+                      <a:prstDash val="solid"/>
+                      <a:round/>
+                      <a:headEnd type="none" w="med" len="med"/>
+                      <a:tailEnd type="none" w="med" len="med"/>
+                    </a:lnR>
+                    <a:lnT w="6350" cap="flat" cmpd="sng" algn="ctr">
+                      <a:solidFill>
+                        <a:srgbClr val="000000"/>
+                      </a:solidFill>
+                      <a:prstDash val="solid"/>
+                      <a:round/>
+                      <a:headEnd type="none" w="med" len="med"/>
+                      <a:tailEnd type="none" w="med" len="med"/>
+                    </a:lnT>
+                    <a:lnB w="6350" cap="flat" cmpd="sng" algn="ctr">
+                      <a:solidFill>
+                        <a:srgbClr val="000000"/>
+                      </a:solidFill>
+                      <a:prstDash val="solid"/>
+                      <a:round/>
+                      <a:headEnd type="none" w="med" len="med"/>
+                      <a:tailEnd type="none" w="med" len="med"/>
+                    </a:lnB>
+                  </a:tcPr>
+                </a:tc>
+              </a:tr>
+              <a:tr h="658750">
+                <a:tc>
+                  <a:txBody>
+                    <a:bodyPr/>
+                    <a:lstStyle/>
+                    <a:p>
+                      <a:pPr algn="ctr" fontAlgn="b"/>
+                      <a:r>
+                        <a:rPr lang="pt-BR" sz="1200" b="1" i="0" u="none" strike="noStrike">
+                          <a:solidFill>
+                            <a:srgbClr val="000000"/>
+                          </a:solidFill>
+                          <a:latin typeface="+mn-lt"/>
+                        </a:rPr>
+                        <a:t>Elevador</a:t>
+                      </a:r>
+                    </a:p>
+                  </a:txBody>
+                  <a:tcPr marL="4895" marR="4895" marT="4895" marB="0" anchor="ctr">
+                    <a:lnL w="6350" cap="flat" cmpd="sng" algn="ctr">
+                      <a:solidFill>
+                        <a:srgbClr val="000000"/>
+                      </a:solidFill>
+                      <a:prstDash val="solid"/>
+                      <a:round/>
+                      <a:headEnd type="none" w="med" len="med"/>
+                      <a:tailEnd type="none" w="med" len="med"/>
+                    </a:lnL>
+                    <a:lnR w="6350" cap="flat" cmpd="sng" algn="ctr">
+                      <a:solidFill>
+                        <a:srgbClr val="000000"/>
+                      </a:solidFill>
+                      <a:prstDash val="solid"/>
+                      <a:round/>
+                      <a:headEnd type="none" w="med" len="med"/>
+                      <a:tailEnd type="none" w="med" len="med"/>
+                    </a:lnR>
+                    <a:lnT w="6350" cap="flat" cmpd="sng" algn="ctr">
+                      <a:solidFill>
+                        <a:srgbClr val="000000"/>
+                      </a:solidFill>
+                      <a:prstDash val="solid"/>
+                      <a:round/>
+                      <a:headEnd type="none" w="med" len="med"/>
+                      <a:tailEnd type="none" w="med" len="med"/>
+                    </a:lnT>
+                    <a:lnB w="6350" cap="flat" cmpd="sng" algn="ctr">
+                      <a:solidFill>
+                        <a:srgbClr val="000000"/>
+                      </a:solidFill>
+                      <a:prstDash val="solid"/>
+                      <a:round/>
+                      <a:headEnd type="none" w="med" len="med"/>
+                      <a:tailEnd type="none" w="med" len="med"/>
+                    </a:lnB>
+                    <a:solidFill>
+                      <a:srgbClr val="F2DDDC"/>
+                    </a:solidFill>
+                  </a:tcPr>
+                </a:tc>
+                <a:tc>
+                  <a:txBody>
+                    <a:bodyPr/>
+                    <a:lstStyle/>
+                    <a:p>
+                      <a:pPr algn="ctr" fontAlgn="b"/>
+                      <a:r>
+                        <a:rPr lang="pt-BR" sz="1200" b="0" i="0" u="none" strike="noStrike" dirty="0" err="1">
+                          <a:solidFill>
+                            <a:srgbClr val="000000"/>
+                          </a:solidFill>
+                          <a:latin typeface="+mn-lt"/>
+                        </a:rPr>
+                        <a:t>Hopi</a:t>
+                      </a:r>
+                      <a:r>
+                        <a:rPr lang="pt-BR" sz="1200" b="0" i="0" u="none" strike="noStrike" dirty="0">
+                          <a:solidFill>
+                            <a:srgbClr val="000000"/>
+                          </a:solidFill>
+                          <a:latin typeface="+mn-lt"/>
+                        </a:rPr>
+                        <a:t> </a:t>
+                      </a:r>
+                      <a:r>
+                        <a:rPr lang="pt-BR" sz="1200" b="0" i="0" u="none" strike="noStrike" dirty="0" err="1">
+                          <a:solidFill>
+                            <a:srgbClr val="000000"/>
+                          </a:solidFill>
+                          <a:latin typeface="+mn-lt"/>
+                        </a:rPr>
+                        <a:t>Hari</a:t>
+                      </a:r>
+                      <a:endParaRPr lang="pt-BR" sz="1200" b="0" i="0" u="none" strike="noStrike" dirty="0">
+                        <a:solidFill>
+                          <a:srgbClr val="000000"/>
+                        </a:solidFill>
+                        <a:latin typeface="+mn-lt"/>
+                      </a:endParaRPr>
+                    </a:p>
+                  </a:txBody>
+                  <a:tcPr marL="4895" marR="4895" marT="4895" marB="0" anchor="ctr">
+                    <a:lnL w="6350" cap="flat" cmpd="sng" algn="ctr">
+                      <a:solidFill>
+                        <a:srgbClr val="000000"/>
+                      </a:solidFill>
+                      <a:prstDash val="solid"/>
+                      <a:round/>
+                      <a:headEnd type="none" w="med" len="med"/>
+                      <a:tailEnd type="none" w="med" len="med"/>
+                    </a:lnL>
+                    <a:lnR w="6350" cap="flat" cmpd="sng" algn="ctr">
+                      <a:solidFill>
+                        <a:srgbClr val="000000"/>
+                      </a:solidFill>
+                      <a:prstDash val="solid"/>
+                      <a:round/>
+                      <a:headEnd type="none" w="med" len="med"/>
+                      <a:tailEnd type="none" w="med" len="med"/>
+                    </a:lnR>
+                    <a:lnT w="6350" cap="flat" cmpd="sng" algn="ctr">
+                      <a:solidFill>
+                        <a:srgbClr val="000000"/>
+                      </a:solidFill>
+                      <a:prstDash val="solid"/>
+                      <a:round/>
+                      <a:headEnd type="none" w="med" len="med"/>
+                      <a:tailEnd type="none" w="med" len="med"/>
+                    </a:lnT>
+                    <a:lnB w="6350" cap="flat" cmpd="sng" algn="ctr">
+                      <a:solidFill>
+                        <a:srgbClr val="000000"/>
+                      </a:solidFill>
+                      <a:prstDash val="solid"/>
+                      <a:round/>
+                      <a:headEnd type="none" w="med" len="med"/>
+                      <a:tailEnd type="none" w="med" len="med"/>
+                    </a:lnB>
+                    <a:solidFill>
+                      <a:srgbClr val="F2DDDC"/>
+                    </a:solidFill>
+                  </a:tcPr>
+                </a:tc>
+                <a:tc>
+                  <a:txBody>
+                    <a:bodyPr/>
+                    <a:lstStyle/>
+                    <a:p>
+                      <a:pPr algn="ctr" fontAlgn="b"/>
+                      <a:r>
+                        <a:rPr lang="pt-BR" sz="1200" b="0" i="0" u="none" strike="noStrike">
+                          <a:solidFill>
+                            <a:srgbClr val="000000"/>
+                          </a:solidFill>
+                          <a:latin typeface="+mn-lt"/>
+                        </a:rPr>
+                        <a:t>20</a:t>
+                      </a:r>
+                    </a:p>
+                  </a:txBody>
+                  <a:tcPr marL="4895" marR="4895" marT="4895" marB="0" anchor="ctr">
+                    <a:lnL w="6350" cap="flat" cmpd="sng" algn="ctr">
+                      <a:solidFill>
+                        <a:srgbClr val="000000"/>
+                      </a:solidFill>
+                      <a:prstDash val="solid"/>
+                      <a:round/>
+                      <a:headEnd type="none" w="med" len="med"/>
+                      <a:tailEnd type="none" w="med" len="med"/>
+                    </a:lnL>
+                    <a:lnR w="6350" cap="flat" cmpd="sng" algn="ctr">
+                      <a:solidFill>
+                        <a:srgbClr val="000000"/>
+                      </a:solidFill>
+                      <a:prstDash val="solid"/>
+                      <a:round/>
+                      <a:headEnd type="none" w="med" len="med"/>
+                      <a:tailEnd type="none" w="med" len="med"/>
+                    </a:lnR>
+                    <a:lnT w="6350" cap="flat" cmpd="sng" algn="ctr">
+                      <a:solidFill>
+                        <a:srgbClr val="000000"/>
+                      </a:solidFill>
+                      <a:prstDash val="solid"/>
+                      <a:round/>
+                      <a:headEnd type="none" w="med" len="med"/>
+                      <a:tailEnd type="none" w="med" len="med"/>
+                    </a:lnT>
+                    <a:lnB w="6350" cap="flat" cmpd="sng" algn="ctr">
+                      <a:solidFill>
+                        <a:srgbClr val="000000"/>
+                      </a:solidFill>
+                      <a:prstDash val="solid"/>
+                      <a:round/>
+                      <a:headEnd type="none" w="med" len="med"/>
+                      <a:tailEnd type="none" w="med" len="med"/>
+                    </a:lnB>
+                    <a:solidFill>
+                      <a:srgbClr val="F2DDDC"/>
+                    </a:solidFill>
+                  </a:tcPr>
+                </a:tc>
+                <a:tc>
+                  <a:txBody>
+                    <a:bodyPr/>
+                    <a:lstStyle/>
+                    <a:p>
+                      <a:pPr algn="ctr" fontAlgn="b"/>
+                      <a:r>
+                        <a:rPr lang="pt-BR" sz="1200" b="0" i="0" u="none" strike="noStrike">
+                          <a:solidFill>
+                            <a:srgbClr val="000000"/>
+                          </a:solidFill>
+                          <a:latin typeface="+mn-lt"/>
+                        </a:rPr>
+                        <a:t>6:15 Minutos</a:t>
+                      </a:r>
+                    </a:p>
+                  </a:txBody>
+                  <a:tcPr marL="4895" marR="4895" marT="4895" marB="0" anchor="ctr">
+                    <a:lnL w="6350" cap="flat" cmpd="sng" algn="ctr">
+                      <a:solidFill>
+                        <a:srgbClr val="000000"/>
+                      </a:solidFill>
+                      <a:prstDash val="solid"/>
+                      <a:round/>
+                      <a:headEnd type="none" w="med" len="med"/>
+                      <a:tailEnd type="none" w="med" len="med"/>
+                    </a:lnL>
+                    <a:lnR w="6350" cap="flat" cmpd="sng" algn="ctr">
+                      <a:solidFill>
+                        <a:srgbClr val="000000"/>
+                      </a:solidFill>
+                      <a:prstDash val="solid"/>
+                      <a:round/>
+                      <a:headEnd type="none" w="med" len="med"/>
+                      <a:tailEnd type="none" w="med" len="med"/>
+                    </a:lnR>
+                    <a:lnT w="6350" cap="flat" cmpd="sng" algn="ctr">
+                      <a:solidFill>
+                        <a:srgbClr val="000000"/>
+                      </a:solidFill>
+                      <a:prstDash val="solid"/>
+                      <a:round/>
+                      <a:headEnd type="none" w="med" len="med"/>
+                      <a:tailEnd type="none" w="med" len="med"/>
+                    </a:lnT>
+                    <a:lnB w="6350" cap="flat" cmpd="sng" algn="ctr">
+                      <a:solidFill>
+                        <a:srgbClr val="000000"/>
+                      </a:solidFill>
+                      <a:prstDash val="solid"/>
+                      <a:round/>
+                      <a:headEnd type="none" w="med" len="med"/>
+                      <a:tailEnd type="none" w="med" len="med"/>
+                    </a:lnB>
+                    <a:solidFill>
+                      <a:srgbClr val="F2DDDC"/>
+                    </a:solidFill>
+                  </a:tcPr>
+                </a:tc>
+                <a:tc>
+                  <a:txBody>
+                    <a:bodyPr/>
+                    <a:lstStyle/>
+                    <a:p>
+                      <a:pPr algn="ctr" fontAlgn="b"/>
+                      <a:r>
+                        <a:rPr lang="pt-BR" sz="1200" b="0" i="0" u="none" strike="noStrike">
+                          <a:solidFill>
+                            <a:srgbClr val="000000"/>
+                          </a:solidFill>
+                          <a:latin typeface="+mn-lt"/>
+                        </a:rPr>
+                        <a:t>480 pessoas</a:t>
+                      </a:r>
+                    </a:p>
+                  </a:txBody>
+                  <a:tcPr marL="4895" marR="4895" marT="4895" marB="0" anchor="ctr">
+                    <a:lnL w="6350" cap="flat" cmpd="sng" algn="ctr">
+                      <a:solidFill>
+                        <a:srgbClr val="000000"/>
+                      </a:solidFill>
+                      <a:prstDash val="solid"/>
+                      <a:round/>
+                      <a:headEnd type="none" w="med" len="med"/>
+                      <a:tailEnd type="none" w="med" len="med"/>
+                    </a:lnL>
+                    <a:lnR w="6350" cap="flat" cmpd="sng" algn="ctr">
+                      <a:solidFill>
+                        <a:srgbClr val="000000"/>
+                      </a:solidFill>
+                      <a:prstDash val="solid"/>
+                      <a:round/>
+                      <a:headEnd type="none" w="med" len="med"/>
+                      <a:tailEnd type="none" w="med" len="med"/>
+                    </a:lnR>
+                    <a:lnT w="6350" cap="flat" cmpd="sng" algn="ctr">
+                      <a:solidFill>
+                        <a:srgbClr val="000000"/>
+                      </a:solidFill>
+                      <a:prstDash val="solid"/>
+                      <a:round/>
+                      <a:headEnd type="none" w="med" len="med"/>
+                      <a:tailEnd type="none" w="med" len="med"/>
+                    </a:lnT>
+                    <a:lnB w="6350" cap="flat" cmpd="sng" algn="ctr">
+                      <a:solidFill>
+                        <a:srgbClr val="000000"/>
+                      </a:solidFill>
+                      <a:prstDash val="solid"/>
+                      <a:round/>
+                      <a:headEnd type="none" w="med" len="med"/>
+                      <a:tailEnd type="none" w="med" len="med"/>
+                    </a:lnB>
+                    <a:solidFill>
+                      <a:srgbClr val="F2DDDC"/>
+                    </a:solidFill>
+                  </a:tcPr>
+                </a:tc>
+                <a:tc>
+                  <a:txBody>
+                    <a:bodyPr/>
+                    <a:lstStyle/>
+                    <a:p>
+                      <a:pPr algn="ctr" fontAlgn="b"/>
+                      <a:r>
+                        <a:rPr lang="pt-BR" sz="1200" b="0" i="0" u="none" strike="noStrike">
+                          <a:solidFill>
+                            <a:srgbClr val="000000"/>
+                          </a:solidFill>
+                          <a:latin typeface="+mn-lt"/>
+                        </a:rPr>
+                        <a:t>2:30 Horas</a:t>
+                      </a:r>
+                    </a:p>
+                  </a:txBody>
+                  <a:tcPr marL="4895" marR="4895" marT="4895" marB="0" anchor="ctr">
+                    <a:lnL w="6350" cap="flat" cmpd="sng" algn="ctr">
+                      <a:solidFill>
+                        <a:srgbClr val="000000"/>
+                      </a:solidFill>
+                      <a:prstDash val="solid"/>
+                      <a:round/>
+                      <a:headEnd type="none" w="med" len="med"/>
+                      <a:tailEnd type="none" w="med" len="med"/>
+                    </a:lnL>
+                    <a:lnR w="6350" cap="flat" cmpd="sng" algn="ctr">
+                      <a:solidFill>
+                        <a:srgbClr val="000000"/>
+                      </a:solidFill>
+                      <a:prstDash val="solid"/>
+                      <a:round/>
+                      <a:headEnd type="none" w="med" len="med"/>
+                      <a:tailEnd type="none" w="med" len="med"/>
+                    </a:lnR>
+                    <a:lnT w="6350" cap="flat" cmpd="sng" algn="ctr">
+                      <a:solidFill>
+                        <a:srgbClr val="000000"/>
+                      </a:solidFill>
+                      <a:prstDash val="solid"/>
+                      <a:round/>
+                      <a:headEnd type="none" w="med" len="med"/>
+                      <a:tailEnd type="none" w="med" len="med"/>
+                    </a:lnT>
+                    <a:lnB w="6350" cap="flat" cmpd="sng" algn="ctr">
+                      <a:solidFill>
+                        <a:srgbClr val="000000"/>
+                      </a:solidFill>
+                      <a:prstDash val="solid"/>
+                      <a:round/>
+                      <a:headEnd type="none" w="med" len="med"/>
+                      <a:tailEnd type="none" w="med" len="med"/>
+                    </a:lnB>
+                    <a:solidFill>
+                      <a:srgbClr val="F2DDDC"/>
+                    </a:solidFill>
+                  </a:tcPr>
+                </a:tc>
+                <a:tc>
+                  <a:txBody>
+                    <a:bodyPr/>
+                    <a:lstStyle/>
+                    <a:p>
+                      <a:pPr algn="ctr" fontAlgn="b"/>
+                      <a:r>
+                        <a:rPr lang="pt-BR" sz="1200" b="0" i="0" u="none" strike="noStrike" dirty="0">
+                          <a:solidFill>
+                            <a:srgbClr val="000000"/>
+                          </a:solidFill>
+                          <a:latin typeface="+mn-lt"/>
+                        </a:rPr>
+                        <a:t>20 minutos</a:t>
+                      </a:r>
+                    </a:p>
+                  </a:txBody>
+                  <a:tcPr marL="4895" marR="4895" marT="4895" marB="0" anchor="ctr">
+                    <a:lnL w="6350" cap="flat" cmpd="sng" algn="ctr">
+                      <a:solidFill>
+                        <a:srgbClr val="000000"/>
+                      </a:solidFill>
+                      <a:prstDash val="solid"/>
+                      <a:round/>
+                      <a:headEnd type="none" w="med" len="med"/>
+                      <a:tailEnd type="none" w="med" len="med"/>
+                    </a:lnL>
+                    <a:lnR w="6350" cap="flat" cmpd="sng" algn="ctr">
+                      <a:solidFill>
+                        <a:srgbClr val="000000"/>
+                      </a:solidFill>
+                      <a:prstDash val="solid"/>
+                      <a:round/>
+                      <a:headEnd type="none" w="med" len="med"/>
+                      <a:tailEnd type="none" w="med" len="med"/>
+                    </a:lnR>
+                    <a:lnT w="6350" cap="flat" cmpd="sng" algn="ctr">
+                      <a:solidFill>
+                        <a:srgbClr val="000000"/>
+                      </a:solidFill>
+                      <a:prstDash val="solid"/>
+                      <a:round/>
+                      <a:headEnd type="none" w="med" len="med"/>
+                      <a:tailEnd type="none" w="med" len="med"/>
+                    </a:lnT>
+                    <a:lnB w="6350" cap="flat" cmpd="sng" algn="ctr">
+                      <a:solidFill>
+                        <a:srgbClr val="000000"/>
+                      </a:solidFill>
+                      <a:prstDash val="solid"/>
+                      <a:round/>
+                      <a:headEnd type="none" w="med" len="med"/>
+                      <a:tailEnd type="none" w="med" len="med"/>
+                    </a:lnB>
+                    <a:solidFill>
+                      <a:srgbClr val="F2DDDC"/>
+                    </a:solidFill>
+                  </a:tcPr>
+                </a:tc>
+              </a:tr>
+            </a:tbl>
+          </a:graphicData>
+        </a:graphic>
+      </p:graphicFrame>
+    </p:spTree>
+  </p:cSld>
+  <p:clrMapOvr>
+    <a:masterClrMapping/>
+  </p:clrMapOvr>
+  <p:timing>
+    <p:tnLst>
+      <p:par>
+        <p:cTn id="1" dur="indefinite" restart="never" nodeType="tmRoot"/>
+      </p:par>
+    </p:tnLst>
+  </p:timing>
+</p:sld>
+</file>
+
+<file path=ppt/slides/slide13.xml><?xml version="1.0" encoding="utf-8"?>
+<p:sld xmlns:a="http://schemas.openxmlformats.org/drawingml/2006/main" xmlns:r="http://schemas.openxmlformats.org/officeDocument/2006/relationships" xmlns:p="http://schemas.openxmlformats.org/presentationml/2006/main">
+  <p:cSld>
+    <p:spTree>
+      <p:nvGrpSpPr>
+        <p:cNvPr id="1" name=""/>
+        <p:cNvGrpSpPr/>
+        <p:nvPr/>
+      </p:nvGrpSpPr>
+      <p:grpSpPr>
+        <a:xfrm>
+          <a:off x="0" y="0"/>
+          <a:ext cx="0" cy="0"/>
+          <a:chOff x="0" y="0"/>
+          <a:chExt cx="0" cy="0"/>
+        </a:xfrm>
+      </p:grpSpPr>
+      <p:sp>
+        <p:nvSpPr>
+          <p:cNvPr id="8" name="Título 7"/>
+          <p:cNvSpPr>
+            <a:spLocks noGrp="1"/>
+          </p:cNvSpPr>
+          <p:nvPr>
+            <p:ph type="title"/>
+          </p:nvPr>
+        </p:nvSpPr>
+        <p:spPr/>
+        <p:txBody>
+          <a:bodyPr>
+            <a:normAutofit/>
+          </a:bodyPr>
+          <a:lstStyle/>
+          <a:p>
+            <a:r>
+              <a:rPr lang="pt-BR" dirty="0" smtClean="0"/>
+              <a:t>Alternativas de implementação</a:t>
+            </a:r>
+            <a:endParaRPr lang="pt-BR" dirty="0"/>
+          </a:p>
+        </p:txBody>
+      </p:sp>
+      <p:sp>
+        <p:nvSpPr>
+          <p:cNvPr id="9" name="CaixaDeTexto 8"/>
+          <p:cNvSpPr txBox="1"/>
+          <p:nvPr/>
+        </p:nvSpPr>
+        <p:spPr>
+          <a:xfrm>
+            <a:off x="611560" y="2132856"/>
+            <a:ext cx="237566" cy="369332"/>
+          </a:xfrm>
+          <a:prstGeom prst="rect">
+            <a:avLst/>
+          </a:prstGeom>
+          <a:noFill/>
+        </p:spPr>
+        <p:txBody>
+          <a:bodyPr wrap="none" rtlCol="0">
+            <a:spAutoFit/>
+          </a:bodyPr>
+          <a:lstStyle/>
+          <a:p>
+            <a:r>
+              <a:rPr lang="pt-BR" dirty="0" smtClean="0"/>
+              <a:t> </a:t>
+            </a:r>
+            <a:endParaRPr lang="pt-BR" dirty="0"/>
+          </a:p>
+        </p:txBody>
+      </p:sp>
+      <p:sp>
+        <p:nvSpPr>
+          <p:cNvPr id="10" name="CaixaDeTexto 9"/>
+          <p:cNvSpPr txBox="1"/>
+          <p:nvPr/>
+        </p:nvSpPr>
+        <p:spPr>
+          <a:xfrm>
+            <a:off x="395536" y="1700808"/>
+            <a:ext cx="8136904" cy="3046988"/>
+          </a:xfrm>
+          <a:prstGeom prst="rect">
+            <a:avLst/>
+          </a:prstGeom>
+          <a:noFill/>
+        </p:spPr>
+        <p:txBody>
+          <a:bodyPr wrap="square" rtlCol="0">
+            <a:spAutoFit/>
+          </a:bodyPr>
+          <a:lstStyle/>
+          <a:p>
+            <a:r>
+              <a:rPr lang="pt-BR" sz="2400" dirty="0" smtClean="0"/>
+              <a:t>Dificuldades encontradas</a:t>
+            </a:r>
+          </a:p>
+          <a:p>
+            <a:pPr lvl="1">
+              <a:buFont typeface="Arial" pitchFamily="34" charset="0"/>
+              <a:buChar char="•"/>
+            </a:pPr>
+            <a:r>
+              <a:rPr lang="pt-BR" dirty="0" smtClean="0"/>
+              <a:t> O uso do SMS devido a problemas como garantia de entrega e disponibilidade do serviço</a:t>
+            </a:r>
+          </a:p>
+          <a:p>
+            <a:endParaRPr lang="pt-BR" dirty="0" smtClean="0"/>
+          </a:p>
+          <a:p>
+            <a:endParaRPr lang="pt-BR" dirty="0" smtClean="0"/>
+          </a:p>
+          <a:p>
+            <a:endParaRPr lang="pt-BR" dirty="0"/>
+          </a:p>
+          <a:p>
+            <a:r>
+              <a:rPr lang="pt-BR" sz="2400" dirty="0" smtClean="0"/>
+              <a:t>Alternativas de implementação</a:t>
+            </a:r>
+            <a:r>
+              <a:rPr lang="pt-BR" sz="2400" dirty="0"/>
+              <a:t>	</a:t>
+            </a:r>
+            <a:r>
+              <a:rPr lang="pt-BR" sz="2400" dirty="0" smtClean="0"/>
+              <a:t> </a:t>
+            </a:r>
+          </a:p>
+          <a:p>
+            <a:pPr lvl="1">
+              <a:buFont typeface="Arial" pitchFamily="34" charset="0"/>
+              <a:buChar char="•"/>
+            </a:pPr>
+            <a:r>
+              <a:rPr lang="pt-BR" dirty="0" smtClean="0"/>
+              <a:t> WI FI</a:t>
+            </a:r>
+            <a:endParaRPr lang="pt-BR" dirty="0"/>
+          </a:p>
+          <a:p>
+            <a:pPr lvl="1">
+              <a:buFont typeface="Arial" pitchFamily="34" charset="0"/>
+              <a:buChar char="•"/>
+            </a:pPr>
+            <a:r>
+              <a:rPr lang="pt-BR" dirty="0" smtClean="0"/>
+              <a:t> PIC</a:t>
+            </a:r>
+          </a:p>
+          <a:p>
+            <a:pPr lvl="1">
+              <a:buFont typeface="Arial" pitchFamily="34" charset="0"/>
+              <a:buChar char="•"/>
+            </a:pPr>
+            <a:r>
+              <a:rPr lang="pt-BR" dirty="0" smtClean="0"/>
+              <a:t> </a:t>
+            </a:r>
+            <a:r>
+              <a:rPr lang="pt-BR" dirty="0" smtClean="0"/>
+              <a:t>RFID</a:t>
+            </a:r>
+            <a:endParaRPr lang="pt-BR" dirty="0" smtClean="0"/>
+          </a:p>
+        </p:txBody>
+      </p:sp>
+    </p:spTree>
+  </p:cSld>
+  <p:clrMapOvr>
+    <a:masterClrMapping/>
+  </p:clrMapOvr>
+  <p:timing>
+    <p:tnLst>
+      <p:par>
+        <p:cTn id="1" dur="indefinite" restart="never" nodeType="tmRoot"/>
+      </p:par>
+    </p:tnLst>
+  </p:timing>
+</p:sld>
+</file>
+
+<file path=ppt/slides/slide14.xml><?xml version="1.0" encoding="utf-8"?>
+<p:sld xmlns:a="http://schemas.openxmlformats.org/drawingml/2006/main" xmlns:r="http://schemas.openxmlformats.org/officeDocument/2006/relationships" xmlns:p="http://schemas.openxmlformats.org/presentationml/2006/main">
+  <p:cSld>
+    <p:spTree>
+      <p:nvGrpSpPr>
+        <p:cNvPr id="1" name=""/>
+        <p:cNvGrpSpPr/>
+        <p:nvPr/>
+      </p:nvGrpSpPr>
+      <p:grpSpPr>
+        <a:xfrm>
+          <a:off x="0" y="0"/>
+          <a:ext cx="0" cy="0"/>
+          <a:chOff x="0" y="0"/>
+          <a:chExt cx="0" cy="0"/>
+        </a:xfrm>
+      </p:grpSpPr>
+      <p:sp>
+        <p:nvSpPr>
+          <p:cNvPr id="2" name="Título 1"/>
+          <p:cNvSpPr>
+            <a:spLocks noGrp="1"/>
+          </p:cNvSpPr>
+          <p:nvPr>
+            <p:ph type="title"/>
+          </p:nvPr>
+        </p:nvSpPr>
+        <p:spPr/>
+        <p:txBody>
+          <a:bodyPr/>
+          <a:lstStyle/>
+          <a:p>
+            <a:r>
+              <a:rPr lang="pt-BR" dirty="0" smtClean="0"/>
+              <a:t>Trabalhos futuros</a:t>
+            </a:r>
+            <a:endParaRPr lang="pt-BR" dirty="0"/>
+          </a:p>
+        </p:txBody>
+      </p:sp>
+      <p:sp>
+        <p:nvSpPr>
+          <p:cNvPr id="3" name="CaixaDeTexto 2"/>
+          <p:cNvSpPr txBox="1"/>
+          <p:nvPr/>
+        </p:nvSpPr>
+        <p:spPr>
+          <a:xfrm>
+            <a:off x="571472" y="1500174"/>
+            <a:ext cx="7500990" cy="4801314"/>
+          </a:xfrm>
+          <a:prstGeom prst="rect">
+            <a:avLst/>
+          </a:prstGeom>
+          <a:noFill/>
+        </p:spPr>
+        <p:txBody>
+          <a:bodyPr wrap="square" rtlCol="0">
+            <a:spAutoFit/>
+          </a:bodyPr>
+          <a:lstStyle/>
+          <a:p>
+            <a:r>
+              <a:rPr lang="pt-BR" sz="2400" dirty="0" smtClean="0"/>
+              <a:t>Utilizar o sistema como ferramenta de marketing</a:t>
+            </a:r>
+          </a:p>
+          <a:p>
+            <a:r>
+              <a:rPr lang="pt-BR" dirty="0" smtClean="0"/>
+              <a:t>- Divulgação de serviços e promoções internas ao </a:t>
+            </a:r>
+            <a:r>
+              <a:rPr lang="pt-BR" dirty="0" smtClean="0"/>
+              <a:t>parque</a:t>
+            </a:r>
+            <a:endParaRPr lang="pt-BR" dirty="0" smtClean="0"/>
+          </a:p>
+          <a:p>
+            <a:pPr>
+              <a:buFontTx/>
+              <a:buChar char="-"/>
+            </a:pPr>
+            <a:r>
+              <a:rPr lang="pt-BR" dirty="0" smtClean="0"/>
+              <a:t> Vender </a:t>
+            </a:r>
+            <a:r>
+              <a:rPr lang="pt-BR" dirty="0" smtClean="0"/>
+              <a:t>canais de comunicação para </a:t>
+            </a:r>
+            <a:r>
+              <a:rPr lang="pt-BR" dirty="0" smtClean="0"/>
+              <a:t>parceiros</a:t>
+            </a:r>
+          </a:p>
+          <a:p>
+            <a:endParaRPr lang="pt-BR" dirty="0" smtClean="0"/>
+          </a:p>
+          <a:p>
+            <a:endParaRPr lang="pt-BR" dirty="0" smtClean="0"/>
+          </a:p>
+          <a:p>
+            <a:r>
+              <a:rPr lang="pt-BR" sz="2400" dirty="0" smtClean="0"/>
+              <a:t>Implementar </a:t>
+            </a:r>
+            <a:r>
+              <a:rPr lang="pt-BR" sz="2400" dirty="0" smtClean="0"/>
+              <a:t>CRM:</a:t>
+            </a:r>
+            <a:endParaRPr lang="pt-BR" sz="2400" dirty="0" smtClean="0"/>
+          </a:p>
+          <a:p>
+            <a:r>
+              <a:rPr lang="pt-BR" dirty="0" smtClean="0"/>
+              <a:t>- Fidelização de clientes</a:t>
+            </a:r>
+          </a:p>
+          <a:p>
+            <a:r>
+              <a:rPr lang="pt-BR" dirty="0" smtClean="0"/>
+              <a:t>- Prioridade no seu “brinquedo preferido”</a:t>
+            </a:r>
+          </a:p>
+          <a:p>
+            <a:r>
+              <a:rPr lang="pt-BR" dirty="0" smtClean="0"/>
+              <a:t>- Se você gostou deste brinquedo, também gostará deste</a:t>
+            </a:r>
+          </a:p>
+          <a:p>
+            <a:pPr>
+              <a:buFontTx/>
+              <a:buChar char="-"/>
+            </a:pPr>
+            <a:r>
+              <a:rPr lang="pt-BR" dirty="0" smtClean="0"/>
+              <a:t> Aproveite </a:t>
+            </a:r>
+            <a:r>
+              <a:rPr lang="pt-BR" dirty="0" smtClean="0"/>
+              <a:t>o brinquedo X que a fila está pequena</a:t>
+            </a:r>
+            <a:r>
+              <a:rPr lang="pt-BR" dirty="0" smtClean="0"/>
+              <a:t>!</a:t>
+            </a:r>
+          </a:p>
+          <a:p>
+            <a:endParaRPr lang="pt-BR" dirty="0" smtClean="0"/>
+          </a:p>
+          <a:p>
+            <a:endParaRPr lang="pt-BR" dirty="0" smtClean="0"/>
+          </a:p>
+          <a:p>
+            <a:r>
+              <a:rPr lang="pt-BR" sz="2400" dirty="0" smtClean="0"/>
+              <a:t>Implementar BI:</a:t>
+            </a:r>
+          </a:p>
+          <a:p>
+            <a:pPr>
+              <a:buFontTx/>
+              <a:buChar char="-"/>
+            </a:pPr>
+            <a:r>
+              <a:rPr lang="pt-BR" dirty="0" smtClean="0"/>
+              <a:t> Identificar perfis de cliente que freqüentam o parque</a:t>
+            </a:r>
+          </a:p>
+          <a:p>
+            <a:pPr>
+              <a:buFontTx/>
+              <a:buChar char="-"/>
+            </a:pPr>
+            <a:r>
+              <a:rPr lang="pt-BR" dirty="0" smtClean="0"/>
+              <a:t> </a:t>
+            </a:r>
+            <a:r>
+              <a:rPr lang="pt-BR" dirty="0" smtClean="0"/>
+              <a:t>Análise mais profunda sobre o que acontece no parque</a:t>
+            </a:r>
+          </a:p>
+          <a:p>
+            <a:pPr>
+              <a:buFontTx/>
+              <a:buChar char="-"/>
+            </a:pPr>
+            <a:r>
+              <a:rPr lang="pt-BR" dirty="0" smtClean="0"/>
+              <a:t> </a:t>
+            </a:r>
+            <a:r>
+              <a:rPr lang="pt-BR" dirty="0" smtClean="0"/>
+              <a:t>Ajuda na tomada de futuras decisões</a:t>
+            </a:r>
+            <a:endParaRPr lang="pt-BR" dirty="0"/>
+          </a:p>
+        </p:txBody>
+      </p:sp>
+    </p:spTree>
+  </p:cSld>
+  <p:clrMapOvr>
+    <a:masterClrMapping/>
+  </p:clrMapOvr>
+  <p:timing>
+    <p:tnLst>
+      <p:par>
+        <p:cTn id="1" dur="indefinite" restart="never" nodeType="tmRoot"/>
+      </p:par>
+    </p:tnLst>
+  </p:timing>
+</p:sld>
+</file>
+
+<file path=ppt/slides/slide15.xml><?xml version="1.0" encoding="utf-8"?>
+<p:sld xmlns:a="http://schemas.openxmlformats.org/drawingml/2006/main" xmlns:r="http://schemas.openxmlformats.org/officeDocument/2006/relationships" xmlns:p="http://schemas.openxmlformats.org/presentationml/2006/main">
+  <p:cSld>
+    <p:spTree>
+      <p:nvGrpSpPr>
+        <p:cNvPr id="1" name=""/>
+        <p:cNvGrpSpPr/>
+        <p:nvPr/>
+      </p:nvGrpSpPr>
+      <p:grpSpPr>
+        <a:xfrm>
+          <a:off x="0" y="0"/>
+          <a:ext cx="0" cy="0"/>
+          <a:chOff x="0" y="0"/>
+          <a:chExt cx="0" cy="0"/>
+        </a:xfrm>
+      </p:grpSpPr>
+      <p:sp>
+        <p:nvSpPr>
+          <p:cNvPr id="9" name="CaixaDeTexto 8"/>
+          <p:cNvSpPr txBox="1"/>
+          <p:nvPr/>
+        </p:nvSpPr>
+        <p:spPr>
+          <a:xfrm>
+            <a:off x="611560" y="2132856"/>
+            <a:ext cx="237566" cy="369332"/>
+          </a:xfrm>
+          <a:prstGeom prst="rect">
+            <a:avLst/>
+          </a:prstGeom>
+          <a:noFill/>
+        </p:spPr>
+        <p:txBody>
+          <a:bodyPr wrap="none" rtlCol="0">
+            <a:spAutoFit/>
+          </a:bodyPr>
+          <a:lstStyle/>
+          <a:p>
+            <a:r>
+              <a:rPr lang="pt-BR" dirty="0" smtClean="0"/>
+              <a:t> </a:t>
+            </a:r>
+            <a:endParaRPr lang="pt-BR" dirty="0"/>
+          </a:p>
+        </p:txBody>
+      </p:sp>
+      <p:sp>
+        <p:nvSpPr>
+          <p:cNvPr id="10" name="CaixaDeTexto 9"/>
+          <p:cNvSpPr txBox="1"/>
+          <p:nvPr/>
+        </p:nvSpPr>
+        <p:spPr>
+          <a:xfrm>
+            <a:off x="539552" y="3131676"/>
+            <a:ext cx="7992888" cy="523220"/>
+          </a:xfrm>
+          <a:prstGeom prst="rect">
+            <a:avLst/>
+          </a:prstGeom>
+          <a:noFill/>
+        </p:spPr>
+        <p:txBody>
+          <a:bodyPr wrap="square" rtlCol="0">
+            <a:spAutoFit/>
+          </a:bodyPr>
+          <a:lstStyle/>
+          <a:p>
+            <a:pPr algn="ctr"/>
+            <a:r>
+              <a:rPr lang="pt-BR" sz="2800" b="1" dirty="0" smtClean="0"/>
+              <a:t>Dúvidas ?</a:t>
+            </a:r>
+          </a:p>
+        </p:txBody>
+      </p:sp>
+    </p:spTree>
+  </p:cSld>
+  <p:clrMapOvr>
+    <a:masterClrMapping/>
+  </p:clrMapOvr>
+  <p:timing>
+    <p:tnLst>
+      <p:par>
+        <p:cTn id="1" dur="indefinite" restart="never" nodeType="tmRoot"/>
+      </p:par>
+    </p:tnLst>
+  </p:timing>
+</p:sld>
+</file>
+
+<file path=ppt/slides/slide16.xml><?xml version="1.0" encoding="utf-8"?>
+<p:sld xmlns:a="http://schemas.openxmlformats.org/drawingml/2006/main" xmlns:r="http://schemas.openxmlformats.org/officeDocument/2006/relationships" xmlns:p="http://schemas.openxmlformats.org/presentationml/2006/main">
+  <p:cSld>
+    <p:spTree>
+      <p:nvGrpSpPr>
+        <p:cNvPr id="1" name=""/>
+        <p:cNvGrpSpPr/>
+        <p:nvPr/>
+      </p:nvGrpSpPr>
+      <p:grpSpPr>
+        <a:xfrm>
+          <a:off x="0" y="0"/>
+          <a:ext cx="0" cy="0"/>
+          <a:chOff x="0" y="0"/>
+          <a:chExt cx="0" cy="0"/>
+        </a:xfrm>
+      </p:grpSpPr>
+      <p:sp>
+        <p:nvSpPr>
+          <p:cNvPr id="2" name="Título 1"/>
+          <p:cNvSpPr>
+            <a:spLocks noGrp="1"/>
+          </p:cNvSpPr>
+          <p:nvPr>
+            <p:ph type="title"/>
+          </p:nvPr>
+        </p:nvSpPr>
+        <p:spPr/>
+        <p:txBody>
+          <a:bodyPr/>
+          <a:lstStyle/>
+          <a:p>
+            <a:r>
+              <a:rPr lang="pt-BR" dirty="0" smtClean="0"/>
+              <a:t>Fim</a:t>
+            </a:r>
+            <a:endParaRPr lang="pt-BR" dirty="0"/>
+          </a:p>
+        </p:txBody>
+      </p:sp>
+      <p:sp>
+        <p:nvSpPr>
+          <p:cNvPr id="3" name="CaixaDeTexto 2"/>
+          <p:cNvSpPr txBox="1"/>
+          <p:nvPr/>
+        </p:nvSpPr>
+        <p:spPr>
+          <a:xfrm>
+            <a:off x="2786050" y="2285992"/>
+            <a:ext cx="3240360" cy="523220"/>
+          </a:xfrm>
+          <a:prstGeom prst="rect">
+            <a:avLst/>
+          </a:prstGeom>
+          <a:noFill/>
+        </p:spPr>
+        <p:txBody>
+          <a:bodyPr wrap="square" rtlCol="0">
+            <a:spAutoFit/>
+          </a:bodyPr>
+          <a:lstStyle/>
+          <a:p>
+            <a:r>
               <a:rPr lang="pt-BR" sz="2800" dirty="0" smtClean="0"/>
               <a:t>Muito Obrigado!</a:t>
             </a:r>
             <a:endParaRPr lang="pt-BR" sz="2800" dirty="0"/>
+          </a:p>
+        </p:txBody>
+      </p:sp>
+      <p:sp>
+        <p:nvSpPr>
+          <p:cNvPr id="7" name="CaixaDeTexto 6"/>
+          <p:cNvSpPr txBox="1"/>
+          <p:nvPr/>
+        </p:nvSpPr>
+        <p:spPr>
+          <a:xfrm>
+            <a:off x="1214414" y="4929198"/>
+            <a:ext cx="6929486" cy="646331"/>
+          </a:xfrm>
+          <a:prstGeom prst="rect">
+            <a:avLst/>
+          </a:prstGeom>
+          <a:noFill/>
+        </p:spPr>
+        <p:txBody>
+          <a:bodyPr wrap="square" rtlCol="0">
+            <a:spAutoFit/>
+          </a:bodyPr>
+          <a:lstStyle/>
+          <a:p>
+            <a:r>
+              <a:rPr lang="pt-BR" i="1" dirty="0" smtClean="0"/>
+              <a:t>“Felicidade </a:t>
+            </a:r>
+            <a:r>
+              <a:rPr lang="pt-BR" i="1" dirty="0" smtClean="0"/>
+              <a:t>é a certeza de que a vida não está passando </a:t>
+            </a:r>
+            <a:br>
+              <a:rPr lang="pt-BR" i="1" dirty="0" smtClean="0"/>
+            </a:br>
+            <a:r>
+              <a:rPr lang="pt-BR" i="1" dirty="0" smtClean="0"/>
+              <a:t>inutilmente.”</a:t>
+            </a:r>
+            <a:endParaRPr lang="pt-BR" dirty="0"/>
           </a:p>
         </p:txBody>
       </p:sp>
@@ -6476,7 +9811,7 @@
         <p:spPr>
           <a:xfrm>
             <a:off x="1043608" y="2204864"/>
-            <a:ext cx="3456384" cy="1477328"/>
+            <a:ext cx="3456384" cy="1200329"/>
           </a:xfrm>
           <a:prstGeom prst="rect">
             <a:avLst/>
@@ -6491,15 +9826,27 @@
           <a:p>
             <a:r>
               <a:rPr lang="pt-BR" dirty="0" smtClean="0"/>
-              <a:t>O PROJETO F1 visa otimizar o tempo que uma pessoa fica parada em </a:t>
+              <a:t>O PROJETO F1 visa otimizar o tempo que uma pessoa fica parada </a:t>
             </a:r>
             <a:r>
               <a:rPr lang="pt-BR" dirty="0" smtClean="0"/>
-              <a:t>uma fila </a:t>
+              <a:t>na fila </a:t>
             </a:r>
             <a:r>
               <a:rPr lang="pt-BR" dirty="0" smtClean="0"/>
-              <a:t>de um brinquedo em um parque de diversão esperando a sua vez.</a:t>
+              <a:t>de um brinquedo </a:t>
+            </a:r>
+            <a:r>
+              <a:rPr lang="pt-BR" dirty="0" smtClean="0"/>
+              <a:t> em um Parque </a:t>
+            </a:r>
+            <a:r>
+              <a:rPr lang="pt-BR" dirty="0" smtClean="0"/>
+              <a:t>de </a:t>
+            </a:r>
+            <a:r>
+              <a:rPr lang="pt-BR" dirty="0" smtClean="0"/>
+              <a:t>Diversão.</a:t>
             </a:r>
             <a:endParaRPr lang="pt-BR" dirty="0"/>
           </a:p>
@@ -6727,48 +10074,30 @@
               <a:rPr lang="pt-BR" dirty="0" smtClean="0"/>
               <a:t>	</a:t>
             </a:r>
+          </a:p>
+          <a:p>
+            <a:r>
+              <a:rPr lang="pt-BR" dirty="0" smtClean="0"/>
+              <a:t>É muito desgastante ficar parado em uma fila.</a:t>
+            </a:r>
+          </a:p>
+          <a:p>
+            <a:endParaRPr lang="pt-BR" dirty="0"/>
+          </a:p>
+          <a:p>
+            <a:r>
+              <a:rPr lang="pt-BR" dirty="0" smtClean="0"/>
+              <a:t>Quantas atividades poderíamos ter feito durante este tempo todo?</a:t>
+            </a:r>
+          </a:p>
+          <a:p>
             <a:endParaRPr lang="pt-BR" dirty="0" smtClean="0"/>
           </a:p>
           <a:p>
             <a:r>
               <a:rPr lang="pt-BR" dirty="0" smtClean="0"/>
-              <a:t>É muito desgastante ficar </a:t>
-            </a:r>
-            <a:r>
-              <a:rPr lang="pt-BR" dirty="0" smtClean="0"/>
-              <a:t>parado em uma fila</a:t>
-            </a:r>
-            <a:r>
-              <a:rPr lang="pt-BR" dirty="0" smtClean="0"/>
-              <a:t>.</a:t>
-            </a:r>
-          </a:p>
-          <a:p>
-            <a:endParaRPr lang="pt-BR" dirty="0"/>
-          </a:p>
-          <a:p>
-            <a:r>
-              <a:rPr lang="pt-BR" dirty="0" smtClean="0"/>
-              <a:t>Quantas atividades poderíamos ter feito durante este tempo todo</a:t>
-            </a:r>
-            <a:r>
-              <a:rPr lang="pt-BR" dirty="0" smtClean="0"/>
-              <a:t>?</a:t>
-            </a:r>
-          </a:p>
-          <a:p>
-            <a:endParaRPr lang="pt-BR" dirty="0" smtClean="0"/>
-          </a:p>
-          <a:p>
-            <a:r>
-              <a:rPr lang="pt-BR" dirty="0" smtClean="0"/>
-              <a:t>Quanto vale o seu tempo</a:t>
-            </a:r>
-            <a:r>
-              <a:rPr lang="pt-BR" dirty="0" smtClean="0"/>
-              <a:t>?</a:t>
-            </a:r>
-            <a:endParaRPr lang="pt-BR" dirty="0" smtClean="0"/>
+              <a:t>Quanto vale o seu tempo?</a:t>
+            </a:r>
           </a:p>
         </p:txBody>
       </p:sp>
@@ -7115,7 +10444,7 @@
         <p:spPr>
           <a:xfrm>
             <a:off x="395536" y="1556792"/>
-            <a:ext cx="7848872" cy="3970318"/>
+            <a:ext cx="7848872" cy="3139321"/>
           </a:xfrm>
           <a:prstGeom prst="rect">
             <a:avLst/>
@@ -7130,57 +10459,11 @@
           <a:p>
             <a:r>
               <a:rPr lang="pt-BR" dirty="0" smtClean="0"/>
-              <a:t>Sim, podemos </a:t>
+              <a:t>Sistemas </a:t>
             </a:r>
             <a:r>
               <a:rPr lang="pt-BR" dirty="0" smtClean="0"/>
-              <a:t>ter um Sistema que gerencie as </a:t>
-            </a:r>
-            <a:r>
-              <a:rPr lang="pt-BR" dirty="0" smtClean="0"/>
-              <a:t>filas </a:t>
-            </a:r>
-            <a:r>
-              <a:rPr lang="pt-BR" dirty="0" smtClean="0"/>
-              <a:t>e que </a:t>
-            </a:r>
-            <a:r>
-              <a:rPr lang="pt-BR" dirty="0" smtClean="0"/>
-              <a:t>avise quando sua vez estiver próxima. </a:t>
-            </a:r>
-            <a:r>
-              <a:rPr lang="pt-BR" dirty="0" smtClean="0"/>
-              <a:t>Assim não é</a:t>
-            </a:r>
-            <a:r>
-              <a:rPr lang="pt-BR" dirty="0" smtClean="0"/>
-              <a:t> necessário estarmos </a:t>
-            </a:r>
-            <a:r>
-              <a:rPr lang="pt-BR" dirty="0" smtClean="0"/>
-              <a:t>parados fisicamente</a:t>
-            </a:r>
-          </a:p>
-          <a:p>
-            <a:r>
-              <a:rPr lang="pt-BR" dirty="0" smtClean="0"/>
-              <a:t>nas filas dos brinquedos.</a:t>
-            </a:r>
-          </a:p>
-          <a:p>
-            <a:endParaRPr lang="pt-BR" dirty="0" smtClean="0"/>
-          </a:p>
-          <a:p>
-            <a:endParaRPr lang="pt-BR" dirty="0" smtClean="0"/>
-          </a:p>
-          <a:p>
-            <a:r>
-              <a:rPr lang="pt-BR" dirty="0" smtClean="0"/>
-              <a:t>Sistemas de </a:t>
-            </a:r>
-            <a:r>
-              <a:rPr lang="pt-BR" dirty="0" smtClean="0"/>
-              <a:t>Informação já controlam filas </a:t>
+              <a:t>de Informação já controlam filas </a:t>
             </a:r>
           </a:p>
           <a:p>
@@ -7216,6 +10499,8 @@
               <a:rPr lang="pt-BR" dirty="0" smtClean="0"/>
               <a:t>   respeitando as prioridades de cada um</a:t>
             </a:r>
+          </a:p>
+          <a:p>
             <a:endParaRPr lang="pt-BR" dirty="0" smtClean="0"/>
           </a:p>
           <a:p>
@@ -7225,25 +10510,19 @@
             <a:endParaRPr lang="pt-BR" dirty="0" smtClean="0"/>
           </a:p>
           <a:p>
+            <a:endParaRPr lang="pt-BR" dirty="0" smtClean="0"/>
+          </a:p>
+          <a:p>
             <a:r>
               <a:rPr lang="pt-BR" dirty="0" smtClean="0"/>
-              <a:t>E</a:t>
-            </a:r>
+              <a:t>Então porque não utilizar esse poder dos sistemas</a:t>
+            </a:r>
+          </a:p>
+          <a:p>
             <a:r>
               <a:rPr lang="pt-BR" dirty="0" smtClean="0"/>
-              <a:t>ntão porque não utilizar esse poder dos sistemas</a:t>
-            </a:r>
-          </a:p>
-          <a:p>
-            <a:r>
-              <a:rPr lang="pt-BR" dirty="0" smtClean="0"/>
-              <a:t>d</a:t>
-            </a:r>
-            <a:r>
-              <a:rPr lang="pt-BR" dirty="0" smtClean="0"/>
-              <a:t>e informação para controlar uma fila de pessoas?</a:t>
-            </a:r>
-            <a:endParaRPr lang="pt-BR" dirty="0" smtClean="0"/>
+              <a:t>de informação para controlar uma fila de pessoas?</a:t>
+            </a:r>
           </a:p>
         </p:txBody>
       </p:sp>
@@ -7264,8 +10543,8 @@
         </p:blipFill>
         <p:spPr>
           <a:xfrm>
-            <a:off x="5868144" y="2420888"/>
-            <a:ext cx="2645262" cy="3959522"/>
+            <a:off x="6000760" y="1857364"/>
+            <a:ext cx="2512646" cy="3761018"/>
           </a:xfrm>
           <a:prstGeom prst="rect">
             <a:avLst/>
@@ -7383,7 +10662,7 @@
       </p:grpSpPr>
       <p:sp>
         <p:nvSpPr>
-          <p:cNvPr id="8" name="Título 7"/>
+          <p:cNvPr id="2" name="Título 1"/>
           <p:cNvSpPr>
             <a:spLocks noGrp="1"/>
           </p:cNvSpPr>
@@ -7398,7 +10677,7 @@
           <a:p>
             <a:r>
               <a:rPr lang="pt-BR" dirty="0" smtClean="0"/>
-              <a:t>Quanto aos benefícios...</a:t>
+              <a:t>Será possível?</a:t>
             </a:r>
             <a:endParaRPr lang="pt-BR" dirty="0"/>
           </a:p>
@@ -7406,14 +10685,14 @@
       </p:sp>
       <p:sp>
         <p:nvSpPr>
-          <p:cNvPr id="9" name="CaixaDeTexto 8"/>
+          <p:cNvPr id="3" name="CaixaDeTexto 2"/>
           <p:cNvSpPr txBox="1"/>
           <p:nvPr/>
         </p:nvSpPr>
         <p:spPr>
           <a:xfrm>
-            <a:off x="611560" y="2132856"/>
-            <a:ext cx="237566" cy="369332"/>
+            <a:off x="2214546" y="3429000"/>
+            <a:ext cx="4929222" cy="1477328"/>
           </a:xfrm>
           <a:prstGeom prst="rect">
             <a:avLst/>
@@ -7421,29 +10700,51 @@
           <a:noFill/>
         </p:spPr>
         <p:txBody>
-          <a:bodyPr wrap="none" rtlCol="0">
+          <a:bodyPr wrap="square" rtlCol="0">
             <a:spAutoFit/>
           </a:bodyPr>
           <a:lstStyle/>
           <a:p>
             <a:r>
               <a:rPr lang="pt-BR" dirty="0" smtClean="0"/>
-              <a:t> </a:t>
-            </a:r>
+              <a:t>Podemos </a:t>
+            </a:r>
+            <a:r>
+              <a:rPr lang="pt-BR" dirty="0" smtClean="0"/>
+              <a:t>ter um Sistema que gerencie as filas e que avise quando sua vez estiver próxima. </a:t>
+            </a:r>
+            <a:r>
+              <a:rPr lang="pt-BR" dirty="0" smtClean="0"/>
+              <a:t>Assim </a:t>
+            </a:r>
+            <a:r>
+              <a:rPr lang="pt-BR" dirty="0" smtClean="0"/>
+              <a:t>não é necessário estarmos parados </a:t>
+            </a:r>
+            <a:r>
+              <a:rPr lang="pt-BR" dirty="0" smtClean="0"/>
+              <a:t>fisicamente nas </a:t>
+            </a:r>
+            <a:r>
+              <a:rPr lang="pt-BR" dirty="0" smtClean="0"/>
+              <a:t>filas dos brinquedos.</a:t>
+            </a:r>
+          </a:p>
+          <a:p>
             <a:endParaRPr lang="pt-BR" dirty="0"/>
           </a:p>
         </p:txBody>
       </p:sp>
       <p:sp>
         <p:nvSpPr>
-          <p:cNvPr id="10" name="CaixaDeTexto 9"/>
+          <p:cNvPr id="4" name="CaixaDeTexto 3"/>
           <p:cNvSpPr txBox="1"/>
           <p:nvPr/>
         </p:nvSpPr>
         <p:spPr>
           <a:xfrm>
-            <a:off x="539552" y="1844824"/>
-            <a:ext cx="7778091" cy="3877985"/>
+            <a:off x="3714744" y="1928802"/>
+            <a:ext cx="2071702" cy="369332"/>
           </a:xfrm>
           <a:prstGeom prst="rect">
             <a:avLst/>
@@ -7451,186 +10752,22 @@
           <a:noFill/>
         </p:spPr>
         <p:txBody>
-          <a:bodyPr wrap="none" rtlCol="0">
+          <a:bodyPr wrap="square" rtlCol="0">
             <a:spAutoFit/>
           </a:bodyPr>
           <a:lstStyle/>
           <a:p>
             <a:r>
-              <a:rPr lang="pt-BR" sz="2400" dirty="0" smtClean="0"/>
-              <a:t>Benefícios para o </a:t>
-            </a:r>
-            <a:r>
-              <a:rPr lang="pt-BR" sz="2400" dirty="0" smtClean="0"/>
-              <a:t>Parque:</a:t>
-            </a:r>
-            <a:endParaRPr lang="pt-BR" sz="2400" dirty="0" smtClean="0"/>
-          </a:p>
-          <a:p>
-            <a:pPr lvl="1">
-              <a:buFont typeface="Arial" pitchFamily="34" charset="0"/>
-              <a:buChar char="•"/>
-            </a:pPr>
-            <a:r>
-              <a:rPr lang="pt-BR" dirty="0"/>
-              <a:t> </a:t>
-            </a:r>
-            <a:r>
               <a:rPr lang="pt-BR" dirty="0" smtClean="0"/>
-              <a:t>Aumento </a:t>
+              <a:t>Sim</a:t>
             </a:r>
             <a:r>
               <a:rPr lang="pt-BR" dirty="0" smtClean="0"/>
-              <a:t>da </a:t>
-            </a:r>
-            <a:r>
-              <a:rPr lang="pt-BR" dirty="0"/>
-              <a:t>satisfação de seus clientes </a:t>
-            </a:r>
-            <a:endParaRPr lang="pt-BR" dirty="0" smtClean="0"/>
-          </a:p>
-          <a:p>
-            <a:pPr lvl="1">
-              <a:buFont typeface="Arial" pitchFamily="34" charset="0"/>
-              <a:buChar char="•"/>
-            </a:pPr>
+              <a:t>,</a:t>
+            </a:r>
             <a:r>
               <a:rPr lang="pt-BR" dirty="0" smtClean="0"/>
-              <a:t> Aumento </a:t>
-            </a:r>
-            <a:r>
-              <a:rPr lang="pt-BR" dirty="0"/>
-              <a:t>na </a:t>
-            </a:r>
-            <a:r>
-              <a:rPr lang="pt-BR" dirty="0" smtClean="0"/>
-              <a:t>rotatividade de visitantes</a:t>
-            </a:r>
-          </a:p>
-          <a:p>
-            <a:pPr lvl="1">
-              <a:buFont typeface="Arial" pitchFamily="34" charset="0"/>
-              <a:buChar char="•"/>
-            </a:pPr>
-            <a:r>
-              <a:rPr lang="pt-BR" dirty="0" smtClean="0"/>
-              <a:t> Aumento </a:t>
-            </a:r>
-            <a:r>
-              <a:rPr lang="pt-BR" dirty="0" smtClean="0"/>
-              <a:t>do lucro </a:t>
-            </a:r>
-            <a:r>
-              <a:rPr lang="pt-BR" dirty="0"/>
-              <a:t>do parque </a:t>
-            </a:r>
-            <a:endParaRPr lang="pt-BR" dirty="0" smtClean="0"/>
-          </a:p>
-          <a:p>
-            <a:pPr lvl="1">
-              <a:buFont typeface="Arial" pitchFamily="34" charset="0"/>
-              <a:buChar char="•"/>
-            </a:pPr>
-            <a:r>
-              <a:rPr lang="pt-BR" dirty="0" smtClean="0"/>
-              <a:t> Maior </a:t>
-            </a:r>
-            <a:r>
-              <a:rPr lang="pt-BR" dirty="0"/>
-              <a:t>venda de </a:t>
-            </a:r>
-            <a:r>
-              <a:rPr lang="pt-BR" dirty="0" smtClean="0"/>
-              <a:t>ingressos</a:t>
-            </a:r>
-            <a:endParaRPr lang="pt-BR" dirty="0" smtClean="0"/>
-          </a:p>
-          <a:p>
-            <a:pPr lvl="1">
-              <a:buFont typeface="Arial" pitchFamily="34" charset="0"/>
-              <a:buChar char="•"/>
-            </a:pPr>
-            <a:r>
-              <a:rPr lang="pt-BR" dirty="0" smtClean="0"/>
-              <a:t> Explorar </a:t>
-            </a:r>
-            <a:r>
-              <a:rPr lang="pt-BR" dirty="0"/>
-              <a:t>novas fontes de </a:t>
-            </a:r>
-            <a:r>
-              <a:rPr lang="pt-BR" dirty="0" smtClean="0"/>
-              <a:t>lucro</a:t>
-            </a:r>
-          </a:p>
-          <a:p>
-            <a:r>
-              <a:rPr lang="pt-BR" dirty="0"/>
-              <a:t>	</a:t>
-            </a:r>
-            <a:r>
-              <a:rPr lang="pt-BR" dirty="0" smtClean="0"/>
-              <a:t>	</a:t>
-            </a:r>
-          </a:p>
-          <a:p>
-            <a:endParaRPr lang="pt-BR" dirty="0" smtClean="0"/>
-          </a:p>
-          <a:p>
-            <a:endParaRPr lang="pt-BR" dirty="0"/>
-          </a:p>
-          <a:p>
-            <a:r>
-              <a:rPr lang="pt-BR" sz="2400" dirty="0" smtClean="0"/>
-              <a:t>Benefícios para o </a:t>
-            </a:r>
-            <a:r>
-              <a:rPr lang="pt-BR" sz="2400" dirty="0" smtClean="0"/>
-              <a:t>Cliente:</a:t>
-            </a:r>
-            <a:endParaRPr lang="pt-BR" sz="2400" dirty="0" smtClean="0"/>
-          </a:p>
-          <a:p>
-            <a:pPr lvl="1">
-              <a:buFont typeface="Arial" pitchFamily="34" charset="0"/>
-              <a:buChar char="•"/>
-            </a:pPr>
-            <a:r>
-              <a:rPr lang="pt-BR" dirty="0" smtClean="0"/>
-              <a:t> Podem </a:t>
-            </a:r>
-            <a:r>
-              <a:rPr lang="pt-BR" dirty="0"/>
-              <a:t>circular pelo parque enquanto esperam sua vez </a:t>
-            </a:r>
-            <a:r>
-              <a:rPr lang="pt-BR" dirty="0" smtClean="0"/>
-              <a:t>no brinquedo</a:t>
-            </a:r>
-          </a:p>
-          <a:p>
-            <a:pPr lvl="1">
-              <a:buFont typeface="Arial" pitchFamily="34" charset="0"/>
-              <a:buChar char="•"/>
-            </a:pPr>
-            <a:r>
-              <a:rPr lang="pt-BR" dirty="0" smtClean="0"/>
-              <a:t> Podem </a:t>
-            </a:r>
-            <a:r>
-              <a:rPr lang="pt-BR" dirty="0" smtClean="0"/>
-              <a:t>aproveitar mais o </a:t>
-            </a:r>
-            <a:r>
-              <a:rPr lang="pt-BR" dirty="0" smtClean="0"/>
-              <a:t>tempo, conforme desejar</a:t>
-            </a:r>
-            <a:endParaRPr lang="pt-BR" dirty="0" smtClean="0"/>
-          </a:p>
-          <a:p>
-            <a:r>
-              <a:rPr lang="pt-BR" dirty="0"/>
-              <a:t>	</a:t>
+              <a:t> é possível!</a:t>
             </a:r>
             <a:endParaRPr lang="pt-BR" dirty="0" smtClean="0"/>
           </a:p>
@@ -7685,7 +10822,11 @@
           <a:p>
             <a:r>
               <a:rPr lang="pt-BR" dirty="0" smtClean="0"/>
-              <a:t>Como foi feito?</a:t>
+              <a:t>Como </a:t>
+            </a:r>
+            <a:r>
+              <a:rPr lang="pt-BR" dirty="0" smtClean="0"/>
+              <a:t>funciona?</a:t>
             </a:r>
             <a:endParaRPr lang="pt-BR" dirty="0"/>
           </a:p>
@@ -7778,53 +10919,116 @@
           <a:chExt cx="0" cy="0"/>
         </a:xfrm>
       </p:grpSpPr>
-      <p:pic>
-        <p:nvPicPr>
-          <p:cNvPr id="3" name="Imagem 2" descr="servidor_aplicacao_sms2.jpg"/>
-          <p:cNvPicPr>
-            <a:picLocks noChangeAspect="1"/>
-          </p:cNvPicPr>
+      <p:sp>
+        <p:nvSpPr>
+          <p:cNvPr id="2" name="Título 1"/>
+          <p:cNvSpPr>
+            <a:spLocks noGrp="1"/>
+          </p:cNvSpPr>
+          <p:nvPr>
+            <p:ph type="title"/>
+          </p:nvPr>
+        </p:nvSpPr>
+        <p:spPr/>
+        <p:txBody>
+          <a:bodyPr/>
+          <a:lstStyle/>
+          <a:p>
+            <a:r>
+              <a:rPr lang="pt-BR" dirty="0" smtClean="0"/>
+              <a:t>Considerações importantes</a:t>
+            </a:r>
+            <a:endParaRPr lang="pt-BR" dirty="0"/>
+          </a:p>
+        </p:txBody>
+      </p:sp>
+      <p:sp>
+        <p:nvSpPr>
+          <p:cNvPr id="3" name="CaixaDeTexto 2"/>
+          <p:cNvSpPr txBox="1"/>
           <p:nvPr/>
-        </p:nvPicPr>
-        <p:blipFill>
-          <a:blip r:embed="rId2" cstate="print"/>
-          <a:srcRect t="2422" r="7863" b="15213"/>
-          <a:stretch>
-            <a:fillRect/>
-          </a:stretch>
-        </p:blipFill>
+        </p:nvSpPr>
         <p:spPr>
           <a:xfrm>
-            <a:off x="930909" y="1484784"/>
-            <a:ext cx="7097475" cy="4896544"/>
+            <a:off x="1142976" y="2285992"/>
+            <a:ext cx="6715172" cy="3139321"/>
           </a:xfrm>
           <a:prstGeom prst="rect">
             <a:avLst/>
           </a:prstGeom>
-        </p:spPr>
-      </p:pic>
-      <p:sp>
-        <p:nvSpPr>
-          <p:cNvPr id="4" name="Título 7"/>
-          <p:cNvSpPr>
-            <a:spLocks noGrp="1"/>
-          </p:cNvSpPr>
-          <p:nvPr>
-            <p:ph type="title"/>
-          </p:nvPr>
-        </p:nvSpPr>
-        <p:spPr/>
-        <p:txBody>
-          <a:bodyPr>
-            <a:normAutofit/>
+          <a:noFill/>
+        </p:spPr>
+        <p:txBody>
+          <a:bodyPr wrap="square" rtlCol="0">
+            <a:spAutoFit/>
           </a:bodyPr>
           <a:lstStyle/>
           <a:p>
             <a:r>
-              <a:rPr lang="pt-BR" sz="3600" dirty="0" smtClean="0"/>
-              <a:t>Arquitetura da Solução</a:t>
-            </a:r>
-            <a:endParaRPr lang="pt-BR" sz="3600" dirty="0"/>
+              <a:rPr lang="pt-BR" dirty="0" smtClean="0"/>
+              <a:t>- O </a:t>
+            </a:r>
+            <a:r>
+              <a:rPr lang="pt-BR" dirty="0" smtClean="0"/>
+              <a:t>sistema não diminui o tempo das filas, apenas otimiza o tempo em que se fica parado na mesma.</a:t>
+            </a:r>
+          </a:p>
+          <a:p>
+            <a:endParaRPr lang="pt-BR" dirty="0" smtClean="0"/>
+          </a:p>
+          <a:p>
+            <a:endParaRPr lang="pt-BR" dirty="0" smtClean="0"/>
+          </a:p>
+          <a:p>
+            <a:pPr>
+              <a:buFontTx/>
+              <a:buChar char="-"/>
+            </a:pPr>
+            <a:r>
+              <a:rPr lang="pt-BR" dirty="0" smtClean="0"/>
+              <a:t> Só é permitido se cadastrar em um brinquedo por vez.</a:t>
+            </a:r>
+          </a:p>
+          <a:p>
+            <a:pPr>
+              <a:buFontTx/>
+              <a:buChar char="-"/>
+            </a:pPr>
+            <a:endParaRPr lang="pt-BR" dirty="0" smtClean="0"/>
+          </a:p>
+          <a:p>
+            <a:pPr>
+              <a:buFontTx/>
+              <a:buChar char="-"/>
+            </a:pPr>
+            <a:endParaRPr lang="pt-BR" dirty="0" smtClean="0"/>
+          </a:p>
+          <a:p>
+            <a:pPr>
+              <a:buFontTx/>
+              <a:buChar char="-"/>
+            </a:pPr>
+            <a:r>
+              <a:rPr lang="pt-BR" dirty="0" smtClean="0"/>
+              <a:t> É indicado que o Parque amplie </a:t>
+            </a:r>
+            <a:r>
+              <a:rPr lang="pt-BR" dirty="0" smtClean="0"/>
+              <a:t>suas áreas de lazer e atrações como peças teatrais e shows para entreter os visitantes enquanto </a:t>
+            </a:r>
+            <a:r>
+              <a:rPr lang="pt-BR" dirty="0" smtClean="0"/>
+              <a:t>aguardam </a:t>
+            </a:r>
+            <a:r>
+              <a:rPr lang="pt-BR" dirty="0" smtClean="0"/>
+              <a:t>sua vez no brinquedo, fazendo o tempo passar mais </a:t>
+            </a:r>
+            <a:r>
+              <a:rPr lang="pt-BR" dirty="0" smtClean="0"/>
+              <a:t>rápido e ocasionando mais conforto aos clientes.</a:t>
+            </a:r>
+            <a:endParaRPr lang="pt-BR" dirty="0" smtClean="0"/>
           </a:p>
         </p:txBody>
       </p:sp>
@@ -7877,7 +11081,7 @@
           <a:p>
             <a:r>
               <a:rPr lang="pt-BR" dirty="0" smtClean="0"/>
-              <a:t>Objetivos alcançados</a:t>
+              <a:t>Quanto aos benefícios...</a:t>
             </a:r>
             <a:endParaRPr lang="pt-BR" dirty="0"/>
           </a:p>
@@ -7921,8 +11125,8 @@
         </p:nvSpPr>
         <p:spPr>
           <a:xfrm>
-            <a:off x="539552" y="1556792"/>
-            <a:ext cx="7488832" cy="1477328"/>
+            <a:off x="539552" y="1844824"/>
+            <a:ext cx="7778091" cy="3600986"/>
           </a:xfrm>
           <a:prstGeom prst="rect">
             <a:avLst/>
@@ -7930,1763 +11134,152 @@
           <a:noFill/>
         </p:spPr>
         <p:txBody>
-          <a:bodyPr wrap="square" rtlCol="0">
+          <a:bodyPr wrap="none" rtlCol="0">
             <a:spAutoFit/>
           </a:bodyPr>
           <a:lstStyle/>
           <a:p>
-            <a:pPr>
+            <a:r>
+              <a:rPr lang="pt-BR" sz="2400" dirty="0" smtClean="0"/>
+              <a:t>Benefícios para o Parque:</a:t>
+            </a:r>
+          </a:p>
+          <a:p>
+            <a:pPr lvl="1">
               <a:buFont typeface="Arial" pitchFamily="34" charset="0"/>
               <a:buChar char="•"/>
             </a:pPr>
             <a:r>
+              <a:rPr lang="pt-BR" dirty="0"/>
+              <a:t> </a:t>
+            </a:r>
+            <a:r>
               <a:rPr lang="pt-BR" dirty="0" smtClean="0"/>
-              <a:t>Com análise dos resultados do trabalho o objetivo foi alcançado.</a:t>
-            </a:r>
-          </a:p>
-          <a:p>
-            <a:pPr>
+              <a:t>Aumento da </a:t>
+            </a:r>
+            <a:r>
+              <a:rPr lang="pt-BR" dirty="0"/>
+              <a:t>satisfação de seus </a:t>
+            </a:r>
+            <a:r>
+              <a:rPr lang="pt-BR" dirty="0" smtClean="0"/>
+              <a:t>clientes</a:t>
+            </a:r>
+          </a:p>
+          <a:p>
+            <a:pPr lvl="1">
               <a:buFont typeface="Arial" pitchFamily="34" charset="0"/>
               <a:buChar char="•"/>
             </a:pPr>
-            <a:endParaRPr lang="pt-BR" dirty="0"/>
-          </a:p>
-          <a:p>
-            <a:pPr>
+            <a:r>
+              <a:rPr lang="pt-BR" dirty="0" smtClean="0"/>
+              <a:t> </a:t>
+            </a:r>
+            <a:r>
+              <a:rPr lang="pt-BR" dirty="0" smtClean="0"/>
+              <a:t>Aumento do lucro </a:t>
+            </a:r>
+            <a:r>
+              <a:rPr lang="pt-BR" dirty="0"/>
+              <a:t>do parque </a:t>
+            </a:r>
+            <a:endParaRPr lang="pt-BR" dirty="0" smtClean="0"/>
+          </a:p>
+          <a:p>
+            <a:pPr lvl="1">
               <a:buFont typeface="Arial" pitchFamily="34" charset="0"/>
               <a:buChar char="•"/>
             </a:pPr>
             <a:r>
               <a:rPr lang="pt-BR" dirty="0" smtClean="0"/>
-              <a:t>É possível otimizar o tempo que o cliente fica parado em  uma </a:t>
+              <a:t> Maior </a:t>
+            </a:r>
+            <a:r>
+              <a:rPr lang="pt-BR" dirty="0"/>
+              <a:t>venda de </a:t>
             </a:r>
             <a:r>
               <a:rPr lang="pt-BR" dirty="0" smtClean="0"/>
-              <a:t>fila.</a:t>
-            </a:r>
-          </a:p>
-          <a:p>
-            <a:pPr>
+              <a:t>ingressos</a:t>
+            </a:r>
+          </a:p>
+          <a:p>
+            <a:pPr lvl="1">
               <a:buFont typeface="Arial" pitchFamily="34" charset="0"/>
               <a:buChar char="•"/>
             </a:pPr>
+            <a:r>
+              <a:rPr lang="pt-BR" dirty="0" smtClean="0"/>
+              <a:t> Explorar </a:t>
+            </a:r>
+            <a:r>
+              <a:rPr lang="pt-BR" dirty="0"/>
+              <a:t>novas fontes de </a:t>
+            </a:r>
+            <a:r>
+              <a:rPr lang="pt-BR" dirty="0" smtClean="0"/>
+              <a:t>lucro</a:t>
+            </a:r>
+          </a:p>
+          <a:p>
+            <a:r>
+              <a:rPr lang="pt-BR" dirty="0"/>
+              <a:t>	</a:t>
+            </a:r>
+            <a:r>
+              <a:rPr lang="pt-BR" dirty="0" smtClean="0"/>
+              <a:t>	</a:t>
+            </a:r>
+          </a:p>
+          <a:p>
             <a:endParaRPr lang="pt-BR" dirty="0" smtClean="0"/>
           </a:p>
           <a:p>
-            <a:pPr>
+            <a:endParaRPr lang="pt-BR" dirty="0"/>
+          </a:p>
+          <a:p>
+            <a:r>
+              <a:rPr lang="pt-BR" sz="2400" dirty="0" smtClean="0"/>
+              <a:t>Benefícios para o Cliente:</a:t>
+            </a:r>
+          </a:p>
+          <a:p>
+            <a:pPr lvl="1">
               <a:buFont typeface="Arial" pitchFamily="34" charset="0"/>
               <a:buChar char="•"/>
             </a:pPr>
             <a:r>
               <a:rPr lang="pt-BR" dirty="0" smtClean="0"/>
-              <a:t>O sistema é de fácil </a:t>
+              <a:t> Podem </a:t>
+            </a:r>
+            <a:r>
+              <a:rPr lang="pt-BR" dirty="0"/>
+              <a:t>circular pelo parque enquanto esperam sua vez </a:t>
             </a:r>
             <a:r>
               <a:rPr lang="pt-BR" dirty="0" smtClean="0"/>
-              <a:t>utilização.</a:t>
-            </a:r>
-            <a:endParaRPr lang="pt-BR" dirty="0"/>
-          </a:p>
-        </p:txBody>
-      </p:sp>
-      <p:graphicFrame>
-        <p:nvGraphicFramePr>
-          <p:cNvPr id="6" name="Tabela 5"/>
-          <p:cNvGraphicFramePr>
-            <a:graphicFrameLocks noGrp="1"/>
-          </p:cNvGraphicFramePr>
-          <p:nvPr/>
-        </p:nvGraphicFramePr>
-        <p:xfrm>
-          <a:off x="467544" y="3429000"/>
-          <a:ext cx="8173347" cy="2666642"/>
-        </p:xfrm>
-        <a:graphic>
-          <a:graphicData uri="http://schemas.openxmlformats.org/drawingml/2006/table">
-            <a:tbl>
-              <a:tblPr/>
-              <a:tblGrid>
-                <a:gridCol w="956612"/>
-                <a:gridCol w="896433"/>
-                <a:gridCol w="771700"/>
-                <a:gridCol w="1175636"/>
-                <a:gridCol w="803853"/>
-                <a:gridCol w="1670237"/>
-                <a:gridCol w="1898876"/>
-              </a:tblGrid>
-              <a:tr h="658751">
-                <a:tc>
-                  <a:txBody>
-                    <a:bodyPr/>
-                    <a:lstStyle/>
-                    <a:p>
-                      <a:pPr algn="ctr" fontAlgn="b"/>
-                      <a:r>
-                        <a:rPr lang="pt-BR" sz="1200" b="1" i="0" u="none" strike="noStrike" dirty="0">
-                          <a:solidFill>
-                            <a:srgbClr val="FFFFFF"/>
-                          </a:solidFill>
-                          <a:latin typeface="+mn-lt"/>
-                        </a:rPr>
-                        <a:t>Brinquedo</a:t>
-                      </a:r>
-                    </a:p>
-                  </a:txBody>
-                  <a:tcPr marL="4895" marR="4895" marT="4895" marB="0" anchor="ctr">
-                    <a:lnL w="6350" cap="flat" cmpd="sng" algn="ctr">
-                      <a:solidFill>
-                        <a:srgbClr val="000000"/>
-                      </a:solidFill>
-                      <a:prstDash val="solid"/>
-                      <a:round/>
-                      <a:headEnd type="none" w="med" len="med"/>
-                      <a:tailEnd type="none" w="med" len="med"/>
-                    </a:lnL>
-                    <a:lnR w="6350" cap="flat" cmpd="sng" algn="ctr">
-                      <a:solidFill>
-                        <a:srgbClr val="000000"/>
-                      </a:solidFill>
-                      <a:prstDash val="solid"/>
-                      <a:round/>
-                      <a:headEnd type="none" w="med" len="med"/>
-                      <a:tailEnd type="none" w="med" len="med"/>
-                    </a:lnR>
-                    <a:lnT w="6350" cap="flat" cmpd="sng" algn="ctr">
-                      <a:solidFill>
-                        <a:srgbClr val="000000"/>
-                      </a:solidFill>
-                      <a:prstDash val="solid"/>
-                      <a:round/>
-                      <a:headEnd type="none" w="med" len="med"/>
-                      <a:tailEnd type="none" w="med" len="med"/>
-                    </a:lnT>
-                    <a:lnB w="6350" cap="flat" cmpd="sng" algn="ctr">
-                      <a:solidFill>
-                        <a:srgbClr val="000000"/>
-                      </a:solidFill>
-                      <a:prstDash val="solid"/>
-                      <a:round/>
-                      <a:headEnd type="none" w="med" len="med"/>
-                      <a:tailEnd type="none" w="med" len="med"/>
-                    </a:lnB>
-                    <a:solidFill>
-                      <a:srgbClr val="C0504D"/>
-                    </a:solidFill>
-                  </a:tcPr>
-                </a:tc>
-                <a:tc>
-                  <a:txBody>
-                    <a:bodyPr/>
-                    <a:lstStyle/>
-                    <a:p>
-                      <a:pPr algn="ctr" fontAlgn="b"/>
-                      <a:r>
-                        <a:rPr lang="pt-BR" sz="1200" b="1" i="0" u="none" strike="noStrike" dirty="0">
-                          <a:solidFill>
-                            <a:srgbClr val="FFFFFF"/>
-                          </a:solidFill>
-                          <a:latin typeface="+mn-lt"/>
-                        </a:rPr>
-                        <a:t>Parque</a:t>
-                      </a:r>
-                    </a:p>
-                  </a:txBody>
-                  <a:tcPr marL="4895" marR="4895" marT="4895" marB="0" anchor="ctr">
-                    <a:lnL w="6350" cap="flat" cmpd="sng" algn="ctr">
-                      <a:solidFill>
-                        <a:srgbClr val="000000"/>
-                      </a:solidFill>
-                      <a:prstDash val="solid"/>
-                      <a:round/>
-                      <a:headEnd type="none" w="med" len="med"/>
-                      <a:tailEnd type="none" w="med" len="med"/>
-                    </a:lnL>
-                    <a:lnR w="6350" cap="flat" cmpd="sng" algn="ctr">
-                      <a:solidFill>
-                        <a:srgbClr val="000000"/>
-                      </a:solidFill>
-                      <a:prstDash val="solid"/>
-                      <a:round/>
-                      <a:headEnd type="none" w="med" len="med"/>
-                      <a:tailEnd type="none" w="med" len="med"/>
-                    </a:lnR>
-                    <a:lnT w="6350" cap="flat" cmpd="sng" algn="ctr">
-                      <a:solidFill>
-                        <a:srgbClr val="000000"/>
-                      </a:solidFill>
-                      <a:prstDash val="solid"/>
-                      <a:round/>
-                      <a:headEnd type="none" w="med" len="med"/>
-                      <a:tailEnd type="none" w="med" len="med"/>
-                    </a:lnT>
-                    <a:lnB w="6350" cap="flat" cmpd="sng" algn="ctr">
-                      <a:solidFill>
-                        <a:srgbClr val="000000"/>
-                      </a:solidFill>
-                      <a:prstDash val="solid"/>
-                      <a:round/>
-                      <a:headEnd type="none" w="med" len="med"/>
-                      <a:tailEnd type="none" w="med" len="med"/>
-                    </a:lnB>
-                    <a:solidFill>
-                      <a:srgbClr val="C0504D"/>
-                    </a:solidFill>
-                  </a:tcPr>
-                </a:tc>
-                <a:tc>
-                  <a:txBody>
-                    <a:bodyPr/>
-                    <a:lstStyle/>
-                    <a:p>
-                      <a:pPr algn="ctr" fontAlgn="b"/>
-                      <a:r>
-                        <a:rPr lang="pt-BR" sz="1200" b="1" i="0" u="none" strike="noStrike" dirty="0">
-                          <a:solidFill>
-                            <a:srgbClr val="FFFFFF"/>
-                          </a:solidFill>
-                          <a:latin typeface="+mn-lt"/>
-                        </a:rPr>
-                        <a:t>Pessoas por vez</a:t>
-                      </a:r>
-                    </a:p>
-                  </a:txBody>
-                  <a:tcPr marL="4895" marR="4895" marT="4895" marB="0" anchor="ctr">
-                    <a:lnL w="6350" cap="flat" cmpd="sng" algn="ctr">
-                      <a:solidFill>
-                        <a:srgbClr val="000000"/>
-                      </a:solidFill>
-                      <a:prstDash val="solid"/>
-                      <a:round/>
-                      <a:headEnd type="none" w="med" len="med"/>
-                      <a:tailEnd type="none" w="med" len="med"/>
-                    </a:lnL>
-                    <a:lnR w="6350" cap="flat" cmpd="sng" algn="ctr">
-                      <a:solidFill>
-                        <a:srgbClr val="000000"/>
-                      </a:solidFill>
-                      <a:prstDash val="solid"/>
-                      <a:round/>
-                      <a:headEnd type="none" w="med" len="med"/>
-                      <a:tailEnd type="none" w="med" len="med"/>
-                    </a:lnR>
-                    <a:lnT w="6350" cap="flat" cmpd="sng" algn="ctr">
-                      <a:solidFill>
-                        <a:srgbClr val="000000"/>
-                      </a:solidFill>
-                      <a:prstDash val="solid"/>
-                      <a:round/>
-                      <a:headEnd type="none" w="med" len="med"/>
-                      <a:tailEnd type="none" w="med" len="med"/>
-                    </a:lnT>
-                    <a:lnB w="6350" cap="flat" cmpd="sng" algn="ctr">
-                      <a:solidFill>
-                        <a:srgbClr val="000000"/>
-                      </a:solidFill>
-                      <a:prstDash val="solid"/>
-                      <a:round/>
-                      <a:headEnd type="none" w="med" len="med"/>
-                      <a:tailEnd type="none" w="med" len="med"/>
-                    </a:lnB>
-                    <a:solidFill>
-                      <a:srgbClr val="C0504D"/>
-                    </a:solidFill>
-                  </a:tcPr>
-                </a:tc>
-                <a:tc>
-                  <a:txBody>
-                    <a:bodyPr/>
-                    <a:lstStyle/>
-                    <a:p>
-                      <a:pPr algn="ctr" fontAlgn="b"/>
-                      <a:r>
-                        <a:rPr lang="pt-BR" sz="1200" b="1" i="0" u="none" strike="noStrike">
-                          <a:solidFill>
-                            <a:srgbClr val="FFFFFF"/>
-                          </a:solidFill>
-                          <a:latin typeface="+mn-lt"/>
-                        </a:rPr>
-                        <a:t>Tempo Total de Execução</a:t>
-                      </a:r>
-                    </a:p>
-                  </a:txBody>
-                  <a:tcPr marL="4895" marR="4895" marT="4895" marB="0" anchor="ctr">
-                    <a:lnL w="6350" cap="flat" cmpd="sng" algn="ctr">
-                      <a:solidFill>
-                        <a:srgbClr val="000000"/>
-                      </a:solidFill>
-                      <a:prstDash val="solid"/>
-                      <a:round/>
-                      <a:headEnd type="none" w="med" len="med"/>
-                      <a:tailEnd type="none" w="med" len="med"/>
-                    </a:lnL>
-                    <a:lnR w="6350" cap="flat" cmpd="sng" algn="ctr">
-                      <a:solidFill>
-                        <a:srgbClr val="000000"/>
-                      </a:solidFill>
-                      <a:prstDash val="solid"/>
-                      <a:round/>
-                      <a:headEnd type="none" w="med" len="med"/>
-                      <a:tailEnd type="none" w="med" len="med"/>
-                    </a:lnR>
-                    <a:lnT w="6350" cap="flat" cmpd="sng" algn="ctr">
-                      <a:solidFill>
-                        <a:srgbClr val="000000"/>
-                      </a:solidFill>
-                      <a:prstDash val="solid"/>
-                      <a:round/>
-                      <a:headEnd type="none" w="med" len="med"/>
-                      <a:tailEnd type="none" w="med" len="med"/>
-                    </a:lnT>
-                    <a:lnB w="6350" cap="flat" cmpd="sng" algn="ctr">
-                      <a:solidFill>
-                        <a:srgbClr val="000000"/>
-                      </a:solidFill>
-                      <a:prstDash val="solid"/>
-                      <a:round/>
-                      <a:headEnd type="none" w="med" len="med"/>
-                      <a:tailEnd type="none" w="med" len="med"/>
-                    </a:lnB>
-                    <a:solidFill>
-                      <a:srgbClr val="C0504D"/>
-                    </a:solidFill>
-                  </a:tcPr>
-                </a:tc>
-                <a:tc>
-                  <a:txBody>
-                    <a:bodyPr/>
-                    <a:lstStyle/>
-                    <a:p>
-                      <a:pPr algn="ctr" fontAlgn="b"/>
-                      <a:r>
-                        <a:rPr lang="pt-BR" sz="1200" b="1" i="0" u="none" strike="noStrike">
-                          <a:solidFill>
-                            <a:srgbClr val="FFFFFF"/>
-                          </a:solidFill>
-                          <a:latin typeface="+mn-lt"/>
-                        </a:rPr>
-                        <a:t>Tamanho da Fila</a:t>
-                      </a:r>
-                    </a:p>
-                  </a:txBody>
-                  <a:tcPr marL="4895" marR="4895" marT="4895" marB="0" anchor="ctr">
-                    <a:lnL w="6350" cap="flat" cmpd="sng" algn="ctr">
-                      <a:solidFill>
-                        <a:srgbClr val="000000"/>
-                      </a:solidFill>
-                      <a:prstDash val="solid"/>
-                      <a:round/>
-                      <a:headEnd type="none" w="med" len="med"/>
-                      <a:tailEnd type="none" w="med" len="med"/>
-                    </a:lnL>
-                    <a:lnR w="6350" cap="flat" cmpd="sng" algn="ctr">
-                      <a:solidFill>
-                        <a:srgbClr val="000000"/>
-                      </a:solidFill>
-                      <a:prstDash val="solid"/>
-                      <a:round/>
-                      <a:headEnd type="none" w="med" len="med"/>
-                      <a:tailEnd type="none" w="med" len="med"/>
-                    </a:lnR>
-                    <a:lnT w="6350" cap="flat" cmpd="sng" algn="ctr">
-                      <a:solidFill>
-                        <a:srgbClr val="000000"/>
-                      </a:solidFill>
-                      <a:prstDash val="solid"/>
-                      <a:round/>
-                      <a:headEnd type="none" w="med" len="med"/>
-                      <a:tailEnd type="none" w="med" len="med"/>
-                    </a:lnT>
-                    <a:lnB w="6350" cap="flat" cmpd="sng" algn="ctr">
-                      <a:solidFill>
-                        <a:srgbClr val="000000"/>
-                      </a:solidFill>
-                      <a:prstDash val="solid"/>
-                      <a:round/>
-                      <a:headEnd type="none" w="med" len="med"/>
-                      <a:tailEnd type="none" w="med" len="med"/>
-                    </a:lnB>
-                    <a:solidFill>
-                      <a:srgbClr val="C0504D"/>
-                    </a:solidFill>
-                  </a:tcPr>
-                </a:tc>
-                <a:tc>
-                  <a:txBody>
-                    <a:bodyPr/>
-                    <a:lstStyle/>
-                    <a:p>
-                      <a:pPr algn="ctr" fontAlgn="b"/>
-                      <a:r>
-                        <a:rPr lang="pt-BR" sz="1200" b="1" i="0" u="none" strike="noStrike">
-                          <a:solidFill>
-                            <a:srgbClr val="FFFFFF"/>
-                          </a:solidFill>
-                          <a:latin typeface="+mn-lt"/>
-                        </a:rPr>
-                        <a:t>Tempo parado na Fila sem PROJETO F1</a:t>
-                      </a:r>
-                    </a:p>
-                  </a:txBody>
-                  <a:tcPr marL="4895" marR="4895" marT="4895" marB="0" anchor="ctr">
-                    <a:lnL w="6350" cap="flat" cmpd="sng" algn="ctr">
-                      <a:solidFill>
-                        <a:srgbClr val="000000"/>
-                      </a:solidFill>
-                      <a:prstDash val="solid"/>
-                      <a:round/>
-                      <a:headEnd type="none" w="med" len="med"/>
-                      <a:tailEnd type="none" w="med" len="med"/>
-                    </a:lnL>
-                    <a:lnR w="6350" cap="flat" cmpd="sng" algn="ctr">
-                      <a:solidFill>
-                        <a:srgbClr val="000000"/>
-                      </a:solidFill>
-                      <a:prstDash val="solid"/>
-                      <a:round/>
-                      <a:headEnd type="none" w="med" len="med"/>
-                      <a:tailEnd type="none" w="med" len="med"/>
-                    </a:lnR>
-                    <a:lnT w="6350" cap="flat" cmpd="sng" algn="ctr">
-                      <a:solidFill>
-                        <a:srgbClr val="000000"/>
-                      </a:solidFill>
-                      <a:prstDash val="solid"/>
-                      <a:round/>
-                      <a:headEnd type="none" w="med" len="med"/>
-                      <a:tailEnd type="none" w="med" len="med"/>
-                    </a:lnT>
-                    <a:lnB w="6350" cap="flat" cmpd="sng" algn="ctr">
-                      <a:solidFill>
-                        <a:srgbClr val="000000"/>
-                      </a:solidFill>
-                      <a:prstDash val="solid"/>
-                      <a:round/>
-                      <a:headEnd type="none" w="med" len="med"/>
-                      <a:tailEnd type="none" w="med" len="med"/>
-                    </a:lnB>
-                    <a:solidFill>
-                      <a:srgbClr val="C0504D"/>
-                    </a:solidFill>
-                  </a:tcPr>
-                </a:tc>
-                <a:tc>
-                  <a:txBody>
-                    <a:bodyPr/>
-                    <a:lstStyle/>
-                    <a:p>
-                      <a:pPr algn="ctr" fontAlgn="b"/>
-                      <a:r>
-                        <a:rPr lang="pt-BR" sz="1200" b="1" i="0" u="none" strike="noStrike">
-                          <a:solidFill>
-                            <a:srgbClr val="FFFFFF"/>
-                          </a:solidFill>
-                          <a:latin typeface="+mn-lt"/>
-                        </a:rPr>
-                        <a:t>Tempo parado na Fila com PROJETO F1</a:t>
-                      </a:r>
-                    </a:p>
-                  </a:txBody>
-                  <a:tcPr marL="4895" marR="4895" marT="4895" marB="0" anchor="ctr">
-                    <a:lnL w="6350" cap="flat" cmpd="sng" algn="ctr">
-                      <a:solidFill>
-                        <a:srgbClr val="000000"/>
-                      </a:solidFill>
-                      <a:prstDash val="solid"/>
-                      <a:round/>
-                      <a:headEnd type="none" w="med" len="med"/>
-                      <a:tailEnd type="none" w="med" len="med"/>
-                    </a:lnL>
-                    <a:lnR w="6350" cap="flat" cmpd="sng" algn="ctr">
-                      <a:solidFill>
-                        <a:srgbClr val="000000"/>
-                      </a:solidFill>
-                      <a:prstDash val="solid"/>
-                      <a:round/>
-                      <a:headEnd type="none" w="med" len="med"/>
-                      <a:tailEnd type="none" w="med" len="med"/>
-                    </a:lnR>
-                    <a:lnT w="6350" cap="flat" cmpd="sng" algn="ctr">
-                      <a:solidFill>
-                        <a:srgbClr val="000000"/>
-                      </a:solidFill>
-                      <a:prstDash val="solid"/>
-                      <a:round/>
-                      <a:headEnd type="none" w="med" len="med"/>
-                      <a:tailEnd type="none" w="med" len="med"/>
-                    </a:lnT>
-                    <a:lnB w="6350" cap="flat" cmpd="sng" algn="ctr">
-                      <a:solidFill>
-                        <a:srgbClr val="000000"/>
-                      </a:solidFill>
-                      <a:prstDash val="solid"/>
-                      <a:round/>
-                      <a:headEnd type="none" w="med" len="med"/>
-                      <a:tailEnd type="none" w="med" len="med"/>
-                    </a:lnB>
-                    <a:solidFill>
-                      <a:srgbClr val="C0504D"/>
-                    </a:solidFill>
-                  </a:tcPr>
-                </a:tc>
-              </a:tr>
-              <a:tr h="690391">
-                <a:tc>
-                  <a:txBody>
-                    <a:bodyPr/>
-                    <a:lstStyle/>
-                    <a:p>
-                      <a:pPr algn="ctr" fontAlgn="b"/>
-                      <a:r>
-                        <a:rPr lang="pt-BR" sz="1200" b="1" i="0" u="none" strike="noStrike">
-                          <a:solidFill>
-                            <a:srgbClr val="000000"/>
-                          </a:solidFill>
-                          <a:latin typeface="+mn-lt"/>
-                        </a:rPr>
-                        <a:t>Looping Star</a:t>
-                      </a:r>
-                    </a:p>
-                  </a:txBody>
-                  <a:tcPr marL="4895" marR="4895" marT="4895" marB="0" anchor="ctr">
-                    <a:lnL w="6350" cap="flat" cmpd="sng" algn="ctr">
-                      <a:solidFill>
-                        <a:srgbClr val="000000"/>
-                      </a:solidFill>
-                      <a:prstDash val="solid"/>
-                      <a:round/>
-                      <a:headEnd type="none" w="med" len="med"/>
-                      <a:tailEnd type="none" w="med" len="med"/>
-                    </a:lnL>
-                    <a:lnR w="6350" cap="flat" cmpd="sng" algn="ctr">
-                      <a:solidFill>
-                        <a:srgbClr val="000000"/>
-                      </a:solidFill>
-                      <a:prstDash val="solid"/>
-                      <a:round/>
-                      <a:headEnd type="none" w="med" len="med"/>
-                      <a:tailEnd type="none" w="med" len="med"/>
-                    </a:lnR>
-                    <a:lnT w="6350" cap="flat" cmpd="sng" algn="ctr">
-                      <a:solidFill>
-                        <a:srgbClr val="000000"/>
-                      </a:solidFill>
-                      <a:prstDash val="solid"/>
-                      <a:round/>
-                      <a:headEnd type="none" w="med" len="med"/>
-                      <a:tailEnd type="none" w="med" len="med"/>
-                    </a:lnT>
-                    <a:lnB w="6350" cap="flat" cmpd="sng" algn="ctr">
-                      <a:solidFill>
-                        <a:srgbClr val="000000"/>
-                      </a:solidFill>
-                      <a:prstDash val="solid"/>
-                      <a:round/>
-                      <a:headEnd type="none" w="med" len="med"/>
-                      <a:tailEnd type="none" w="med" len="med"/>
-                    </a:lnB>
-                    <a:solidFill>
-                      <a:srgbClr val="F2DDDC"/>
-                    </a:solidFill>
-                  </a:tcPr>
-                </a:tc>
-                <a:tc>
-                  <a:txBody>
-                    <a:bodyPr/>
-                    <a:lstStyle/>
-                    <a:p>
-                      <a:pPr algn="ctr" fontAlgn="b"/>
-                      <a:r>
-                        <a:rPr lang="pt-BR" sz="1200" b="0" i="0" u="none" strike="noStrike" dirty="0" err="1">
-                          <a:solidFill>
-                            <a:srgbClr val="000000"/>
-                          </a:solidFill>
-                          <a:latin typeface="+mn-lt"/>
-                        </a:rPr>
-                        <a:t>Playcenter</a:t>
-                      </a:r>
-                      <a:endParaRPr lang="pt-BR" sz="1200" b="0" i="0" u="none" strike="noStrike" dirty="0">
-                        <a:solidFill>
-                          <a:srgbClr val="000000"/>
-                        </a:solidFill>
-                        <a:latin typeface="+mn-lt"/>
-                      </a:endParaRPr>
-                    </a:p>
-                  </a:txBody>
-                  <a:tcPr marL="4895" marR="4895" marT="4895" marB="0" anchor="ctr">
-                    <a:lnL w="6350" cap="flat" cmpd="sng" algn="ctr">
-                      <a:solidFill>
-                        <a:srgbClr val="000000"/>
-                      </a:solidFill>
-                      <a:prstDash val="solid"/>
-                      <a:round/>
-                      <a:headEnd type="none" w="med" len="med"/>
-                      <a:tailEnd type="none" w="med" len="med"/>
-                    </a:lnL>
-                    <a:lnR w="6350" cap="flat" cmpd="sng" algn="ctr">
-                      <a:solidFill>
-                        <a:srgbClr val="000000"/>
-                      </a:solidFill>
-                      <a:prstDash val="solid"/>
-                      <a:round/>
-                      <a:headEnd type="none" w="med" len="med"/>
-                      <a:tailEnd type="none" w="med" len="med"/>
-                    </a:lnR>
-                    <a:lnT w="6350" cap="flat" cmpd="sng" algn="ctr">
-                      <a:solidFill>
-                        <a:srgbClr val="000000"/>
-                      </a:solidFill>
-                      <a:prstDash val="solid"/>
-                      <a:round/>
-                      <a:headEnd type="none" w="med" len="med"/>
-                      <a:tailEnd type="none" w="med" len="med"/>
-                    </a:lnT>
-                    <a:lnB w="6350" cap="flat" cmpd="sng" algn="ctr">
-                      <a:solidFill>
-                        <a:srgbClr val="000000"/>
-                      </a:solidFill>
-                      <a:prstDash val="solid"/>
-                      <a:round/>
-                      <a:headEnd type="none" w="med" len="med"/>
-                      <a:tailEnd type="none" w="med" len="med"/>
-                    </a:lnB>
-                    <a:solidFill>
-                      <a:srgbClr val="F2DDDC"/>
-                    </a:solidFill>
-                  </a:tcPr>
-                </a:tc>
-                <a:tc>
-                  <a:txBody>
-                    <a:bodyPr/>
-                    <a:lstStyle/>
-                    <a:p>
-                      <a:pPr algn="ctr" fontAlgn="b"/>
-                      <a:r>
-                        <a:rPr lang="pt-BR" sz="1200" b="0" i="0" u="none" strike="noStrike" dirty="0">
-                          <a:solidFill>
-                            <a:srgbClr val="000000"/>
-                          </a:solidFill>
-                          <a:latin typeface="+mn-lt"/>
-                        </a:rPr>
-                        <a:t>56</a:t>
-                      </a:r>
-                    </a:p>
-                  </a:txBody>
-                  <a:tcPr marL="4895" marR="4895" marT="4895" marB="0" anchor="ctr">
-                    <a:lnL w="6350" cap="flat" cmpd="sng" algn="ctr">
-                      <a:solidFill>
-                        <a:srgbClr val="000000"/>
-                      </a:solidFill>
-                      <a:prstDash val="solid"/>
-                      <a:round/>
-                      <a:headEnd type="none" w="med" len="med"/>
-                      <a:tailEnd type="none" w="med" len="med"/>
-                    </a:lnL>
-                    <a:lnR w="6350" cap="flat" cmpd="sng" algn="ctr">
-                      <a:solidFill>
-                        <a:srgbClr val="000000"/>
-                      </a:solidFill>
-                      <a:prstDash val="solid"/>
-                      <a:round/>
-                      <a:headEnd type="none" w="med" len="med"/>
-                      <a:tailEnd type="none" w="med" len="med"/>
-                    </a:lnR>
-                    <a:lnT w="6350" cap="flat" cmpd="sng" algn="ctr">
-                      <a:solidFill>
-                        <a:srgbClr val="000000"/>
-                      </a:solidFill>
-                      <a:prstDash val="solid"/>
-                      <a:round/>
-                      <a:headEnd type="none" w="med" len="med"/>
-                      <a:tailEnd type="none" w="med" len="med"/>
-                    </a:lnT>
-                    <a:lnB w="6350" cap="flat" cmpd="sng" algn="ctr">
-                      <a:solidFill>
-                        <a:srgbClr val="000000"/>
-                      </a:solidFill>
-                      <a:prstDash val="solid"/>
-                      <a:round/>
-                      <a:headEnd type="none" w="med" len="med"/>
-                      <a:tailEnd type="none" w="med" len="med"/>
-                    </a:lnB>
-                    <a:solidFill>
-                      <a:srgbClr val="F2DDDC"/>
-                    </a:solidFill>
-                  </a:tcPr>
-                </a:tc>
-                <a:tc>
-                  <a:txBody>
-                    <a:bodyPr/>
-                    <a:lstStyle/>
-                    <a:p>
-                      <a:pPr algn="ctr" fontAlgn="b"/>
-                      <a:r>
-                        <a:rPr lang="pt-BR" sz="1200" b="0" i="0" u="none" strike="noStrike" dirty="0">
-                          <a:solidFill>
-                            <a:srgbClr val="000000"/>
-                          </a:solidFill>
-                          <a:latin typeface="+mn-lt"/>
-                        </a:rPr>
-                        <a:t>6:30 Minutos</a:t>
-                      </a:r>
-                    </a:p>
-                  </a:txBody>
-                  <a:tcPr marL="4895" marR="4895" marT="4895" marB="0" anchor="ctr">
-                    <a:lnL w="6350" cap="flat" cmpd="sng" algn="ctr">
-                      <a:solidFill>
-                        <a:srgbClr val="000000"/>
-                      </a:solidFill>
-                      <a:prstDash val="solid"/>
-                      <a:round/>
-                      <a:headEnd type="none" w="med" len="med"/>
-                      <a:tailEnd type="none" w="med" len="med"/>
-                    </a:lnL>
-                    <a:lnR w="6350" cap="flat" cmpd="sng" algn="ctr">
-                      <a:solidFill>
-                        <a:srgbClr val="000000"/>
-                      </a:solidFill>
-                      <a:prstDash val="solid"/>
-                      <a:round/>
-                      <a:headEnd type="none" w="med" len="med"/>
-                      <a:tailEnd type="none" w="med" len="med"/>
-                    </a:lnR>
-                    <a:lnT w="6350" cap="flat" cmpd="sng" algn="ctr">
-                      <a:solidFill>
-                        <a:srgbClr val="000000"/>
-                      </a:solidFill>
-                      <a:prstDash val="solid"/>
-                      <a:round/>
-                      <a:headEnd type="none" w="med" len="med"/>
-                      <a:tailEnd type="none" w="med" len="med"/>
-                    </a:lnT>
-                    <a:lnB w="6350" cap="flat" cmpd="sng" algn="ctr">
-                      <a:solidFill>
-                        <a:srgbClr val="000000"/>
-                      </a:solidFill>
-                      <a:prstDash val="solid"/>
-                      <a:round/>
-                      <a:headEnd type="none" w="med" len="med"/>
-                      <a:tailEnd type="none" w="med" len="med"/>
-                    </a:lnB>
-                    <a:solidFill>
-                      <a:srgbClr val="F2DDDC"/>
-                    </a:solidFill>
-                  </a:tcPr>
-                </a:tc>
-                <a:tc>
-                  <a:txBody>
-                    <a:bodyPr/>
-                    <a:lstStyle/>
-                    <a:p>
-                      <a:pPr algn="ctr" fontAlgn="b"/>
-                      <a:r>
-                        <a:rPr lang="pt-BR" sz="1200" b="0" i="0" u="none" strike="noStrike" dirty="0">
-                          <a:solidFill>
-                            <a:srgbClr val="000000"/>
-                          </a:solidFill>
-                          <a:latin typeface="+mn-lt"/>
-                        </a:rPr>
-                        <a:t>344 pessoas</a:t>
-                      </a:r>
-                    </a:p>
-                  </a:txBody>
-                  <a:tcPr marL="4895" marR="4895" marT="4895" marB="0" anchor="ctr">
-                    <a:lnL w="6350" cap="flat" cmpd="sng" algn="ctr">
-                      <a:solidFill>
-                        <a:srgbClr val="000000"/>
-                      </a:solidFill>
-                      <a:prstDash val="solid"/>
-                      <a:round/>
-                      <a:headEnd type="none" w="med" len="med"/>
-                      <a:tailEnd type="none" w="med" len="med"/>
-                    </a:lnL>
-                    <a:lnR w="6350" cap="flat" cmpd="sng" algn="ctr">
-                      <a:solidFill>
-                        <a:srgbClr val="000000"/>
-                      </a:solidFill>
-                      <a:prstDash val="solid"/>
-                      <a:round/>
-                      <a:headEnd type="none" w="med" len="med"/>
-                      <a:tailEnd type="none" w="med" len="med"/>
-                    </a:lnR>
-                    <a:lnT w="6350" cap="flat" cmpd="sng" algn="ctr">
-                      <a:solidFill>
-                        <a:srgbClr val="000000"/>
-                      </a:solidFill>
-                      <a:prstDash val="solid"/>
-                      <a:round/>
-                      <a:headEnd type="none" w="med" len="med"/>
-                      <a:tailEnd type="none" w="med" len="med"/>
-                    </a:lnT>
-                    <a:lnB w="6350" cap="flat" cmpd="sng" algn="ctr">
-                      <a:solidFill>
-                        <a:srgbClr val="000000"/>
-                      </a:solidFill>
-                      <a:prstDash val="solid"/>
-                      <a:round/>
-                      <a:headEnd type="none" w="med" len="med"/>
-                      <a:tailEnd type="none" w="med" len="med"/>
-                    </a:lnB>
-                    <a:solidFill>
-                      <a:srgbClr val="F2DDDC"/>
-                    </a:solidFill>
-                  </a:tcPr>
-                </a:tc>
-                <a:tc>
-                  <a:txBody>
-                    <a:bodyPr/>
-                    <a:lstStyle/>
-                    <a:p>
-                      <a:pPr algn="ctr" fontAlgn="b"/>
-                      <a:r>
-                        <a:rPr lang="pt-BR" sz="1200" b="0" i="0" u="none" strike="noStrike" dirty="0">
-                          <a:solidFill>
-                            <a:srgbClr val="000000"/>
-                          </a:solidFill>
-                          <a:latin typeface="+mn-lt"/>
-                        </a:rPr>
-                        <a:t>40 Minutos</a:t>
-                      </a:r>
-                    </a:p>
-                  </a:txBody>
-                  <a:tcPr marL="4895" marR="4895" marT="4895" marB="0" anchor="ctr">
-                    <a:lnL w="6350" cap="flat" cmpd="sng" algn="ctr">
-                      <a:solidFill>
-                        <a:srgbClr val="000000"/>
-                      </a:solidFill>
-                      <a:prstDash val="solid"/>
-                      <a:round/>
-                      <a:headEnd type="none" w="med" len="med"/>
-                      <a:tailEnd type="none" w="med" len="med"/>
-                    </a:lnL>
-                    <a:lnR w="6350" cap="flat" cmpd="sng" algn="ctr">
-                      <a:solidFill>
-                        <a:srgbClr val="000000"/>
-                      </a:solidFill>
-                      <a:prstDash val="solid"/>
-                      <a:round/>
-                      <a:headEnd type="none" w="med" len="med"/>
-                      <a:tailEnd type="none" w="med" len="med"/>
-                    </a:lnR>
-                    <a:lnT w="6350" cap="flat" cmpd="sng" algn="ctr">
-                      <a:solidFill>
-                        <a:srgbClr val="000000"/>
-                      </a:solidFill>
-                      <a:prstDash val="solid"/>
-                      <a:round/>
-                      <a:headEnd type="none" w="med" len="med"/>
-                      <a:tailEnd type="none" w="med" len="med"/>
-                    </a:lnT>
-                    <a:lnB w="6350" cap="flat" cmpd="sng" algn="ctr">
-                      <a:solidFill>
-                        <a:srgbClr val="000000"/>
-                      </a:solidFill>
-                      <a:prstDash val="solid"/>
-                      <a:round/>
-                      <a:headEnd type="none" w="med" len="med"/>
-                      <a:tailEnd type="none" w="med" len="med"/>
-                    </a:lnB>
-                    <a:solidFill>
-                      <a:srgbClr val="F2DDDC"/>
-                    </a:solidFill>
-                  </a:tcPr>
-                </a:tc>
-                <a:tc>
-                  <a:txBody>
-                    <a:bodyPr/>
-                    <a:lstStyle/>
-                    <a:p>
-                      <a:pPr algn="ctr" fontAlgn="b"/>
-                      <a:r>
-                        <a:rPr lang="pt-BR" sz="1200" b="0" i="0" u="none" strike="noStrike">
-                          <a:solidFill>
-                            <a:srgbClr val="000000"/>
-                          </a:solidFill>
-                          <a:latin typeface="+mn-lt"/>
-                        </a:rPr>
-                        <a:t>20 minutos</a:t>
-                      </a:r>
-                    </a:p>
-                  </a:txBody>
-                  <a:tcPr marL="4895" marR="4895" marT="4895" marB="0" anchor="ctr">
-                    <a:lnL w="6350" cap="flat" cmpd="sng" algn="ctr">
-                      <a:solidFill>
-                        <a:srgbClr val="000000"/>
-                      </a:solidFill>
-                      <a:prstDash val="solid"/>
-                      <a:round/>
-                      <a:headEnd type="none" w="med" len="med"/>
-                      <a:tailEnd type="none" w="med" len="med"/>
-                    </a:lnL>
-                    <a:lnR w="6350" cap="flat" cmpd="sng" algn="ctr">
-                      <a:solidFill>
-                        <a:srgbClr val="000000"/>
-                      </a:solidFill>
-                      <a:prstDash val="solid"/>
-                      <a:round/>
-                      <a:headEnd type="none" w="med" len="med"/>
-                      <a:tailEnd type="none" w="med" len="med"/>
-                    </a:lnR>
-                    <a:lnT w="6350" cap="flat" cmpd="sng" algn="ctr">
-                      <a:solidFill>
-                        <a:srgbClr val="000000"/>
-                      </a:solidFill>
-                      <a:prstDash val="solid"/>
-                      <a:round/>
-                      <a:headEnd type="none" w="med" len="med"/>
-                      <a:tailEnd type="none" w="med" len="med"/>
-                    </a:lnT>
-                    <a:lnB w="6350" cap="flat" cmpd="sng" algn="ctr">
-                      <a:solidFill>
-                        <a:srgbClr val="000000"/>
-                      </a:solidFill>
-                      <a:prstDash val="solid"/>
-                      <a:round/>
-                      <a:headEnd type="none" w="med" len="med"/>
-                      <a:tailEnd type="none" w="med" len="med"/>
-                    </a:lnB>
-                    <a:solidFill>
-                      <a:srgbClr val="F2DDDC"/>
-                    </a:solidFill>
-                  </a:tcPr>
-                </a:tc>
-              </a:tr>
-              <a:tr h="658750">
-                <a:tc>
-                  <a:txBody>
-                    <a:bodyPr/>
-                    <a:lstStyle/>
-                    <a:p>
-                      <a:pPr algn="ctr" fontAlgn="b"/>
-                      <a:r>
-                        <a:rPr lang="pt-BR" sz="1200" b="1" i="0" u="none" strike="noStrike">
-                          <a:solidFill>
-                            <a:srgbClr val="000000"/>
-                          </a:solidFill>
-                          <a:latin typeface="+mn-lt"/>
-                        </a:rPr>
-                        <a:t>Montezum</a:t>
-                      </a:r>
-                    </a:p>
-                  </a:txBody>
-                  <a:tcPr marL="4895" marR="4895" marT="4895" marB="0" anchor="ctr">
-                    <a:lnL w="6350" cap="flat" cmpd="sng" algn="ctr">
-                      <a:solidFill>
-                        <a:srgbClr val="000000"/>
-                      </a:solidFill>
-                      <a:prstDash val="solid"/>
-                      <a:round/>
-                      <a:headEnd type="none" w="med" len="med"/>
-                      <a:tailEnd type="none" w="med" len="med"/>
-                    </a:lnL>
-                    <a:lnR w="6350" cap="flat" cmpd="sng" algn="ctr">
-                      <a:solidFill>
-                        <a:srgbClr val="000000"/>
-                      </a:solidFill>
-                      <a:prstDash val="solid"/>
-                      <a:round/>
-                      <a:headEnd type="none" w="med" len="med"/>
-                      <a:tailEnd type="none" w="med" len="med"/>
-                    </a:lnR>
-                    <a:lnT w="6350" cap="flat" cmpd="sng" algn="ctr">
-                      <a:solidFill>
-                        <a:srgbClr val="000000"/>
-                      </a:solidFill>
-                      <a:prstDash val="solid"/>
-                      <a:round/>
-                      <a:headEnd type="none" w="med" len="med"/>
-                      <a:tailEnd type="none" w="med" len="med"/>
-                    </a:lnT>
-                    <a:lnB w="6350" cap="flat" cmpd="sng" algn="ctr">
-                      <a:solidFill>
-                        <a:srgbClr val="000000"/>
-                      </a:solidFill>
-                      <a:prstDash val="solid"/>
-                      <a:round/>
-                      <a:headEnd type="none" w="med" len="med"/>
-                      <a:tailEnd type="none" w="med" len="med"/>
-                    </a:lnB>
-                  </a:tcPr>
-                </a:tc>
-                <a:tc>
-                  <a:txBody>
-                    <a:bodyPr/>
-                    <a:lstStyle/>
-                    <a:p>
-                      <a:pPr algn="ctr" fontAlgn="b"/>
-                      <a:r>
-                        <a:rPr lang="pt-BR" sz="1200" b="0" i="0" u="none" strike="noStrike">
-                          <a:solidFill>
-                            <a:srgbClr val="000000"/>
-                          </a:solidFill>
-                          <a:latin typeface="+mn-lt"/>
-                        </a:rPr>
-                        <a:t>Hopi Hari</a:t>
-                      </a:r>
-                    </a:p>
-                  </a:txBody>
-                  <a:tcPr marL="4895" marR="4895" marT="4895" marB="0" anchor="ctr">
-                    <a:lnL w="6350" cap="flat" cmpd="sng" algn="ctr">
-                      <a:solidFill>
-                        <a:srgbClr val="000000"/>
-                      </a:solidFill>
-                      <a:prstDash val="solid"/>
-                      <a:round/>
-                      <a:headEnd type="none" w="med" len="med"/>
-                      <a:tailEnd type="none" w="med" len="med"/>
-                    </a:lnL>
-                    <a:lnR w="6350" cap="flat" cmpd="sng" algn="ctr">
-                      <a:solidFill>
-                        <a:srgbClr val="000000"/>
-                      </a:solidFill>
-                      <a:prstDash val="solid"/>
-                      <a:round/>
-                      <a:headEnd type="none" w="med" len="med"/>
-                      <a:tailEnd type="none" w="med" len="med"/>
-                    </a:lnR>
-                    <a:lnT w="6350" cap="flat" cmpd="sng" algn="ctr">
-                      <a:solidFill>
-                        <a:srgbClr val="000000"/>
-                      </a:solidFill>
-                      <a:prstDash val="solid"/>
-                      <a:round/>
-                      <a:headEnd type="none" w="med" len="med"/>
-                      <a:tailEnd type="none" w="med" len="med"/>
-                    </a:lnT>
-                    <a:lnB w="6350" cap="flat" cmpd="sng" algn="ctr">
-                      <a:solidFill>
-                        <a:srgbClr val="000000"/>
-                      </a:solidFill>
-                      <a:prstDash val="solid"/>
-                      <a:round/>
-                      <a:headEnd type="none" w="med" len="med"/>
-                      <a:tailEnd type="none" w="med" len="med"/>
-                    </a:lnB>
-                  </a:tcPr>
-                </a:tc>
-                <a:tc>
-                  <a:txBody>
-                    <a:bodyPr/>
-                    <a:lstStyle/>
-                    <a:p>
-                      <a:pPr algn="ctr" fontAlgn="b"/>
-                      <a:r>
-                        <a:rPr lang="pt-BR" sz="1200" b="0" i="0" u="none" strike="noStrike">
-                          <a:solidFill>
-                            <a:srgbClr val="000000"/>
-                          </a:solidFill>
-                          <a:latin typeface="+mn-lt"/>
-                        </a:rPr>
-                        <a:t>60</a:t>
-                      </a:r>
-                    </a:p>
-                  </a:txBody>
-                  <a:tcPr marL="4895" marR="4895" marT="4895" marB="0" anchor="ctr">
-                    <a:lnL w="6350" cap="flat" cmpd="sng" algn="ctr">
-                      <a:solidFill>
-                        <a:srgbClr val="000000"/>
-                      </a:solidFill>
-                      <a:prstDash val="solid"/>
-                      <a:round/>
-                      <a:headEnd type="none" w="med" len="med"/>
-                      <a:tailEnd type="none" w="med" len="med"/>
-                    </a:lnL>
-                    <a:lnR w="6350" cap="flat" cmpd="sng" algn="ctr">
-                      <a:solidFill>
-                        <a:srgbClr val="000000"/>
-                      </a:solidFill>
-                      <a:prstDash val="solid"/>
-                      <a:round/>
-                      <a:headEnd type="none" w="med" len="med"/>
-                      <a:tailEnd type="none" w="med" len="med"/>
-                    </a:lnR>
-                    <a:lnT w="6350" cap="flat" cmpd="sng" algn="ctr">
-                      <a:solidFill>
-                        <a:srgbClr val="000000"/>
-                      </a:solidFill>
-                      <a:prstDash val="solid"/>
-                      <a:round/>
-                      <a:headEnd type="none" w="med" len="med"/>
-                      <a:tailEnd type="none" w="med" len="med"/>
-                    </a:lnT>
-                    <a:lnB w="6350" cap="flat" cmpd="sng" algn="ctr">
-                      <a:solidFill>
-                        <a:srgbClr val="000000"/>
-                      </a:solidFill>
-                      <a:prstDash val="solid"/>
-                      <a:round/>
-                      <a:headEnd type="none" w="med" len="med"/>
-                      <a:tailEnd type="none" w="med" len="med"/>
-                    </a:lnB>
-                  </a:tcPr>
-                </a:tc>
-                <a:tc>
-                  <a:txBody>
-                    <a:bodyPr/>
-                    <a:lstStyle/>
-                    <a:p>
-                      <a:pPr algn="ctr" fontAlgn="b"/>
-                      <a:r>
-                        <a:rPr lang="pt-BR" sz="1200" b="0" i="0" u="none" strike="noStrike" dirty="0">
-                          <a:solidFill>
-                            <a:srgbClr val="000000"/>
-                          </a:solidFill>
-                          <a:latin typeface="+mn-lt"/>
-                        </a:rPr>
-                        <a:t>7 Minutos</a:t>
-                      </a:r>
-                    </a:p>
-                  </a:txBody>
-                  <a:tcPr marL="4895" marR="4895" marT="4895" marB="0" anchor="ctr">
-                    <a:lnL w="6350" cap="flat" cmpd="sng" algn="ctr">
-                      <a:solidFill>
-                        <a:srgbClr val="000000"/>
-                      </a:solidFill>
-                      <a:prstDash val="solid"/>
-                      <a:round/>
-                      <a:headEnd type="none" w="med" len="med"/>
-                      <a:tailEnd type="none" w="med" len="med"/>
-                    </a:lnL>
-                    <a:lnR w="6350" cap="flat" cmpd="sng" algn="ctr">
-                      <a:solidFill>
-                        <a:srgbClr val="000000"/>
-                      </a:solidFill>
-                      <a:prstDash val="solid"/>
-                      <a:round/>
-                      <a:headEnd type="none" w="med" len="med"/>
-                      <a:tailEnd type="none" w="med" len="med"/>
-                    </a:lnR>
-                    <a:lnT w="6350" cap="flat" cmpd="sng" algn="ctr">
-                      <a:solidFill>
-                        <a:srgbClr val="000000"/>
-                      </a:solidFill>
-                      <a:prstDash val="solid"/>
-                      <a:round/>
-                      <a:headEnd type="none" w="med" len="med"/>
-                      <a:tailEnd type="none" w="med" len="med"/>
-                    </a:lnT>
-                    <a:lnB w="6350" cap="flat" cmpd="sng" algn="ctr">
-                      <a:solidFill>
-                        <a:srgbClr val="000000"/>
-                      </a:solidFill>
-                      <a:prstDash val="solid"/>
-                      <a:round/>
-                      <a:headEnd type="none" w="med" len="med"/>
-                      <a:tailEnd type="none" w="med" len="med"/>
-                    </a:lnB>
-                  </a:tcPr>
-                </a:tc>
-                <a:tc>
-                  <a:txBody>
-                    <a:bodyPr/>
-                    <a:lstStyle/>
-                    <a:p>
-                      <a:pPr algn="ctr" fontAlgn="b"/>
-                      <a:r>
-                        <a:rPr lang="pt-BR" sz="1200" b="0" i="0" u="none" strike="noStrike" dirty="0">
-                          <a:solidFill>
-                            <a:srgbClr val="000000"/>
-                          </a:solidFill>
-                          <a:latin typeface="+mn-lt"/>
-                        </a:rPr>
-                        <a:t>1028 pessoas</a:t>
-                      </a:r>
-                    </a:p>
-                  </a:txBody>
-                  <a:tcPr marL="4895" marR="4895" marT="4895" marB="0" anchor="ctr">
-                    <a:lnL w="6350" cap="flat" cmpd="sng" algn="ctr">
-                      <a:solidFill>
-                        <a:srgbClr val="000000"/>
-                      </a:solidFill>
-                      <a:prstDash val="solid"/>
-                      <a:round/>
-                      <a:headEnd type="none" w="med" len="med"/>
-                      <a:tailEnd type="none" w="med" len="med"/>
-                    </a:lnL>
-                    <a:lnR w="6350" cap="flat" cmpd="sng" algn="ctr">
-                      <a:solidFill>
-                        <a:srgbClr val="000000"/>
-                      </a:solidFill>
-                      <a:prstDash val="solid"/>
-                      <a:round/>
-                      <a:headEnd type="none" w="med" len="med"/>
-                      <a:tailEnd type="none" w="med" len="med"/>
-                    </a:lnR>
-                    <a:lnT w="6350" cap="flat" cmpd="sng" algn="ctr">
-                      <a:solidFill>
-                        <a:srgbClr val="000000"/>
-                      </a:solidFill>
-                      <a:prstDash val="solid"/>
-                      <a:round/>
-                      <a:headEnd type="none" w="med" len="med"/>
-                      <a:tailEnd type="none" w="med" len="med"/>
-                    </a:lnT>
-                    <a:lnB w="6350" cap="flat" cmpd="sng" algn="ctr">
-                      <a:solidFill>
-                        <a:srgbClr val="000000"/>
-                      </a:solidFill>
-                      <a:prstDash val="solid"/>
-                      <a:round/>
-                      <a:headEnd type="none" w="med" len="med"/>
-                      <a:tailEnd type="none" w="med" len="med"/>
-                    </a:lnB>
-                  </a:tcPr>
-                </a:tc>
-                <a:tc>
-                  <a:txBody>
-                    <a:bodyPr/>
-                    <a:lstStyle/>
-                    <a:p>
-                      <a:pPr algn="ctr" fontAlgn="b"/>
-                      <a:r>
-                        <a:rPr lang="pt-BR" sz="1200" b="0" i="0" u="none" strike="noStrike" dirty="0">
-                          <a:solidFill>
-                            <a:srgbClr val="000000"/>
-                          </a:solidFill>
-                          <a:latin typeface="+mn-lt"/>
-                        </a:rPr>
-                        <a:t>2 Horas</a:t>
-                      </a:r>
-                    </a:p>
-                  </a:txBody>
-                  <a:tcPr marL="4895" marR="4895" marT="4895" marB="0" anchor="ctr">
-                    <a:lnL w="6350" cap="flat" cmpd="sng" algn="ctr">
-                      <a:solidFill>
-                        <a:srgbClr val="000000"/>
-                      </a:solidFill>
-                      <a:prstDash val="solid"/>
-                      <a:round/>
-                      <a:headEnd type="none" w="med" len="med"/>
-                      <a:tailEnd type="none" w="med" len="med"/>
-                    </a:lnL>
-                    <a:lnR w="6350" cap="flat" cmpd="sng" algn="ctr">
-                      <a:solidFill>
-                        <a:srgbClr val="000000"/>
-                      </a:solidFill>
-                      <a:prstDash val="solid"/>
-                      <a:round/>
-                      <a:headEnd type="none" w="med" len="med"/>
-                      <a:tailEnd type="none" w="med" len="med"/>
-                    </a:lnR>
-                    <a:lnT w="6350" cap="flat" cmpd="sng" algn="ctr">
-                      <a:solidFill>
-                        <a:srgbClr val="000000"/>
-                      </a:solidFill>
-                      <a:prstDash val="solid"/>
-                      <a:round/>
-                      <a:headEnd type="none" w="med" len="med"/>
-                      <a:tailEnd type="none" w="med" len="med"/>
-                    </a:lnT>
-                    <a:lnB w="6350" cap="flat" cmpd="sng" algn="ctr">
-                      <a:solidFill>
-                        <a:srgbClr val="000000"/>
-                      </a:solidFill>
-                      <a:prstDash val="solid"/>
-                      <a:round/>
-                      <a:headEnd type="none" w="med" len="med"/>
-                      <a:tailEnd type="none" w="med" len="med"/>
-                    </a:lnB>
-                  </a:tcPr>
-                </a:tc>
-                <a:tc>
-                  <a:txBody>
-                    <a:bodyPr/>
-                    <a:lstStyle/>
-                    <a:p>
-                      <a:pPr algn="ctr" fontAlgn="b"/>
-                      <a:r>
-                        <a:rPr lang="pt-BR" sz="1200" b="0" i="0" u="none" strike="noStrike" dirty="0">
-                          <a:solidFill>
-                            <a:srgbClr val="000000"/>
-                          </a:solidFill>
-                          <a:latin typeface="+mn-lt"/>
-                        </a:rPr>
-                        <a:t>20 minutos</a:t>
-                      </a:r>
-                    </a:p>
-                  </a:txBody>
-                  <a:tcPr marL="4895" marR="4895" marT="4895" marB="0" anchor="ctr">
-                    <a:lnL w="6350" cap="flat" cmpd="sng" algn="ctr">
-                      <a:solidFill>
-                        <a:srgbClr val="000000"/>
-                      </a:solidFill>
-                      <a:prstDash val="solid"/>
-                      <a:round/>
-                      <a:headEnd type="none" w="med" len="med"/>
-                      <a:tailEnd type="none" w="med" len="med"/>
-                    </a:lnL>
-                    <a:lnR w="6350" cap="flat" cmpd="sng" algn="ctr">
-                      <a:solidFill>
-                        <a:srgbClr val="000000"/>
-                      </a:solidFill>
-                      <a:prstDash val="solid"/>
-                      <a:round/>
-                      <a:headEnd type="none" w="med" len="med"/>
-                      <a:tailEnd type="none" w="med" len="med"/>
-                    </a:lnR>
-                    <a:lnT w="6350" cap="flat" cmpd="sng" algn="ctr">
-                      <a:solidFill>
-                        <a:srgbClr val="000000"/>
-                      </a:solidFill>
-                      <a:prstDash val="solid"/>
-                      <a:round/>
-                      <a:headEnd type="none" w="med" len="med"/>
-                      <a:tailEnd type="none" w="med" len="med"/>
-                    </a:lnT>
-                    <a:lnB w="6350" cap="flat" cmpd="sng" algn="ctr">
-                      <a:solidFill>
-                        <a:srgbClr val="000000"/>
-                      </a:solidFill>
-                      <a:prstDash val="solid"/>
-                      <a:round/>
-                      <a:headEnd type="none" w="med" len="med"/>
-                      <a:tailEnd type="none" w="med" len="med"/>
-                    </a:lnB>
-                  </a:tcPr>
-                </a:tc>
-              </a:tr>
-              <a:tr h="658750">
-                <a:tc>
-                  <a:txBody>
-                    <a:bodyPr/>
-                    <a:lstStyle/>
-                    <a:p>
-                      <a:pPr algn="ctr" fontAlgn="b"/>
-                      <a:r>
-                        <a:rPr lang="pt-BR" sz="1200" b="1" i="0" u="none" strike="noStrike">
-                          <a:solidFill>
-                            <a:srgbClr val="000000"/>
-                          </a:solidFill>
-                          <a:latin typeface="+mn-lt"/>
-                        </a:rPr>
-                        <a:t>Elevador</a:t>
-                      </a:r>
-                    </a:p>
-                  </a:txBody>
-                  <a:tcPr marL="4895" marR="4895" marT="4895" marB="0" anchor="ctr">
-                    <a:lnL w="6350" cap="flat" cmpd="sng" algn="ctr">
-                      <a:solidFill>
-                        <a:srgbClr val="000000"/>
-                      </a:solidFill>
-                      <a:prstDash val="solid"/>
-                      <a:round/>
-                      <a:headEnd type="none" w="med" len="med"/>
-                      <a:tailEnd type="none" w="med" len="med"/>
-                    </a:lnL>
-                    <a:lnR w="6350" cap="flat" cmpd="sng" algn="ctr">
-                      <a:solidFill>
-                        <a:srgbClr val="000000"/>
-                      </a:solidFill>
-                      <a:prstDash val="solid"/>
-                      <a:round/>
-                      <a:headEnd type="none" w="med" len="med"/>
-                      <a:tailEnd type="none" w="med" len="med"/>
-                    </a:lnR>
-                    <a:lnT w="6350" cap="flat" cmpd="sng" algn="ctr">
-                      <a:solidFill>
-                        <a:srgbClr val="000000"/>
-                      </a:solidFill>
-                      <a:prstDash val="solid"/>
-                      <a:round/>
-                      <a:headEnd type="none" w="med" len="med"/>
-                      <a:tailEnd type="none" w="med" len="med"/>
-                    </a:lnT>
-                    <a:lnB w="6350" cap="flat" cmpd="sng" algn="ctr">
-                      <a:solidFill>
-                        <a:srgbClr val="000000"/>
-                      </a:solidFill>
-                      <a:prstDash val="solid"/>
-                      <a:round/>
-                      <a:headEnd type="none" w="med" len="med"/>
-                      <a:tailEnd type="none" w="med" len="med"/>
-                    </a:lnB>
-                    <a:solidFill>
-                      <a:srgbClr val="F2DDDC"/>
-                    </a:solidFill>
-                  </a:tcPr>
-                </a:tc>
-                <a:tc>
-                  <a:txBody>
-                    <a:bodyPr/>
-                    <a:lstStyle/>
-                    <a:p>
-                      <a:pPr algn="ctr" fontAlgn="b"/>
-                      <a:r>
-                        <a:rPr lang="pt-BR" sz="1200" b="0" i="0" u="none" strike="noStrike" dirty="0" err="1">
-                          <a:solidFill>
-                            <a:srgbClr val="000000"/>
-                          </a:solidFill>
-                          <a:latin typeface="+mn-lt"/>
-                        </a:rPr>
-                        <a:t>Hopi</a:t>
-                      </a:r>
-                      <a:r>
-                        <a:rPr lang="pt-BR" sz="1200" b="0" i="0" u="none" strike="noStrike" dirty="0">
-                          <a:solidFill>
-                            <a:srgbClr val="000000"/>
-                          </a:solidFill>
-                          <a:latin typeface="+mn-lt"/>
-                        </a:rPr>
-                        <a:t> </a:t>
-                      </a:r>
-                      <a:r>
-                        <a:rPr lang="pt-BR" sz="1200" b="0" i="0" u="none" strike="noStrike" dirty="0" err="1">
-                          <a:solidFill>
-                            <a:srgbClr val="000000"/>
-                          </a:solidFill>
-                          <a:latin typeface="+mn-lt"/>
-                        </a:rPr>
-                        <a:t>Hari</a:t>
-                      </a:r>
-                      <a:endParaRPr lang="pt-BR" sz="1200" b="0" i="0" u="none" strike="noStrike" dirty="0">
-                        <a:solidFill>
-                          <a:srgbClr val="000000"/>
-                        </a:solidFill>
-                        <a:latin typeface="+mn-lt"/>
-                      </a:endParaRPr>
-                    </a:p>
-                  </a:txBody>
-                  <a:tcPr marL="4895" marR="4895" marT="4895" marB="0" anchor="ctr">
-                    <a:lnL w="6350" cap="flat" cmpd="sng" algn="ctr">
-                      <a:solidFill>
-                        <a:srgbClr val="000000"/>
-                      </a:solidFill>
-                      <a:prstDash val="solid"/>
-                      <a:round/>
-                      <a:headEnd type="none" w="med" len="med"/>
-                      <a:tailEnd type="none" w="med" len="med"/>
-                    </a:lnL>
-                    <a:lnR w="6350" cap="flat" cmpd="sng" algn="ctr">
-                      <a:solidFill>
-                        <a:srgbClr val="000000"/>
-                      </a:solidFill>
-                      <a:prstDash val="solid"/>
-                      <a:round/>
-                      <a:headEnd type="none" w="med" len="med"/>
-                      <a:tailEnd type="none" w="med" len="med"/>
-                    </a:lnR>
-                    <a:lnT w="6350" cap="flat" cmpd="sng" algn="ctr">
-                      <a:solidFill>
-                        <a:srgbClr val="000000"/>
-                      </a:solidFill>
-                      <a:prstDash val="solid"/>
-                      <a:round/>
-                      <a:headEnd type="none" w="med" len="med"/>
-                      <a:tailEnd type="none" w="med" len="med"/>
-                    </a:lnT>
-                    <a:lnB w="6350" cap="flat" cmpd="sng" algn="ctr">
-                      <a:solidFill>
-                        <a:srgbClr val="000000"/>
-                      </a:solidFill>
-                      <a:prstDash val="solid"/>
-                      <a:round/>
-                      <a:headEnd type="none" w="med" len="med"/>
-                      <a:tailEnd type="none" w="med" len="med"/>
-                    </a:lnB>
-                    <a:solidFill>
-                      <a:srgbClr val="F2DDDC"/>
-                    </a:solidFill>
-                  </a:tcPr>
-                </a:tc>
-                <a:tc>
-                  <a:txBody>
-                    <a:bodyPr/>
-                    <a:lstStyle/>
-                    <a:p>
-                      <a:pPr algn="ctr" fontAlgn="b"/>
-                      <a:r>
-                        <a:rPr lang="pt-BR" sz="1200" b="0" i="0" u="none" strike="noStrike">
-                          <a:solidFill>
-                            <a:srgbClr val="000000"/>
-                          </a:solidFill>
-                          <a:latin typeface="+mn-lt"/>
-                        </a:rPr>
-                        <a:t>20</a:t>
-                      </a:r>
-                    </a:p>
-                  </a:txBody>
-                  <a:tcPr marL="4895" marR="4895" marT="4895" marB="0" anchor="ctr">
-                    <a:lnL w="6350" cap="flat" cmpd="sng" algn="ctr">
-                      <a:solidFill>
-                        <a:srgbClr val="000000"/>
-                      </a:solidFill>
-                      <a:prstDash val="solid"/>
-                      <a:round/>
-                      <a:headEnd type="none" w="med" len="med"/>
-                      <a:tailEnd type="none" w="med" len="med"/>
-                    </a:lnL>
-                    <a:lnR w="6350" cap="flat" cmpd="sng" algn="ctr">
-                      <a:solidFill>
-                        <a:srgbClr val="000000"/>
-                      </a:solidFill>
-                      <a:prstDash val="solid"/>
-                      <a:round/>
-                      <a:headEnd type="none" w="med" len="med"/>
-                      <a:tailEnd type="none" w="med" len="med"/>
-                    </a:lnR>
-                    <a:lnT w="6350" cap="flat" cmpd="sng" algn="ctr">
-                      <a:solidFill>
-                        <a:srgbClr val="000000"/>
-                      </a:solidFill>
-                      <a:prstDash val="solid"/>
-                      <a:round/>
-                      <a:headEnd type="none" w="med" len="med"/>
-                      <a:tailEnd type="none" w="med" len="med"/>
-                    </a:lnT>
-                    <a:lnB w="6350" cap="flat" cmpd="sng" algn="ctr">
-                      <a:solidFill>
-                        <a:srgbClr val="000000"/>
-                      </a:solidFill>
-                      <a:prstDash val="solid"/>
-                      <a:round/>
-                      <a:headEnd type="none" w="med" len="med"/>
-                      <a:tailEnd type="none" w="med" len="med"/>
-                    </a:lnB>
-                    <a:solidFill>
-                      <a:srgbClr val="F2DDDC"/>
-                    </a:solidFill>
-                  </a:tcPr>
-                </a:tc>
-                <a:tc>
-                  <a:txBody>
-                    <a:bodyPr/>
-                    <a:lstStyle/>
-                    <a:p>
-                      <a:pPr algn="ctr" fontAlgn="b"/>
-                      <a:r>
-                        <a:rPr lang="pt-BR" sz="1200" b="0" i="0" u="none" strike="noStrike">
-                          <a:solidFill>
-                            <a:srgbClr val="000000"/>
-                          </a:solidFill>
-                          <a:latin typeface="+mn-lt"/>
-                        </a:rPr>
-                        <a:t>6:15 Minutos</a:t>
-                      </a:r>
-                    </a:p>
-                  </a:txBody>
-                  <a:tcPr marL="4895" marR="4895" marT="4895" marB="0" anchor="ctr">
-                    <a:lnL w="6350" cap="flat" cmpd="sng" algn="ctr">
-                      <a:solidFill>
-                        <a:srgbClr val="000000"/>
-                      </a:solidFill>
-                      <a:prstDash val="solid"/>
-                      <a:round/>
-                      <a:headEnd type="none" w="med" len="med"/>
-                      <a:tailEnd type="none" w="med" len="med"/>
-                    </a:lnL>
-                    <a:lnR w="6350" cap="flat" cmpd="sng" algn="ctr">
-                      <a:solidFill>
-                        <a:srgbClr val="000000"/>
-                      </a:solidFill>
-                      <a:prstDash val="solid"/>
-                      <a:round/>
-                      <a:headEnd type="none" w="med" len="med"/>
-                      <a:tailEnd type="none" w="med" len="med"/>
-                    </a:lnR>
-                    <a:lnT w="6350" cap="flat" cmpd="sng" algn="ctr">
-                      <a:solidFill>
-                        <a:srgbClr val="000000"/>
-                      </a:solidFill>
-                      <a:prstDash val="solid"/>
-                      <a:round/>
-                      <a:headEnd type="none" w="med" len="med"/>
-                      <a:tailEnd type="none" w="med" len="med"/>
-                    </a:lnT>
-                    <a:lnB w="6350" cap="flat" cmpd="sng" algn="ctr">
-                      <a:solidFill>
-                        <a:srgbClr val="000000"/>
-                      </a:solidFill>
-                      <a:prstDash val="solid"/>
-                      <a:round/>
-                      <a:headEnd type="none" w="med" len="med"/>
-                      <a:tailEnd type="none" w="med" len="med"/>
-                    </a:lnB>
-                    <a:solidFill>
-                      <a:srgbClr val="F2DDDC"/>
-                    </a:solidFill>
-                  </a:tcPr>
-                </a:tc>
-                <a:tc>
-                  <a:txBody>
-                    <a:bodyPr/>
-                    <a:lstStyle/>
-                    <a:p>
-                      <a:pPr algn="ctr" fontAlgn="b"/>
-                      <a:r>
-                        <a:rPr lang="pt-BR" sz="1200" b="0" i="0" u="none" strike="noStrike">
-                          <a:solidFill>
-                            <a:srgbClr val="000000"/>
-                          </a:solidFill>
-                          <a:latin typeface="+mn-lt"/>
-                        </a:rPr>
-                        <a:t>480 pessoas</a:t>
-                      </a:r>
-                    </a:p>
-                  </a:txBody>
-                  <a:tcPr marL="4895" marR="4895" marT="4895" marB="0" anchor="ctr">
-                    <a:lnL w="6350" cap="flat" cmpd="sng" algn="ctr">
-                      <a:solidFill>
-                        <a:srgbClr val="000000"/>
-                      </a:solidFill>
-                      <a:prstDash val="solid"/>
-                      <a:round/>
-                      <a:headEnd type="none" w="med" len="med"/>
-                      <a:tailEnd type="none" w="med" len="med"/>
-                    </a:lnL>
-                    <a:lnR w="6350" cap="flat" cmpd="sng" algn="ctr">
-                      <a:solidFill>
-                        <a:srgbClr val="000000"/>
-                      </a:solidFill>
-                      <a:prstDash val="solid"/>
-                      <a:round/>
-                      <a:headEnd type="none" w="med" len="med"/>
-                      <a:tailEnd type="none" w="med" len="med"/>
-                    </a:lnR>
-                    <a:lnT w="6350" cap="flat" cmpd="sng" algn="ctr">
-                      <a:solidFill>
-                        <a:srgbClr val="000000"/>
-                      </a:solidFill>
-                      <a:prstDash val="solid"/>
-                      <a:round/>
-                      <a:headEnd type="none" w="med" len="med"/>
-                      <a:tailEnd type="none" w="med" len="med"/>
-                    </a:lnT>
-                    <a:lnB w="6350" cap="flat" cmpd="sng" algn="ctr">
-                      <a:solidFill>
-                        <a:srgbClr val="000000"/>
-                      </a:solidFill>
-                      <a:prstDash val="solid"/>
-                      <a:round/>
-                      <a:headEnd type="none" w="med" len="med"/>
-                      <a:tailEnd type="none" w="med" len="med"/>
-                    </a:lnB>
-                    <a:solidFill>
-                      <a:srgbClr val="F2DDDC"/>
-                    </a:solidFill>
-                  </a:tcPr>
-                </a:tc>
-                <a:tc>
-                  <a:txBody>
-                    <a:bodyPr/>
-                    <a:lstStyle/>
-                    <a:p>
-                      <a:pPr algn="ctr" fontAlgn="b"/>
-                      <a:r>
-                        <a:rPr lang="pt-BR" sz="1200" b="0" i="0" u="none" strike="noStrike">
-                          <a:solidFill>
-                            <a:srgbClr val="000000"/>
-                          </a:solidFill>
-                          <a:latin typeface="+mn-lt"/>
-                        </a:rPr>
-                        <a:t>2:30 Horas</a:t>
-                      </a:r>
-                    </a:p>
-                  </a:txBody>
-                  <a:tcPr marL="4895" marR="4895" marT="4895" marB="0" anchor="ctr">
-                    <a:lnL w="6350" cap="flat" cmpd="sng" algn="ctr">
-                      <a:solidFill>
-                        <a:srgbClr val="000000"/>
-                      </a:solidFill>
-                      <a:prstDash val="solid"/>
-                      <a:round/>
-                      <a:headEnd type="none" w="med" len="med"/>
-                      <a:tailEnd type="none" w="med" len="med"/>
-                    </a:lnL>
-                    <a:lnR w="6350" cap="flat" cmpd="sng" algn="ctr">
-                      <a:solidFill>
-                        <a:srgbClr val="000000"/>
-                      </a:solidFill>
-                      <a:prstDash val="solid"/>
-                      <a:round/>
-                      <a:headEnd type="none" w="med" len="med"/>
-                      <a:tailEnd type="none" w="med" len="med"/>
-                    </a:lnR>
-                    <a:lnT w="6350" cap="flat" cmpd="sng" algn="ctr">
-                      <a:solidFill>
-                        <a:srgbClr val="000000"/>
-                      </a:solidFill>
-                      <a:prstDash val="solid"/>
-                      <a:round/>
-                      <a:headEnd type="none" w="med" len="med"/>
-                      <a:tailEnd type="none" w="med" len="med"/>
-                    </a:lnT>
-                    <a:lnB w="6350" cap="flat" cmpd="sng" algn="ctr">
-                      <a:solidFill>
-                        <a:srgbClr val="000000"/>
-                      </a:solidFill>
-                      <a:prstDash val="solid"/>
-                      <a:round/>
-                      <a:headEnd type="none" w="med" len="med"/>
-                      <a:tailEnd type="none" w="med" len="med"/>
-                    </a:lnB>
-                    <a:solidFill>
-                      <a:srgbClr val="F2DDDC"/>
-                    </a:solidFill>
-                  </a:tcPr>
-                </a:tc>
-                <a:tc>
-                  <a:txBody>
-                    <a:bodyPr/>
-                    <a:lstStyle/>
-                    <a:p>
-                      <a:pPr algn="ctr" fontAlgn="b"/>
-                      <a:r>
-                        <a:rPr lang="pt-BR" sz="1200" b="0" i="0" u="none" strike="noStrike" dirty="0">
-                          <a:solidFill>
-                            <a:srgbClr val="000000"/>
-                          </a:solidFill>
-                          <a:latin typeface="+mn-lt"/>
-                        </a:rPr>
-                        <a:t>20 minutos</a:t>
-                      </a:r>
-                    </a:p>
-                  </a:txBody>
-                  <a:tcPr marL="4895" marR="4895" marT="4895" marB="0" anchor="ctr">
-                    <a:lnL w="6350" cap="flat" cmpd="sng" algn="ctr">
-                      <a:solidFill>
-                        <a:srgbClr val="000000"/>
-                      </a:solidFill>
-                      <a:prstDash val="solid"/>
-                      <a:round/>
-                      <a:headEnd type="none" w="med" len="med"/>
-                      <a:tailEnd type="none" w="med" len="med"/>
-                    </a:lnL>
-                    <a:lnR w="6350" cap="flat" cmpd="sng" algn="ctr">
-                      <a:solidFill>
-                        <a:srgbClr val="000000"/>
-                      </a:solidFill>
-                      <a:prstDash val="solid"/>
-                      <a:round/>
-                      <a:headEnd type="none" w="med" len="med"/>
-                      <a:tailEnd type="none" w="med" len="med"/>
-                    </a:lnR>
-                    <a:lnT w="6350" cap="flat" cmpd="sng" algn="ctr">
-                      <a:solidFill>
-                        <a:srgbClr val="000000"/>
-                      </a:solidFill>
-                      <a:prstDash val="solid"/>
-                      <a:round/>
-                      <a:headEnd type="none" w="med" len="med"/>
-                      <a:tailEnd type="none" w="med" len="med"/>
-                    </a:lnT>
-                    <a:lnB w="6350" cap="flat" cmpd="sng" algn="ctr">
-                      <a:solidFill>
-                        <a:srgbClr val="000000"/>
-                      </a:solidFill>
-                      <a:prstDash val="solid"/>
-                      <a:round/>
-                      <a:headEnd type="none" w="med" len="med"/>
-                      <a:tailEnd type="none" w="med" len="med"/>
-                    </a:lnB>
-                    <a:solidFill>
-                      <a:srgbClr val="F2DDDC"/>
-                    </a:solidFill>
-                  </a:tcPr>
-                </a:tc>
-              </a:tr>
-            </a:tbl>
-          </a:graphicData>
-        </a:graphic>
-      </p:graphicFrame>
+              <a:t>no brinquedo</a:t>
+            </a:r>
+          </a:p>
+          <a:p>
+            <a:pPr lvl="1">
+              <a:buFont typeface="Arial" pitchFamily="34" charset="0"/>
+              <a:buChar char="•"/>
+            </a:pPr>
+            <a:r>
+              <a:rPr lang="pt-BR" dirty="0" smtClean="0"/>
+              <a:t> Podem aproveitar mais o tempo, conforme desejar</a:t>
+            </a:r>
+          </a:p>
+          <a:p>
+            <a:r>
+              <a:rPr lang="pt-BR" dirty="0"/>
+              <a:t>	</a:t>
+            </a:r>
+            <a:endParaRPr lang="pt-BR" dirty="0" smtClean="0"/>
+          </a:p>
+        </p:txBody>
+      </p:sp>
     </p:spTree>
   </p:cSld>
   <p:clrMapOvr>
@@ -9719,9 +11312,34 @@
           <a:chExt cx="0" cy="0"/>
         </a:xfrm>
       </p:grpSpPr>
-      <p:sp>
-        <p:nvSpPr>
-          <p:cNvPr id="8" name="Título 7"/>
+      <p:pic>
+        <p:nvPicPr>
+          <p:cNvPr id="3" name="Imagem 2" descr="servidor_aplicacao_sms2.jpg"/>
+          <p:cNvPicPr>
+            <a:picLocks noChangeAspect="1"/>
+          </p:cNvPicPr>
+          <p:nvPr/>
+        </p:nvPicPr>
+        <p:blipFill>
+          <a:blip r:embed="rId2" cstate="print"/>
+          <a:srcRect t="2422" r="7863" b="15213"/>
+          <a:stretch>
+            <a:fillRect/>
+          </a:stretch>
+        </p:blipFill>
+        <p:spPr>
+          <a:xfrm>
+            <a:off x="930909" y="1484784"/>
+            <a:ext cx="7097475" cy="4896544"/>
+          </a:xfrm>
+          <a:prstGeom prst="rect">
+            <a:avLst/>
+          </a:prstGeom>
+        </p:spPr>
+      </p:pic>
+      <p:sp>
+        <p:nvSpPr>
+          <p:cNvPr id="4" name="Título 7"/>
           <p:cNvSpPr>
             <a:spLocks noGrp="1"/>
           </p:cNvSpPr>
@@ -9737,167 +11355,10 @@
           <a:lstStyle/>
           <a:p>
             <a:r>
-              <a:rPr lang="pt-BR" dirty="0" smtClean="0"/>
-              <a:t>Alternativas de implementação</a:t>
-            </a:r>
-            <a:endParaRPr lang="pt-BR" dirty="0"/>
-          </a:p>
-        </p:txBody>
-      </p:sp>
-      <p:sp>
-        <p:nvSpPr>
-          <p:cNvPr id="9" name="CaixaDeTexto 8"/>
-          <p:cNvSpPr txBox="1"/>
-          <p:nvPr/>
-        </p:nvSpPr>
-        <p:spPr>
-          <a:xfrm>
-            <a:off x="611560" y="2132856"/>
-            <a:ext cx="237566" cy="369332"/>
-          </a:xfrm>
-          <a:prstGeom prst="rect">
-            <a:avLst/>
-          </a:prstGeom>
-          <a:noFill/>
-        </p:spPr>
-        <p:txBody>
-          <a:bodyPr wrap="none" rtlCol="0">
-            <a:spAutoFit/>
-          </a:bodyPr>
-          <a:lstStyle/>
-          <a:p>
-            <a:r>
-              <a:rPr lang="pt-BR" dirty="0" smtClean="0"/>
-              <a:t> </a:t>
-            </a:r>
-            <a:endParaRPr lang="pt-BR" dirty="0"/>
-          </a:p>
-        </p:txBody>
-      </p:sp>
-      <p:sp>
-        <p:nvSpPr>
-          <p:cNvPr id="10" name="CaixaDeTexto 9"/>
-          <p:cNvSpPr txBox="1"/>
-          <p:nvPr/>
-        </p:nvSpPr>
-        <p:spPr>
-          <a:xfrm>
-            <a:off x="395536" y="1700808"/>
-            <a:ext cx="8136904" cy="3323987"/>
-          </a:xfrm>
-          <a:prstGeom prst="rect">
-            <a:avLst/>
-          </a:prstGeom>
-          <a:noFill/>
-        </p:spPr>
-        <p:txBody>
-          <a:bodyPr wrap="square" rtlCol="0">
-            <a:spAutoFit/>
-          </a:bodyPr>
-          <a:lstStyle/>
-          <a:p>
-            <a:r>
-              <a:rPr lang="pt-BR" sz="2400" dirty="0" smtClean="0"/>
-              <a:t>Dificuldades encontradas</a:t>
-            </a:r>
-          </a:p>
-          <a:p>
-            <a:pPr lvl="1">
-              <a:buFont typeface="Arial" pitchFamily="34" charset="0"/>
-              <a:buChar char="•"/>
-            </a:pPr>
-            <a:r>
-              <a:rPr lang="pt-BR" dirty="0" smtClean="0"/>
-              <a:t> O </a:t>
-            </a:r>
-            <a:r>
-              <a:rPr lang="pt-BR" dirty="0" smtClean="0"/>
-              <a:t>uso do </a:t>
-            </a:r>
-            <a:r>
-              <a:rPr lang="pt-BR" dirty="0" smtClean="0"/>
-              <a:t>SMS devido a problemas como garantia de entrega e disponibilidade do serviço</a:t>
-            </a:r>
-            <a:endParaRPr lang="pt-BR" dirty="0" smtClean="0"/>
-          </a:p>
-          <a:p>
-            <a:endParaRPr lang="pt-BR" dirty="0" smtClean="0"/>
-          </a:p>
-          <a:p>
-            <a:endParaRPr lang="pt-BR" dirty="0" smtClean="0"/>
-          </a:p>
-          <a:p>
-            <a:endParaRPr lang="pt-BR" dirty="0"/>
-          </a:p>
-          <a:p>
-            <a:r>
-              <a:rPr lang="pt-BR" sz="2400" dirty="0" smtClean="0"/>
-              <a:t>Alternativas de </a:t>
-            </a:r>
-            <a:r>
-              <a:rPr lang="pt-BR" sz="2400" dirty="0" smtClean="0"/>
-              <a:t>implementação</a:t>
-            </a:r>
-            <a:r>
-              <a:rPr lang="pt-BR" sz="2400" dirty="0"/>
-              <a:t>	</a:t>
-            </a:r>
-            <a:r>
-              <a:rPr lang="pt-BR" sz="2400" dirty="0" smtClean="0"/>
-              <a:t> </a:t>
-            </a:r>
-          </a:p>
-          <a:p>
-            <a:pPr lvl="1">
-              <a:buFont typeface="Arial" pitchFamily="34" charset="0"/>
-              <a:buChar char="•"/>
-            </a:pPr>
-            <a:r>
-              <a:rPr lang="pt-BR" dirty="0" smtClean="0"/>
-              <a:t> WI </a:t>
-            </a:r>
-            <a:r>
-              <a:rPr lang="pt-BR" dirty="0" smtClean="0"/>
-              <a:t>FI</a:t>
-            </a:r>
-            <a:endParaRPr lang="pt-BR" dirty="0"/>
-          </a:p>
-          <a:p>
-            <a:pPr lvl="1">
-              <a:buFont typeface="Arial" pitchFamily="34" charset="0"/>
-              <a:buChar char="•"/>
-            </a:pPr>
-            <a:r>
-              <a:rPr lang="pt-BR" dirty="0" smtClean="0"/>
-              <a:t> PIC</a:t>
-            </a:r>
-            <a:endParaRPr lang="pt-BR" dirty="0" smtClean="0"/>
-          </a:p>
-          <a:p>
-            <a:pPr lvl="1">
-              <a:buFont typeface="Arial" pitchFamily="34" charset="0"/>
-              <a:buChar char="•"/>
-            </a:pPr>
-            <a:r>
-              <a:rPr lang="pt-BR" dirty="0" smtClean="0"/>
-              <a:t> RFID</a:t>
-            </a:r>
-            <a:endParaRPr lang="pt-BR" dirty="0" smtClean="0"/>
-          </a:p>
-          <a:p>
-            <a:pPr lvl="1">
-              <a:buFont typeface="Arial" pitchFamily="34" charset="0"/>
-              <a:buChar char="•"/>
-            </a:pPr>
-            <a:r>
-              <a:rPr lang="pt-BR" dirty="0" smtClean="0"/>
-              <a:t> Business </a:t>
-            </a:r>
-            <a:r>
-              <a:rPr lang="pt-BR" dirty="0" err="1" smtClean="0"/>
-              <a:t>Intelligence</a:t>
-            </a:r>
-            <a:endParaRPr lang="pt-BR" dirty="0" smtClean="0"/>
+              <a:rPr lang="pt-BR" sz="3600" dirty="0" smtClean="0"/>
+              <a:t>Arquitetura da Solução</a:t>
+            </a:r>
+            <a:endParaRPr lang="pt-BR" sz="3600" dirty="0"/>
           </a:p>
         </p:txBody>
       </p:sp>

--- a/wiki/Apresentação/Apresentação Final.pptx
+++ b/wiki/Apresentação/Apresentação Final.pptx
@@ -7121,21 +7121,8 @@
           <a:p>
             <a:r>
               <a:rPr lang="pt-BR" sz="2400" dirty="0" smtClean="0"/>
-              <a:t>Quantidade Máxima </a:t>
-            </a:r>
-            <a:r>
-              <a:rPr lang="pt-BR" sz="2400" dirty="0" smtClean="0"/>
-              <a:t>de </a:t>
-            </a:r>
-            <a:r>
-              <a:rPr lang="pt-BR" sz="2400" dirty="0" smtClean="0"/>
-              <a:t>Pessoas na Fila Física</a:t>
-            </a:r>
-            <a:r>
-              <a:rPr lang="pt-BR" sz="2400" dirty="0" smtClean="0"/>
-              <a:t>: </a:t>
-            </a:r>
-            <a:endParaRPr lang="pt-BR" sz="2400" dirty="0" smtClean="0"/>
+              <a:t>Quantidade Máxima de Pessoas na Fila Física: </a:t>
+            </a:r>
           </a:p>
           <a:p>
             <a:endParaRPr lang="pt-BR" dirty="0" smtClean="0"/>
@@ -7186,15 +7173,7 @@
           <a:p>
             <a:r>
               <a:rPr lang="pt-BR" sz="2400" dirty="0" smtClean="0"/>
-              <a:t>Estimativa do Tempo Total </a:t>
-            </a:r>
-            <a:r>
-              <a:rPr lang="pt-BR" sz="2400" dirty="0" smtClean="0"/>
-              <a:t>de </a:t>
-            </a:r>
-            <a:r>
-              <a:rPr lang="pt-BR" sz="2400" dirty="0" smtClean="0"/>
-              <a:t>Fila:</a:t>
+              <a:t>Estimativa do Tempo Total de Fila:</a:t>
             </a:r>
           </a:p>
           <a:p>
@@ -9193,7 +9172,7 @@
         <p:spPr>
           <a:xfrm>
             <a:off x="395536" y="1700808"/>
-            <a:ext cx="8136904" cy="3046988"/>
+            <a:ext cx="8136904" cy="3600986"/>
           </a:xfrm>
           <a:prstGeom prst="rect">
             <a:avLst/>
@@ -9277,6 +9256,34 @@
             <a:r>
               <a:rPr lang="pt-BR" dirty="0" smtClean="0"/>
               <a:t>RFID</a:t>
+            </a:r>
+          </a:p>
+          <a:p>
+            <a:pPr lvl="1">
+              <a:buFont typeface="Arial" pitchFamily="34" charset="0"/>
+              <a:buChar char="•"/>
+            </a:pPr>
+            <a:r>
+              <a:rPr lang="pt-BR" dirty="0" smtClean="0"/>
+              <a:t> </a:t>
+            </a:r>
+            <a:r>
+              <a:rPr lang="pt-BR" dirty="0" smtClean="0"/>
+              <a:t>GUMSTIX</a:t>
+            </a:r>
+          </a:p>
+          <a:p>
+            <a:pPr lvl="1">
+              <a:buFont typeface="Arial" pitchFamily="34" charset="0"/>
+              <a:buChar char="•"/>
+            </a:pPr>
+            <a:r>
+              <a:rPr lang="pt-BR" dirty="0" smtClean="0"/>
+              <a:t> </a:t>
+            </a:r>
+            <a:r>
+              <a:rPr lang="pt-BR" dirty="0" err="1" smtClean="0"/>
+              <a:t>E-Paper</a:t>
             </a:r>
             <a:endParaRPr lang="pt-BR" dirty="0" smtClean="0"/>
           </a:p>
@@ -9367,13 +9374,8 @@
           <a:p>
             <a:r>
               <a:rPr lang="pt-BR" dirty="0" smtClean="0"/>
-              <a:t>- Divulgação de serviços e promoções internas ao </a:t>
-            </a:r>
-            <a:r>
-              <a:rPr lang="pt-BR" dirty="0" smtClean="0"/>
-              <a:t>parque</a:t>
-            </a:r>
-            <a:endParaRPr lang="pt-BR" dirty="0" smtClean="0"/>
+              <a:t>- Divulgação de serviços e promoções internas ao parque</a:t>
+            </a:r>
           </a:p>
           <a:p>
             <a:pPr>
@@ -9382,15 +9384,7 @@
             </a:pPr>
             <a:r>
               <a:rPr lang="pt-BR" dirty="0" smtClean="0"/>
-              <a:t> Vender </a:t>
-            </a:r>
-            <a:r>
-              <a:rPr lang="pt-BR" dirty="0" smtClean="0"/>
-              <a:t>canais de comunicação para </a:t>
-            </a:r>
-            <a:r>
-              <a:rPr lang="pt-BR" dirty="0" smtClean="0"/>
-              <a:t>parceiros</a:t>
+              <a:t> Vender canais de comunicação para parceiros</a:t>
             </a:r>
           </a:p>
           <a:p>
@@ -9402,13 +9396,8 @@
           <a:p>
             <a:r>
               <a:rPr lang="pt-BR" sz="2400" dirty="0" smtClean="0"/>
-              <a:t>Implementar </a:t>
-            </a:r>
-            <a:r>
-              <a:rPr lang="pt-BR" sz="2400" dirty="0" smtClean="0"/>
-              <a:t>CRM:</a:t>
-            </a:r>
-            <a:endParaRPr lang="pt-BR" sz="2400" dirty="0" smtClean="0"/>
+              <a:t>Implementar CRM:</a:t>
+            </a:r>
           </a:p>
           <a:p>
             <a:r>
@@ -9435,15 +9424,7 @@
             </a:pPr>
             <a:r>
               <a:rPr lang="pt-BR" dirty="0" smtClean="0"/>
-              <a:t> Aproveite </a:t>
-            </a:r>
-            <a:r>
-              <a:rPr lang="pt-BR" dirty="0" smtClean="0"/>
-              <a:t>o brinquedo X que a fila está pequena</a:t>
-            </a:r>
-            <a:r>
-              <a:rPr lang="pt-BR" dirty="0" smtClean="0"/>
-              <a:t>!</a:t>
+              <a:t> Aproveite o brinquedo X que a fila está pequena!</a:t>
             </a:r>
           </a:p>
           <a:p>
@@ -9475,11 +9456,7 @@
             </a:pPr>
             <a:r>
               <a:rPr lang="pt-BR" dirty="0" smtClean="0"/>
-              <a:t> </a:t>
-            </a:r>
-            <a:r>
-              <a:rPr lang="pt-BR" dirty="0" smtClean="0"/>
-              <a:t>Análise mais profunda sobre o que acontece no parque</a:t>
+              <a:t> Análise mais profunda sobre o que acontece no parque</a:t>
             </a:r>
           </a:p>
           <a:p>
@@ -9489,11 +9466,7 @@
             </a:pPr>
             <a:r>
               <a:rPr lang="pt-BR" dirty="0" smtClean="0"/>
-              <a:t> </a:t>
-            </a:r>
-            <a:r>
-              <a:rPr lang="pt-BR" dirty="0" smtClean="0"/>
-              <a:t>Ajuda na tomada de futuras decisões</a:t>
+              <a:t> Ajuda na tomada de futuras decisões</a:t>
             </a:r>
             <a:endParaRPr lang="pt-BR" dirty="0"/>
           </a:p>
@@ -9700,11 +9673,7 @@
           <a:p>
             <a:r>
               <a:rPr lang="pt-BR" i="1" dirty="0" smtClean="0"/>
-              <a:t>“Felicidade </a:t>
-            </a:r>
-            <a:r>
-              <a:rPr lang="pt-BR" i="1" dirty="0" smtClean="0"/>
-              <a:t>é a certeza de que a vida não está passando </a:t>
+              <a:t>“Felicidade é a certeza de que a vida não está passando </a:t>
             </a:r>
             <a:br>
               <a:rPr lang="pt-BR" i="1" dirty="0" smtClean="0"/>
@@ -9826,27 +9795,7 @@
           <a:p>
             <a:r>
               <a:rPr lang="pt-BR" dirty="0" smtClean="0"/>
-              <a:t>O PROJETO F1 visa otimizar o tempo que uma pessoa fica parada </a:t>
-            </a:r>
-            <a:r>
-              <a:rPr lang="pt-BR" dirty="0" smtClean="0"/>
-              <a:t>na fila </a:t>
-            </a:r>
-            <a:r>
-              <a:rPr lang="pt-BR" dirty="0" smtClean="0"/>
-              <a:t>de um brinquedo </a:t>
-            </a:r>
-            <a:r>
-              <a:rPr lang="pt-BR" dirty="0" smtClean="0"/>
-              <a:t> em um Parque </a:t>
-            </a:r>
-            <a:r>
-              <a:rPr lang="pt-BR" dirty="0" smtClean="0"/>
-              <a:t>de </a:t>
-            </a:r>
-            <a:r>
-              <a:rPr lang="pt-BR" dirty="0" smtClean="0"/>
-              <a:t>Diversão.</a:t>
+              <a:t>O PROJETO F1 visa otimizar o tempo que uma pessoa fica parada na fila de um brinquedo  em um Parque de Diversão.</a:t>
             </a:r>
             <a:endParaRPr lang="pt-BR" dirty="0"/>
           </a:p>
@@ -10459,11 +10408,7 @@
           <a:p>
             <a:r>
               <a:rPr lang="pt-BR" dirty="0" smtClean="0"/>
-              <a:t>Sistemas </a:t>
-            </a:r>
-            <a:r>
-              <a:rPr lang="pt-BR" dirty="0" smtClean="0"/>
-              <a:t>de Informação já controlam filas </a:t>
+              <a:t>Sistemas de Informação já controlam filas </a:t>
             </a:r>
           </a:p>
           <a:p>
@@ -10707,27 +10652,7 @@
           <a:p>
             <a:r>
               <a:rPr lang="pt-BR" dirty="0" smtClean="0"/>
-              <a:t>Podemos </a:t>
-            </a:r>
-            <a:r>
-              <a:rPr lang="pt-BR" dirty="0" smtClean="0"/>
-              <a:t>ter um Sistema que gerencie as filas e que avise quando sua vez estiver próxima. </a:t>
-            </a:r>
-            <a:r>
-              <a:rPr lang="pt-BR" dirty="0" smtClean="0"/>
-              <a:t>Assim </a:t>
-            </a:r>
-            <a:r>
-              <a:rPr lang="pt-BR" dirty="0" smtClean="0"/>
-              <a:t>não é necessário estarmos parados </a:t>
-            </a:r>
-            <a:r>
-              <a:rPr lang="pt-BR" dirty="0" smtClean="0"/>
-              <a:t>fisicamente nas </a:t>
-            </a:r>
-            <a:r>
-              <a:rPr lang="pt-BR" dirty="0" smtClean="0"/>
-              <a:t>filas dos brinquedos.</a:t>
+              <a:t>Podemos ter um Sistema que gerencie as filas e que avise quando sua vez estiver próxima. Assim não é necessário estarmos parados fisicamente nas filas dos brinquedos.</a:t>
             </a:r>
           </a:p>
           <a:p>
@@ -10759,17 +10684,8 @@
           <a:p>
             <a:r>
               <a:rPr lang="pt-BR" dirty="0" smtClean="0"/>
-              <a:t>Sim</a:t>
-            </a:r>
-            <a:r>
-              <a:rPr lang="pt-BR" dirty="0" smtClean="0"/>
-              <a:t>,</a:t>
-            </a:r>
-            <a:r>
-              <a:rPr lang="pt-BR" dirty="0" smtClean="0"/>
-              <a:t> é possível!</a:t>
-            </a:r>
-            <a:endParaRPr lang="pt-BR" dirty="0" smtClean="0"/>
+              <a:t>Sim, é possível!</a:t>
+            </a:r>
           </a:p>
         </p:txBody>
       </p:sp>
@@ -10822,11 +10738,7 @@
           <a:p>
             <a:r>
               <a:rPr lang="pt-BR" dirty="0" smtClean="0"/>
-              <a:t>Como </a:t>
-            </a:r>
-            <a:r>
-              <a:rPr lang="pt-BR" dirty="0" smtClean="0"/>
-              <a:t>funciona?</a:t>
+              <a:t>Como funciona?</a:t>
             </a:r>
             <a:endParaRPr lang="pt-BR" dirty="0"/>
           </a:p>
@@ -10966,11 +10878,7 @@
           <a:p>
             <a:r>
               <a:rPr lang="pt-BR" dirty="0" smtClean="0"/>
-              <a:t>- O </a:t>
-            </a:r>
-            <a:r>
-              <a:rPr lang="pt-BR" dirty="0" smtClean="0"/>
-              <a:t>sistema não diminui o tempo das filas, apenas otimiza o tempo em que se fica parado na mesma.</a:t>
+              <a:t>- O sistema não diminui o tempo das filas, apenas otimiza o tempo em que se fica parado na mesma.</a:t>
             </a:r>
           </a:p>
           <a:p>
@@ -11010,25 +10918,8 @@
             </a:pPr>
             <a:r>
               <a:rPr lang="pt-BR" dirty="0" smtClean="0"/>
-              <a:t> É indicado que o Parque amplie </a:t>
-            </a:r>
-            <a:r>
-              <a:rPr lang="pt-BR" dirty="0" smtClean="0"/>
-              <a:t>suas áreas de lazer e atrações como peças teatrais e shows para entreter os visitantes enquanto </a:t>
-            </a:r>
-            <a:r>
-              <a:rPr lang="pt-BR" dirty="0" smtClean="0"/>
-              <a:t>aguardam </a:t>
-            </a:r>
-            <a:r>
-              <a:rPr lang="pt-BR" dirty="0" smtClean="0"/>
-              <a:t>sua vez no brinquedo, fazendo o tempo passar mais </a:t>
-            </a:r>
-            <a:r>
-              <a:rPr lang="pt-BR" dirty="0" smtClean="0"/>
-              <a:t>rápido e ocasionando mais conforto aos clientes.</a:t>
-            </a:r>
-            <a:endParaRPr lang="pt-BR" dirty="0" smtClean="0"/>
+              <a:t> É indicado que o Parque amplie suas áreas de lazer e atrações como peças teatrais e shows para entreter os visitantes enquanto aguardam sua vez no brinquedo, fazendo o tempo passar mais rápido e ocasionando mais conforto aos clientes.</a:t>
+            </a:r>
           </a:p>
         </p:txBody>
       </p:sp>
@@ -11173,11 +11064,7 @@
             </a:pPr>
             <a:r>
               <a:rPr lang="pt-BR" dirty="0" smtClean="0"/>
-              <a:t> </a:t>
-            </a:r>
-            <a:r>
-              <a:rPr lang="pt-BR" dirty="0" smtClean="0"/>
-              <a:t>Aumento do lucro </a:t>
+              <a:t> Aumento do lucro </a:t>
             </a:r>
             <a:r>
               <a:rPr lang="pt-BR" dirty="0"/>

--- a/wiki/Apresentação/Apresentação Final.pptx
+++ b/wiki/Apresentação/Apresentação Final.pptx
@@ -403,7 +403,7 @@
             <a:fld id="{07B8A2C3-923E-4FB9-A25E-7291EC26C5E5}" type="datetimeFigureOut">
               <a:rPr lang="pt-BR" smtClean="0"/>
               <a:pPr/>
-              <a:t>4/12/2010</a:t>
+              <a:t>5/12/2010</a:t>
             </a:fld>
             <a:endParaRPr lang="pt-BR"/>
           </a:p>
@@ -798,7 +798,7 @@
             <a:fld id="{07B8A2C3-923E-4FB9-A25E-7291EC26C5E5}" type="datetimeFigureOut">
               <a:rPr lang="pt-BR" smtClean="0"/>
               <a:pPr/>
-              <a:t>4/12/2010</a:t>
+              <a:t>5/12/2010</a:t>
             </a:fld>
             <a:endParaRPr lang="pt-BR"/>
           </a:p>
@@ -1333,7 +1333,7 @@
             <a:fld id="{07B8A2C3-923E-4FB9-A25E-7291EC26C5E5}" type="datetimeFigureOut">
               <a:rPr lang="pt-BR" smtClean="0"/>
               <a:pPr/>
-              <a:t>4/12/2010</a:t>
+              <a:t>5/12/2010</a:t>
             </a:fld>
             <a:endParaRPr lang="pt-BR"/>
           </a:p>
@@ -1467,7 +1467,7 @@
             <a:fld id="{07B8A2C3-923E-4FB9-A25E-7291EC26C5E5}" type="datetimeFigureOut">
               <a:rPr lang="pt-BR" smtClean="0"/>
               <a:pPr/>
-              <a:t>4/12/2010</a:t>
+              <a:t>5/12/2010</a:t>
             </a:fld>
             <a:endParaRPr lang="pt-BR"/>
           </a:p>
@@ -2012,7 +2012,7 @@
             <a:fld id="{07B8A2C3-923E-4FB9-A25E-7291EC26C5E5}" type="datetimeFigureOut">
               <a:rPr lang="pt-BR" smtClean="0"/>
               <a:pPr/>
-              <a:t>4/12/2010</a:t>
+              <a:t>5/12/2010</a:t>
             </a:fld>
             <a:endParaRPr lang="pt-BR"/>
           </a:p>
@@ -2309,7 +2309,7 @@
             <a:fld id="{07B8A2C3-923E-4FB9-A25E-7291EC26C5E5}" type="datetimeFigureOut">
               <a:rPr lang="pt-BR" smtClean="0"/>
               <a:pPr/>
-              <a:t>4/12/2010</a:t>
+              <a:t>5/12/2010</a:t>
             </a:fld>
             <a:endParaRPr lang="pt-BR"/>
           </a:p>
@@ -2970,7 +2970,7 @@
             <a:fld id="{07B8A2C3-923E-4FB9-A25E-7291EC26C5E5}" type="datetimeFigureOut">
               <a:rPr lang="pt-BR" smtClean="0"/>
               <a:pPr/>
-              <a:t>4/12/2010</a:t>
+              <a:t>5/12/2010</a:t>
             </a:fld>
             <a:endParaRPr lang="pt-BR"/>
           </a:p>
@@ -3408,7 +3408,7 @@
             <a:fld id="{07B8A2C3-923E-4FB9-A25E-7291EC26C5E5}" type="datetimeFigureOut">
               <a:rPr lang="pt-BR" smtClean="0"/>
               <a:pPr/>
-              <a:t>4/12/2010</a:t>
+              <a:t>5/12/2010</a:t>
             </a:fld>
             <a:endParaRPr lang="pt-BR"/>
           </a:p>
@@ -3723,7 +3723,7 @@
             <a:fld id="{07B8A2C3-923E-4FB9-A25E-7291EC26C5E5}" type="datetimeFigureOut">
               <a:rPr lang="pt-BR" smtClean="0"/>
               <a:pPr/>
-              <a:t>4/12/2010</a:t>
+              <a:t>5/12/2010</a:t>
             </a:fld>
             <a:endParaRPr lang="pt-BR"/>
           </a:p>
@@ -4458,7 +4458,7 @@
             <a:fld id="{07B8A2C3-923E-4FB9-A25E-7291EC26C5E5}" type="datetimeFigureOut">
               <a:rPr lang="pt-BR" smtClean="0"/>
               <a:pPr/>
-              <a:t>4/12/2010</a:t>
+              <a:t>5/12/2010</a:t>
             </a:fld>
             <a:endParaRPr lang="pt-BR"/>
           </a:p>
@@ -5124,7 +5124,7 @@
             <a:fld id="{07B8A2C3-923E-4FB9-A25E-7291EC26C5E5}" type="datetimeFigureOut">
               <a:rPr lang="pt-BR" smtClean="0"/>
               <a:pPr/>
-              <a:t>4/12/2010</a:t>
+              <a:t>5/12/2010</a:t>
             </a:fld>
             <a:endParaRPr lang="pt-BR"/>
           </a:p>
@@ -5398,7 +5398,7 @@
             <a:fld id="{07B8A2C3-923E-4FB9-A25E-7291EC26C5E5}" type="datetimeFigureOut">
               <a:rPr lang="pt-BR" smtClean="0"/>
               <a:pPr/>
-              <a:t>4/12/2010</a:t>
+              <a:t>5/12/2010</a:t>
             </a:fld>
             <a:endParaRPr lang="pt-BR"/>
           </a:p>
@@ -9251,11 +9251,7 @@
             </a:pPr>
             <a:r>
               <a:rPr lang="pt-BR" dirty="0" smtClean="0"/>
-              <a:t> </a:t>
-            </a:r>
-            <a:r>
-              <a:rPr lang="pt-BR" dirty="0" smtClean="0"/>
-              <a:t>RFID</a:t>
+              <a:t> RFID</a:t>
             </a:r>
           </a:p>
           <a:p>
@@ -9265,11 +9261,7 @@
             </a:pPr>
             <a:r>
               <a:rPr lang="pt-BR" dirty="0" smtClean="0"/>
-              <a:t> </a:t>
-            </a:r>
-            <a:r>
-              <a:rPr lang="pt-BR" dirty="0" smtClean="0"/>
-              <a:t>GUMSTIX</a:t>
+              <a:t> GUMSTIX</a:t>
             </a:r>
           </a:p>
           <a:p>
@@ -9352,8 +9344,8 @@
         </p:nvSpPr>
         <p:spPr>
           <a:xfrm>
-            <a:off x="571472" y="1500174"/>
-            <a:ext cx="7500990" cy="4801314"/>
+            <a:off x="571472" y="4643446"/>
+            <a:ext cx="7500990" cy="1292662"/>
           </a:xfrm>
           <a:prstGeom prst="rect">
             <a:avLst/>
@@ -9368,13 +9360,11 @@
           <a:p>
             <a:r>
               <a:rPr lang="pt-BR" sz="2400" dirty="0" smtClean="0"/>
-              <a:t>Utilizar o sistema como ferramenta de marketing</a:t>
-            </a:r>
-          </a:p>
-          <a:p>
-            <a:r>
-              <a:rPr lang="pt-BR" dirty="0" smtClean="0"/>
-              <a:t>- Divulgação de serviços e promoções internas ao parque</a:t>
+              <a:t>Implementar </a:t>
+            </a:r>
+            <a:r>
+              <a:rPr lang="pt-BR" sz="2400" dirty="0" smtClean="0"/>
+              <a:t>BI:</a:t>
             </a:r>
           </a:p>
           <a:p>
@@ -9384,37 +9374,7 @@
             </a:pPr>
             <a:r>
               <a:rPr lang="pt-BR" dirty="0" smtClean="0"/>
-              <a:t> Vender canais de comunicação para parceiros</a:t>
-            </a:r>
-          </a:p>
-          <a:p>
-            <a:endParaRPr lang="pt-BR" dirty="0" smtClean="0"/>
-          </a:p>
-          <a:p>
-            <a:endParaRPr lang="pt-BR" dirty="0" smtClean="0"/>
-          </a:p>
-          <a:p>
-            <a:r>
-              <a:rPr lang="pt-BR" sz="2400" dirty="0" smtClean="0"/>
-              <a:t>Implementar CRM:</a:t>
-            </a:r>
-          </a:p>
-          <a:p>
-            <a:r>
-              <a:rPr lang="pt-BR" dirty="0" smtClean="0"/>
-              <a:t>- Fidelização de clientes</a:t>
-            </a:r>
-          </a:p>
-          <a:p>
-            <a:r>
-              <a:rPr lang="pt-BR" dirty="0" smtClean="0"/>
-              <a:t>- Prioridade no seu “brinquedo preferido”</a:t>
-            </a:r>
-          </a:p>
-          <a:p>
-            <a:r>
-              <a:rPr lang="pt-BR" dirty="0" smtClean="0"/>
-              <a:t>- Se você gostou deste brinquedo, também gostará deste</a:t>
+              <a:t> Identificar perfis de cliente que freqüentam o parque</a:t>
             </a:r>
           </a:p>
           <a:p>
@@ -9424,19 +9384,7 @@
             </a:pPr>
             <a:r>
               <a:rPr lang="pt-BR" dirty="0" smtClean="0"/>
-              <a:t> Aproveite o brinquedo X que a fila está pequena!</a:t>
-            </a:r>
-          </a:p>
-          <a:p>
-            <a:endParaRPr lang="pt-BR" dirty="0" smtClean="0"/>
-          </a:p>
-          <a:p>
-            <a:endParaRPr lang="pt-BR" dirty="0" smtClean="0"/>
-          </a:p>
-          <a:p>
-            <a:r>
-              <a:rPr lang="pt-BR" sz="2400" dirty="0" smtClean="0"/>
-              <a:t>Implementar BI:</a:t>
+              <a:t> Análise mais profunda sobre o que acontece no parque</a:t>
             </a:r>
           </a:p>
           <a:p>
@@ -9446,7 +9394,43 @@
             </a:pPr>
             <a:r>
               <a:rPr lang="pt-BR" dirty="0" smtClean="0"/>
-              <a:t> Identificar perfis de cliente que freqüentam o parque</a:t>
+              <a:t> Ajuda na tomada de futuras decisões</a:t>
+            </a:r>
+            <a:endParaRPr lang="pt-BR" dirty="0"/>
+          </a:p>
+        </p:txBody>
+      </p:sp>
+      <p:sp>
+        <p:nvSpPr>
+          <p:cNvPr id="4" name="CaixaDeTexto 3"/>
+          <p:cNvSpPr txBox="1"/>
+          <p:nvPr/>
+        </p:nvSpPr>
+        <p:spPr>
+          <a:xfrm>
+            <a:off x="714348" y="1643050"/>
+            <a:ext cx="7215238" cy="1015663"/>
+          </a:xfrm>
+          <a:prstGeom prst="rect">
+            <a:avLst/>
+          </a:prstGeom>
+          <a:noFill/>
+        </p:spPr>
+        <p:txBody>
+          <a:bodyPr wrap="square" rtlCol="0">
+            <a:spAutoFit/>
+          </a:bodyPr>
+          <a:lstStyle/>
+          <a:p>
+            <a:r>
+              <a:rPr lang="pt-BR" sz="2400" dirty="0" smtClean="0"/>
+              <a:t>Utilizar o sistema como ferramenta de marketing</a:t>
+            </a:r>
+          </a:p>
+          <a:p>
+            <a:r>
+              <a:rPr lang="pt-BR" dirty="0" smtClean="0"/>
+              <a:t>- Divulgação de serviços e promoções internas ao parque</a:t>
             </a:r>
           </a:p>
           <a:p>
@@ -9456,7 +9440,59 @@
             </a:pPr>
             <a:r>
               <a:rPr lang="pt-BR" dirty="0" smtClean="0"/>
-              <a:t> Análise mais profunda sobre o que acontece no parque</a:t>
+              <a:t> Vender canais de comunicação para </a:t>
+            </a:r>
+            <a:r>
+              <a:rPr lang="pt-BR" dirty="0" smtClean="0"/>
+              <a:t>parceiros</a:t>
+            </a:r>
+            <a:endParaRPr lang="pt-BR" dirty="0" smtClean="0"/>
+          </a:p>
+        </p:txBody>
+      </p:sp>
+      <p:sp>
+        <p:nvSpPr>
+          <p:cNvPr id="5" name="CaixaDeTexto 4"/>
+          <p:cNvSpPr txBox="1"/>
+          <p:nvPr/>
+        </p:nvSpPr>
+        <p:spPr>
+          <a:xfrm>
+            <a:off x="642910" y="2857496"/>
+            <a:ext cx="7572428" cy="1569660"/>
+          </a:xfrm>
+          <a:prstGeom prst="rect">
+            <a:avLst/>
+          </a:prstGeom>
+          <a:noFill/>
+        </p:spPr>
+        <p:txBody>
+          <a:bodyPr wrap="square" rtlCol="0">
+            <a:spAutoFit/>
+          </a:bodyPr>
+          <a:lstStyle/>
+          <a:p>
+            <a:r>
+              <a:rPr lang="pt-BR" sz="2400" dirty="0" smtClean="0"/>
+              <a:t>Implementar CRM:</a:t>
+            </a:r>
+          </a:p>
+          <a:p>
+            <a:r>
+              <a:rPr lang="pt-BR" dirty="0" smtClean="0"/>
+              <a:t>- Fidelização de clientes</a:t>
+            </a:r>
+          </a:p>
+          <a:p>
+            <a:r>
+              <a:rPr lang="pt-BR" dirty="0" smtClean="0"/>
+              <a:t>- Prioridade no seu “brinquedo preferido”</a:t>
+            </a:r>
+          </a:p>
+          <a:p>
+            <a:r>
+              <a:rPr lang="pt-BR" dirty="0" smtClean="0"/>
+              <a:t>- Se você gostou deste brinquedo, também gostará deste</a:t>
             </a:r>
           </a:p>
           <a:p>
@@ -9466,367 +9502,16 @@
             </a:pPr>
             <a:r>
               <a:rPr lang="pt-BR" dirty="0" smtClean="0"/>
-              <a:t> Ajuda na tomada de futuras decisões</a:t>
+              <a:t> Aproveite o brinquedo X que a fila está pequena</a:t>
+            </a:r>
+            <a:r>
+              <a:rPr lang="pt-BR" dirty="0" smtClean="0"/>
+              <a:t>!</a:t>
             </a:r>
             <a:endParaRPr lang="pt-BR" dirty="0"/>
           </a:p>
         </p:txBody>
       </p:sp>
-    </p:spTree>
-  </p:cSld>
-  <p:clrMapOvr>
-    <a:masterClrMapping/>
-  </p:clrMapOvr>
-  <p:timing>
-    <p:tnLst>
-      <p:par>
-        <p:cTn id="1" dur="indefinite" restart="never" nodeType="tmRoot"/>
-      </p:par>
-    </p:tnLst>
-  </p:timing>
-</p:sld>
-</file>
-
-<file path=ppt/slides/slide15.xml><?xml version="1.0" encoding="utf-8"?>
-<p:sld xmlns:a="http://schemas.openxmlformats.org/drawingml/2006/main" xmlns:r="http://schemas.openxmlformats.org/officeDocument/2006/relationships" xmlns:p="http://schemas.openxmlformats.org/presentationml/2006/main">
-  <p:cSld>
-    <p:spTree>
-      <p:nvGrpSpPr>
-        <p:cNvPr id="1" name=""/>
-        <p:cNvGrpSpPr/>
-        <p:nvPr/>
-      </p:nvGrpSpPr>
-      <p:grpSpPr>
-        <a:xfrm>
-          <a:off x="0" y="0"/>
-          <a:ext cx="0" cy="0"/>
-          <a:chOff x="0" y="0"/>
-          <a:chExt cx="0" cy="0"/>
-        </a:xfrm>
-      </p:grpSpPr>
-      <p:sp>
-        <p:nvSpPr>
-          <p:cNvPr id="9" name="CaixaDeTexto 8"/>
-          <p:cNvSpPr txBox="1"/>
-          <p:nvPr/>
-        </p:nvSpPr>
-        <p:spPr>
-          <a:xfrm>
-            <a:off x="611560" y="2132856"/>
-            <a:ext cx="237566" cy="369332"/>
-          </a:xfrm>
-          <a:prstGeom prst="rect">
-            <a:avLst/>
-          </a:prstGeom>
-          <a:noFill/>
-        </p:spPr>
-        <p:txBody>
-          <a:bodyPr wrap="none" rtlCol="0">
-            <a:spAutoFit/>
-          </a:bodyPr>
-          <a:lstStyle/>
-          <a:p>
-            <a:r>
-              <a:rPr lang="pt-BR" dirty="0" smtClean="0"/>
-              <a:t> </a:t>
-            </a:r>
-            <a:endParaRPr lang="pt-BR" dirty="0"/>
-          </a:p>
-        </p:txBody>
-      </p:sp>
-      <p:sp>
-        <p:nvSpPr>
-          <p:cNvPr id="10" name="CaixaDeTexto 9"/>
-          <p:cNvSpPr txBox="1"/>
-          <p:nvPr/>
-        </p:nvSpPr>
-        <p:spPr>
-          <a:xfrm>
-            <a:off x="539552" y="3131676"/>
-            <a:ext cx="7992888" cy="523220"/>
-          </a:xfrm>
-          <a:prstGeom prst="rect">
-            <a:avLst/>
-          </a:prstGeom>
-          <a:noFill/>
-        </p:spPr>
-        <p:txBody>
-          <a:bodyPr wrap="square" rtlCol="0">
-            <a:spAutoFit/>
-          </a:bodyPr>
-          <a:lstStyle/>
-          <a:p>
-            <a:pPr algn="ctr"/>
-            <a:r>
-              <a:rPr lang="pt-BR" sz="2800" b="1" dirty="0" smtClean="0"/>
-              <a:t>Dúvidas ?</a:t>
-            </a:r>
-          </a:p>
-        </p:txBody>
-      </p:sp>
-    </p:spTree>
-  </p:cSld>
-  <p:clrMapOvr>
-    <a:masterClrMapping/>
-  </p:clrMapOvr>
-  <p:timing>
-    <p:tnLst>
-      <p:par>
-        <p:cTn id="1" dur="indefinite" restart="never" nodeType="tmRoot"/>
-      </p:par>
-    </p:tnLst>
-  </p:timing>
-</p:sld>
-</file>
-
-<file path=ppt/slides/slide16.xml><?xml version="1.0" encoding="utf-8"?>
-<p:sld xmlns:a="http://schemas.openxmlformats.org/drawingml/2006/main" xmlns:r="http://schemas.openxmlformats.org/officeDocument/2006/relationships" xmlns:p="http://schemas.openxmlformats.org/presentationml/2006/main">
-  <p:cSld>
-    <p:spTree>
-      <p:nvGrpSpPr>
-        <p:cNvPr id="1" name=""/>
-        <p:cNvGrpSpPr/>
-        <p:nvPr/>
-      </p:nvGrpSpPr>
-      <p:grpSpPr>
-        <a:xfrm>
-          <a:off x="0" y="0"/>
-          <a:ext cx="0" cy="0"/>
-          <a:chOff x="0" y="0"/>
-          <a:chExt cx="0" cy="0"/>
-        </a:xfrm>
-      </p:grpSpPr>
-      <p:sp>
-        <p:nvSpPr>
-          <p:cNvPr id="2" name="Título 1"/>
-          <p:cNvSpPr>
-            <a:spLocks noGrp="1"/>
-          </p:cNvSpPr>
-          <p:nvPr>
-            <p:ph type="title"/>
-          </p:nvPr>
-        </p:nvSpPr>
-        <p:spPr/>
-        <p:txBody>
-          <a:bodyPr/>
-          <a:lstStyle/>
-          <a:p>
-            <a:r>
-              <a:rPr lang="pt-BR" dirty="0" smtClean="0"/>
-              <a:t>Fim</a:t>
-            </a:r>
-            <a:endParaRPr lang="pt-BR" dirty="0"/>
-          </a:p>
-        </p:txBody>
-      </p:sp>
-      <p:sp>
-        <p:nvSpPr>
-          <p:cNvPr id="3" name="CaixaDeTexto 2"/>
-          <p:cNvSpPr txBox="1"/>
-          <p:nvPr/>
-        </p:nvSpPr>
-        <p:spPr>
-          <a:xfrm>
-            <a:off x="2786050" y="2285992"/>
-            <a:ext cx="3240360" cy="523220"/>
-          </a:xfrm>
-          <a:prstGeom prst="rect">
-            <a:avLst/>
-          </a:prstGeom>
-          <a:noFill/>
-        </p:spPr>
-        <p:txBody>
-          <a:bodyPr wrap="square" rtlCol="0">
-            <a:spAutoFit/>
-          </a:bodyPr>
-          <a:lstStyle/>
-          <a:p>
-            <a:r>
-              <a:rPr lang="pt-BR" sz="2800" dirty="0" smtClean="0"/>
-              <a:t>Muito Obrigado!</a:t>
-            </a:r>
-            <a:endParaRPr lang="pt-BR" sz="2800" dirty="0"/>
-          </a:p>
-        </p:txBody>
-      </p:sp>
-      <p:sp>
-        <p:nvSpPr>
-          <p:cNvPr id="7" name="CaixaDeTexto 6"/>
-          <p:cNvSpPr txBox="1"/>
-          <p:nvPr/>
-        </p:nvSpPr>
-        <p:spPr>
-          <a:xfrm>
-            <a:off x="1214414" y="4929198"/>
-            <a:ext cx="6929486" cy="646331"/>
-          </a:xfrm>
-          <a:prstGeom prst="rect">
-            <a:avLst/>
-          </a:prstGeom>
-          <a:noFill/>
-        </p:spPr>
-        <p:txBody>
-          <a:bodyPr wrap="square" rtlCol="0">
-            <a:spAutoFit/>
-          </a:bodyPr>
-          <a:lstStyle/>
-          <a:p>
-            <a:r>
-              <a:rPr lang="pt-BR" i="1" dirty="0" smtClean="0"/>
-              <a:t>“Felicidade é a certeza de que a vida não está passando </a:t>
-            </a:r>
-            <a:br>
-              <a:rPr lang="pt-BR" i="1" dirty="0" smtClean="0"/>
-            </a:br>
-            <a:r>
-              <a:rPr lang="pt-BR" i="1" dirty="0" smtClean="0"/>
-              <a:t>inutilmente.”</a:t>
-            </a:r>
-            <a:endParaRPr lang="pt-BR" dirty="0"/>
-          </a:p>
-        </p:txBody>
-      </p:sp>
-    </p:spTree>
-  </p:cSld>
-  <p:clrMapOvr>
-    <a:masterClrMapping/>
-  </p:clrMapOvr>
-  <p:timing>
-    <p:tnLst>
-      <p:par>
-        <p:cTn id="1" dur="indefinite" restart="never" nodeType="tmRoot"/>
-      </p:par>
-    </p:tnLst>
-  </p:timing>
-</p:sld>
-</file>
-
-<file path=ppt/slides/slide2.xml><?xml version="1.0" encoding="utf-8"?>
-<p:sld xmlns:a="http://schemas.openxmlformats.org/drawingml/2006/main" xmlns:r="http://schemas.openxmlformats.org/officeDocument/2006/relationships" xmlns:p="http://schemas.openxmlformats.org/presentationml/2006/main">
-  <p:cSld>
-    <p:spTree>
-      <p:nvGrpSpPr>
-        <p:cNvPr id="1" name=""/>
-        <p:cNvGrpSpPr/>
-        <p:nvPr/>
-      </p:nvGrpSpPr>
-      <p:grpSpPr>
-        <a:xfrm>
-          <a:off x="0" y="0"/>
-          <a:ext cx="0" cy="0"/>
-          <a:chOff x="0" y="0"/>
-          <a:chExt cx="0" cy="0"/>
-        </a:xfrm>
-      </p:grpSpPr>
-      <p:sp>
-        <p:nvSpPr>
-          <p:cNvPr id="8" name="Título 7"/>
-          <p:cNvSpPr>
-            <a:spLocks noGrp="1"/>
-          </p:cNvSpPr>
-          <p:nvPr>
-            <p:ph type="title"/>
-          </p:nvPr>
-        </p:nvSpPr>
-        <p:spPr/>
-        <p:txBody>
-          <a:bodyPr/>
-          <a:lstStyle/>
-          <a:p>
-            <a:r>
-              <a:rPr lang="pt-BR" dirty="0" smtClean="0"/>
-              <a:t>O Projeto F1</a:t>
-            </a:r>
-            <a:endParaRPr lang="pt-BR" dirty="0"/>
-          </a:p>
-        </p:txBody>
-      </p:sp>
-      <p:sp>
-        <p:nvSpPr>
-          <p:cNvPr id="9" name="CaixaDeTexto 8"/>
-          <p:cNvSpPr txBox="1"/>
-          <p:nvPr/>
-        </p:nvSpPr>
-        <p:spPr>
-          <a:xfrm>
-            <a:off x="611560" y="2132856"/>
-            <a:ext cx="237566" cy="369332"/>
-          </a:xfrm>
-          <a:prstGeom prst="rect">
-            <a:avLst/>
-          </a:prstGeom>
-          <a:noFill/>
-        </p:spPr>
-        <p:txBody>
-          <a:bodyPr wrap="none" rtlCol="0">
-            <a:spAutoFit/>
-          </a:bodyPr>
-          <a:lstStyle/>
-          <a:p>
-            <a:r>
-              <a:rPr lang="pt-BR" dirty="0" smtClean="0"/>
-              <a:t> </a:t>
-            </a:r>
-            <a:endParaRPr lang="pt-BR" dirty="0"/>
-          </a:p>
-        </p:txBody>
-      </p:sp>
-      <p:sp>
-        <p:nvSpPr>
-          <p:cNvPr id="10" name="CaixaDeTexto 9"/>
-          <p:cNvSpPr txBox="1"/>
-          <p:nvPr/>
-        </p:nvSpPr>
-        <p:spPr>
-          <a:xfrm>
-            <a:off x="1043608" y="2204864"/>
-            <a:ext cx="3456384" cy="1200329"/>
-          </a:xfrm>
-          <a:prstGeom prst="rect">
-            <a:avLst/>
-          </a:prstGeom>
-          <a:noFill/>
-        </p:spPr>
-        <p:txBody>
-          <a:bodyPr wrap="square" rtlCol="0">
-            <a:spAutoFit/>
-          </a:bodyPr>
-          <a:lstStyle/>
-          <a:p>
-            <a:r>
-              <a:rPr lang="pt-BR" dirty="0" smtClean="0"/>
-              <a:t>O PROJETO F1 visa otimizar o tempo que uma pessoa fica parada na fila de um brinquedo  em um Parque de Diversão.</a:t>
-            </a:r>
-            <a:endParaRPr lang="pt-BR" dirty="0"/>
-          </a:p>
-        </p:txBody>
-      </p:sp>
-      <p:pic>
-        <p:nvPicPr>
-          <p:cNvPr id="5" name="Picture 4" descr="fila"/>
-          <p:cNvPicPr>
-            <a:picLocks noChangeAspect="1" noChangeArrowheads="1"/>
-          </p:cNvPicPr>
-          <p:nvPr/>
-        </p:nvPicPr>
-        <p:blipFill>
-          <a:blip r:embed="rId2" cstate="print"/>
-          <a:srcRect/>
-          <a:stretch>
-            <a:fillRect/>
-          </a:stretch>
-        </p:blipFill>
-        <p:spPr>
-          <a:xfrm>
-            <a:off x="5045075" y="1719263"/>
-            <a:ext cx="3244850" cy="4411662"/>
-          </a:xfrm>
-          <a:prstGeom prst="rect">
-            <a:avLst/>
-          </a:prstGeom>
-          <a:noFill/>
-        </p:spPr>
-      </p:pic>
     </p:spTree>
   </p:cSld>
   <p:clrMapOvr>
@@ -9844,9 +9529,6 @@
                     <p:cTn id="3" fill="hold">
                       <p:stCondLst>
                         <p:cond delay="indefinite"/>
-                        <p:cond evt="onBegin" delay="0">
-                          <p:tn val="2"/>
-                        </p:cond>
                       </p:stCondLst>
                       <p:childTnLst>
                         <p:par>
@@ -9856,7 +9538,7 @@
                             </p:stCondLst>
                             <p:childTnLst>
                               <p:par>
-                                <p:cTn id="5" presetID="4" presetClass="entr" presetSubtype="16" fill="hold" nodeType="withEffect">
+                                <p:cTn id="5" presetID="8" presetClass="entr" presetSubtype="16" fill="hold" grpId="0" nodeType="clickEffect">
                                   <p:stCondLst>
                                     <p:cond delay="0"/>
                                   </p:stCondLst>
@@ -9864,6 +9546,59 @@
                                     <p:set>
                                       <p:cBhvr>
                                         <p:cTn id="6" dur="1" fill="hold">
+                                          <p:stCondLst>
+                                            <p:cond delay="0"/>
+                                          </p:stCondLst>
+                                        </p:cTn>
+                                        <p:tgtEl>
+                                          <p:spTgt spid="4"/>
+                                        </p:tgtEl>
+                                        <p:attrNameLst>
+                                          <p:attrName>style.visibility</p:attrName>
+                                        </p:attrNameLst>
+                                      </p:cBhvr>
+                                      <p:to>
+                                        <p:strVal val="visible"/>
+                                      </p:to>
+                                    </p:set>
+                                    <p:animEffect transition="in" filter="diamond(in)">
+                                      <p:cBhvr>
+                                        <p:cTn id="7" dur="500"/>
+                                        <p:tgtEl>
+                                          <p:spTgt spid="4"/>
+                                        </p:tgtEl>
+                                      </p:cBhvr>
+                                    </p:animEffect>
+                                  </p:childTnLst>
+                                </p:cTn>
+                              </p:par>
+                            </p:childTnLst>
+                          </p:cTn>
+                        </p:par>
+                      </p:childTnLst>
+                    </p:cTn>
+                  </p:par>
+                  <p:par>
+                    <p:cTn id="8" fill="hold">
+                      <p:stCondLst>
+                        <p:cond delay="indefinite"/>
+                      </p:stCondLst>
+                      <p:childTnLst>
+                        <p:par>
+                          <p:cTn id="9" fill="hold">
+                            <p:stCondLst>
+                              <p:cond delay="0"/>
+                            </p:stCondLst>
+                            <p:childTnLst>
+                              <p:par>
+                                <p:cTn id="10" presetID="8" presetClass="entr" presetSubtype="16" fill="hold" grpId="0" nodeType="clickEffect">
+                                  <p:stCondLst>
+                                    <p:cond delay="0"/>
+                                  </p:stCondLst>
+                                  <p:childTnLst>
+                                    <p:set>
+                                      <p:cBhvr>
+                                        <p:cTn id="11" dur="1" fill="hold">
                                           <p:stCondLst>
                                             <p:cond delay="0"/>
                                           </p:stCondLst>
@@ -9879,11 +9614,64 @@
                                         <p:strVal val="visible"/>
                                       </p:to>
                                     </p:set>
-                                    <p:animEffect transition="in" filter="box(in)">
+                                    <p:animEffect transition="in" filter="diamond(in)">
                                       <p:cBhvr>
-                                        <p:cTn id="7" dur="500"/>
+                                        <p:cTn id="12" dur="500"/>
                                         <p:tgtEl>
                                           <p:spTgt spid="5"/>
+                                        </p:tgtEl>
+                                      </p:cBhvr>
+                                    </p:animEffect>
+                                  </p:childTnLst>
+                                </p:cTn>
+                              </p:par>
+                            </p:childTnLst>
+                          </p:cTn>
+                        </p:par>
+                      </p:childTnLst>
+                    </p:cTn>
+                  </p:par>
+                  <p:par>
+                    <p:cTn id="13" fill="hold">
+                      <p:stCondLst>
+                        <p:cond delay="indefinite"/>
+                      </p:stCondLst>
+                      <p:childTnLst>
+                        <p:par>
+                          <p:cTn id="14" fill="hold">
+                            <p:stCondLst>
+                              <p:cond delay="0"/>
+                            </p:stCondLst>
+                            <p:childTnLst>
+                              <p:par>
+                                <p:cTn id="15" presetID="8" presetClass="entr" presetSubtype="16" fill="hold" grpId="0" nodeType="clickEffect">
+                                  <p:stCondLst>
+                                    <p:cond delay="0"/>
+                                  </p:stCondLst>
+                                  <p:childTnLst>
+                                    <p:set>
+                                      <p:cBhvr>
+                                        <p:cTn id="16" dur="1" fill="hold">
+                                          <p:stCondLst>
+                                            <p:cond delay="0"/>
+                                          </p:stCondLst>
+                                        </p:cTn>
+                                        <p:tgtEl>
+                                          <p:spTgt spid="3"/>
+                                        </p:tgtEl>
+                                        <p:attrNameLst>
+                                          <p:attrName>style.visibility</p:attrName>
+                                        </p:attrNameLst>
+                                      </p:cBhvr>
+                                      <p:to>
+                                        <p:strVal val="visible"/>
+                                      </p:to>
+                                    </p:set>
+                                    <p:animEffect transition="in" filter="diamond(in)">
+                                      <p:cBhvr>
+                                        <p:cTn id="17" dur="500"/>
+                                        <p:tgtEl>
+                                          <p:spTgt spid="3"/>
                                         </p:tgtEl>
                                       </p:cBhvr>
                                     </p:animEffect>
@@ -9917,11 +9705,16 @@
         </p:cTn>
       </p:par>
     </p:tnLst>
+    <p:bldLst>
+      <p:bldP spid="3" grpId="0"/>
+      <p:bldP spid="4" grpId="0"/>
+      <p:bldP spid="5" grpId="0"/>
+    </p:bldLst>
   </p:timing>
 </p:sld>
 </file>
 
-<file path=ppt/slides/slide3.xml><?xml version="1.0" encoding="utf-8"?>
+<file path=ppt/slides/slide15.xml><?xml version="1.0" encoding="utf-8"?>
 <p:sld xmlns:a="http://schemas.openxmlformats.org/drawingml/2006/main" xmlns:r="http://schemas.openxmlformats.org/officeDocument/2006/relationships" xmlns:p="http://schemas.openxmlformats.org/presentationml/2006/main">
   <p:cSld>
     <p:spTree>
@@ -9940,29 +9733,6 @@
       </p:grpSpPr>
       <p:sp>
         <p:nvSpPr>
-          <p:cNvPr id="8" name="Título 7"/>
-          <p:cNvSpPr>
-            <a:spLocks noGrp="1"/>
-          </p:cNvSpPr>
-          <p:nvPr>
-            <p:ph type="title"/>
-          </p:nvPr>
-        </p:nvSpPr>
-        <p:spPr/>
-        <p:txBody>
-          <a:bodyPr/>
-          <a:lstStyle/>
-          <a:p>
-            <a:r>
-              <a:rPr lang="pt-BR" dirty="0" smtClean="0"/>
-              <a:t>Como surgiu?</a:t>
-            </a:r>
-            <a:endParaRPr lang="pt-BR" dirty="0"/>
-          </a:p>
-        </p:txBody>
-      </p:sp>
-      <p:sp>
-        <p:nvSpPr>
           <p:cNvPr id="9" name="CaixaDeTexto 8"/>
           <p:cNvSpPr txBox="1"/>
           <p:nvPr/>
@@ -9999,8 +9769,8 @@
         </p:nvSpPr>
         <p:spPr>
           <a:xfrm>
-            <a:off x="539552" y="1772816"/>
-            <a:ext cx="3456384" cy="2862322"/>
+            <a:off x="539552" y="3131676"/>
+            <a:ext cx="7992888" cy="523220"/>
           </a:xfrm>
           <a:prstGeom prst="rect">
             <a:avLst/>
@@ -10013,46 +9783,266 @@
           </a:bodyPr>
           <a:lstStyle/>
           <a:p>
+            <a:pPr algn="ctr"/>
+            <a:r>
+              <a:rPr lang="pt-BR" sz="2800" b="1" dirty="0" smtClean="0"/>
+              <a:t>Dúvidas ?</a:t>
+            </a:r>
+          </a:p>
+        </p:txBody>
+      </p:sp>
+    </p:spTree>
+  </p:cSld>
+  <p:clrMapOvr>
+    <a:masterClrMapping/>
+  </p:clrMapOvr>
+  <p:timing>
+    <p:tnLst>
+      <p:par>
+        <p:cTn id="1" dur="indefinite" restart="never" nodeType="tmRoot"/>
+      </p:par>
+    </p:tnLst>
+  </p:timing>
+</p:sld>
+</file>
+
+<file path=ppt/slides/slide16.xml><?xml version="1.0" encoding="utf-8"?>
+<p:sld xmlns:a="http://schemas.openxmlformats.org/drawingml/2006/main" xmlns:r="http://schemas.openxmlformats.org/officeDocument/2006/relationships" xmlns:p="http://schemas.openxmlformats.org/presentationml/2006/main">
+  <p:cSld>
+    <p:spTree>
+      <p:nvGrpSpPr>
+        <p:cNvPr id="1" name=""/>
+        <p:cNvGrpSpPr/>
+        <p:nvPr/>
+      </p:nvGrpSpPr>
+      <p:grpSpPr>
+        <a:xfrm>
+          <a:off x="0" y="0"/>
+          <a:ext cx="0" cy="0"/>
+          <a:chOff x="0" y="0"/>
+          <a:chExt cx="0" cy="0"/>
+        </a:xfrm>
+      </p:grpSpPr>
+      <p:sp>
+        <p:nvSpPr>
+          <p:cNvPr id="2" name="Título 1"/>
+          <p:cNvSpPr>
+            <a:spLocks noGrp="1"/>
+          </p:cNvSpPr>
+          <p:nvPr>
+            <p:ph type="title"/>
+          </p:nvPr>
+        </p:nvSpPr>
+        <p:spPr/>
+        <p:txBody>
+          <a:bodyPr/>
+          <a:lstStyle/>
+          <a:p>
             <a:r>
               <a:rPr lang="pt-BR" dirty="0" smtClean="0"/>
-              <a:t>Parado em uma fila de um brinquedo em um parque.</a:t>
-            </a:r>
-          </a:p>
-          <a:p>
+              <a:t>Fim</a:t>
+            </a:r>
+            <a:endParaRPr lang="pt-BR" dirty="0"/>
+          </a:p>
+        </p:txBody>
+      </p:sp>
+      <p:sp>
+        <p:nvSpPr>
+          <p:cNvPr id="3" name="CaixaDeTexto 2"/>
+          <p:cNvSpPr txBox="1"/>
+          <p:nvPr/>
+        </p:nvSpPr>
+        <p:spPr>
+          <a:xfrm>
+            <a:off x="2786050" y="2285992"/>
+            <a:ext cx="3240360" cy="523220"/>
+          </a:xfrm>
+          <a:prstGeom prst="rect">
+            <a:avLst/>
+          </a:prstGeom>
+          <a:noFill/>
+        </p:spPr>
+        <p:txBody>
+          <a:bodyPr wrap="square" rtlCol="0">
+            <a:spAutoFit/>
+          </a:bodyPr>
+          <a:lstStyle/>
+          <a:p>
+            <a:r>
+              <a:rPr lang="pt-BR" sz="2800" dirty="0" smtClean="0"/>
+              <a:t>Muito Obrigado!</a:t>
+            </a:r>
+            <a:endParaRPr lang="pt-BR" sz="2800" dirty="0"/>
+          </a:p>
+        </p:txBody>
+      </p:sp>
+      <p:sp>
+        <p:nvSpPr>
+          <p:cNvPr id="7" name="CaixaDeTexto 6"/>
+          <p:cNvSpPr txBox="1"/>
+          <p:nvPr/>
+        </p:nvSpPr>
+        <p:spPr>
+          <a:xfrm>
+            <a:off x="1214414" y="4929198"/>
+            <a:ext cx="6929486" cy="646331"/>
+          </a:xfrm>
+          <a:prstGeom prst="rect">
+            <a:avLst/>
+          </a:prstGeom>
+          <a:noFill/>
+        </p:spPr>
+        <p:txBody>
+          <a:bodyPr wrap="square" rtlCol="0">
+            <a:spAutoFit/>
+          </a:bodyPr>
+          <a:lstStyle/>
+          <a:p>
+            <a:r>
+              <a:rPr lang="pt-BR" i="1" dirty="0" smtClean="0"/>
+              <a:t>“Felicidade é a certeza de que a vida não está passando </a:t>
+            </a:r>
+            <a:br>
+              <a:rPr lang="pt-BR" i="1" dirty="0" smtClean="0"/>
+            </a:br>
+            <a:r>
+              <a:rPr lang="pt-BR" i="1" dirty="0" smtClean="0"/>
+              <a:t>inutilmente</a:t>
+            </a:r>
+            <a:r>
+              <a:rPr lang="pt-BR" i="1" dirty="0" smtClean="0"/>
+              <a:t>.” </a:t>
+            </a:r>
             <a:r>
               <a:rPr lang="pt-BR" dirty="0" smtClean="0"/>
-              <a:t>	</a:t>
-            </a:r>
-          </a:p>
-          <a:p>
+              <a:t>Erico </a:t>
+            </a:r>
             <a:r>
               <a:rPr lang="pt-BR" dirty="0" smtClean="0"/>
-              <a:t>É muito desgastante ficar parado em uma fila.</a:t>
-            </a:r>
-          </a:p>
-          <a:p>
+              <a:t>Veríssimo</a:t>
+            </a:r>
             <a:endParaRPr lang="pt-BR" dirty="0"/>
           </a:p>
+        </p:txBody>
+      </p:sp>
+    </p:spTree>
+  </p:cSld>
+  <p:clrMapOvr>
+    <a:masterClrMapping/>
+  </p:clrMapOvr>
+  <p:timing>
+    <p:tnLst>
+      <p:par>
+        <p:cTn id="1" dur="indefinite" restart="never" nodeType="tmRoot"/>
+      </p:par>
+    </p:tnLst>
+  </p:timing>
+</p:sld>
+</file>
+
+<file path=ppt/slides/slide2.xml><?xml version="1.0" encoding="utf-8"?>
+<p:sld xmlns:a="http://schemas.openxmlformats.org/drawingml/2006/main" xmlns:r="http://schemas.openxmlformats.org/officeDocument/2006/relationships" xmlns:p="http://schemas.openxmlformats.org/presentationml/2006/main">
+  <p:cSld>
+    <p:spTree>
+      <p:nvGrpSpPr>
+        <p:cNvPr id="1" name=""/>
+        <p:cNvGrpSpPr/>
+        <p:nvPr/>
+      </p:nvGrpSpPr>
+      <p:grpSpPr>
+        <a:xfrm>
+          <a:off x="0" y="0"/>
+          <a:ext cx="0" cy="0"/>
+          <a:chOff x="0" y="0"/>
+          <a:chExt cx="0" cy="0"/>
+        </a:xfrm>
+      </p:grpSpPr>
+      <p:sp>
+        <p:nvSpPr>
+          <p:cNvPr id="8" name="Título 7"/>
+          <p:cNvSpPr>
+            <a:spLocks noGrp="1"/>
+          </p:cNvSpPr>
+          <p:nvPr>
+            <p:ph type="title"/>
+          </p:nvPr>
+        </p:nvSpPr>
+        <p:spPr/>
+        <p:txBody>
+          <a:bodyPr/>
+          <a:lstStyle/>
           <a:p>
             <a:r>
               <a:rPr lang="pt-BR" dirty="0" smtClean="0"/>
-              <a:t>Quantas atividades poderíamos ter feito durante este tempo todo?</a:t>
-            </a:r>
-          </a:p>
-          <a:p>
-            <a:endParaRPr lang="pt-BR" dirty="0" smtClean="0"/>
-          </a:p>
+              <a:t>O Projeto F1</a:t>
+            </a:r>
+            <a:endParaRPr lang="pt-BR" dirty="0"/>
+          </a:p>
+        </p:txBody>
+      </p:sp>
+      <p:sp>
+        <p:nvSpPr>
+          <p:cNvPr id="9" name="CaixaDeTexto 8"/>
+          <p:cNvSpPr txBox="1"/>
+          <p:nvPr/>
+        </p:nvSpPr>
+        <p:spPr>
+          <a:xfrm>
+            <a:off x="611560" y="2132856"/>
+            <a:ext cx="237566" cy="369332"/>
+          </a:xfrm>
+          <a:prstGeom prst="rect">
+            <a:avLst/>
+          </a:prstGeom>
+          <a:noFill/>
+        </p:spPr>
+        <p:txBody>
+          <a:bodyPr wrap="none" rtlCol="0">
+            <a:spAutoFit/>
+          </a:bodyPr>
+          <a:lstStyle/>
           <a:p>
             <a:r>
               <a:rPr lang="pt-BR" dirty="0" smtClean="0"/>
-              <a:t>Quanto vale o seu tempo?</a:t>
-            </a:r>
+              <a:t> </a:t>
+            </a:r>
+            <a:endParaRPr lang="pt-BR" dirty="0"/>
+          </a:p>
+        </p:txBody>
+      </p:sp>
+      <p:sp>
+        <p:nvSpPr>
+          <p:cNvPr id="10" name="CaixaDeTexto 9"/>
+          <p:cNvSpPr txBox="1"/>
+          <p:nvPr/>
+        </p:nvSpPr>
+        <p:spPr>
+          <a:xfrm>
+            <a:off x="1043608" y="2204864"/>
+            <a:ext cx="3456384" cy="1200329"/>
+          </a:xfrm>
+          <a:prstGeom prst="rect">
+            <a:avLst/>
+          </a:prstGeom>
+          <a:noFill/>
+        </p:spPr>
+        <p:txBody>
+          <a:bodyPr wrap="square" rtlCol="0">
+            <a:spAutoFit/>
+          </a:bodyPr>
+          <a:lstStyle/>
+          <a:p>
+            <a:r>
+              <a:rPr lang="pt-BR" dirty="0" smtClean="0"/>
+              <a:t>O PROJETO F1 visa otimizar o tempo que uma pessoa fica parada na fila de um brinquedo  em um Parque de Diversão.</a:t>
+            </a:r>
+            <a:endParaRPr lang="pt-BR" dirty="0"/>
           </a:p>
         </p:txBody>
       </p:sp>
       <p:pic>
         <p:nvPicPr>
-          <p:cNvPr id="5" name="Picture 4" descr="fila_hopi_hari"/>
+          <p:cNvPr id="5" name="Picture 4" descr="fila"/>
           <p:cNvPicPr>
             <a:picLocks noChangeAspect="1" noChangeArrowheads="1"/>
           </p:cNvPicPr>
@@ -10067,8 +10057,8 @@
         </p:blipFill>
         <p:spPr>
           <a:xfrm>
-            <a:off x="4283308" y="1772817"/>
-            <a:ext cx="4320000" cy="3240360"/>
+            <a:off x="5045075" y="1719263"/>
+            <a:ext cx="3244850" cy="4411662"/>
           </a:xfrm>
           <a:prstGeom prst="rect">
             <a:avLst/>
@@ -10076,97 +10066,6 @@
           <a:noFill/>
         </p:spPr>
       </p:pic>
-      <p:sp>
-        <p:nvSpPr>
-          <p:cNvPr id="6" name="Rectangle 8"/>
-          <p:cNvSpPr>
-            <a:spLocks noChangeArrowheads="1"/>
-          </p:cNvSpPr>
-          <p:nvPr/>
-        </p:nvSpPr>
-        <p:spPr bwMode="auto">
-          <a:xfrm>
-            <a:off x="755576" y="5229200"/>
-            <a:ext cx="2553904" cy="1015663"/>
-          </a:xfrm>
-          <a:prstGeom prst="rect">
-            <a:avLst/>
-          </a:prstGeom>
-          <a:noFill/>
-          <a:ln w="9525">
-            <a:noFill/>
-            <a:miter lim="800000"/>
-            <a:headEnd/>
-            <a:tailEnd/>
-          </a:ln>
-        </p:spPr>
-        <p:txBody>
-          <a:bodyPr wrap="none">
-            <a:spAutoFit/>
-          </a:bodyPr>
-          <a:lstStyle/>
-          <a:p>
-            <a:r>
-              <a:rPr lang="pt-BR" sz="2000" b="1" dirty="0"/>
-              <a:t>Acreditem, essa é </a:t>
-            </a:r>
-          </a:p>
-          <a:p>
-            <a:r>
-              <a:rPr lang="pt-BR" sz="2000" b="1" dirty="0"/>
-              <a:t>uma  fila do </a:t>
-            </a:r>
-          </a:p>
-          <a:p>
-            <a:r>
-              <a:rPr lang="pt-BR" sz="2000" b="1" dirty="0" err="1" smtClean="0"/>
-              <a:t>Hopi</a:t>
-            </a:r>
-            <a:r>
-              <a:rPr lang="pt-BR" sz="2000" b="1" dirty="0" smtClean="0"/>
-              <a:t> </a:t>
-            </a:r>
-            <a:r>
-              <a:rPr lang="pt-BR" sz="2000" b="1" dirty="0" err="1"/>
-              <a:t>Hari</a:t>
-            </a:r>
-            <a:endParaRPr lang="en-US" sz="2000" b="1" dirty="0"/>
-          </a:p>
-        </p:txBody>
-      </p:sp>
-      <p:cxnSp>
-        <p:nvCxnSpPr>
-          <p:cNvPr id="11" name="Conector de seta reta 10"/>
-          <p:cNvCxnSpPr/>
-          <p:nvPr/>
-        </p:nvCxnSpPr>
-        <p:spPr>
-          <a:xfrm flipV="1">
-            <a:off x="3275856" y="5013177"/>
-            <a:ext cx="864096" cy="648071"/>
-          </a:xfrm>
-          <a:prstGeom prst="straightConnector1">
-            <a:avLst/>
-          </a:prstGeom>
-          <a:ln>
-            <a:tailEnd type="arrow"/>
-          </a:ln>
-        </p:spPr>
-        <p:style>
-          <a:lnRef idx="1">
-            <a:schemeClr val="dk1"/>
-          </a:lnRef>
-          <a:fillRef idx="0">
-            <a:schemeClr val="dk1"/>
-          </a:fillRef>
-          <a:effectRef idx="0">
-            <a:schemeClr val="dk1"/>
-          </a:effectRef>
-          <a:fontRef idx="minor">
-            <a:schemeClr val="tx1"/>
-          </a:fontRef>
-        </p:style>
-      </p:cxnSp>
     </p:spTree>
   </p:cSld>
   <p:clrMapOvr>
@@ -10184,6 +10083,9 @@
                     <p:cTn id="3" fill="hold">
                       <p:stCondLst>
                         <p:cond delay="indefinite"/>
+                        <p:cond evt="onBegin" delay="0">
+                          <p:tn val="2"/>
+                        </p:cond>
                       </p:stCondLst>
                       <p:childTnLst>
                         <p:par>
@@ -10193,7 +10095,7 @@
                             </p:stCondLst>
                             <p:childTnLst>
                               <p:par>
-                                <p:cTn id="5" presetID="4" presetClass="entr" presetSubtype="16" fill="hold" nodeType="clickEffect">
+                                <p:cTn id="5" presetID="4" presetClass="entr" presetSubtype="16" fill="hold" nodeType="afterEffect">
                                   <p:stCondLst>
                                     <p:cond delay="0"/>
                                   </p:stCondLst>
@@ -10246,7 +10148,7 @@
                             </p:stCondLst>
                             <p:childTnLst>
                               <p:par>
-                                <p:cTn id="10" presetID="5" presetClass="entr" presetSubtype="10" fill="hold" grpId="0" nodeType="clickEffect">
+                                <p:cTn id="10" presetID="3" presetClass="entr" presetSubtype="10" fill="hold" grpId="0" nodeType="clickEffect">
                                   <p:stCondLst>
                                     <p:cond delay="0"/>
                                   </p:stCondLst>
@@ -10254,6 +10156,581 @@
                                     <p:set>
                                       <p:cBhvr>
                                         <p:cTn id="11" dur="1" fill="hold">
+                                          <p:stCondLst>
+                                            <p:cond delay="0"/>
+                                          </p:stCondLst>
+                                        </p:cTn>
+                                        <p:tgtEl>
+                                          <p:spTgt spid="10"/>
+                                        </p:tgtEl>
+                                        <p:attrNameLst>
+                                          <p:attrName>style.visibility</p:attrName>
+                                        </p:attrNameLst>
+                                      </p:cBhvr>
+                                      <p:to>
+                                        <p:strVal val="visible"/>
+                                      </p:to>
+                                    </p:set>
+                                    <p:animEffect transition="in" filter="blinds(horizontal)">
+                                      <p:cBhvr>
+                                        <p:cTn id="12" dur="500"/>
+                                        <p:tgtEl>
+                                          <p:spTgt spid="10"/>
+                                        </p:tgtEl>
+                                      </p:cBhvr>
+                                    </p:animEffect>
+                                  </p:childTnLst>
+                                </p:cTn>
+                              </p:par>
+                            </p:childTnLst>
+                          </p:cTn>
+                        </p:par>
+                      </p:childTnLst>
+                    </p:cTn>
+                  </p:par>
+                </p:childTnLst>
+              </p:cTn>
+              <p:prevCondLst>
+                <p:cond evt="onPrev" delay="0">
+                  <p:tgtEl>
+                    <p:sldTgt/>
+                  </p:tgtEl>
+                </p:cond>
+              </p:prevCondLst>
+              <p:nextCondLst>
+                <p:cond evt="onNext" delay="0">
+                  <p:tgtEl>
+                    <p:sldTgt/>
+                  </p:tgtEl>
+                </p:cond>
+              </p:nextCondLst>
+            </p:seq>
+          </p:childTnLst>
+        </p:cTn>
+      </p:par>
+    </p:tnLst>
+    <p:bldLst>
+      <p:bldP spid="10" grpId="0"/>
+    </p:bldLst>
+  </p:timing>
+</p:sld>
+</file>
+
+<file path=ppt/slides/slide3.xml><?xml version="1.0" encoding="utf-8"?>
+<p:sld xmlns:a="http://schemas.openxmlformats.org/drawingml/2006/main" xmlns:r="http://schemas.openxmlformats.org/officeDocument/2006/relationships" xmlns:p="http://schemas.openxmlformats.org/presentationml/2006/main">
+  <p:cSld>
+    <p:spTree>
+      <p:nvGrpSpPr>
+        <p:cNvPr id="1" name=""/>
+        <p:cNvGrpSpPr/>
+        <p:nvPr/>
+      </p:nvGrpSpPr>
+      <p:grpSpPr>
+        <a:xfrm>
+          <a:off x="0" y="0"/>
+          <a:ext cx="0" cy="0"/>
+          <a:chOff x="0" y="0"/>
+          <a:chExt cx="0" cy="0"/>
+        </a:xfrm>
+      </p:grpSpPr>
+      <p:sp>
+        <p:nvSpPr>
+          <p:cNvPr id="8" name="Título 7"/>
+          <p:cNvSpPr>
+            <a:spLocks noGrp="1"/>
+          </p:cNvSpPr>
+          <p:nvPr>
+            <p:ph type="title"/>
+          </p:nvPr>
+        </p:nvSpPr>
+        <p:spPr/>
+        <p:txBody>
+          <a:bodyPr/>
+          <a:lstStyle/>
+          <a:p>
+            <a:r>
+              <a:rPr lang="pt-BR" dirty="0" smtClean="0"/>
+              <a:t>Como surgiu?</a:t>
+            </a:r>
+            <a:endParaRPr lang="pt-BR" dirty="0"/>
+          </a:p>
+        </p:txBody>
+      </p:sp>
+      <p:sp>
+        <p:nvSpPr>
+          <p:cNvPr id="9" name="CaixaDeTexto 8"/>
+          <p:cNvSpPr txBox="1"/>
+          <p:nvPr/>
+        </p:nvSpPr>
+        <p:spPr>
+          <a:xfrm>
+            <a:off x="611560" y="2132856"/>
+            <a:ext cx="237566" cy="369332"/>
+          </a:xfrm>
+          <a:prstGeom prst="rect">
+            <a:avLst/>
+          </a:prstGeom>
+          <a:noFill/>
+        </p:spPr>
+        <p:txBody>
+          <a:bodyPr wrap="none" rtlCol="0">
+            <a:spAutoFit/>
+          </a:bodyPr>
+          <a:lstStyle/>
+          <a:p>
+            <a:r>
+              <a:rPr lang="pt-BR" dirty="0" smtClean="0"/>
+              <a:t> </a:t>
+            </a:r>
+            <a:endParaRPr lang="pt-BR" dirty="0"/>
+          </a:p>
+        </p:txBody>
+      </p:sp>
+      <p:sp>
+        <p:nvSpPr>
+          <p:cNvPr id="10" name="CaixaDeTexto 9"/>
+          <p:cNvSpPr txBox="1"/>
+          <p:nvPr/>
+        </p:nvSpPr>
+        <p:spPr>
+          <a:xfrm>
+            <a:off x="428596" y="4345552"/>
+            <a:ext cx="3456384" cy="369332"/>
+          </a:xfrm>
+          <a:prstGeom prst="rect">
+            <a:avLst/>
+          </a:prstGeom>
+          <a:noFill/>
+        </p:spPr>
+        <p:txBody>
+          <a:bodyPr wrap="square" rtlCol="0">
+            <a:spAutoFit/>
+          </a:bodyPr>
+          <a:lstStyle/>
+          <a:p>
+            <a:r>
+              <a:rPr lang="pt-BR" dirty="0" smtClean="0"/>
+              <a:t>Quanto </a:t>
+            </a:r>
+            <a:r>
+              <a:rPr lang="pt-BR" dirty="0" smtClean="0"/>
+              <a:t>vale o seu tempo?</a:t>
+            </a:r>
+          </a:p>
+        </p:txBody>
+      </p:sp>
+      <p:pic>
+        <p:nvPicPr>
+          <p:cNvPr id="5" name="Picture 4" descr="fila_hopi_hari"/>
+          <p:cNvPicPr>
+            <a:picLocks noChangeAspect="1" noChangeArrowheads="1"/>
+          </p:cNvPicPr>
+          <p:nvPr/>
+        </p:nvPicPr>
+        <p:blipFill>
+          <a:blip r:embed="rId2" cstate="print"/>
+          <a:srcRect/>
+          <a:stretch>
+            <a:fillRect/>
+          </a:stretch>
+        </p:blipFill>
+        <p:spPr>
+          <a:xfrm>
+            <a:off x="4283308" y="1772817"/>
+            <a:ext cx="4320000" cy="3240360"/>
+          </a:xfrm>
+          <a:prstGeom prst="rect">
+            <a:avLst/>
+          </a:prstGeom>
+          <a:noFill/>
+        </p:spPr>
+      </p:pic>
+      <p:sp>
+        <p:nvSpPr>
+          <p:cNvPr id="6" name="Rectangle 8"/>
+          <p:cNvSpPr>
+            <a:spLocks noChangeArrowheads="1"/>
+          </p:cNvSpPr>
+          <p:nvPr/>
+        </p:nvSpPr>
+        <p:spPr bwMode="auto">
+          <a:xfrm>
+            <a:off x="571472" y="5143512"/>
+            <a:ext cx="2553904" cy="1015663"/>
+          </a:xfrm>
+          <a:prstGeom prst="rect">
+            <a:avLst/>
+          </a:prstGeom>
+          <a:noFill/>
+          <a:ln w="9525">
+            <a:noFill/>
+            <a:miter lim="800000"/>
+            <a:headEnd/>
+            <a:tailEnd/>
+          </a:ln>
+        </p:spPr>
+        <p:txBody>
+          <a:bodyPr wrap="none">
+            <a:spAutoFit/>
+          </a:bodyPr>
+          <a:lstStyle/>
+          <a:p>
+            <a:r>
+              <a:rPr lang="pt-BR" sz="2000" b="1" dirty="0"/>
+              <a:t>Acreditem, essa é </a:t>
+            </a:r>
+          </a:p>
+          <a:p>
+            <a:r>
+              <a:rPr lang="pt-BR" sz="2000" b="1" dirty="0"/>
+              <a:t>uma  fila do </a:t>
+            </a:r>
+          </a:p>
+          <a:p>
+            <a:r>
+              <a:rPr lang="pt-BR" sz="2000" b="1" dirty="0" err="1" smtClean="0"/>
+              <a:t>Hopi</a:t>
+            </a:r>
+            <a:r>
+              <a:rPr lang="pt-BR" sz="2000" b="1" dirty="0" smtClean="0"/>
+              <a:t> </a:t>
+            </a:r>
+            <a:r>
+              <a:rPr lang="pt-BR" sz="2000" b="1" dirty="0" err="1"/>
+              <a:t>Hari</a:t>
+            </a:r>
+            <a:endParaRPr lang="en-US" sz="2000" b="1" dirty="0"/>
+          </a:p>
+        </p:txBody>
+      </p:sp>
+      <p:cxnSp>
+        <p:nvCxnSpPr>
+          <p:cNvPr id="11" name="Conector de seta reta 10"/>
+          <p:cNvCxnSpPr/>
+          <p:nvPr/>
+        </p:nvCxnSpPr>
+        <p:spPr>
+          <a:xfrm flipV="1">
+            <a:off x="3286116" y="4929198"/>
+            <a:ext cx="864096" cy="648071"/>
+          </a:xfrm>
+          <a:prstGeom prst="straightConnector1">
+            <a:avLst/>
+          </a:prstGeom>
+          <a:ln>
+            <a:tailEnd type="arrow"/>
+          </a:ln>
+        </p:spPr>
+        <p:style>
+          <a:lnRef idx="1">
+            <a:schemeClr val="dk1"/>
+          </a:lnRef>
+          <a:fillRef idx="0">
+            <a:schemeClr val="dk1"/>
+          </a:fillRef>
+          <a:effectRef idx="0">
+            <a:schemeClr val="dk1"/>
+          </a:effectRef>
+          <a:fontRef idx="minor">
+            <a:schemeClr val="tx1"/>
+          </a:fontRef>
+        </p:style>
+      </p:cxnSp>
+      <p:sp>
+        <p:nvSpPr>
+          <p:cNvPr id="12" name="CaixaDeTexto 11"/>
+          <p:cNvSpPr txBox="1"/>
+          <p:nvPr/>
+        </p:nvSpPr>
+        <p:spPr>
+          <a:xfrm>
+            <a:off x="428596" y="1643050"/>
+            <a:ext cx="3429024" cy="646331"/>
+          </a:xfrm>
+          <a:prstGeom prst="rect">
+            <a:avLst/>
+          </a:prstGeom>
+          <a:noFill/>
+        </p:spPr>
+        <p:txBody>
+          <a:bodyPr wrap="square" rtlCol="0">
+            <a:spAutoFit/>
+          </a:bodyPr>
+          <a:lstStyle/>
+          <a:p>
+            <a:r>
+              <a:rPr lang="pt-BR" dirty="0" smtClean="0"/>
+              <a:t>Parado em uma fila de um brinquedo em um parque.</a:t>
+            </a:r>
+            <a:endParaRPr lang="pt-BR" dirty="0" smtClean="0"/>
+          </a:p>
+        </p:txBody>
+      </p:sp>
+      <p:sp>
+        <p:nvSpPr>
+          <p:cNvPr id="13" name="CaixaDeTexto 12"/>
+          <p:cNvSpPr txBox="1"/>
+          <p:nvPr/>
+        </p:nvSpPr>
+        <p:spPr>
+          <a:xfrm>
+            <a:off x="428596" y="2428868"/>
+            <a:ext cx="3429024" cy="646331"/>
+          </a:xfrm>
+          <a:prstGeom prst="rect">
+            <a:avLst/>
+          </a:prstGeom>
+          <a:noFill/>
+        </p:spPr>
+        <p:txBody>
+          <a:bodyPr wrap="square" rtlCol="0">
+            <a:spAutoFit/>
+          </a:bodyPr>
+          <a:lstStyle/>
+          <a:p>
+            <a:r>
+              <a:rPr lang="pt-BR" dirty="0" smtClean="0"/>
+              <a:t>É muito desgastante ficar parado em uma fila.</a:t>
+            </a:r>
+            <a:endParaRPr lang="pt-BR" dirty="0" smtClean="0"/>
+          </a:p>
+        </p:txBody>
+      </p:sp>
+      <p:sp>
+        <p:nvSpPr>
+          <p:cNvPr id="14" name="CaixaDeTexto 13"/>
+          <p:cNvSpPr txBox="1"/>
+          <p:nvPr/>
+        </p:nvSpPr>
+        <p:spPr>
+          <a:xfrm>
+            <a:off x="428596" y="3214686"/>
+            <a:ext cx="3357586" cy="923330"/>
+          </a:xfrm>
+          <a:prstGeom prst="rect">
+            <a:avLst/>
+          </a:prstGeom>
+          <a:noFill/>
+        </p:spPr>
+        <p:txBody>
+          <a:bodyPr wrap="square" rtlCol="0">
+            <a:spAutoFit/>
+          </a:bodyPr>
+          <a:lstStyle/>
+          <a:p>
+            <a:r>
+              <a:rPr lang="pt-BR" dirty="0" smtClean="0"/>
+              <a:t>Quantas atividades poderíamos ter feito durante este tempo todo</a:t>
+            </a:r>
+            <a:r>
+              <a:rPr lang="pt-BR" dirty="0" smtClean="0"/>
+              <a:t>?</a:t>
+            </a:r>
+            <a:endParaRPr lang="pt-BR" dirty="0" smtClean="0"/>
+          </a:p>
+        </p:txBody>
+      </p:sp>
+    </p:spTree>
+  </p:cSld>
+  <p:clrMapOvr>
+    <a:masterClrMapping/>
+  </p:clrMapOvr>
+  <p:timing>
+    <p:tnLst>
+      <p:par>
+        <p:cTn id="1" dur="indefinite" restart="never" nodeType="tmRoot">
+          <p:childTnLst>
+            <p:seq concurrent="1" nextAc="seek">
+              <p:cTn id="2" dur="indefinite" nodeType="mainSeq">
+                <p:childTnLst>
+                  <p:par>
+                    <p:cTn id="3" fill="hold">
+                      <p:stCondLst>
+                        <p:cond delay="indefinite"/>
+                      </p:stCondLst>
+                      <p:childTnLst>
+                        <p:par>
+                          <p:cTn id="4" fill="hold">
+                            <p:stCondLst>
+                              <p:cond delay="0"/>
+                            </p:stCondLst>
+                            <p:childTnLst>
+                              <p:par>
+                                <p:cTn id="5" presetID="3" presetClass="entr" presetSubtype="10" fill="hold" grpId="0" nodeType="clickEffect">
+                                  <p:stCondLst>
+                                    <p:cond delay="0"/>
+                                  </p:stCondLst>
+                                  <p:childTnLst>
+                                    <p:set>
+                                      <p:cBhvr>
+                                        <p:cTn id="6" dur="1" fill="hold">
+                                          <p:stCondLst>
+                                            <p:cond delay="0"/>
+                                          </p:stCondLst>
+                                        </p:cTn>
+                                        <p:tgtEl>
+                                          <p:spTgt spid="12"/>
+                                        </p:tgtEl>
+                                        <p:attrNameLst>
+                                          <p:attrName>style.visibility</p:attrName>
+                                        </p:attrNameLst>
+                                      </p:cBhvr>
+                                      <p:to>
+                                        <p:strVal val="visible"/>
+                                      </p:to>
+                                    </p:set>
+                                    <p:animEffect transition="in" filter="blinds(horizontal)">
+                                      <p:cBhvr>
+                                        <p:cTn id="7" dur="500"/>
+                                        <p:tgtEl>
+                                          <p:spTgt spid="12"/>
+                                        </p:tgtEl>
+                                      </p:cBhvr>
+                                    </p:animEffect>
+                                  </p:childTnLst>
+                                </p:cTn>
+                              </p:par>
+                            </p:childTnLst>
+                          </p:cTn>
+                        </p:par>
+                      </p:childTnLst>
+                    </p:cTn>
+                  </p:par>
+                  <p:par>
+                    <p:cTn id="8" fill="hold">
+                      <p:stCondLst>
+                        <p:cond delay="indefinite"/>
+                      </p:stCondLst>
+                      <p:childTnLst>
+                        <p:par>
+                          <p:cTn id="9" fill="hold">
+                            <p:stCondLst>
+                              <p:cond delay="0"/>
+                            </p:stCondLst>
+                            <p:childTnLst>
+                              <p:par>
+                                <p:cTn id="10" presetID="8" presetClass="entr" presetSubtype="16" fill="hold" grpId="0" nodeType="clickEffect">
+                                  <p:stCondLst>
+                                    <p:cond delay="0"/>
+                                  </p:stCondLst>
+                                  <p:childTnLst>
+                                    <p:set>
+                                      <p:cBhvr>
+                                        <p:cTn id="11" dur="1" fill="hold">
+                                          <p:stCondLst>
+                                            <p:cond delay="0"/>
+                                          </p:stCondLst>
+                                        </p:cTn>
+                                        <p:tgtEl>
+                                          <p:spTgt spid="13"/>
+                                        </p:tgtEl>
+                                        <p:attrNameLst>
+                                          <p:attrName>style.visibility</p:attrName>
+                                        </p:attrNameLst>
+                                      </p:cBhvr>
+                                      <p:to>
+                                        <p:strVal val="visible"/>
+                                      </p:to>
+                                    </p:set>
+                                    <p:animEffect transition="in" filter="diamond(in)">
+                                      <p:cBhvr>
+                                        <p:cTn id="12" dur="500"/>
+                                        <p:tgtEl>
+                                          <p:spTgt spid="13"/>
+                                        </p:tgtEl>
+                                      </p:cBhvr>
+                                    </p:animEffect>
+                                  </p:childTnLst>
+                                </p:cTn>
+                              </p:par>
+                              <p:par>
+                                <p:cTn id="13" presetID="4" presetClass="entr" presetSubtype="16" fill="hold" nodeType="withEffect">
+                                  <p:stCondLst>
+                                    <p:cond delay="0"/>
+                                  </p:stCondLst>
+                                  <p:childTnLst>
+                                    <p:set>
+                                      <p:cBhvr>
+                                        <p:cTn id="14" dur="1" fill="hold">
+                                          <p:stCondLst>
+                                            <p:cond delay="0"/>
+                                          </p:stCondLst>
+                                        </p:cTn>
+                                        <p:tgtEl>
+                                          <p:spTgt spid="5"/>
+                                        </p:tgtEl>
+                                        <p:attrNameLst>
+                                          <p:attrName>style.visibility</p:attrName>
+                                        </p:attrNameLst>
+                                      </p:cBhvr>
+                                      <p:to>
+                                        <p:strVal val="visible"/>
+                                      </p:to>
+                                    </p:set>
+                                    <p:animEffect transition="in" filter="box(in)">
+                                      <p:cBhvr>
+                                        <p:cTn id="15" dur="500"/>
+                                        <p:tgtEl>
+                                          <p:spTgt spid="5"/>
+                                        </p:tgtEl>
+                                      </p:cBhvr>
+                                    </p:animEffect>
+                                  </p:childTnLst>
+                                </p:cTn>
+                              </p:par>
+                              <p:par>
+                                <p:cTn id="16" presetID="5" presetClass="entr" presetSubtype="10" fill="hold" nodeType="withEffect">
+                                  <p:stCondLst>
+                                    <p:cond delay="0"/>
+                                  </p:stCondLst>
+                                  <p:childTnLst>
+                                    <p:set>
+                                      <p:cBhvr>
+                                        <p:cTn id="17" dur="1" fill="hold">
+                                          <p:stCondLst>
+                                            <p:cond delay="0"/>
+                                          </p:stCondLst>
+                                        </p:cTn>
+                                        <p:tgtEl>
+                                          <p:spTgt spid="11"/>
+                                        </p:tgtEl>
+                                        <p:attrNameLst>
+                                          <p:attrName>style.visibility</p:attrName>
+                                        </p:attrNameLst>
+                                      </p:cBhvr>
+                                      <p:to>
+                                        <p:strVal val="visible"/>
+                                      </p:to>
+                                    </p:set>
+                                    <p:animEffect transition="in" filter="checkerboard(across)">
+                                      <p:cBhvr>
+                                        <p:cTn id="18" dur="500"/>
+                                        <p:tgtEl>
+                                          <p:spTgt spid="11"/>
+                                        </p:tgtEl>
+                                      </p:cBhvr>
+                                    </p:animEffect>
+                                  </p:childTnLst>
+                                </p:cTn>
+                              </p:par>
+                            </p:childTnLst>
+                          </p:cTn>
+                        </p:par>
+                        <p:par>
+                          <p:cTn id="19" fill="hold">
+                            <p:stCondLst>
+                              <p:cond delay="500"/>
+                            </p:stCondLst>
+                            <p:childTnLst>
+                              <p:par>
+                                <p:cTn id="20" presetID="2" presetClass="entr" presetSubtype="4" fill="hold" grpId="0" nodeType="afterEffect">
+                                  <p:stCondLst>
+                                    <p:cond delay="0"/>
+                                  </p:stCondLst>
+                                  <p:childTnLst>
+                                    <p:set>
+                                      <p:cBhvr>
+                                        <p:cTn id="21" dur="1" fill="hold">
                                           <p:stCondLst>
                                             <p:cond delay="0"/>
                                           </p:stCondLst>
@@ -10269,9 +10746,564 @@
                                         <p:strVal val="visible"/>
                                       </p:to>
                                     </p:set>
-                                    <p:animEffect transition="in" filter="checkerboard(across)">
+                                    <p:anim calcmode="lin" valueType="num">
+                                      <p:cBhvr additive="base">
+                                        <p:cTn id="22" dur="500" fill="hold"/>
+                                        <p:tgtEl>
+                                          <p:spTgt spid="6"/>
+                                        </p:tgtEl>
+                                        <p:attrNameLst>
+                                          <p:attrName>ppt_x</p:attrName>
+                                        </p:attrNameLst>
+                                      </p:cBhvr>
+                                      <p:tavLst>
+                                        <p:tav tm="0">
+                                          <p:val>
+                                            <p:strVal val="#ppt_x"/>
+                                          </p:val>
+                                        </p:tav>
+                                        <p:tav tm="100000">
+                                          <p:val>
+                                            <p:strVal val="#ppt_x"/>
+                                          </p:val>
+                                        </p:tav>
+                                      </p:tavLst>
+                                    </p:anim>
+                                    <p:anim calcmode="lin" valueType="num">
+                                      <p:cBhvr additive="base">
+                                        <p:cTn id="23" dur="500" fill="hold"/>
+                                        <p:tgtEl>
+                                          <p:spTgt spid="6"/>
+                                        </p:tgtEl>
+                                        <p:attrNameLst>
+                                          <p:attrName>ppt_y</p:attrName>
+                                        </p:attrNameLst>
+                                      </p:cBhvr>
+                                      <p:tavLst>
+                                        <p:tav tm="0">
+                                          <p:val>
+                                            <p:strVal val="1+#ppt_h/2"/>
+                                          </p:val>
+                                        </p:tav>
+                                        <p:tav tm="100000">
+                                          <p:val>
+                                            <p:strVal val="#ppt_y"/>
+                                          </p:val>
+                                        </p:tav>
+                                      </p:tavLst>
+                                    </p:anim>
+                                  </p:childTnLst>
+                                </p:cTn>
+                              </p:par>
+                            </p:childTnLst>
+                          </p:cTn>
+                        </p:par>
+                      </p:childTnLst>
+                    </p:cTn>
+                  </p:par>
+                  <p:par>
+                    <p:cTn id="24" fill="hold">
+                      <p:stCondLst>
+                        <p:cond delay="indefinite"/>
+                      </p:stCondLst>
+                      <p:childTnLst>
+                        <p:par>
+                          <p:cTn id="25" fill="hold">
+                            <p:stCondLst>
+                              <p:cond delay="0"/>
+                            </p:stCondLst>
+                            <p:childTnLst>
+                              <p:par>
+                                <p:cTn id="26" presetID="8" presetClass="entr" presetSubtype="16" fill="hold" grpId="0" nodeType="clickEffect">
+                                  <p:stCondLst>
+                                    <p:cond delay="0"/>
+                                  </p:stCondLst>
+                                  <p:childTnLst>
+                                    <p:set>
+                                      <p:cBhvr>
+                                        <p:cTn id="27" dur="1" fill="hold">
+                                          <p:stCondLst>
+                                            <p:cond delay="0"/>
+                                          </p:stCondLst>
+                                        </p:cTn>
+                                        <p:tgtEl>
+                                          <p:spTgt spid="14"/>
+                                        </p:tgtEl>
+                                        <p:attrNameLst>
+                                          <p:attrName>style.visibility</p:attrName>
+                                        </p:attrNameLst>
+                                      </p:cBhvr>
+                                      <p:to>
+                                        <p:strVal val="visible"/>
+                                      </p:to>
+                                    </p:set>
+                                    <p:animEffect transition="in" filter="diamond(in)">
+                                      <p:cBhvr>
+                                        <p:cTn id="28" dur="500"/>
+                                        <p:tgtEl>
+                                          <p:spTgt spid="14"/>
+                                        </p:tgtEl>
+                                      </p:cBhvr>
+                                    </p:animEffect>
+                                  </p:childTnLst>
+                                </p:cTn>
+                              </p:par>
+                            </p:childTnLst>
+                          </p:cTn>
+                        </p:par>
+                      </p:childTnLst>
+                    </p:cTn>
+                  </p:par>
+                  <p:par>
+                    <p:cTn id="29" fill="hold">
+                      <p:stCondLst>
+                        <p:cond delay="indefinite"/>
+                      </p:stCondLst>
+                      <p:childTnLst>
+                        <p:par>
+                          <p:cTn id="30" fill="hold">
+                            <p:stCondLst>
+                              <p:cond delay="0"/>
+                            </p:stCondLst>
+                            <p:childTnLst>
+                              <p:par>
+                                <p:cTn id="31" presetID="8" presetClass="entr" presetSubtype="16" fill="hold" grpId="0" nodeType="clickEffect">
+                                  <p:stCondLst>
+                                    <p:cond delay="0"/>
+                                  </p:stCondLst>
+                                  <p:childTnLst>
+                                    <p:set>
+                                      <p:cBhvr>
+                                        <p:cTn id="32" dur="1" fill="hold">
+                                          <p:stCondLst>
+                                            <p:cond delay="0"/>
+                                          </p:stCondLst>
+                                        </p:cTn>
+                                        <p:tgtEl>
+                                          <p:spTgt spid="10"/>
+                                        </p:tgtEl>
+                                        <p:attrNameLst>
+                                          <p:attrName>style.visibility</p:attrName>
+                                        </p:attrNameLst>
+                                      </p:cBhvr>
+                                      <p:to>
+                                        <p:strVal val="visible"/>
+                                      </p:to>
+                                    </p:set>
+                                    <p:animEffect transition="in" filter="diamond(in)">
+                                      <p:cBhvr>
+                                        <p:cTn id="33" dur="500"/>
+                                        <p:tgtEl>
+                                          <p:spTgt spid="10"/>
+                                        </p:tgtEl>
+                                      </p:cBhvr>
+                                    </p:animEffect>
+                                  </p:childTnLst>
+                                </p:cTn>
+                              </p:par>
+                            </p:childTnLst>
+                          </p:cTn>
+                        </p:par>
+                      </p:childTnLst>
+                    </p:cTn>
+                  </p:par>
+                </p:childTnLst>
+              </p:cTn>
+              <p:prevCondLst>
+                <p:cond evt="onPrev" delay="0">
+                  <p:tgtEl>
+                    <p:sldTgt/>
+                  </p:tgtEl>
+                </p:cond>
+              </p:prevCondLst>
+              <p:nextCondLst>
+                <p:cond evt="onNext" delay="0">
+                  <p:tgtEl>
+                    <p:sldTgt/>
+                  </p:tgtEl>
+                </p:cond>
+              </p:nextCondLst>
+            </p:seq>
+          </p:childTnLst>
+        </p:cTn>
+      </p:par>
+    </p:tnLst>
+    <p:bldLst>
+      <p:bldP spid="10" grpId="0"/>
+      <p:bldP spid="6" grpId="0"/>
+      <p:bldP spid="12" grpId="0"/>
+      <p:bldP spid="13" grpId="0"/>
+      <p:bldP spid="14" grpId="0"/>
+    </p:bldLst>
+  </p:timing>
+</p:sld>
+</file>
+
+<file path=ppt/slides/slide4.xml><?xml version="1.0" encoding="utf-8"?>
+<p:sld xmlns:a="http://schemas.openxmlformats.org/drawingml/2006/main" xmlns:r="http://schemas.openxmlformats.org/officeDocument/2006/relationships" xmlns:p="http://schemas.openxmlformats.org/presentationml/2006/main">
+  <p:cSld>
+    <p:spTree>
+      <p:nvGrpSpPr>
+        <p:cNvPr id="1" name=""/>
+        <p:cNvGrpSpPr/>
+        <p:nvPr/>
+      </p:nvGrpSpPr>
+      <p:grpSpPr>
+        <a:xfrm>
+          <a:off x="0" y="0"/>
+          <a:ext cx="0" cy="0"/>
+          <a:chOff x="0" y="0"/>
+          <a:chExt cx="0" cy="0"/>
+        </a:xfrm>
+      </p:grpSpPr>
+      <p:sp>
+        <p:nvSpPr>
+          <p:cNvPr id="8" name="Título 7"/>
+          <p:cNvSpPr>
+            <a:spLocks noGrp="1"/>
+          </p:cNvSpPr>
+          <p:nvPr>
+            <p:ph type="title"/>
+          </p:nvPr>
+        </p:nvSpPr>
+        <p:spPr/>
+        <p:txBody>
+          <a:bodyPr/>
+          <a:lstStyle/>
+          <a:p>
+            <a:r>
+              <a:rPr lang="pt-BR" dirty="0" smtClean="0"/>
+              <a:t>Será possível?</a:t>
+            </a:r>
+            <a:endParaRPr lang="pt-BR" dirty="0"/>
+          </a:p>
+        </p:txBody>
+      </p:sp>
+      <p:sp>
+        <p:nvSpPr>
+          <p:cNvPr id="9" name="CaixaDeTexto 8"/>
+          <p:cNvSpPr txBox="1"/>
+          <p:nvPr/>
+        </p:nvSpPr>
+        <p:spPr>
+          <a:xfrm>
+            <a:off x="611560" y="2132856"/>
+            <a:ext cx="237566" cy="369332"/>
+          </a:xfrm>
+          <a:prstGeom prst="rect">
+            <a:avLst/>
+          </a:prstGeom>
+          <a:noFill/>
+        </p:spPr>
+        <p:txBody>
+          <a:bodyPr wrap="none" rtlCol="0">
+            <a:spAutoFit/>
+          </a:bodyPr>
+          <a:lstStyle/>
+          <a:p>
+            <a:r>
+              <a:rPr lang="pt-BR" dirty="0" smtClean="0"/>
+              <a:t> </a:t>
+            </a:r>
+            <a:endParaRPr lang="pt-BR" dirty="0"/>
+          </a:p>
+        </p:txBody>
+      </p:sp>
+      <p:sp>
+        <p:nvSpPr>
+          <p:cNvPr id="10" name="CaixaDeTexto 9"/>
+          <p:cNvSpPr txBox="1"/>
+          <p:nvPr/>
+        </p:nvSpPr>
+        <p:spPr>
+          <a:xfrm>
+            <a:off x="395536" y="1556792"/>
+            <a:ext cx="7848872" cy="1477328"/>
+          </a:xfrm>
+          <a:prstGeom prst="rect">
+            <a:avLst/>
+          </a:prstGeom>
+          <a:noFill/>
+        </p:spPr>
+        <p:txBody>
+          <a:bodyPr wrap="square" rtlCol="0">
+            <a:spAutoFit/>
+          </a:bodyPr>
+          <a:lstStyle/>
+          <a:p>
+            <a:r>
+              <a:rPr lang="pt-BR" dirty="0" smtClean="0"/>
+              <a:t>Sistemas de Informação já controlam filas </a:t>
+            </a:r>
+          </a:p>
+          <a:p>
+            <a:r>
+              <a:rPr lang="pt-BR" dirty="0" smtClean="0"/>
+              <a:t>complexas:</a:t>
+            </a:r>
+            <a:endParaRPr lang="pt-BR" dirty="0"/>
+          </a:p>
+          <a:p>
+            <a:pPr lvl="1">
+              <a:buFont typeface="Arial" pitchFamily="34" charset="0"/>
+              <a:buChar char="•"/>
+            </a:pPr>
+            <a:r>
+              <a:rPr lang="pt-BR" dirty="0" smtClean="0"/>
+              <a:t> Filas de impressão</a:t>
+            </a:r>
+          </a:p>
+          <a:p>
+            <a:pPr lvl="1">
+              <a:buFont typeface="Arial" pitchFamily="34" charset="0"/>
+              <a:buChar char="•"/>
+            </a:pPr>
+            <a:r>
+              <a:rPr lang="pt-BR" dirty="0" smtClean="0"/>
+              <a:t> Filas de tempo de execução de um processo, </a:t>
+            </a:r>
+          </a:p>
+          <a:p>
+            <a:pPr lvl="1"/>
+            <a:r>
+              <a:rPr lang="pt-BR" dirty="0" smtClean="0"/>
+              <a:t>   respeitando as prioridades de cada </a:t>
+            </a:r>
+            <a:r>
+              <a:rPr lang="pt-BR" dirty="0" smtClean="0"/>
+              <a:t>um</a:t>
+            </a:r>
+            <a:endParaRPr lang="pt-BR" dirty="0" smtClean="0"/>
+          </a:p>
+        </p:txBody>
+      </p:sp>
+      <p:pic>
+        <p:nvPicPr>
+          <p:cNvPr id="5" name="Picture 9" descr="duvida2"/>
+          <p:cNvPicPr>
+            <a:picLocks noChangeAspect="1" noChangeArrowheads="1"/>
+          </p:cNvPicPr>
+          <p:nvPr/>
+        </p:nvPicPr>
+        <p:blipFill>
+          <a:blip r:embed="rId2" cstate="print"/>
+          <a:srcRect/>
+          <a:stretch>
+            <a:fillRect/>
+          </a:stretch>
+        </p:blipFill>
+        <p:spPr>
+          <a:xfrm>
+            <a:off x="6000760" y="1857364"/>
+            <a:ext cx="2512646" cy="3761018"/>
+          </a:xfrm>
+          <a:prstGeom prst="rect">
+            <a:avLst/>
+          </a:prstGeom>
+          <a:noFill/>
+        </p:spPr>
+      </p:pic>
+      <p:sp>
+        <p:nvSpPr>
+          <p:cNvPr id="6" name="CaixaDeTexto 5"/>
+          <p:cNvSpPr txBox="1"/>
+          <p:nvPr/>
+        </p:nvSpPr>
+        <p:spPr>
+          <a:xfrm>
+            <a:off x="357158" y="4286256"/>
+            <a:ext cx="5500726" cy="646331"/>
+          </a:xfrm>
+          <a:prstGeom prst="rect">
+            <a:avLst/>
+          </a:prstGeom>
+          <a:noFill/>
+        </p:spPr>
+        <p:txBody>
+          <a:bodyPr wrap="square" rtlCol="0">
+            <a:spAutoFit/>
+          </a:bodyPr>
+          <a:lstStyle/>
+          <a:p>
+            <a:r>
+              <a:rPr lang="pt-BR" dirty="0" smtClean="0"/>
+              <a:t>Então porque não utilizar esse poder dos sistemas</a:t>
+            </a:r>
+          </a:p>
+          <a:p>
+            <a:r>
+              <a:rPr lang="pt-BR" dirty="0" smtClean="0"/>
+              <a:t>de informação para controlar uma fila de pessoas</a:t>
+            </a:r>
+            <a:r>
+              <a:rPr lang="pt-BR" dirty="0" smtClean="0"/>
+              <a:t>?</a:t>
+            </a:r>
+            <a:endParaRPr lang="pt-BR" dirty="0" smtClean="0"/>
+          </a:p>
+        </p:txBody>
+      </p:sp>
+    </p:spTree>
+  </p:cSld>
+  <p:clrMapOvr>
+    <a:masterClrMapping/>
+  </p:clrMapOvr>
+  <p:timing>
+    <p:tnLst>
+      <p:par>
+        <p:cTn id="1" dur="indefinite" restart="never" nodeType="tmRoot">
+          <p:childTnLst>
+            <p:seq concurrent="1" nextAc="seek">
+              <p:cTn id="2" dur="indefinite" nodeType="mainSeq">
+                <p:childTnLst>
+                  <p:par>
+                    <p:cTn id="3" fill="hold">
+                      <p:stCondLst>
+                        <p:cond delay="indefinite"/>
+                        <p:cond evt="onBegin" delay="0">
+                          <p:tn val="2"/>
+                        </p:cond>
+                      </p:stCondLst>
+                      <p:childTnLst>
+                        <p:par>
+                          <p:cTn id="4" fill="hold">
+                            <p:stCondLst>
+                              <p:cond delay="0"/>
+                            </p:stCondLst>
+                            <p:childTnLst>
+                              <p:par>
+                                <p:cTn id="5" presetID="4" presetClass="entr" presetSubtype="16" fill="hold" nodeType="afterEffect">
+                                  <p:stCondLst>
+                                    <p:cond delay="0"/>
+                                  </p:stCondLst>
+                                  <p:childTnLst>
+                                    <p:set>
+                                      <p:cBhvr>
+                                        <p:cTn id="6" dur="1" fill="hold">
+                                          <p:stCondLst>
+                                            <p:cond delay="0"/>
+                                          </p:stCondLst>
+                                        </p:cTn>
+                                        <p:tgtEl>
+                                          <p:spTgt spid="5"/>
+                                        </p:tgtEl>
+                                        <p:attrNameLst>
+                                          <p:attrName>style.visibility</p:attrName>
+                                        </p:attrNameLst>
+                                      </p:cBhvr>
+                                      <p:to>
+                                        <p:strVal val="visible"/>
+                                      </p:to>
+                                    </p:set>
+                                    <p:animEffect transition="in" filter="box(in)">
+                                      <p:cBhvr>
+                                        <p:cTn id="7" dur="500"/>
+                                        <p:tgtEl>
+                                          <p:spTgt spid="5"/>
+                                        </p:tgtEl>
+                                      </p:cBhvr>
+                                    </p:animEffect>
+                                  </p:childTnLst>
+                                </p:cTn>
+                              </p:par>
+                            </p:childTnLst>
+                          </p:cTn>
+                        </p:par>
+                      </p:childTnLst>
+                    </p:cTn>
+                  </p:par>
+                  <p:par>
+                    <p:cTn id="8" fill="hold">
+                      <p:stCondLst>
+                        <p:cond delay="indefinite"/>
+                      </p:stCondLst>
+                      <p:childTnLst>
+                        <p:par>
+                          <p:cTn id="9" fill="hold">
+                            <p:stCondLst>
+                              <p:cond delay="0"/>
+                            </p:stCondLst>
+                            <p:childTnLst>
+                              <p:par>
+                                <p:cTn id="10" presetID="8" presetClass="entr" presetSubtype="16" fill="hold" grpId="0" nodeType="clickEffect">
+                                  <p:stCondLst>
+                                    <p:cond delay="0"/>
+                                  </p:stCondLst>
+                                  <p:childTnLst>
+                                    <p:set>
+                                      <p:cBhvr>
+                                        <p:cTn id="11" dur="1" fill="hold">
+                                          <p:stCondLst>
+                                            <p:cond delay="0"/>
+                                          </p:stCondLst>
+                                        </p:cTn>
+                                        <p:tgtEl>
+                                          <p:spTgt spid="10"/>
+                                        </p:tgtEl>
+                                        <p:attrNameLst>
+                                          <p:attrName>style.visibility</p:attrName>
+                                        </p:attrNameLst>
+                                      </p:cBhvr>
+                                      <p:to>
+                                        <p:strVal val="visible"/>
+                                      </p:to>
+                                    </p:set>
+                                    <p:animEffect transition="in" filter="diamond(in)">
                                       <p:cBhvr>
                                         <p:cTn id="12" dur="500"/>
+                                        <p:tgtEl>
+                                          <p:spTgt spid="10"/>
+                                        </p:tgtEl>
+                                      </p:cBhvr>
+                                    </p:animEffect>
+                                  </p:childTnLst>
+                                </p:cTn>
+                              </p:par>
+                            </p:childTnLst>
+                          </p:cTn>
+                        </p:par>
+                      </p:childTnLst>
+                    </p:cTn>
+                  </p:par>
+                  <p:par>
+                    <p:cTn id="13" fill="hold">
+                      <p:stCondLst>
+                        <p:cond delay="indefinite"/>
+                      </p:stCondLst>
+                      <p:childTnLst>
+                        <p:par>
+                          <p:cTn id="14" fill="hold">
+                            <p:stCondLst>
+                              <p:cond delay="0"/>
+                            </p:stCondLst>
+                            <p:childTnLst>
+                              <p:par>
+                                <p:cTn id="15" presetID="8" presetClass="entr" presetSubtype="16" fill="hold" grpId="0" nodeType="clickEffect">
+                                  <p:stCondLst>
+                                    <p:cond delay="0"/>
+                                  </p:stCondLst>
+                                  <p:childTnLst>
+                                    <p:set>
+                                      <p:cBhvr>
+                                        <p:cTn id="16" dur="1" fill="hold">
+                                          <p:stCondLst>
+                                            <p:cond delay="0"/>
+                                          </p:stCondLst>
+                                        </p:cTn>
+                                        <p:tgtEl>
+                                          <p:spTgt spid="6"/>
+                                        </p:tgtEl>
+                                        <p:attrNameLst>
+                                          <p:attrName>style.visibility</p:attrName>
+                                        </p:attrNameLst>
+                                      </p:cBhvr>
+                                      <p:to>
+                                        <p:strVal val="visible"/>
+                                      </p:to>
+                                    </p:set>
+                                    <p:animEffect transition="in" filter="diamond(in)">
+                                      <p:cBhvr>
+                                        <p:cTn id="17" dur="500"/>
                                         <p:tgtEl>
                                           <p:spTgt spid="6"/>
                                         </p:tgtEl>
@@ -10308,13 +11340,14 @@
       </p:par>
     </p:tnLst>
     <p:bldLst>
+      <p:bldP spid="10" grpId="0"/>
       <p:bldP spid="6" grpId="0"/>
     </p:bldLst>
   </p:timing>
 </p:sld>
 </file>
 
-<file path=ppt/slides/slide4.xml><?xml version="1.0" encoding="utf-8"?>
+<file path=ppt/slides/slide5.xml><?xml version="1.0" encoding="utf-8"?>
 <p:sld xmlns:a="http://schemas.openxmlformats.org/drawingml/2006/main" xmlns:r="http://schemas.openxmlformats.org/officeDocument/2006/relationships" xmlns:p="http://schemas.openxmlformats.org/presentationml/2006/main">
   <p:cSld>
     <p:spTree>
@@ -10333,7 +11366,7 @@
       </p:grpSpPr>
       <p:sp>
         <p:nvSpPr>
-          <p:cNvPr id="8" name="Título 7"/>
+          <p:cNvPr id="2" name="Título 1"/>
           <p:cNvSpPr>
             <a:spLocks noGrp="1"/>
           </p:cNvSpPr>
@@ -10356,14 +11389,14 @@
       </p:sp>
       <p:sp>
         <p:nvSpPr>
-          <p:cNvPr id="9" name="CaixaDeTexto 8"/>
+          <p:cNvPr id="3" name="CaixaDeTexto 2"/>
           <p:cNvSpPr txBox="1"/>
           <p:nvPr/>
         </p:nvSpPr>
         <p:spPr>
           <a:xfrm>
-            <a:off x="611560" y="2132856"/>
-            <a:ext cx="237566" cy="369332"/>
+            <a:off x="2214546" y="3429000"/>
+            <a:ext cx="4929222" cy="1477328"/>
           </a:xfrm>
           <a:prstGeom prst="rect">
             <a:avLst/>
@@ -10371,29 +11404,31 @@
           <a:noFill/>
         </p:spPr>
         <p:txBody>
-          <a:bodyPr wrap="none" rtlCol="0">
+          <a:bodyPr wrap="square" rtlCol="0">
             <a:spAutoFit/>
           </a:bodyPr>
           <a:lstStyle/>
           <a:p>
             <a:r>
               <a:rPr lang="pt-BR" dirty="0" smtClean="0"/>
-              <a:t> </a:t>
-            </a:r>
+              <a:t>Podemos ter um Sistema que gerencie as filas e que avise quando sua vez estiver próxima. Assim não é necessário estarmos parados fisicamente nas filas dos brinquedos.</a:t>
+            </a:r>
+          </a:p>
+          <a:p>
             <a:endParaRPr lang="pt-BR" dirty="0"/>
           </a:p>
         </p:txBody>
       </p:sp>
       <p:sp>
         <p:nvSpPr>
-          <p:cNvPr id="10" name="CaixaDeTexto 9"/>
+          <p:cNvPr id="4" name="CaixaDeTexto 3"/>
           <p:cNvSpPr txBox="1"/>
           <p:nvPr/>
         </p:nvSpPr>
         <p:spPr>
           <a:xfrm>
-            <a:off x="395536" y="1556792"/>
-            <a:ext cx="7848872" cy="3139321"/>
+            <a:off x="3714744" y="1928802"/>
+            <a:ext cx="2071702" cy="369332"/>
           </a:xfrm>
           <a:prstGeom prst="rect">
             <a:avLst/>
@@ -10408,95 +11443,11 @@
           <a:p>
             <a:r>
               <a:rPr lang="pt-BR" dirty="0" smtClean="0"/>
-              <a:t>Sistemas de Informação já controlam filas </a:t>
-            </a:r>
-          </a:p>
-          <a:p>
-            <a:r>
-              <a:rPr lang="pt-BR" dirty="0" smtClean="0"/>
-              <a:t>complexas:</a:t>
-            </a:r>
-            <a:endParaRPr lang="pt-BR" dirty="0"/>
-          </a:p>
-          <a:p>
-            <a:pPr lvl="1">
-              <a:buFont typeface="Arial" pitchFamily="34" charset="0"/>
-              <a:buChar char="•"/>
-            </a:pPr>
-            <a:r>
-              <a:rPr lang="pt-BR" dirty="0" smtClean="0"/>
-              <a:t> Filas de impressão</a:t>
-            </a:r>
-          </a:p>
-          <a:p>
-            <a:pPr lvl="1">
-              <a:buFont typeface="Arial" pitchFamily="34" charset="0"/>
-              <a:buChar char="•"/>
-            </a:pPr>
-            <a:r>
-              <a:rPr lang="pt-BR" dirty="0" smtClean="0"/>
-              <a:t> Filas de tempo de execução de um processo, </a:t>
-            </a:r>
-          </a:p>
-          <a:p>
-            <a:pPr lvl="1"/>
-            <a:r>
-              <a:rPr lang="pt-BR" dirty="0" smtClean="0"/>
-              <a:t>   respeitando as prioridades de cada um</a:t>
-            </a:r>
-          </a:p>
-          <a:p>
-            <a:endParaRPr lang="pt-BR" dirty="0" smtClean="0"/>
-          </a:p>
-          <a:p>
-            <a:endParaRPr lang="pt-BR" dirty="0" smtClean="0"/>
-          </a:p>
-          <a:p>
-            <a:endParaRPr lang="pt-BR" dirty="0" smtClean="0"/>
-          </a:p>
-          <a:p>
-            <a:endParaRPr lang="pt-BR" dirty="0" smtClean="0"/>
-          </a:p>
-          <a:p>
-            <a:r>
-              <a:rPr lang="pt-BR" dirty="0" smtClean="0"/>
-              <a:t>Então porque não utilizar esse poder dos sistemas</a:t>
-            </a:r>
-          </a:p>
-          <a:p>
-            <a:r>
-              <a:rPr lang="pt-BR" dirty="0" smtClean="0"/>
-              <a:t>de informação para controlar uma fila de pessoas?</a:t>
-            </a:r>
-          </a:p>
-        </p:txBody>
-      </p:sp>
-      <p:pic>
-        <p:nvPicPr>
-          <p:cNvPr id="5" name="Picture 9" descr="duvida2"/>
-          <p:cNvPicPr>
-            <a:picLocks noChangeAspect="1" noChangeArrowheads="1"/>
-          </p:cNvPicPr>
-          <p:nvPr/>
-        </p:nvPicPr>
-        <p:blipFill>
-          <a:blip r:embed="rId2" cstate="print"/>
-          <a:srcRect/>
-          <a:stretch>
-            <a:fillRect/>
-          </a:stretch>
-        </p:blipFill>
-        <p:spPr>
-          <a:xfrm>
-            <a:off x="6000760" y="1857364"/>
-            <a:ext cx="2512646" cy="3761018"/>
-          </a:xfrm>
-          <a:prstGeom prst="rect">
-            <a:avLst/>
-          </a:prstGeom>
-          <a:noFill/>
-        </p:spPr>
-      </p:pic>
+              <a:t>Sim, é possível!</a:t>
+            </a:r>
+          </a:p>
+        </p:txBody>
+      </p:sp>
     </p:spTree>
   </p:cSld>
   <p:clrMapOvr>
@@ -10523,7 +11474,7 @@
                             </p:stCondLst>
                             <p:childTnLst>
                               <p:par>
-                                <p:cTn id="5" presetID="3" presetClass="entr" presetSubtype="10" fill="hold" nodeType="clickEffect">
+                                <p:cTn id="5" presetID="8" presetClass="entr" presetSubtype="16" fill="hold" grpId="0" nodeType="clickEffect">
                                   <p:stCondLst>
                                     <p:cond delay="0"/>
                                   </p:stCondLst>
@@ -10536,7 +11487,7 @@
                                           </p:stCondLst>
                                         </p:cTn>
                                         <p:tgtEl>
-                                          <p:spTgt spid="5"/>
+                                          <p:spTgt spid="4"/>
                                         </p:tgtEl>
                                         <p:attrNameLst>
                                           <p:attrName>style.visibility</p:attrName>
@@ -10546,11 +11497,64 @@
                                         <p:strVal val="visible"/>
                                       </p:to>
                                     </p:set>
-                                    <p:animEffect transition="in" filter="blinds(horizontal)">
+                                    <p:animEffect transition="in" filter="diamond(in)">
                                       <p:cBhvr>
                                         <p:cTn id="7" dur="500"/>
                                         <p:tgtEl>
-                                          <p:spTgt spid="5"/>
+                                          <p:spTgt spid="4"/>
+                                        </p:tgtEl>
+                                      </p:cBhvr>
+                                    </p:animEffect>
+                                  </p:childTnLst>
+                                </p:cTn>
+                              </p:par>
+                            </p:childTnLst>
+                          </p:cTn>
+                        </p:par>
+                      </p:childTnLst>
+                    </p:cTn>
+                  </p:par>
+                  <p:par>
+                    <p:cTn id="8" fill="hold">
+                      <p:stCondLst>
+                        <p:cond delay="indefinite"/>
+                      </p:stCondLst>
+                      <p:childTnLst>
+                        <p:par>
+                          <p:cTn id="9" fill="hold">
+                            <p:stCondLst>
+                              <p:cond delay="0"/>
+                            </p:stCondLst>
+                            <p:childTnLst>
+                              <p:par>
+                                <p:cTn id="10" presetID="8" presetClass="entr" presetSubtype="16" fill="hold" grpId="0" nodeType="clickEffect">
+                                  <p:stCondLst>
+                                    <p:cond delay="0"/>
+                                  </p:stCondLst>
+                                  <p:childTnLst>
+                                    <p:set>
+                                      <p:cBhvr>
+                                        <p:cTn id="11" dur="1" fill="hold">
+                                          <p:stCondLst>
+                                            <p:cond delay="0"/>
+                                          </p:stCondLst>
+                                        </p:cTn>
+                                        <p:tgtEl>
+                                          <p:spTgt spid="3"/>
+                                        </p:tgtEl>
+                                        <p:attrNameLst>
+                                          <p:attrName>style.visibility</p:attrName>
+                                        </p:attrNameLst>
+                                      </p:cBhvr>
+                                      <p:to>
+                                        <p:strVal val="visible"/>
+                                      </p:to>
+                                    </p:set>
+                                    <p:animEffect transition="in" filter="diamond(in)">
+                                      <p:cBhvr>
+                                        <p:cTn id="12" dur="500"/>
+                                        <p:tgtEl>
+                                          <p:spTgt spid="3"/>
                                         </p:tgtEl>
                                       </p:cBhvr>
                                     </p:animEffect>
@@ -10584,122 +11588,10 @@
         </p:cTn>
       </p:par>
     </p:tnLst>
-  </p:timing>
-</p:sld>
-</file>
-
-<file path=ppt/slides/slide5.xml><?xml version="1.0" encoding="utf-8"?>
-<p:sld xmlns:a="http://schemas.openxmlformats.org/drawingml/2006/main" xmlns:r="http://schemas.openxmlformats.org/officeDocument/2006/relationships" xmlns:p="http://schemas.openxmlformats.org/presentationml/2006/main">
-  <p:cSld>
-    <p:spTree>
-      <p:nvGrpSpPr>
-        <p:cNvPr id="1" name=""/>
-        <p:cNvGrpSpPr/>
-        <p:nvPr/>
-      </p:nvGrpSpPr>
-      <p:grpSpPr>
-        <a:xfrm>
-          <a:off x="0" y="0"/>
-          <a:ext cx="0" cy="0"/>
-          <a:chOff x="0" y="0"/>
-          <a:chExt cx="0" cy="0"/>
-        </a:xfrm>
-      </p:grpSpPr>
-      <p:sp>
-        <p:nvSpPr>
-          <p:cNvPr id="2" name="Título 1"/>
-          <p:cNvSpPr>
-            <a:spLocks noGrp="1"/>
-          </p:cNvSpPr>
-          <p:nvPr>
-            <p:ph type="title"/>
-          </p:nvPr>
-        </p:nvSpPr>
-        <p:spPr/>
-        <p:txBody>
-          <a:bodyPr/>
-          <a:lstStyle/>
-          <a:p>
-            <a:r>
-              <a:rPr lang="pt-BR" dirty="0" smtClean="0"/>
-              <a:t>Será possível?</a:t>
-            </a:r>
-            <a:endParaRPr lang="pt-BR" dirty="0"/>
-          </a:p>
-        </p:txBody>
-      </p:sp>
-      <p:sp>
-        <p:nvSpPr>
-          <p:cNvPr id="3" name="CaixaDeTexto 2"/>
-          <p:cNvSpPr txBox="1"/>
-          <p:nvPr/>
-        </p:nvSpPr>
-        <p:spPr>
-          <a:xfrm>
-            <a:off x="2214546" y="3429000"/>
-            <a:ext cx="4929222" cy="1477328"/>
-          </a:xfrm>
-          <a:prstGeom prst="rect">
-            <a:avLst/>
-          </a:prstGeom>
-          <a:noFill/>
-        </p:spPr>
-        <p:txBody>
-          <a:bodyPr wrap="square" rtlCol="0">
-            <a:spAutoFit/>
-          </a:bodyPr>
-          <a:lstStyle/>
-          <a:p>
-            <a:r>
-              <a:rPr lang="pt-BR" dirty="0" smtClean="0"/>
-              <a:t>Podemos ter um Sistema que gerencie as filas e que avise quando sua vez estiver próxima. Assim não é necessário estarmos parados fisicamente nas filas dos brinquedos.</a:t>
-            </a:r>
-          </a:p>
-          <a:p>
-            <a:endParaRPr lang="pt-BR" dirty="0"/>
-          </a:p>
-        </p:txBody>
-      </p:sp>
-      <p:sp>
-        <p:nvSpPr>
-          <p:cNvPr id="4" name="CaixaDeTexto 3"/>
-          <p:cNvSpPr txBox="1"/>
-          <p:nvPr/>
-        </p:nvSpPr>
-        <p:spPr>
-          <a:xfrm>
-            <a:off x="3714744" y="1928802"/>
-            <a:ext cx="2071702" cy="369332"/>
-          </a:xfrm>
-          <a:prstGeom prst="rect">
-            <a:avLst/>
-          </a:prstGeom>
-          <a:noFill/>
-        </p:spPr>
-        <p:txBody>
-          <a:bodyPr wrap="square" rtlCol="0">
-            <a:spAutoFit/>
-          </a:bodyPr>
-          <a:lstStyle/>
-          <a:p>
-            <a:r>
-              <a:rPr lang="pt-BR" dirty="0" smtClean="0"/>
-              <a:t>Sim, é possível!</a:t>
-            </a:r>
-          </a:p>
-        </p:txBody>
-      </p:sp>
-    </p:spTree>
-  </p:cSld>
-  <p:clrMapOvr>
-    <a:masterClrMapping/>
-  </p:clrMapOvr>
-  <p:timing>
-    <p:tnLst>
-      <p:par>
-        <p:cTn id="1" dur="indefinite" restart="never" nodeType="tmRoot"/>
-      </p:par>
-    </p:tnLst>
+    <p:bldLst>
+      <p:bldP spid="3" grpId="0"/>
+      <p:bldP spid="4" grpId="0"/>
+    </p:bldLst>
   </p:timing>
 </p:sld>
 </file>
@@ -10862,8 +11754,8 @@
         </p:nvSpPr>
         <p:spPr>
           <a:xfrm>
-            <a:off x="1142976" y="2285992"/>
-            <a:ext cx="6715172" cy="3139321"/>
+            <a:off x="1142976" y="2000240"/>
+            <a:ext cx="7000924" cy="3139321"/>
           </a:xfrm>
           <a:prstGeom prst="rect">
             <a:avLst/>
@@ -10918,8 +11810,13 @@
             </a:pPr>
             <a:r>
               <a:rPr lang="pt-BR" dirty="0" smtClean="0"/>
-              <a:t> É indicado que o Parque amplie suas áreas de lazer e atrações como peças teatrais e shows para entreter os visitantes enquanto aguardam sua vez no brinquedo, fazendo o tempo passar mais rápido e ocasionando mais conforto aos clientes.</a:t>
-            </a:r>
+              <a:t> É indicado que o Parque amplie suas áreas de lazer e atrações como peças teatrais e shows para entreter os visitantes enquanto aguardam sua vez no brinquedo, fazendo o tempo passar mais rápido e ocasionando mais conforto aos clientes</a:t>
+            </a:r>
+            <a:r>
+              <a:rPr lang="pt-BR" dirty="0" smtClean="0"/>
+              <a:t>.’</a:t>
+            </a:r>
+            <a:endParaRPr lang="pt-BR" dirty="0" smtClean="0"/>
           </a:p>
         </p:txBody>
       </p:sp>

--- a/wiki/Apresentação/Apresentação Final.pptx
+++ b/wiki/Apresentação/Apresentação Final.pptx
@@ -19,8 +19,7 @@
     <p:sldId id="264" r:id="rId13"/>
     <p:sldId id="263" r:id="rId14"/>
     <p:sldId id="268" r:id="rId15"/>
-    <p:sldId id="265" r:id="rId16"/>
-    <p:sldId id="267" r:id="rId17"/>
+    <p:sldId id="267" r:id="rId16"/>
   </p:sldIdLst>
   <p:sldSz cx="9144000" cy="6858000" type="screen4x3"/>
   <p:notesSz cx="6858000" cy="9144000"/>
@@ -403,7 +402,7 @@
             <a:fld id="{07B8A2C3-923E-4FB9-A25E-7291EC26C5E5}" type="datetimeFigureOut">
               <a:rPr lang="pt-BR" smtClean="0"/>
               <a:pPr/>
-              <a:t>5/12/2010</a:t>
+              <a:t>06/12/2010</a:t>
             </a:fld>
             <a:endParaRPr lang="pt-BR"/>
           </a:p>
@@ -798,7 +797,7 @@
             <a:fld id="{07B8A2C3-923E-4FB9-A25E-7291EC26C5E5}" type="datetimeFigureOut">
               <a:rPr lang="pt-BR" smtClean="0"/>
               <a:pPr/>
-              <a:t>5/12/2010</a:t>
+              <a:t>06/12/2010</a:t>
             </a:fld>
             <a:endParaRPr lang="pt-BR"/>
           </a:p>
@@ -1333,7 +1332,7 @@
             <a:fld id="{07B8A2C3-923E-4FB9-A25E-7291EC26C5E5}" type="datetimeFigureOut">
               <a:rPr lang="pt-BR" smtClean="0"/>
               <a:pPr/>
-              <a:t>5/12/2010</a:t>
+              <a:t>06/12/2010</a:t>
             </a:fld>
             <a:endParaRPr lang="pt-BR"/>
           </a:p>
@@ -1467,7 +1466,7 @@
             <a:fld id="{07B8A2C3-923E-4FB9-A25E-7291EC26C5E5}" type="datetimeFigureOut">
               <a:rPr lang="pt-BR" smtClean="0"/>
               <a:pPr/>
-              <a:t>5/12/2010</a:t>
+              <a:t>06/12/2010</a:t>
             </a:fld>
             <a:endParaRPr lang="pt-BR"/>
           </a:p>
@@ -2012,7 +2011,7 @@
             <a:fld id="{07B8A2C3-923E-4FB9-A25E-7291EC26C5E5}" type="datetimeFigureOut">
               <a:rPr lang="pt-BR" smtClean="0"/>
               <a:pPr/>
-              <a:t>5/12/2010</a:t>
+              <a:t>06/12/2010</a:t>
             </a:fld>
             <a:endParaRPr lang="pt-BR"/>
           </a:p>
@@ -2309,7 +2308,7 @@
             <a:fld id="{07B8A2C3-923E-4FB9-A25E-7291EC26C5E5}" type="datetimeFigureOut">
               <a:rPr lang="pt-BR" smtClean="0"/>
               <a:pPr/>
-              <a:t>5/12/2010</a:t>
+              <a:t>06/12/2010</a:t>
             </a:fld>
             <a:endParaRPr lang="pt-BR"/>
           </a:p>
@@ -2970,7 +2969,7 @@
             <a:fld id="{07B8A2C3-923E-4FB9-A25E-7291EC26C5E5}" type="datetimeFigureOut">
               <a:rPr lang="pt-BR" smtClean="0"/>
               <a:pPr/>
-              <a:t>5/12/2010</a:t>
+              <a:t>06/12/2010</a:t>
             </a:fld>
             <a:endParaRPr lang="pt-BR"/>
           </a:p>
@@ -3408,7 +3407,7 @@
             <a:fld id="{07B8A2C3-923E-4FB9-A25E-7291EC26C5E5}" type="datetimeFigureOut">
               <a:rPr lang="pt-BR" smtClean="0"/>
               <a:pPr/>
-              <a:t>5/12/2010</a:t>
+              <a:t>06/12/2010</a:t>
             </a:fld>
             <a:endParaRPr lang="pt-BR"/>
           </a:p>
@@ -3723,7 +3722,7 @@
             <a:fld id="{07B8A2C3-923E-4FB9-A25E-7291EC26C5E5}" type="datetimeFigureOut">
               <a:rPr lang="pt-BR" smtClean="0"/>
               <a:pPr/>
-              <a:t>5/12/2010</a:t>
+              <a:t>06/12/2010</a:t>
             </a:fld>
             <a:endParaRPr lang="pt-BR"/>
           </a:p>
@@ -4458,7 +4457,7 @@
             <a:fld id="{07B8A2C3-923E-4FB9-A25E-7291EC26C5E5}" type="datetimeFigureOut">
               <a:rPr lang="pt-BR" smtClean="0"/>
               <a:pPr/>
-              <a:t>5/12/2010</a:t>
+              <a:t>06/12/2010</a:t>
             </a:fld>
             <a:endParaRPr lang="pt-BR"/>
           </a:p>
@@ -5124,7 +5123,7 @@
             <a:fld id="{07B8A2C3-923E-4FB9-A25E-7291EC26C5E5}" type="datetimeFigureOut">
               <a:rPr lang="pt-BR" smtClean="0"/>
               <a:pPr/>
-              <a:t>5/12/2010</a:t>
+              <a:t>06/12/2010</a:t>
             </a:fld>
             <a:endParaRPr lang="pt-BR"/>
           </a:p>
@@ -5398,7 +5397,7 @@
             <a:fld id="{07B8A2C3-923E-4FB9-A25E-7291EC26C5E5}" type="datetimeFigureOut">
               <a:rPr lang="pt-BR" smtClean="0"/>
               <a:pPr/>
-              <a:t>5/12/2010</a:t>
+              <a:t>06/12/2010</a:t>
             </a:fld>
             <a:endParaRPr lang="pt-BR"/>
           </a:p>
@@ -9172,7 +9171,7 @@
         <p:spPr>
           <a:xfrm>
             <a:off x="395536" y="1700808"/>
-            <a:ext cx="8136904" cy="3600986"/>
+            <a:ext cx="8136904" cy="3046988"/>
           </a:xfrm>
           <a:prstGeom prst="rect">
             <a:avLst/>
@@ -9251,31 +9250,11 @@
             </a:pPr>
             <a:r>
               <a:rPr lang="pt-BR" dirty="0" smtClean="0"/>
-              <a:t> RFID</a:t>
-            </a:r>
-          </a:p>
-          <a:p>
-            <a:pPr lvl="1">
-              <a:buFont typeface="Arial" pitchFamily="34" charset="0"/>
-              <a:buChar char="•"/>
-            </a:pPr>
+              <a:t> </a:t>
+            </a:r>
             <a:r>
               <a:rPr lang="pt-BR" dirty="0" smtClean="0"/>
-              <a:t> GUMSTIX</a:t>
-            </a:r>
-          </a:p>
-          <a:p>
-            <a:pPr lvl="1">
-              <a:buFont typeface="Arial" pitchFamily="34" charset="0"/>
-              <a:buChar char="•"/>
-            </a:pPr>
-            <a:r>
-              <a:rPr lang="pt-BR" dirty="0" smtClean="0"/>
-              <a:t> </a:t>
-            </a:r>
-            <a:r>
-              <a:rPr lang="pt-BR" dirty="0" err="1" smtClean="0"/>
-              <a:t>E-Paper</a:t>
+              <a:t>RFID</a:t>
             </a:r>
             <a:endParaRPr lang="pt-BR" dirty="0" smtClean="0"/>
           </a:p>
@@ -9360,11 +9339,7 @@
           <a:p>
             <a:r>
               <a:rPr lang="pt-BR" sz="2400" dirty="0" smtClean="0"/>
-              <a:t>Implementar </a:t>
-            </a:r>
-            <a:r>
-              <a:rPr lang="pt-BR" sz="2400" dirty="0" smtClean="0"/>
-              <a:t>BI:</a:t>
+              <a:t>Implementar BI:</a:t>
             </a:r>
           </a:p>
           <a:p>
@@ -9440,13 +9415,8 @@
             </a:pPr>
             <a:r>
               <a:rPr lang="pt-BR" dirty="0" smtClean="0"/>
-              <a:t> Vender canais de comunicação para </a:t>
-            </a:r>
-            <a:r>
-              <a:rPr lang="pt-BR" dirty="0" smtClean="0"/>
-              <a:t>parceiros</a:t>
-            </a:r>
-            <a:endParaRPr lang="pt-BR" dirty="0" smtClean="0"/>
+              <a:t> Vender canais de comunicação para parceiros</a:t>
+            </a:r>
           </a:p>
         </p:txBody>
       </p:sp>
@@ -9502,11 +9472,7 @@
             </a:pPr>
             <a:r>
               <a:rPr lang="pt-BR" dirty="0" smtClean="0"/>
-              <a:t> Aproveite o brinquedo X que a fila está pequena</a:t>
-            </a:r>
-            <a:r>
-              <a:rPr lang="pt-BR" dirty="0" smtClean="0"/>
-              <a:t>!</a:t>
+              <a:t> Aproveite o brinquedo X que a fila está pequena!</a:t>
             </a:r>
             <a:endParaRPr lang="pt-BR" dirty="0"/>
           </a:p>
@@ -9733,14 +9699,37 @@
       </p:grpSpPr>
       <p:sp>
         <p:nvSpPr>
-          <p:cNvPr id="9" name="CaixaDeTexto 8"/>
+          <p:cNvPr id="2" name="Título 1"/>
+          <p:cNvSpPr>
+            <a:spLocks noGrp="1"/>
+          </p:cNvSpPr>
+          <p:nvPr>
+            <p:ph type="title"/>
+          </p:nvPr>
+        </p:nvSpPr>
+        <p:spPr/>
+        <p:txBody>
+          <a:bodyPr/>
+          <a:lstStyle/>
+          <a:p>
+            <a:r>
+              <a:rPr lang="pt-BR" dirty="0" smtClean="0"/>
+              <a:t>Fim</a:t>
+            </a:r>
+            <a:endParaRPr lang="pt-BR" dirty="0"/>
+          </a:p>
+        </p:txBody>
+      </p:sp>
+      <p:sp>
+        <p:nvSpPr>
+          <p:cNvPr id="3" name="CaixaDeTexto 2"/>
           <p:cNvSpPr txBox="1"/>
           <p:nvPr/>
         </p:nvSpPr>
         <p:spPr>
           <a:xfrm>
-            <a:off x="611560" y="2132856"/>
-            <a:ext cx="237566" cy="369332"/>
+            <a:off x="2786050" y="2285992"/>
+            <a:ext cx="3240360" cy="523220"/>
           </a:xfrm>
           <a:prstGeom prst="rect">
             <a:avLst/>
@@ -9748,29 +9737,29 @@
           <a:noFill/>
         </p:spPr>
         <p:txBody>
-          <a:bodyPr wrap="none" rtlCol="0">
+          <a:bodyPr wrap="square" rtlCol="0">
             <a:spAutoFit/>
           </a:bodyPr>
           <a:lstStyle/>
           <a:p>
             <a:r>
-              <a:rPr lang="pt-BR" dirty="0" smtClean="0"/>
-              <a:t> </a:t>
-            </a:r>
-            <a:endParaRPr lang="pt-BR" dirty="0"/>
-          </a:p>
-        </p:txBody>
-      </p:sp>
-      <p:sp>
-        <p:nvSpPr>
-          <p:cNvPr id="10" name="CaixaDeTexto 9"/>
+              <a:rPr lang="pt-BR" sz="2800" dirty="0" smtClean="0"/>
+              <a:t>Muito Obrigado!</a:t>
+            </a:r>
+            <a:endParaRPr lang="pt-BR" sz="2800" dirty="0"/>
+          </a:p>
+        </p:txBody>
+      </p:sp>
+      <p:sp>
+        <p:nvSpPr>
+          <p:cNvPr id="7" name="CaixaDeTexto 6"/>
           <p:cNvSpPr txBox="1"/>
           <p:nvPr/>
         </p:nvSpPr>
         <p:spPr>
           <a:xfrm>
-            <a:off x="539552" y="3131676"/>
-            <a:ext cx="7992888" cy="523220"/>
+            <a:off x="1214414" y="4929198"/>
+            <a:ext cx="6929486" cy="646331"/>
           </a:xfrm>
           <a:prstGeom prst="rect">
             <a:avLst/>
@@ -9783,121 +9772,6 @@
           </a:bodyPr>
           <a:lstStyle/>
           <a:p>
-            <a:pPr algn="ctr"/>
-            <a:r>
-              <a:rPr lang="pt-BR" sz="2800" b="1" dirty="0" smtClean="0"/>
-              <a:t>Dúvidas ?</a:t>
-            </a:r>
-          </a:p>
-        </p:txBody>
-      </p:sp>
-    </p:spTree>
-  </p:cSld>
-  <p:clrMapOvr>
-    <a:masterClrMapping/>
-  </p:clrMapOvr>
-  <p:timing>
-    <p:tnLst>
-      <p:par>
-        <p:cTn id="1" dur="indefinite" restart="never" nodeType="tmRoot"/>
-      </p:par>
-    </p:tnLst>
-  </p:timing>
-</p:sld>
-</file>
-
-<file path=ppt/slides/slide16.xml><?xml version="1.0" encoding="utf-8"?>
-<p:sld xmlns:a="http://schemas.openxmlformats.org/drawingml/2006/main" xmlns:r="http://schemas.openxmlformats.org/officeDocument/2006/relationships" xmlns:p="http://schemas.openxmlformats.org/presentationml/2006/main">
-  <p:cSld>
-    <p:spTree>
-      <p:nvGrpSpPr>
-        <p:cNvPr id="1" name=""/>
-        <p:cNvGrpSpPr/>
-        <p:nvPr/>
-      </p:nvGrpSpPr>
-      <p:grpSpPr>
-        <a:xfrm>
-          <a:off x="0" y="0"/>
-          <a:ext cx="0" cy="0"/>
-          <a:chOff x="0" y="0"/>
-          <a:chExt cx="0" cy="0"/>
-        </a:xfrm>
-      </p:grpSpPr>
-      <p:sp>
-        <p:nvSpPr>
-          <p:cNvPr id="2" name="Título 1"/>
-          <p:cNvSpPr>
-            <a:spLocks noGrp="1"/>
-          </p:cNvSpPr>
-          <p:nvPr>
-            <p:ph type="title"/>
-          </p:nvPr>
-        </p:nvSpPr>
-        <p:spPr/>
-        <p:txBody>
-          <a:bodyPr/>
-          <a:lstStyle/>
-          <a:p>
-            <a:r>
-              <a:rPr lang="pt-BR" dirty="0" smtClean="0"/>
-              <a:t>Fim</a:t>
-            </a:r>
-            <a:endParaRPr lang="pt-BR" dirty="0"/>
-          </a:p>
-        </p:txBody>
-      </p:sp>
-      <p:sp>
-        <p:nvSpPr>
-          <p:cNvPr id="3" name="CaixaDeTexto 2"/>
-          <p:cNvSpPr txBox="1"/>
-          <p:nvPr/>
-        </p:nvSpPr>
-        <p:spPr>
-          <a:xfrm>
-            <a:off x="2786050" y="2285992"/>
-            <a:ext cx="3240360" cy="523220"/>
-          </a:xfrm>
-          <a:prstGeom prst="rect">
-            <a:avLst/>
-          </a:prstGeom>
-          <a:noFill/>
-        </p:spPr>
-        <p:txBody>
-          <a:bodyPr wrap="square" rtlCol="0">
-            <a:spAutoFit/>
-          </a:bodyPr>
-          <a:lstStyle/>
-          <a:p>
-            <a:r>
-              <a:rPr lang="pt-BR" sz="2800" dirty="0" smtClean="0"/>
-              <a:t>Muito Obrigado!</a:t>
-            </a:r>
-            <a:endParaRPr lang="pt-BR" sz="2800" dirty="0"/>
-          </a:p>
-        </p:txBody>
-      </p:sp>
-      <p:sp>
-        <p:nvSpPr>
-          <p:cNvPr id="7" name="CaixaDeTexto 6"/>
-          <p:cNvSpPr txBox="1"/>
-          <p:nvPr/>
-        </p:nvSpPr>
-        <p:spPr>
-          <a:xfrm>
-            <a:off x="1214414" y="4929198"/>
-            <a:ext cx="6929486" cy="646331"/>
-          </a:xfrm>
-          <a:prstGeom prst="rect">
-            <a:avLst/>
-          </a:prstGeom>
-          <a:noFill/>
-        </p:spPr>
-        <p:txBody>
-          <a:bodyPr wrap="square" rtlCol="0">
-            <a:spAutoFit/>
-          </a:bodyPr>
-          <a:lstStyle/>
-          <a:p>
             <a:r>
               <a:rPr lang="pt-BR" i="1" dirty="0" smtClean="0"/>
               <a:t>“Felicidade é a certeza de que a vida não está passando </a:t>
@@ -9907,19 +9781,11 @@
             </a:br>
             <a:r>
               <a:rPr lang="pt-BR" i="1" dirty="0" smtClean="0"/>
-              <a:t>inutilmente</a:t>
-            </a:r>
-            <a:r>
-              <a:rPr lang="pt-BR" i="1" dirty="0" smtClean="0"/>
-              <a:t>.” </a:t>
+              <a:t>inutilmente.” </a:t>
             </a:r>
             <a:r>
               <a:rPr lang="pt-BR" dirty="0" smtClean="0"/>
-              <a:t>Erico </a:t>
-            </a:r>
-            <a:r>
-              <a:rPr lang="pt-BR" dirty="0" smtClean="0"/>
-              <a:t>Veríssimo</a:t>
+              <a:t>Erico Veríssimo</a:t>
             </a:r>
             <a:endParaRPr lang="pt-BR" dirty="0"/>
           </a:p>
@@ -10310,11 +10176,7 @@
           <a:p>
             <a:r>
               <a:rPr lang="pt-BR" dirty="0" smtClean="0"/>
-              <a:t>Quanto </a:t>
-            </a:r>
-            <a:r>
-              <a:rPr lang="pt-BR" dirty="0" smtClean="0"/>
-              <a:t>vale o seu tempo?</a:t>
+              <a:t>Quanto vale o seu tempo?</a:t>
             </a:r>
           </a:p>
         </p:txBody>
@@ -10462,7 +10324,6 @@
               <a:rPr lang="pt-BR" dirty="0" smtClean="0"/>
               <a:t>Parado em uma fila de um brinquedo em um parque.</a:t>
             </a:r>
-            <a:endParaRPr lang="pt-BR" dirty="0" smtClean="0"/>
           </a:p>
         </p:txBody>
       </p:sp>
@@ -10492,7 +10353,6 @@
               <a:rPr lang="pt-BR" dirty="0" smtClean="0"/>
               <a:t>É muito desgastante ficar parado em uma fila.</a:t>
             </a:r>
-            <a:endParaRPr lang="pt-BR" dirty="0" smtClean="0"/>
           </a:p>
         </p:txBody>
       </p:sp>
@@ -10520,13 +10380,8 @@
           <a:p>
             <a:r>
               <a:rPr lang="pt-BR" dirty="0" smtClean="0"/>
-              <a:t>Quantas atividades poderíamos ter feito durante este tempo todo</a:t>
-            </a:r>
-            <a:r>
-              <a:rPr lang="pt-BR" dirty="0" smtClean="0"/>
-              <a:t>?</a:t>
-            </a:r>
-            <a:endParaRPr lang="pt-BR" dirty="0" smtClean="0"/>
+              <a:t>Quantas atividades poderíamos ter feito durante este tempo todo?</a:t>
+            </a:r>
           </a:p>
         </p:txBody>
       </p:sp>
@@ -11067,13 +10922,8 @@
             <a:pPr lvl="1"/>
             <a:r>
               <a:rPr lang="pt-BR" dirty="0" smtClean="0"/>
-              <a:t>   respeitando as prioridades de cada </a:t>
-            </a:r>
-            <a:r>
-              <a:rPr lang="pt-BR" dirty="0" smtClean="0"/>
-              <a:t>um</a:t>
-            </a:r>
-            <a:endParaRPr lang="pt-BR" dirty="0" smtClean="0"/>
+              <a:t>   respeitando as prioridades de cada um</a:t>
+            </a:r>
           </a:p>
         </p:txBody>
       </p:sp>
@@ -11133,13 +10983,8 @@
           <a:p>
             <a:r>
               <a:rPr lang="pt-BR" dirty="0" smtClean="0"/>
-              <a:t>de informação para controlar uma fila de pessoas</a:t>
-            </a:r>
-            <a:r>
-              <a:rPr lang="pt-BR" dirty="0" smtClean="0"/>
-              <a:t>?</a:t>
-            </a:r>
-            <a:endParaRPr lang="pt-BR" dirty="0" smtClean="0"/>
+              <a:t>de informação para controlar uma fila de pessoas?</a:t>
+            </a:r>
           </a:p>
         </p:txBody>
       </p:sp>
@@ -11699,7 +11544,83 @@
   <p:timing>
     <p:tnLst>
       <p:par>
-        <p:cTn id="1" dur="indefinite" restart="never" nodeType="tmRoot"/>
+        <p:cTn id="1" dur="indefinite" restart="never" nodeType="tmRoot">
+          <p:childTnLst>
+            <p:seq concurrent="1" nextAc="seek">
+              <p:cTn id="2" dur="indefinite" nodeType="mainSeq">
+                <p:childTnLst>
+                  <p:par>
+                    <p:cTn id="3" fill="hold">
+                      <p:stCondLst>
+                        <p:cond delay="indefinite"/>
+                      </p:stCondLst>
+                      <p:childTnLst>
+                        <p:par>
+                          <p:cTn id="4" fill="hold">
+                            <p:stCondLst>
+                              <p:cond delay="0"/>
+                            </p:stCondLst>
+                            <p:childTnLst>
+                              <p:par>
+                                <p:cTn id="5" presetID="4" presetClass="entr" presetSubtype="16" fill="hold" nodeType="clickEffect">
+                                  <p:stCondLst>
+                                    <p:cond delay="0"/>
+                                  </p:stCondLst>
+                                  <p:childTnLst>
+                                    <p:set>
+                                      <p:cBhvr>
+                                        <p:cTn id="6" dur="1" fill="hold">
+                                          <p:stCondLst>
+                                            <p:cond delay="0"/>
+                                          </p:stCondLst>
+                                        </p:cTn>
+                                        <p:tgtEl>
+                                          <p:spTgt spid="5"/>
+                                        </p:tgtEl>
+                                        <p:attrNameLst>
+                                          <p:attrName>style.visibility</p:attrName>
+                                        </p:attrNameLst>
+                                      </p:cBhvr>
+                                      <p:to>
+                                        <p:strVal val="visible"/>
+                                      </p:to>
+                                    </p:set>
+                                    <p:animEffect transition="in" filter="box(in)">
+                                      <p:cBhvr>
+                                        <p:cTn id="7" dur="500"/>
+                                        <p:tgtEl>
+                                          <p:spTgt spid="5"/>
+                                        </p:tgtEl>
+                                      </p:cBhvr>
+                                    </p:animEffect>
+                                  </p:childTnLst>
+                                </p:cTn>
+                              </p:par>
+                            </p:childTnLst>
+                          </p:cTn>
+                        </p:par>
+                      </p:childTnLst>
+                    </p:cTn>
+                  </p:par>
+                </p:childTnLst>
+              </p:cTn>
+              <p:prevCondLst>
+                <p:cond evt="onPrev" delay="0">
+                  <p:tgtEl>
+                    <p:sldTgt/>
+                  </p:tgtEl>
+                </p:cond>
+              </p:prevCondLst>
+              <p:nextCondLst>
+                <p:cond evt="onNext" delay="0">
+                  <p:tgtEl>
+                    <p:sldTgt/>
+                  </p:tgtEl>
+                </p:cond>
+              </p:nextCondLst>
+            </p:seq>
+          </p:childTnLst>
+        </p:cTn>
       </p:par>
     </p:tnLst>
   </p:timing>
@@ -11754,8 +11675,8 @@
         </p:nvSpPr>
         <p:spPr>
           <a:xfrm>
-            <a:off x="1142976" y="2000240"/>
-            <a:ext cx="7000924" cy="3139321"/>
+            <a:off x="1099468" y="2272804"/>
+            <a:ext cx="7000924" cy="2308324"/>
           </a:xfrm>
           <a:prstGeom prst="rect">
             <a:avLst/>
@@ -11778,16 +11699,6 @@
           </a:p>
           <a:p>
             <a:endParaRPr lang="pt-BR" dirty="0" smtClean="0"/>
-          </a:p>
-          <a:p>
-            <a:pPr>
-              <a:buFontTx/>
-              <a:buChar char="-"/>
-            </a:pPr>
-            <a:r>
-              <a:rPr lang="pt-BR" dirty="0" smtClean="0"/>
-              <a:t> Só é permitido se cadastrar em um brinquedo por vez.</a:t>
-            </a:r>
           </a:p>
           <a:p>
             <a:pPr>
@@ -11810,12 +11721,14 @@
             </a:pPr>
             <a:r>
               <a:rPr lang="pt-BR" dirty="0" smtClean="0"/>
-              <a:t> É indicado que o Parque amplie suas áreas de lazer e atrações como peças teatrais e shows para entreter os visitantes enquanto aguardam sua vez no brinquedo, fazendo o tempo passar mais rápido e ocasionando mais conforto aos clientes</a:t>
+              <a:t> </a:t>
             </a:r>
             <a:r>
               <a:rPr lang="pt-BR" dirty="0" smtClean="0"/>
-              <a:t>.’</a:t>
-            </a:r>
+              <a:t>Só é permitido se cadastrar em um brinquedo por vez.</a:t>
+            </a:r>
+          </a:p>
+          <a:p>
             <a:endParaRPr lang="pt-BR" dirty="0" smtClean="0"/>
           </a:p>
         </p:txBody>
